--- a/BAND-survey-project-submission.pptx
+++ b/BAND-survey-project-submission.pptx
@@ -1,28 +1,33 @@
 
 <file path=ppt/presentation.xml><?xml version="1.0" encoding="utf-8"?>
-<p:presentation xmlns:a="http://schemas.openxmlformats.org/drawingml/2006/main" xmlns:r="http://schemas.openxmlformats.org/officeDocument/2006/relationships" xmlns:mc="http://schemas.openxmlformats.org/markup-compatibility/2006" xmlns:mv="urn:schemas-microsoft-com:mac:vml" xmlns:p="http://schemas.openxmlformats.org/presentationml/2006/main" xmlns:c="http://schemas.openxmlformats.org/drawingml/2006/chart" xmlns:dgm="http://schemas.openxmlformats.org/drawingml/2006/diagram" xmlns:o="urn:schemas-microsoft-com:office:office" xmlns:v="urn:schemas-microsoft-com:vml" xmlns:pvml="urn:schemas-microsoft-com:office:powerpoint" xmlns:com="http://schemas.openxmlformats.org/drawingml/2006/compatibility" xmlns:p14="http://schemas.microsoft.com/office/powerpoint/2010/main" xmlns:p15="http://schemas.microsoft.com/office/powerpoint/2012/main" autoCompressPictures="0" embedTrueTypeFonts="1" strictFirstAndLastChars="0" saveSubsetFonts="1">
+<p:presentation xmlns:a="http://schemas.openxmlformats.org/drawingml/2006/main" xmlns:r="http://schemas.openxmlformats.org/officeDocument/2006/relationships" xmlns:p="http://schemas.openxmlformats.org/presentationml/2006/main" strictFirstAndLastChars="0" embedTrueTypeFonts="1" saveSubsetFonts="1" autoCompressPictures="0">
   <p:sldMasterIdLst>
-    <p:sldMasterId id="2147483659" r:id="rId4"/>
+    <p:sldMasterId id="2147483659" r:id="rId1"/>
   </p:sldMasterIdLst>
   <p:notesMasterIdLst>
-    <p:notesMasterId r:id="rId5"/>
+    <p:notesMasterId r:id="rId4"/>
   </p:notesMasterIdLst>
   <p:sldIdLst>
-    <p:sldId id="256" r:id="rId6"/>
+    <p:sldId id="256" r:id="rId2"/>
+    <p:sldId id="257" r:id="rId3"/>
   </p:sldIdLst>
-  <p:sldSz cy="5143500" cx="9144000"/>
+  <p:sldSz cx="9144000" cy="5143500" type="screen16x9"/>
   <p:notesSz cx="6858000" cy="9144000"/>
   <p:embeddedFontLst>
     <p:embeddedFont>
-      <p:font typeface="Open Sans"/>
-      <p:regular r:id="rId7"/>
-      <p:bold r:id="rId8"/>
-      <p:italic r:id="rId9"/>
-      <p:boldItalic r:id="rId10"/>
+      <p:font typeface="1" panose="020B0606030504020204" pitchFamily="34" charset="0"/>
+      <p:regular r:id="rId5"/>
+    </p:embeddedFont>
+    <p:embeddedFont>
+      <p:font typeface="Open Sans" panose="020B0606030504020204" pitchFamily="34" charset="0"/>
+      <p:regular r:id="rId6"/>
+      <p:bold r:id="rId7"/>
+      <p:italic r:id="rId8"/>
+      <p:boldItalic r:id="rId9"/>
     </p:embeddedFont>
   </p:embeddedFontLst>
   <p:defaultTextStyle>
-    <a:defPPr lvl="0" marR="0" rtl="0" algn="l">
+    <a:defPPr marR="0" lvl="0" algn="l" rtl="0">
       <a:lnSpc>
         <a:spcPct val="100000"/>
       </a:lnSpc>
@@ -33,7 +38,7 @@
         <a:spcPts val="0"/>
       </a:spcAft>
     </a:defPPr>
-    <a:lvl1pPr lvl="0" marR="0" rtl="0" algn="l">
+    <a:lvl1pPr marR="0" lvl="0" algn="l" rtl="0">
       <a:lnSpc>
         <a:spcPct val="100000"/>
       </a:lnSpc>
@@ -44,7 +49,7 @@
         <a:spcPts val="0"/>
       </a:spcAft>
       <a:buNone/>
-      <a:defRPr b="0" i="0" sz="1400" u="none" cap="none" strike="noStrike">
+      <a:defRPr sz="1400" b="0" i="0" u="none" strike="noStrike" cap="none">
         <a:solidFill>
           <a:srgbClr val="000000"/>
         </a:solidFill>
@@ -54,7 +59,7 @@
         <a:sym typeface="Arial"/>
       </a:defRPr>
     </a:lvl1pPr>
-    <a:lvl2pPr lvl="1" marR="0" rtl="0" algn="l">
+    <a:lvl2pPr marR="0" lvl="1" algn="l" rtl="0">
       <a:lnSpc>
         <a:spcPct val="100000"/>
       </a:lnSpc>
@@ -65,7 +70,7 @@
         <a:spcPts val="0"/>
       </a:spcAft>
       <a:buNone/>
-      <a:defRPr b="0" i="0" sz="1400" u="none" cap="none" strike="noStrike">
+      <a:defRPr sz="1400" b="0" i="0" u="none" strike="noStrike" cap="none">
         <a:solidFill>
           <a:srgbClr val="000000"/>
         </a:solidFill>
@@ -75,7 +80,7 @@
         <a:sym typeface="Arial"/>
       </a:defRPr>
     </a:lvl2pPr>
-    <a:lvl3pPr lvl="2" marR="0" rtl="0" algn="l">
+    <a:lvl3pPr marR="0" lvl="2" algn="l" rtl="0">
       <a:lnSpc>
         <a:spcPct val="100000"/>
       </a:lnSpc>
@@ -86,7 +91,7 @@
         <a:spcPts val="0"/>
       </a:spcAft>
       <a:buNone/>
-      <a:defRPr b="0" i="0" sz="1400" u="none" cap="none" strike="noStrike">
+      <a:defRPr sz="1400" b="0" i="0" u="none" strike="noStrike" cap="none">
         <a:solidFill>
           <a:srgbClr val="000000"/>
         </a:solidFill>
@@ -96,7 +101,7 @@
         <a:sym typeface="Arial"/>
       </a:defRPr>
     </a:lvl3pPr>
-    <a:lvl4pPr lvl="3" marR="0" rtl="0" algn="l">
+    <a:lvl4pPr marR="0" lvl="3" algn="l" rtl="0">
       <a:lnSpc>
         <a:spcPct val="100000"/>
       </a:lnSpc>
@@ -107,7 +112,7 @@
         <a:spcPts val="0"/>
       </a:spcAft>
       <a:buNone/>
-      <a:defRPr b="0" i="0" sz="1400" u="none" cap="none" strike="noStrike">
+      <a:defRPr sz="1400" b="0" i="0" u="none" strike="noStrike" cap="none">
         <a:solidFill>
           <a:srgbClr val="000000"/>
         </a:solidFill>
@@ -117,7 +122,7 @@
         <a:sym typeface="Arial"/>
       </a:defRPr>
     </a:lvl4pPr>
-    <a:lvl5pPr lvl="4" marR="0" rtl="0" algn="l">
+    <a:lvl5pPr marR="0" lvl="4" algn="l" rtl="0">
       <a:lnSpc>
         <a:spcPct val="100000"/>
       </a:lnSpc>
@@ -128,7 +133,7 @@
         <a:spcPts val="0"/>
       </a:spcAft>
       <a:buNone/>
-      <a:defRPr b="0" i="0" sz="1400" u="none" cap="none" strike="noStrike">
+      <a:defRPr sz="1400" b="0" i="0" u="none" strike="noStrike" cap="none">
         <a:solidFill>
           <a:srgbClr val="000000"/>
         </a:solidFill>
@@ -138,7 +143,7 @@
         <a:sym typeface="Arial"/>
       </a:defRPr>
     </a:lvl5pPr>
-    <a:lvl6pPr lvl="5" marR="0" rtl="0" algn="l">
+    <a:lvl6pPr marR="0" lvl="5" algn="l" rtl="0">
       <a:lnSpc>
         <a:spcPct val="100000"/>
       </a:lnSpc>
@@ -149,7 +154,7 @@
         <a:spcPts val="0"/>
       </a:spcAft>
       <a:buNone/>
-      <a:defRPr b="0" i="0" sz="1400" u="none" cap="none" strike="noStrike">
+      <a:defRPr sz="1400" b="0" i="0" u="none" strike="noStrike" cap="none">
         <a:solidFill>
           <a:srgbClr val="000000"/>
         </a:solidFill>
@@ -159,7 +164,7 @@
         <a:sym typeface="Arial"/>
       </a:defRPr>
     </a:lvl6pPr>
-    <a:lvl7pPr lvl="6" marR="0" rtl="0" algn="l">
+    <a:lvl7pPr marR="0" lvl="6" algn="l" rtl="0">
       <a:lnSpc>
         <a:spcPct val="100000"/>
       </a:lnSpc>
@@ -170,7 +175,7 @@
         <a:spcPts val="0"/>
       </a:spcAft>
       <a:buNone/>
-      <a:defRPr b="0" i="0" sz="1400" u="none" cap="none" strike="noStrike">
+      <a:defRPr sz="1400" b="0" i="0" u="none" strike="noStrike" cap="none">
         <a:solidFill>
           <a:srgbClr val="000000"/>
         </a:solidFill>
@@ -180,7 +185,7 @@
         <a:sym typeface="Arial"/>
       </a:defRPr>
     </a:lvl7pPr>
-    <a:lvl8pPr lvl="7" marR="0" rtl="0" algn="l">
+    <a:lvl8pPr marR="0" lvl="7" algn="l" rtl="0">
       <a:lnSpc>
         <a:spcPct val="100000"/>
       </a:lnSpc>
@@ -191,7 +196,7 @@
         <a:spcPts val="0"/>
       </a:spcAft>
       <a:buNone/>
-      <a:defRPr b="0" i="0" sz="1400" u="none" cap="none" strike="noStrike">
+      <a:defRPr sz="1400" b="0" i="0" u="none" strike="noStrike" cap="none">
         <a:solidFill>
           <a:srgbClr val="000000"/>
         </a:solidFill>
@@ -201,7 +206,7 @@
         <a:sym typeface="Arial"/>
       </a:defRPr>
     </a:lvl8pPr>
-    <a:lvl9pPr lvl="8" marR="0" rtl="0" algn="l">
+    <a:lvl9pPr marR="0" lvl="8" algn="l" rtl="0">
       <a:lnSpc>
         <a:spcPct val="100000"/>
       </a:lnSpc>
@@ -212,7 +217,7 @@
         <a:spcPts val="0"/>
       </a:spcAft>
       <a:buNone/>
-      <a:defRPr b="0" i="0" sz="1400" u="none" cap="none" strike="noStrike">
+      <a:defRPr sz="1400" b="0" i="0" u="none" strike="noStrike" cap="none">
         <a:solidFill>
           <a:srgbClr val="000000"/>
         </a:solidFill>
@@ -226,12 +231,2752 @@
 </p:presentation>
 </file>
 
+<file path=ppt/charts/chart1.xml><?xml version="1.0" encoding="utf-8"?>
+<c:chartSpace xmlns:c="http://schemas.openxmlformats.org/drawingml/2006/chart" xmlns:a="http://schemas.openxmlformats.org/drawingml/2006/main" xmlns:r="http://schemas.openxmlformats.org/officeDocument/2006/relationships" xmlns:c16r2="http://schemas.microsoft.com/office/drawing/2015/06/chart">
+  <c:date1904 val="0"/>
+  <c:lang val="en-US"/>
+  <c:roundedCorners val="0"/>
+  <mc:AlternateContent xmlns:mc="http://schemas.openxmlformats.org/markup-compatibility/2006">
+    <mc:Choice xmlns:c14="http://schemas.microsoft.com/office/drawing/2007/8/2/chart" Requires="c14">
+      <c14:style val="102"/>
+    </mc:Choice>
+    <mc:Fallback>
+      <c:style val="2"/>
+    </mc:Fallback>
+  </mc:AlternateContent>
+  <c:pivotSource>
+    <c:name>[surveydata.xlsx]degree!PivotTable6</c:name>
+    <c:fmtId val="11"/>
+  </c:pivotSource>
+  <c:chart>
+    <c:title>
+      <c:tx>
+        <c:rich>
+          <a:bodyPr rot="0" spcFirstLastPara="1" vertOverflow="ellipsis" vert="horz" wrap="square" anchor="ctr" anchorCtr="1"/>
+          <a:lstStyle/>
+          <a:p>
+            <a:pPr>
+              <a:defRPr sz="1400" b="0" i="0" u="none" strike="noStrike" kern="1200" spc="0" baseline="0">
+                <a:solidFill>
+                  <a:schemeClr val="tx1">
+                    <a:lumMod val="65000"/>
+                    <a:lumOff val="35000"/>
+                  </a:schemeClr>
+                </a:solidFill>
+                <a:latin typeface="+mn-lt"/>
+                <a:ea typeface="+mn-ea"/>
+                <a:cs typeface="+mn-cs"/>
+              </a:defRPr>
+            </a:pPr>
+            <a:r>
+              <a:rPr lang="en-US" altLang="zh-CN" dirty="0"/>
+              <a:t>Students</a:t>
+            </a:r>
+            <a:r>
+              <a:rPr lang="zh-CN" altLang="en-US" dirty="0"/>
+              <a:t> </a:t>
+            </a:r>
+            <a:r>
+              <a:rPr lang="en-US" altLang="zh-CN" dirty="0"/>
+              <a:t>Degree</a:t>
+            </a:r>
+            <a:r>
+              <a:rPr lang="zh-CN" altLang="en-US" dirty="0"/>
+              <a:t> </a:t>
+            </a:r>
+            <a:r>
+              <a:rPr lang="en-US" altLang="zh-CN" dirty="0"/>
+              <a:t>Overview</a:t>
+            </a:r>
+            <a:endParaRPr lang="en-US" dirty="0"/>
+          </a:p>
+        </c:rich>
+      </c:tx>
+      <c:overlay val="0"/>
+      <c:spPr>
+        <a:noFill/>
+        <a:ln>
+          <a:noFill/>
+        </a:ln>
+        <a:effectLst/>
+      </c:spPr>
+      <c:txPr>
+        <a:bodyPr rot="0" spcFirstLastPara="1" vertOverflow="ellipsis" vert="horz" wrap="square" anchor="ctr" anchorCtr="1"/>
+        <a:lstStyle/>
+        <a:p>
+          <a:pPr>
+            <a:defRPr sz="1400" b="0" i="0" u="none" strike="noStrike" kern="1200" spc="0" baseline="0">
+              <a:solidFill>
+                <a:schemeClr val="tx1">
+                  <a:lumMod val="65000"/>
+                  <a:lumOff val="35000"/>
+                </a:schemeClr>
+              </a:solidFill>
+              <a:latin typeface="+mn-lt"/>
+              <a:ea typeface="+mn-ea"/>
+              <a:cs typeface="+mn-cs"/>
+            </a:defRPr>
+          </a:pPr>
+          <a:endParaRPr lang="en-US"/>
+        </a:p>
+      </c:txPr>
+    </c:title>
+    <c:autoTitleDeleted val="0"/>
+    <c:pivotFmts>
+      <c:pivotFmt>
+        <c:idx val="0"/>
+        <c:spPr>
+          <a:solidFill>
+            <a:schemeClr val="accent1"/>
+          </a:solidFill>
+          <a:ln w="19050">
+            <a:solidFill>
+              <a:schemeClr val="lt1"/>
+            </a:solidFill>
+          </a:ln>
+          <a:effectLst/>
+        </c:spPr>
+        <c:marker>
+          <c:symbol val="none"/>
+        </c:marker>
+      </c:pivotFmt>
+      <c:pivotFmt>
+        <c:idx val="1"/>
+        <c:spPr>
+          <a:solidFill>
+            <a:schemeClr val="accent1"/>
+          </a:solidFill>
+          <a:ln w="19050">
+            <a:solidFill>
+              <a:schemeClr val="lt1"/>
+            </a:solidFill>
+          </a:ln>
+          <a:effectLst/>
+        </c:spPr>
+        <c:marker>
+          <c:symbol val="none"/>
+        </c:marker>
+        <c:dLbl>
+          <c:idx val="0"/>
+          <c:spPr>
+            <a:noFill/>
+            <a:ln>
+              <a:noFill/>
+            </a:ln>
+            <a:effectLst/>
+          </c:spPr>
+          <c:txPr>
+            <a:bodyPr rot="0" spcFirstLastPara="1" vertOverflow="ellipsis" vert="horz" wrap="square" lIns="38100" tIns="19050" rIns="38100" bIns="19050" anchor="ctr" anchorCtr="1">
+              <a:spAutoFit/>
+            </a:bodyPr>
+            <a:lstStyle/>
+            <a:p>
+              <a:pPr>
+                <a:defRPr sz="900" b="0" i="0" u="none" strike="noStrike" kern="1200" baseline="0">
+                  <a:solidFill>
+                    <a:schemeClr val="tx1">
+                      <a:lumMod val="75000"/>
+                      <a:lumOff val="25000"/>
+                    </a:schemeClr>
+                  </a:solidFill>
+                  <a:latin typeface="+mn-lt"/>
+                  <a:ea typeface="+mn-ea"/>
+                  <a:cs typeface="+mn-cs"/>
+                </a:defRPr>
+              </a:pPr>
+              <a:endParaRPr lang="en-US"/>
+            </a:p>
+          </c:txPr>
+          <c:dLblPos val="bestFit"/>
+          <c:showLegendKey val="0"/>
+          <c:showVal val="0"/>
+          <c:showCatName val="0"/>
+          <c:showSerName val="0"/>
+          <c:showPercent val="1"/>
+          <c:showBubbleSize val="0"/>
+          <c:extLst>
+            <c:ext xmlns:c15="http://schemas.microsoft.com/office/drawing/2012/chart" uri="{CE6537A1-D6FC-4f65-9D91-7224C49458BB}"/>
+          </c:extLst>
+        </c:dLbl>
+      </c:pivotFmt>
+      <c:pivotFmt>
+        <c:idx val="2"/>
+        <c:spPr>
+          <a:solidFill>
+            <a:schemeClr val="accent1"/>
+          </a:solidFill>
+          <a:ln w="19050">
+            <a:solidFill>
+              <a:schemeClr val="lt1"/>
+            </a:solidFill>
+          </a:ln>
+          <a:effectLst/>
+        </c:spPr>
+      </c:pivotFmt>
+      <c:pivotFmt>
+        <c:idx val="3"/>
+        <c:spPr>
+          <a:solidFill>
+            <a:schemeClr val="accent1"/>
+          </a:solidFill>
+          <a:ln w="19050">
+            <a:solidFill>
+              <a:schemeClr val="lt1"/>
+            </a:solidFill>
+          </a:ln>
+          <a:effectLst/>
+        </c:spPr>
+      </c:pivotFmt>
+      <c:pivotFmt>
+        <c:idx val="4"/>
+        <c:spPr>
+          <a:solidFill>
+            <a:schemeClr val="accent1"/>
+          </a:solidFill>
+          <a:ln w="19050">
+            <a:solidFill>
+              <a:schemeClr val="lt1"/>
+            </a:solidFill>
+          </a:ln>
+          <a:effectLst/>
+        </c:spPr>
+      </c:pivotFmt>
+      <c:pivotFmt>
+        <c:idx val="5"/>
+        <c:spPr>
+          <a:solidFill>
+            <a:schemeClr val="accent1"/>
+          </a:solidFill>
+          <a:ln w="19050">
+            <a:solidFill>
+              <a:schemeClr val="lt1"/>
+            </a:solidFill>
+          </a:ln>
+          <a:effectLst/>
+        </c:spPr>
+      </c:pivotFmt>
+      <c:pivotFmt>
+        <c:idx val="6"/>
+        <c:spPr>
+          <a:solidFill>
+            <a:schemeClr val="accent1"/>
+          </a:solidFill>
+          <a:ln w="19050">
+            <a:solidFill>
+              <a:schemeClr val="lt1"/>
+            </a:solidFill>
+          </a:ln>
+          <a:effectLst/>
+        </c:spPr>
+      </c:pivotFmt>
+      <c:pivotFmt>
+        <c:idx val="7"/>
+        <c:spPr>
+          <a:solidFill>
+            <a:schemeClr val="accent1"/>
+          </a:solidFill>
+          <a:ln w="19050">
+            <a:solidFill>
+              <a:schemeClr val="lt1"/>
+            </a:solidFill>
+          </a:ln>
+          <a:effectLst/>
+        </c:spPr>
+      </c:pivotFmt>
+      <c:pivotFmt>
+        <c:idx val="8"/>
+        <c:spPr>
+          <a:solidFill>
+            <a:schemeClr val="accent1"/>
+          </a:solidFill>
+          <a:ln w="19050">
+            <a:solidFill>
+              <a:schemeClr val="lt1"/>
+            </a:solidFill>
+          </a:ln>
+          <a:effectLst/>
+        </c:spPr>
+        <c:marker>
+          <c:symbol val="none"/>
+        </c:marker>
+        <c:dLbl>
+          <c:idx val="0"/>
+          <c:spPr>
+            <a:noFill/>
+            <a:ln>
+              <a:noFill/>
+            </a:ln>
+            <a:effectLst/>
+          </c:spPr>
+          <c:txPr>
+            <a:bodyPr rot="0" spcFirstLastPara="1" vertOverflow="ellipsis" vert="horz" wrap="square" lIns="38100" tIns="19050" rIns="38100" bIns="19050" anchor="ctr" anchorCtr="1">
+              <a:spAutoFit/>
+            </a:bodyPr>
+            <a:lstStyle/>
+            <a:p>
+              <a:pPr>
+                <a:defRPr sz="900" b="0" i="0" u="none" strike="noStrike" kern="1200" baseline="0">
+                  <a:solidFill>
+                    <a:schemeClr val="tx1">
+                      <a:lumMod val="75000"/>
+                      <a:lumOff val="25000"/>
+                    </a:schemeClr>
+                  </a:solidFill>
+                  <a:latin typeface="+mn-lt"/>
+                  <a:ea typeface="+mn-ea"/>
+                  <a:cs typeface="+mn-cs"/>
+                </a:defRPr>
+              </a:pPr>
+              <a:endParaRPr lang="en-US"/>
+            </a:p>
+          </c:txPr>
+          <c:dLblPos val="bestFit"/>
+          <c:showLegendKey val="0"/>
+          <c:showVal val="0"/>
+          <c:showCatName val="0"/>
+          <c:showSerName val="0"/>
+          <c:showPercent val="1"/>
+          <c:showBubbleSize val="0"/>
+          <c:extLst>
+            <c:ext xmlns:c15="http://schemas.microsoft.com/office/drawing/2012/chart" uri="{CE6537A1-D6FC-4f65-9D91-7224C49458BB}"/>
+          </c:extLst>
+        </c:dLbl>
+      </c:pivotFmt>
+      <c:pivotFmt>
+        <c:idx val="9"/>
+        <c:spPr>
+          <a:solidFill>
+            <a:schemeClr val="accent1"/>
+          </a:solidFill>
+          <a:ln w="19050">
+            <a:solidFill>
+              <a:schemeClr val="lt1"/>
+            </a:solidFill>
+          </a:ln>
+          <a:effectLst/>
+        </c:spPr>
+      </c:pivotFmt>
+      <c:pivotFmt>
+        <c:idx val="10"/>
+        <c:spPr>
+          <a:solidFill>
+            <a:schemeClr val="accent1"/>
+          </a:solidFill>
+          <a:ln w="19050">
+            <a:solidFill>
+              <a:schemeClr val="lt1"/>
+            </a:solidFill>
+          </a:ln>
+          <a:effectLst/>
+        </c:spPr>
+      </c:pivotFmt>
+      <c:pivotFmt>
+        <c:idx val="11"/>
+        <c:spPr>
+          <a:solidFill>
+            <a:schemeClr val="accent1"/>
+          </a:solidFill>
+          <a:ln w="19050">
+            <a:solidFill>
+              <a:schemeClr val="lt1"/>
+            </a:solidFill>
+          </a:ln>
+          <a:effectLst/>
+        </c:spPr>
+      </c:pivotFmt>
+      <c:pivotFmt>
+        <c:idx val="12"/>
+        <c:spPr>
+          <a:solidFill>
+            <a:schemeClr val="accent1"/>
+          </a:solidFill>
+          <a:ln w="19050">
+            <a:solidFill>
+              <a:schemeClr val="lt1"/>
+            </a:solidFill>
+          </a:ln>
+          <a:effectLst/>
+        </c:spPr>
+      </c:pivotFmt>
+      <c:pivotFmt>
+        <c:idx val="13"/>
+        <c:spPr>
+          <a:solidFill>
+            <a:schemeClr val="accent1"/>
+          </a:solidFill>
+          <a:ln w="19050">
+            <a:solidFill>
+              <a:schemeClr val="lt1"/>
+            </a:solidFill>
+          </a:ln>
+          <a:effectLst/>
+        </c:spPr>
+      </c:pivotFmt>
+      <c:pivotFmt>
+        <c:idx val="14"/>
+        <c:spPr>
+          <a:solidFill>
+            <a:schemeClr val="accent1"/>
+          </a:solidFill>
+          <a:ln w="19050">
+            <a:solidFill>
+              <a:schemeClr val="lt1"/>
+            </a:solidFill>
+          </a:ln>
+          <a:effectLst/>
+        </c:spPr>
+      </c:pivotFmt>
+      <c:pivotFmt>
+        <c:idx val="15"/>
+        <c:spPr>
+          <a:solidFill>
+            <a:schemeClr val="accent1"/>
+          </a:solidFill>
+          <a:ln w="19050">
+            <a:solidFill>
+              <a:schemeClr val="lt1"/>
+            </a:solidFill>
+          </a:ln>
+          <a:effectLst/>
+        </c:spPr>
+        <c:marker>
+          <c:symbol val="none"/>
+        </c:marker>
+        <c:dLbl>
+          <c:idx val="0"/>
+          <c:spPr>
+            <a:noFill/>
+            <a:ln>
+              <a:noFill/>
+            </a:ln>
+            <a:effectLst/>
+          </c:spPr>
+          <c:txPr>
+            <a:bodyPr rot="0" spcFirstLastPara="1" vertOverflow="ellipsis" vert="horz" wrap="square" lIns="38100" tIns="19050" rIns="38100" bIns="19050" anchor="ctr" anchorCtr="1">
+              <a:spAutoFit/>
+            </a:bodyPr>
+            <a:lstStyle/>
+            <a:p>
+              <a:pPr>
+                <a:defRPr sz="900" b="0" i="0" u="none" strike="noStrike" kern="1200" baseline="0">
+                  <a:solidFill>
+                    <a:schemeClr val="tx1">
+                      <a:lumMod val="75000"/>
+                      <a:lumOff val="25000"/>
+                    </a:schemeClr>
+                  </a:solidFill>
+                  <a:latin typeface="+mn-lt"/>
+                  <a:ea typeface="+mn-ea"/>
+                  <a:cs typeface="+mn-cs"/>
+                </a:defRPr>
+              </a:pPr>
+              <a:endParaRPr lang="en-US"/>
+            </a:p>
+          </c:txPr>
+          <c:dLblPos val="bestFit"/>
+          <c:showLegendKey val="0"/>
+          <c:showVal val="0"/>
+          <c:showCatName val="0"/>
+          <c:showSerName val="0"/>
+          <c:showPercent val="1"/>
+          <c:showBubbleSize val="0"/>
+          <c:extLst>
+            <c:ext xmlns:c15="http://schemas.microsoft.com/office/drawing/2012/chart" uri="{CE6537A1-D6FC-4f65-9D91-7224C49458BB}"/>
+          </c:extLst>
+        </c:dLbl>
+      </c:pivotFmt>
+      <c:pivotFmt>
+        <c:idx val="16"/>
+        <c:spPr>
+          <a:solidFill>
+            <a:schemeClr val="accent1"/>
+          </a:solidFill>
+          <a:ln w="19050">
+            <a:solidFill>
+              <a:schemeClr val="lt1"/>
+            </a:solidFill>
+          </a:ln>
+          <a:effectLst/>
+        </c:spPr>
+      </c:pivotFmt>
+      <c:pivotFmt>
+        <c:idx val="17"/>
+        <c:spPr>
+          <a:solidFill>
+            <a:schemeClr val="accent1"/>
+          </a:solidFill>
+          <a:ln w="19050">
+            <a:solidFill>
+              <a:schemeClr val="lt1"/>
+            </a:solidFill>
+          </a:ln>
+          <a:effectLst/>
+        </c:spPr>
+      </c:pivotFmt>
+      <c:pivotFmt>
+        <c:idx val="18"/>
+        <c:spPr>
+          <a:solidFill>
+            <a:schemeClr val="accent1"/>
+          </a:solidFill>
+          <a:ln w="19050">
+            <a:solidFill>
+              <a:schemeClr val="lt1"/>
+            </a:solidFill>
+          </a:ln>
+          <a:effectLst/>
+        </c:spPr>
+      </c:pivotFmt>
+      <c:pivotFmt>
+        <c:idx val="19"/>
+        <c:spPr>
+          <a:solidFill>
+            <a:schemeClr val="accent1"/>
+          </a:solidFill>
+          <a:ln w="19050">
+            <a:solidFill>
+              <a:schemeClr val="lt1"/>
+            </a:solidFill>
+          </a:ln>
+          <a:effectLst/>
+        </c:spPr>
+      </c:pivotFmt>
+      <c:pivotFmt>
+        <c:idx val="20"/>
+        <c:spPr>
+          <a:solidFill>
+            <a:schemeClr val="accent1"/>
+          </a:solidFill>
+          <a:ln w="19050">
+            <a:solidFill>
+              <a:schemeClr val="lt1"/>
+            </a:solidFill>
+          </a:ln>
+          <a:effectLst/>
+        </c:spPr>
+      </c:pivotFmt>
+      <c:pivotFmt>
+        <c:idx val="21"/>
+        <c:spPr>
+          <a:solidFill>
+            <a:schemeClr val="accent1"/>
+          </a:solidFill>
+          <a:ln w="19050">
+            <a:solidFill>
+              <a:schemeClr val="lt1"/>
+            </a:solidFill>
+          </a:ln>
+          <a:effectLst/>
+        </c:spPr>
+      </c:pivotFmt>
+    </c:pivotFmts>
+    <c:plotArea>
+      <c:layout/>
+      <c:pieChart>
+        <c:varyColors val="1"/>
+        <c:ser>
+          <c:idx val="0"/>
+          <c:order val="0"/>
+          <c:tx>
+            <c:strRef>
+              <c:f>degree!$B$3</c:f>
+              <c:strCache>
+                <c:ptCount val="1"/>
+                <c:pt idx="0">
+                  <c:v>Total</c:v>
+                </c:pt>
+              </c:strCache>
+            </c:strRef>
+          </c:tx>
+          <c:dPt>
+            <c:idx val="0"/>
+            <c:bubble3D val="0"/>
+            <c:spPr>
+              <a:solidFill>
+                <a:schemeClr val="accent1"/>
+              </a:solidFill>
+              <a:ln w="19050">
+                <a:solidFill>
+                  <a:schemeClr val="lt1"/>
+                </a:solidFill>
+              </a:ln>
+              <a:effectLst/>
+            </c:spPr>
+            <c:extLst>
+              <c:ext xmlns:c16="http://schemas.microsoft.com/office/drawing/2014/chart" uri="{C3380CC4-5D6E-409C-BE32-E72D297353CC}">
+                <c16:uniqueId val="{00000001-FA17-434E-A2B7-86D63CA5DA0D}"/>
+              </c:ext>
+            </c:extLst>
+          </c:dPt>
+          <c:dPt>
+            <c:idx val="1"/>
+            <c:bubble3D val="0"/>
+            <c:spPr>
+              <a:solidFill>
+                <a:schemeClr val="accent2"/>
+              </a:solidFill>
+              <a:ln w="19050">
+                <a:solidFill>
+                  <a:schemeClr val="lt1"/>
+                </a:solidFill>
+              </a:ln>
+              <a:effectLst/>
+            </c:spPr>
+            <c:extLst>
+              <c:ext xmlns:c16="http://schemas.microsoft.com/office/drawing/2014/chart" uri="{C3380CC4-5D6E-409C-BE32-E72D297353CC}">
+                <c16:uniqueId val="{00000003-FA17-434E-A2B7-86D63CA5DA0D}"/>
+              </c:ext>
+            </c:extLst>
+          </c:dPt>
+          <c:dPt>
+            <c:idx val="2"/>
+            <c:bubble3D val="0"/>
+            <c:spPr>
+              <a:solidFill>
+                <a:schemeClr val="accent3"/>
+              </a:solidFill>
+              <a:ln w="19050">
+                <a:solidFill>
+                  <a:schemeClr val="lt1"/>
+                </a:solidFill>
+              </a:ln>
+              <a:effectLst/>
+            </c:spPr>
+            <c:extLst>
+              <c:ext xmlns:c16="http://schemas.microsoft.com/office/drawing/2014/chart" uri="{C3380CC4-5D6E-409C-BE32-E72D297353CC}">
+                <c16:uniqueId val="{00000005-FA17-434E-A2B7-86D63CA5DA0D}"/>
+              </c:ext>
+            </c:extLst>
+          </c:dPt>
+          <c:dPt>
+            <c:idx val="3"/>
+            <c:bubble3D val="0"/>
+            <c:spPr>
+              <a:solidFill>
+                <a:schemeClr val="accent4"/>
+              </a:solidFill>
+              <a:ln w="19050">
+                <a:solidFill>
+                  <a:schemeClr val="lt1"/>
+                </a:solidFill>
+              </a:ln>
+              <a:effectLst/>
+            </c:spPr>
+            <c:extLst>
+              <c:ext xmlns:c16="http://schemas.microsoft.com/office/drawing/2014/chart" uri="{C3380CC4-5D6E-409C-BE32-E72D297353CC}">
+                <c16:uniqueId val="{00000007-FA17-434E-A2B7-86D63CA5DA0D}"/>
+              </c:ext>
+            </c:extLst>
+          </c:dPt>
+          <c:dPt>
+            <c:idx val="4"/>
+            <c:bubble3D val="0"/>
+            <c:spPr>
+              <a:solidFill>
+                <a:schemeClr val="accent5"/>
+              </a:solidFill>
+              <a:ln w="19050">
+                <a:solidFill>
+                  <a:schemeClr val="lt1"/>
+                </a:solidFill>
+              </a:ln>
+              <a:effectLst/>
+            </c:spPr>
+            <c:extLst>
+              <c:ext xmlns:c16="http://schemas.microsoft.com/office/drawing/2014/chart" uri="{C3380CC4-5D6E-409C-BE32-E72D297353CC}">
+                <c16:uniqueId val="{00000009-FA17-434E-A2B7-86D63CA5DA0D}"/>
+              </c:ext>
+            </c:extLst>
+          </c:dPt>
+          <c:dPt>
+            <c:idx val="5"/>
+            <c:bubble3D val="0"/>
+            <c:spPr>
+              <a:solidFill>
+                <a:schemeClr val="accent6"/>
+              </a:solidFill>
+              <a:ln w="19050">
+                <a:solidFill>
+                  <a:schemeClr val="lt1"/>
+                </a:solidFill>
+              </a:ln>
+              <a:effectLst/>
+            </c:spPr>
+            <c:extLst>
+              <c:ext xmlns:c16="http://schemas.microsoft.com/office/drawing/2014/chart" uri="{C3380CC4-5D6E-409C-BE32-E72D297353CC}">
+                <c16:uniqueId val="{0000000B-FA17-434E-A2B7-86D63CA5DA0D}"/>
+              </c:ext>
+            </c:extLst>
+          </c:dPt>
+          <c:dLbls>
+            <c:spPr>
+              <a:noFill/>
+              <a:ln>
+                <a:noFill/>
+              </a:ln>
+              <a:effectLst/>
+            </c:spPr>
+            <c:txPr>
+              <a:bodyPr rot="0" spcFirstLastPara="1" vertOverflow="ellipsis" vert="horz" wrap="square" lIns="38100" tIns="19050" rIns="38100" bIns="19050" anchor="ctr" anchorCtr="1">
+                <a:spAutoFit/>
+              </a:bodyPr>
+              <a:lstStyle/>
+              <a:p>
+                <a:pPr>
+                  <a:defRPr sz="900" b="0" i="0" u="none" strike="noStrike" kern="1200" baseline="0">
+                    <a:solidFill>
+                      <a:schemeClr val="tx1">
+                        <a:lumMod val="75000"/>
+                        <a:lumOff val="25000"/>
+                      </a:schemeClr>
+                    </a:solidFill>
+                    <a:latin typeface="+mn-lt"/>
+                    <a:ea typeface="+mn-ea"/>
+                    <a:cs typeface="+mn-cs"/>
+                  </a:defRPr>
+                </a:pPr>
+                <a:endParaRPr lang="en-US"/>
+              </a:p>
+            </c:txPr>
+            <c:dLblPos val="bestFit"/>
+            <c:showLegendKey val="0"/>
+            <c:showVal val="0"/>
+            <c:showCatName val="0"/>
+            <c:showSerName val="0"/>
+            <c:showPercent val="1"/>
+            <c:showBubbleSize val="0"/>
+            <c:showLeaderLines val="1"/>
+            <c:leaderLines>
+              <c:spPr>
+                <a:ln w="9525" cap="flat" cmpd="sng" algn="ctr">
+                  <a:solidFill>
+                    <a:schemeClr val="tx1">
+                      <a:lumMod val="35000"/>
+                      <a:lumOff val="65000"/>
+                    </a:schemeClr>
+                  </a:solidFill>
+                  <a:round/>
+                </a:ln>
+                <a:effectLst/>
+              </c:spPr>
+            </c:leaderLines>
+            <c:extLst>
+              <c:ext xmlns:c15="http://schemas.microsoft.com/office/drawing/2012/chart" uri="{CE6537A1-D6FC-4f65-9D91-7224C49458BB}"/>
+            </c:extLst>
+          </c:dLbls>
+          <c:cat>
+            <c:strRef>
+              <c:f>degree!$A$4:$A$10</c:f>
+              <c:strCache>
+                <c:ptCount val="6"/>
+                <c:pt idx="0">
+                  <c:v>Associates</c:v>
+                </c:pt>
+                <c:pt idx="1">
+                  <c:v>High school or below</c:v>
+                </c:pt>
+                <c:pt idx="2">
+                  <c:v>Nanodegree Program</c:v>
+                </c:pt>
+                <c:pt idx="3">
+                  <c:v>PhD</c:v>
+                </c:pt>
+                <c:pt idx="4">
+                  <c:v>Bachelors</c:v>
+                </c:pt>
+                <c:pt idx="5">
+                  <c:v>Masters</c:v>
+                </c:pt>
+              </c:strCache>
+            </c:strRef>
+          </c:cat>
+          <c:val>
+            <c:numRef>
+              <c:f>degree!$B$4:$B$10</c:f>
+              <c:numCache>
+                <c:formatCode>General</c:formatCode>
+                <c:ptCount val="6"/>
+                <c:pt idx="0">
+                  <c:v>12</c:v>
+                </c:pt>
+                <c:pt idx="1">
+                  <c:v>24</c:v>
+                </c:pt>
+                <c:pt idx="2">
+                  <c:v>45</c:v>
+                </c:pt>
+                <c:pt idx="3">
+                  <c:v>73</c:v>
+                </c:pt>
+                <c:pt idx="4">
+                  <c:v>283</c:v>
+                </c:pt>
+                <c:pt idx="5">
+                  <c:v>316</c:v>
+                </c:pt>
+              </c:numCache>
+            </c:numRef>
+          </c:val>
+          <c:extLst>
+            <c:ext xmlns:c16="http://schemas.microsoft.com/office/drawing/2014/chart" uri="{C3380CC4-5D6E-409C-BE32-E72D297353CC}">
+              <c16:uniqueId val="{0000000C-FA17-434E-A2B7-86D63CA5DA0D}"/>
+            </c:ext>
+          </c:extLst>
+        </c:ser>
+        <c:dLbls>
+          <c:showLegendKey val="0"/>
+          <c:showVal val="0"/>
+          <c:showCatName val="0"/>
+          <c:showSerName val="0"/>
+          <c:showPercent val="0"/>
+          <c:showBubbleSize val="0"/>
+          <c:showLeaderLines val="1"/>
+        </c:dLbls>
+        <c:firstSliceAng val="0"/>
+      </c:pieChart>
+      <c:spPr>
+        <a:noFill/>
+        <a:ln>
+          <a:noFill/>
+        </a:ln>
+        <a:effectLst/>
+      </c:spPr>
+    </c:plotArea>
+    <c:legend>
+      <c:legendPos val="r"/>
+      <c:overlay val="0"/>
+      <c:spPr>
+        <a:noFill/>
+        <a:ln>
+          <a:noFill/>
+        </a:ln>
+        <a:effectLst/>
+      </c:spPr>
+      <c:txPr>
+        <a:bodyPr rot="0" spcFirstLastPara="1" vertOverflow="ellipsis" vert="horz" wrap="square" anchor="ctr" anchorCtr="1"/>
+        <a:lstStyle/>
+        <a:p>
+          <a:pPr>
+            <a:defRPr sz="900" b="0" i="0" u="none" strike="noStrike" kern="1200" baseline="0">
+              <a:solidFill>
+                <a:schemeClr val="tx1">
+                  <a:lumMod val="65000"/>
+                  <a:lumOff val="35000"/>
+                </a:schemeClr>
+              </a:solidFill>
+              <a:latin typeface="+mn-lt"/>
+              <a:ea typeface="+mn-ea"/>
+              <a:cs typeface="+mn-cs"/>
+            </a:defRPr>
+          </a:pPr>
+          <a:endParaRPr lang="en-US"/>
+        </a:p>
+      </c:txPr>
+    </c:legend>
+    <c:plotVisOnly val="1"/>
+    <c:dispBlanksAs val="gap"/>
+    <c:showDLblsOverMax val="0"/>
+  </c:chart>
+  <c:spPr>
+    <a:noFill/>
+    <a:ln>
+      <a:noFill/>
+    </a:ln>
+    <a:effectLst/>
+  </c:spPr>
+  <c:txPr>
+    <a:bodyPr/>
+    <a:lstStyle/>
+    <a:p>
+      <a:pPr>
+        <a:defRPr/>
+      </a:pPr>
+      <a:endParaRPr lang="en-US"/>
+    </a:p>
+  </c:txPr>
+  <c:externalData r:id="rId3">
+    <c:autoUpdate val="0"/>
+  </c:externalData>
+  <c:extLst>
+    <c:ext xmlns:c14="http://schemas.microsoft.com/office/drawing/2007/8/2/chart" uri="{781A3756-C4B2-4CAC-9D66-4F8BD8637D16}">
+      <c14:pivotOptions>
+        <c14:dropZoneFilter val="1"/>
+        <c14:dropZoneCategories val="1"/>
+        <c14:dropZoneData val="1"/>
+        <c14:dropZoneSeries val="1"/>
+        <c14:dropZonesVisible val="1"/>
+      </c14:pivotOptions>
+    </c:ext>
+    <c:ext xmlns:c16="http://schemas.microsoft.com/office/drawing/2014/chart" uri="{E28EC0CA-F0BB-4C9C-879D-F8772B89E7AC}">
+      <c16:pivotOptions16>
+        <c16:showExpandCollapseFieldButtons val="1"/>
+      </c16:pivotOptions16>
+    </c:ext>
+  </c:extLst>
+</c:chartSpace>
+</file>
+
+<file path=ppt/charts/chart2.xml><?xml version="1.0" encoding="utf-8"?>
+<c:chartSpace xmlns:c="http://schemas.openxmlformats.org/drawingml/2006/chart" xmlns:a="http://schemas.openxmlformats.org/drawingml/2006/main" xmlns:r="http://schemas.openxmlformats.org/officeDocument/2006/relationships" xmlns:c16r2="http://schemas.microsoft.com/office/drawing/2015/06/chart">
+  <c:date1904 val="0"/>
+  <c:lang val="en-US"/>
+  <c:roundedCorners val="0"/>
+  <mc:AlternateContent xmlns:mc="http://schemas.openxmlformats.org/markup-compatibility/2006">
+    <mc:Choice xmlns:c14="http://schemas.microsoft.com/office/drawing/2007/8/2/chart" Requires="c14">
+      <c14:style val="102"/>
+    </mc:Choice>
+    <mc:Fallback>
+      <c:style val="2"/>
+    </mc:Fallback>
+  </mc:AlternateContent>
+  <c:pivotSource>
+    <c:name>[surveydata.xlsx]Sheet1!PivotTable1</c:name>
+    <c:fmtId val="17"/>
+  </c:pivotSource>
+  <c:chart>
+    <c:title>
+      <c:tx>
+        <c:rich>
+          <a:bodyPr rot="0" spcFirstLastPara="1" vertOverflow="ellipsis" vert="horz" wrap="square" anchor="ctr" anchorCtr="1"/>
+          <a:lstStyle/>
+          <a:p>
+            <a:pPr>
+              <a:defRPr sz="1400" b="0" i="0" u="none" strike="noStrike" kern="1200" spc="0" baseline="0">
+                <a:solidFill>
+                  <a:schemeClr val="tx1">
+                    <a:lumMod val="65000"/>
+                    <a:lumOff val="35000"/>
+                  </a:schemeClr>
+                </a:solidFill>
+                <a:latin typeface="+mn-lt"/>
+                <a:ea typeface="+mn-ea"/>
+                <a:cs typeface="+mn-cs"/>
+              </a:defRPr>
+            </a:pPr>
+            <a:r>
+              <a:rPr lang="en-US" altLang="zh-CN" dirty="0"/>
+              <a:t>Number</a:t>
+            </a:r>
+            <a:r>
+              <a:rPr lang="zh-CN" altLang="en-US" baseline="0" dirty="0"/>
+              <a:t> </a:t>
+            </a:r>
+            <a:r>
+              <a:rPr lang="en-US" altLang="zh-CN" baseline="0" dirty="0"/>
+              <a:t>of</a:t>
+            </a:r>
+            <a:r>
+              <a:rPr lang="zh-CN" altLang="en-US" baseline="0" dirty="0"/>
+              <a:t> </a:t>
+            </a:r>
+            <a:r>
+              <a:rPr lang="en-US" altLang="zh-CN" baseline="0" dirty="0"/>
+              <a:t>Students</a:t>
+            </a:r>
+            <a:r>
+              <a:rPr lang="zh-CN" altLang="en-US" baseline="0" dirty="0"/>
+              <a:t> </a:t>
+            </a:r>
+            <a:r>
+              <a:rPr lang="en-US" altLang="zh-CN" baseline="0" dirty="0"/>
+              <a:t>per</a:t>
+            </a:r>
+            <a:r>
+              <a:rPr lang="zh-CN" altLang="en-US" baseline="0" dirty="0"/>
+              <a:t> </a:t>
+            </a:r>
+            <a:r>
+              <a:rPr lang="en-US" altLang="zh-CN" baseline="0" dirty="0"/>
+              <a:t>Rating</a:t>
+            </a:r>
+            <a:endParaRPr lang="en-US" dirty="0"/>
+          </a:p>
+        </c:rich>
+      </c:tx>
+      <c:overlay val="0"/>
+      <c:spPr>
+        <a:noFill/>
+        <a:ln>
+          <a:noFill/>
+        </a:ln>
+        <a:effectLst/>
+      </c:spPr>
+      <c:txPr>
+        <a:bodyPr rot="0" spcFirstLastPara="1" vertOverflow="ellipsis" vert="horz" wrap="square" anchor="ctr" anchorCtr="1"/>
+        <a:lstStyle/>
+        <a:p>
+          <a:pPr>
+            <a:defRPr sz="1400" b="0" i="0" u="none" strike="noStrike" kern="1200" spc="0" baseline="0">
+              <a:solidFill>
+                <a:schemeClr val="tx1">
+                  <a:lumMod val="65000"/>
+                  <a:lumOff val="35000"/>
+                </a:schemeClr>
+              </a:solidFill>
+              <a:latin typeface="+mn-lt"/>
+              <a:ea typeface="+mn-ea"/>
+              <a:cs typeface="+mn-cs"/>
+            </a:defRPr>
+          </a:pPr>
+          <a:endParaRPr lang="en-US"/>
+        </a:p>
+      </c:txPr>
+    </c:title>
+    <c:autoTitleDeleted val="0"/>
+    <c:pivotFmts>
+      <c:pivotFmt>
+        <c:idx val="0"/>
+        <c:spPr>
+          <a:solidFill>
+            <a:schemeClr val="accent1"/>
+          </a:solidFill>
+          <a:ln>
+            <a:noFill/>
+          </a:ln>
+          <a:effectLst/>
+        </c:spPr>
+        <c:marker>
+          <c:symbol val="none"/>
+        </c:marker>
+        <c:dLbl>
+          <c:idx val="0"/>
+          <c:spPr>
+            <a:noFill/>
+            <a:ln>
+              <a:noFill/>
+            </a:ln>
+            <a:effectLst/>
+          </c:spPr>
+          <c:txPr>
+            <a:bodyPr rot="0" spcFirstLastPara="1" vertOverflow="ellipsis" vert="horz" wrap="square" lIns="38100" tIns="19050" rIns="38100" bIns="19050" anchor="ctr" anchorCtr="1">
+              <a:spAutoFit/>
+            </a:bodyPr>
+            <a:lstStyle/>
+            <a:p>
+              <a:pPr>
+                <a:defRPr sz="900" b="0" i="0" u="none" strike="noStrike" kern="1200" baseline="0">
+                  <a:solidFill>
+                    <a:schemeClr val="tx1">
+                      <a:lumMod val="75000"/>
+                      <a:lumOff val="25000"/>
+                    </a:schemeClr>
+                  </a:solidFill>
+                  <a:latin typeface="+mn-lt"/>
+                  <a:ea typeface="+mn-ea"/>
+                  <a:cs typeface="+mn-cs"/>
+                </a:defRPr>
+              </a:pPr>
+              <a:endParaRPr lang="en-US"/>
+            </a:p>
+          </c:txPr>
+          <c:showLegendKey val="0"/>
+          <c:showVal val="0"/>
+          <c:showCatName val="0"/>
+          <c:showSerName val="0"/>
+          <c:showPercent val="0"/>
+          <c:showBubbleSize val="0"/>
+          <c:extLst>
+            <c:ext xmlns:c15="http://schemas.microsoft.com/office/drawing/2012/chart" uri="{CE6537A1-D6FC-4f65-9D91-7224C49458BB}"/>
+          </c:extLst>
+        </c:dLbl>
+      </c:pivotFmt>
+      <c:pivotFmt>
+        <c:idx val="1"/>
+        <c:spPr>
+          <a:solidFill>
+            <a:schemeClr val="accent1"/>
+          </a:solidFill>
+          <a:ln>
+            <a:noFill/>
+          </a:ln>
+          <a:effectLst/>
+        </c:spPr>
+        <c:marker>
+          <c:symbol val="none"/>
+        </c:marker>
+        <c:dLbl>
+          <c:idx val="0"/>
+          <c:spPr>
+            <a:noFill/>
+            <a:ln>
+              <a:noFill/>
+            </a:ln>
+            <a:effectLst/>
+          </c:spPr>
+          <c:txPr>
+            <a:bodyPr rot="0" spcFirstLastPara="1" vertOverflow="ellipsis" vert="horz" wrap="square" lIns="38100" tIns="19050" rIns="38100" bIns="19050" anchor="ctr" anchorCtr="1">
+              <a:spAutoFit/>
+            </a:bodyPr>
+            <a:lstStyle/>
+            <a:p>
+              <a:pPr>
+                <a:defRPr sz="900" b="0" i="0" u="none" strike="noStrike" kern="1200" baseline="0">
+                  <a:solidFill>
+                    <a:schemeClr val="tx1">
+                      <a:lumMod val="75000"/>
+                      <a:lumOff val="25000"/>
+                    </a:schemeClr>
+                  </a:solidFill>
+                  <a:latin typeface="+mn-lt"/>
+                  <a:ea typeface="+mn-ea"/>
+                  <a:cs typeface="+mn-cs"/>
+                </a:defRPr>
+              </a:pPr>
+              <a:endParaRPr lang="en-US"/>
+            </a:p>
+          </c:txPr>
+          <c:showLegendKey val="0"/>
+          <c:showVal val="0"/>
+          <c:showCatName val="0"/>
+          <c:showSerName val="0"/>
+          <c:showPercent val="0"/>
+          <c:showBubbleSize val="0"/>
+          <c:extLst>
+            <c:ext xmlns:c15="http://schemas.microsoft.com/office/drawing/2012/chart" uri="{CE6537A1-D6FC-4f65-9D91-7224C49458BB}"/>
+          </c:extLst>
+        </c:dLbl>
+      </c:pivotFmt>
+      <c:pivotFmt>
+        <c:idx val="2"/>
+        <c:spPr>
+          <a:solidFill>
+            <a:schemeClr val="accent1"/>
+          </a:solidFill>
+          <a:ln>
+            <a:noFill/>
+          </a:ln>
+          <a:effectLst/>
+        </c:spPr>
+        <c:marker>
+          <c:symbol val="none"/>
+        </c:marker>
+        <c:dLbl>
+          <c:idx val="0"/>
+          <c:spPr>
+            <a:noFill/>
+            <a:ln>
+              <a:noFill/>
+            </a:ln>
+            <a:effectLst/>
+          </c:spPr>
+          <c:txPr>
+            <a:bodyPr rot="0" spcFirstLastPara="1" vertOverflow="ellipsis" vert="horz" wrap="square" lIns="38100" tIns="19050" rIns="38100" bIns="19050" anchor="ctr" anchorCtr="1">
+              <a:spAutoFit/>
+            </a:bodyPr>
+            <a:lstStyle/>
+            <a:p>
+              <a:pPr>
+                <a:defRPr sz="900" b="0" i="0" u="none" strike="noStrike" kern="1200" baseline="0">
+                  <a:solidFill>
+                    <a:schemeClr val="tx1">
+                      <a:lumMod val="75000"/>
+                      <a:lumOff val="25000"/>
+                    </a:schemeClr>
+                  </a:solidFill>
+                  <a:latin typeface="+mn-lt"/>
+                  <a:ea typeface="+mn-ea"/>
+                  <a:cs typeface="+mn-cs"/>
+                </a:defRPr>
+              </a:pPr>
+              <a:endParaRPr lang="en-US"/>
+            </a:p>
+          </c:txPr>
+          <c:showLegendKey val="0"/>
+          <c:showVal val="0"/>
+          <c:showCatName val="0"/>
+          <c:showSerName val="0"/>
+          <c:showPercent val="0"/>
+          <c:showBubbleSize val="0"/>
+          <c:extLst>
+            <c:ext xmlns:c15="http://schemas.microsoft.com/office/drawing/2012/chart" uri="{CE6537A1-D6FC-4f65-9D91-7224C49458BB}"/>
+          </c:extLst>
+        </c:dLbl>
+      </c:pivotFmt>
+    </c:pivotFmts>
+    <c:plotArea>
+      <c:layout/>
+      <c:barChart>
+        <c:barDir val="col"/>
+        <c:grouping val="clustered"/>
+        <c:varyColors val="0"/>
+        <c:ser>
+          <c:idx val="0"/>
+          <c:order val="0"/>
+          <c:tx>
+            <c:strRef>
+              <c:f>Sheet1!$B$3</c:f>
+              <c:strCache>
+                <c:ptCount val="1"/>
+                <c:pt idx="0">
+                  <c:v>Total</c:v>
+                </c:pt>
+              </c:strCache>
+            </c:strRef>
+          </c:tx>
+          <c:spPr>
+            <a:solidFill>
+              <a:schemeClr val="accent1"/>
+            </a:solidFill>
+            <a:ln>
+              <a:noFill/>
+            </a:ln>
+            <a:effectLst/>
+          </c:spPr>
+          <c:invertIfNegative val="0"/>
+          <c:dLbls>
+            <c:spPr>
+              <a:noFill/>
+              <a:ln>
+                <a:noFill/>
+              </a:ln>
+              <a:effectLst/>
+            </c:spPr>
+            <c:txPr>
+              <a:bodyPr rot="0" spcFirstLastPara="1" vertOverflow="ellipsis" vert="horz" wrap="square" lIns="38100" tIns="19050" rIns="38100" bIns="19050" anchor="ctr" anchorCtr="1">
+                <a:spAutoFit/>
+              </a:bodyPr>
+              <a:lstStyle/>
+              <a:p>
+                <a:pPr>
+                  <a:defRPr sz="900" b="0" i="0" u="none" strike="noStrike" kern="1200" baseline="0">
+                    <a:solidFill>
+                      <a:schemeClr val="tx1">
+                        <a:lumMod val="75000"/>
+                        <a:lumOff val="25000"/>
+                      </a:schemeClr>
+                    </a:solidFill>
+                    <a:latin typeface="+mn-lt"/>
+                    <a:ea typeface="+mn-ea"/>
+                    <a:cs typeface="+mn-cs"/>
+                  </a:defRPr>
+                </a:pPr>
+                <a:endParaRPr lang="en-US"/>
+              </a:p>
+            </c:txPr>
+            <c:dLblPos val="outEnd"/>
+            <c:showLegendKey val="0"/>
+            <c:showVal val="1"/>
+            <c:showCatName val="0"/>
+            <c:showSerName val="0"/>
+            <c:showPercent val="0"/>
+            <c:showBubbleSize val="0"/>
+            <c:showLeaderLines val="0"/>
+            <c:extLst>
+              <c:ext xmlns:c15="http://schemas.microsoft.com/office/drawing/2012/chart" uri="{CE6537A1-D6FC-4f65-9D91-7224C49458BB}">
+                <c15:showLeaderLines val="1"/>
+                <c15:leaderLines>
+                  <c:spPr>
+                    <a:ln w="9525" cap="flat" cmpd="sng" algn="ctr">
+                      <a:solidFill>
+                        <a:schemeClr val="tx1">
+                          <a:lumMod val="35000"/>
+                          <a:lumOff val="65000"/>
+                        </a:schemeClr>
+                      </a:solidFill>
+                      <a:round/>
+                    </a:ln>
+                    <a:effectLst/>
+                  </c:spPr>
+                </c15:leaderLines>
+              </c:ext>
+            </c:extLst>
+          </c:dLbls>
+          <c:cat>
+            <c:strRef>
+              <c:f>Sheet1!$A$4:$A$13</c:f>
+              <c:strCache>
+                <c:ptCount val="9"/>
+                <c:pt idx="0">
+                  <c:v>0</c:v>
+                </c:pt>
+                <c:pt idx="1">
+                  <c:v>2</c:v>
+                </c:pt>
+                <c:pt idx="2">
+                  <c:v>4</c:v>
+                </c:pt>
+                <c:pt idx="3">
+                  <c:v>5</c:v>
+                </c:pt>
+                <c:pt idx="4">
+                  <c:v>6</c:v>
+                </c:pt>
+                <c:pt idx="5">
+                  <c:v>7</c:v>
+                </c:pt>
+                <c:pt idx="6">
+                  <c:v>8</c:v>
+                </c:pt>
+                <c:pt idx="7">
+                  <c:v>9</c:v>
+                </c:pt>
+                <c:pt idx="8">
+                  <c:v>10</c:v>
+                </c:pt>
+              </c:strCache>
+            </c:strRef>
+          </c:cat>
+          <c:val>
+            <c:numRef>
+              <c:f>Sheet1!$B$4:$B$13</c:f>
+              <c:numCache>
+                <c:formatCode>General</c:formatCode>
+                <c:ptCount val="9"/>
+                <c:pt idx="0">
+                  <c:v>2</c:v>
+                </c:pt>
+                <c:pt idx="1">
+                  <c:v>1</c:v>
+                </c:pt>
+                <c:pt idx="2">
+                  <c:v>4</c:v>
+                </c:pt>
+                <c:pt idx="3">
+                  <c:v>10</c:v>
+                </c:pt>
+                <c:pt idx="4">
+                  <c:v>20</c:v>
+                </c:pt>
+                <c:pt idx="5">
+                  <c:v>59</c:v>
+                </c:pt>
+                <c:pt idx="6">
+                  <c:v>132</c:v>
+                </c:pt>
+                <c:pt idx="7">
+                  <c:v>147</c:v>
+                </c:pt>
+                <c:pt idx="8">
+                  <c:v>378</c:v>
+                </c:pt>
+              </c:numCache>
+            </c:numRef>
+          </c:val>
+          <c:extLst>
+            <c:ext xmlns:c16="http://schemas.microsoft.com/office/drawing/2014/chart" uri="{C3380CC4-5D6E-409C-BE32-E72D297353CC}">
+              <c16:uniqueId val="{00000000-649B-044C-A2AE-3BF0D54FBEDD}"/>
+            </c:ext>
+          </c:extLst>
+        </c:ser>
+        <c:dLbls>
+          <c:dLblPos val="outEnd"/>
+          <c:showLegendKey val="0"/>
+          <c:showVal val="1"/>
+          <c:showCatName val="0"/>
+          <c:showSerName val="0"/>
+          <c:showPercent val="0"/>
+          <c:showBubbleSize val="0"/>
+        </c:dLbls>
+        <c:gapWidth val="219"/>
+        <c:overlap val="-27"/>
+        <c:axId val="369792992"/>
+        <c:axId val="370083520"/>
+      </c:barChart>
+      <c:catAx>
+        <c:axId val="369792992"/>
+        <c:scaling>
+          <c:orientation val="minMax"/>
+        </c:scaling>
+        <c:delete val="0"/>
+        <c:axPos val="b"/>
+        <c:title>
+          <c:tx>
+            <c:rich>
+              <a:bodyPr rot="0" spcFirstLastPara="1" vertOverflow="ellipsis" vert="horz" wrap="square" anchor="ctr" anchorCtr="1"/>
+              <a:lstStyle/>
+              <a:p>
+                <a:pPr>
+                  <a:defRPr sz="1000" b="0" i="0" u="none" strike="noStrike" kern="1200" baseline="0">
+                    <a:solidFill>
+                      <a:schemeClr val="tx1">
+                        <a:lumMod val="65000"/>
+                        <a:lumOff val="35000"/>
+                      </a:schemeClr>
+                    </a:solidFill>
+                    <a:latin typeface="+mn-lt"/>
+                    <a:ea typeface="+mn-ea"/>
+                    <a:cs typeface="+mn-cs"/>
+                  </a:defRPr>
+                </a:pPr>
+                <a:r>
+                  <a:rPr lang="en-US" altLang="zh-CN" dirty="0"/>
+                  <a:t>Rating</a:t>
+                </a:r>
+                <a:endParaRPr lang="en-US" dirty="0"/>
+              </a:p>
+            </c:rich>
+          </c:tx>
+          <c:overlay val="0"/>
+          <c:spPr>
+            <a:noFill/>
+            <a:ln>
+              <a:noFill/>
+            </a:ln>
+            <a:effectLst/>
+          </c:spPr>
+          <c:txPr>
+            <a:bodyPr rot="0" spcFirstLastPara="1" vertOverflow="ellipsis" vert="horz" wrap="square" anchor="ctr" anchorCtr="1"/>
+            <a:lstStyle/>
+            <a:p>
+              <a:pPr>
+                <a:defRPr sz="1000" b="0" i="0" u="none" strike="noStrike" kern="1200" baseline="0">
+                  <a:solidFill>
+                    <a:schemeClr val="tx1">
+                      <a:lumMod val="65000"/>
+                      <a:lumOff val="35000"/>
+                    </a:schemeClr>
+                  </a:solidFill>
+                  <a:latin typeface="+mn-lt"/>
+                  <a:ea typeface="+mn-ea"/>
+                  <a:cs typeface="+mn-cs"/>
+                </a:defRPr>
+              </a:pPr>
+              <a:endParaRPr lang="en-US"/>
+            </a:p>
+          </c:txPr>
+        </c:title>
+        <c:numFmt formatCode="General" sourceLinked="1"/>
+        <c:majorTickMark val="none"/>
+        <c:minorTickMark val="none"/>
+        <c:tickLblPos val="nextTo"/>
+        <c:spPr>
+          <a:noFill/>
+          <a:ln w="9525" cap="flat" cmpd="sng" algn="ctr">
+            <a:solidFill>
+              <a:schemeClr val="tx1">
+                <a:lumMod val="15000"/>
+                <a:lumOff val="85000"/>
+              </a:schemeClr>
+            </a:solidFill>
+            <a:round/>
+          </a:ln>
+          <a:effectLst/>
+        </c:spPr>
+        <c:txPr>
+          <a:bodyPr rot="-60000000" spcFirstLastPara="1" vertOverflow="ellipsis" vert="horz" wrap="square" anchor="ctr" anchorCtr="1"/>
+          <a:lstStyle/>
+          <a:p>
+            <a:pPr>
+              <a:defRPr sz="900" b="0" i="0" u="none" strike="noStrike" kern="1200" baseline="0">
+                <a:solidFill>
+                  <a:schemeClr val="tx1">
+                    <a:lumMod val="65000"/>
+                    <a:lumOff val="35000"/>
+                  </a:schemeClr>
+                </a:solidFill>
+                <a:latin typeface="+mn-lt"/>
+                <a:ea typeface="+mn-ea"/>
+                <a:cs typeface="+mn-cs"/>
+              </a:defRPr>
+            </a:pPr>
+            <a:endParaRPr lang="en-US"/>
+          </a:p>
+        </c:txPr>
+        <c:crossAx val="370083520"/>
+        <c:crosses val="autoZero"/>
+        <c:auto val="1"/>
+        <c:lblAlgn val="ctr"/>
+        <c:lblOffset val="100"/>
+        <c:noMultiLvlLbl val="0"/>
+      </c:catAx>
+      <c:valAx>
+        <c:axId val="370083520"/>
+        <c:scaling>
+          <c:orientation val="minMax"/>
+        </c:scaling>
+        <c:delete val="0"/>
+        <c:axPos val="l"/>
+        <c:majorGridlines>
+          <c:spPr>
+            <a:ln w="9525" cap="flat" cmpd="sng" algn="ctr">
+              <a:solidFill>
+                <a:schemeClr val="tx1">
+                  <a:lumMod val="15000"/>
+                  <a:lumOff val="85000"/>
+                </a:schemeClr>
+              </a:solidFill>
+              <a:round/>
+            </a:ln>
+            <a:effectLst/>
+          </c:spPr>
+        </c:majorGridlines>
+        <c:title>
+          <c:tx>
+            <c:rich>
+              <a:bodyPr rot="-5400000" spcFirstLastPara="1" vertOverflow="ellipsis" vert="horz" wrap="square" anchor="ctr" anchorCtr="1"/>
+              <a:lstStyle/>
+              <a:p>
+                <a:pPr>
+                  <a:defRPr sz="1000" b="0" i="0" u="none" strike="noStrike" kern="1200" baseline="0">
+                    <a:solidFill>
+                      <a:schemeClr val="tx1">
+                        <a:lumMod val="65000"/>
+                        <a:lumOff val="35000"/>
+                      </a:schemeClr>
+                    </a:solidFill>
+                    <a:latin typeface="+mn-lt"/>
+                    <a:ea typeface="+mn-ea"/>
+                    <a:cs typeface="+mn-cs"/>
+                  </a:defRPr>
+                </a:pPr>
+                <a:r>
+                  <a:rPr lang="en-US" altLang="zh-CN" dirty="0"/>
+                  <a:t>Number</a:t>
+                </a:r>
+                <a:r>
+                  <a:rPr lang="zh-CN" altLang="en-US" baseline="0" dirty="0"/>
+                  <a:t> </a:t>
+                </a:r>
+                <a:r>
+                  <a:rPr lang="en-US" altLang="zh-CN" baseline="0" dirty="0"/>
+                  <a:t>of</a:t>
+                </a:r>
+                <a:r>
+                  <a:rPr lang="zh-CN" altLang="en-US" baseline="0" dirty="0"/>
+                  <a:t> </a:t>
+                </a:r>
+                <a:r>
+                  <a:rPr lang="en-US" altLang="zh-CN" baseline="0" dirty="0"/>
+                  <a:t>Students</a:t>
+                </a:r>
+                <a:endParaRPr lang="en-US" dirty="0"/>
+              </a:p>
+            </c:rich>
+          </c:tx>
+          <c:overlay val="0"/>
+          <c:spPr>
+            <a:noFill/>
+            <a:ln>
+              <a:noFill/>
+            </a:ln>
+            <a:effectLst/>
+          </c:spPr>
+          <c:txPr>
+            <a:bodyPr rot="-5400000" spcFirstLastPara="1" vertOverflow="ellipsis" vert="horz" wrap="square" anchor="ctr" anchorCtr="1"/>
+            <a:lstStyle/>
+            <a:p>
+              <a:pPr>
+                <a:defRPr sz="1000" b="0" i="0" u="none" strike="noStrike" kern="1200" baseline="0">
+                  <a:solidFill>
+                    <a:schemeClr val="tx1">
+                      <a:lumMod val="65000"/>
+                      <a:lumOff val="35000"/>
+                    </a:schemeClr>
+                  </a:solidFill>
+                  <a:latin typeface="+mn-lt"/>
+                  <a:ea typeface="+mn-ea"/>
+                  <a:cs typeface="+mn-cs"/>
+                </a:defRPr>
+              </a:pPr>
+              <a:endParaRPr lang="en-US"/>
+            </a:p>
+          </c:txPr>
+        </c:title>
+        <c:numFmt formatCode="General" sourceLinked="1"/>
+        <c:majorTickMark val="none"/>
+        <c:minorTickMark val="none"/>
+        <c:tickLblPos val="nextTo"/>
+        <c:spPr>
+          <a:noFill/>
+          <a:ln>
+            <a:noFill/>
+          </a:ln>
+          <a:effectLst/>
+        </c:spPr>
+        <c:txPr>
+          <a:bodyPr rot="-60000000" spcFirstLastPara="1" vertOverflow="ellipsis" vert="horz" wrap="square" anchor="ctr" anchorCtr="1"/>
+          <a:lstStyle/>
+          <a:p>
+            <a:pPr>
+              <a:defRPr sz="900" b="0" i="0" u="none" strike="noStrike" kern="1200" baseline="0">
+                <a:solidFill>
+                  <a:schemeClr val="tx1">
+                    <a:lumMod val="65000"/>
+                    <a:lumOff val="35000"/>
+                  </a:schemeClr>
+                </a:solidFill>
+                <a:latin typeface="+mn-lt"/>
+                <a:ea typeface="+mn-ea"/>
+                <a:cs typeface="+mn-cs"/>
+              </a:defRPr>
+            </a:pPr>
+            <a:endParaRPr lang="en-US"/>
+          </a:p>
+        </c:txPr>
+        <c:crossAx val="369792992"/>
+        <c:crosses val="autoZero"/>
+        <c:crossBetween val="between"/>
+      </c:valAx>
+      <c:spPr>
+        <a:noFill/>
+        <a:ln>
+          <a:noFill/>
+        </a:ln>
+        <a:effectLst/>
+      </c:spPr>
+    </c:plotArea>
+    <c:plotVisOnly val="1"/>
+    <c:dispBlanksAs val="gap"/>
+    <c:extLst>
+      <c:ext xmlns:c16r3="http://schemas.microsoft.com/office/drawing/2017/03/chart" uri="{56B9EC1D-385E-4148-901F-78D8002777C0}">
+        <c16r3:dataDisplayOptions16>
+          <c16r3:dispNaAsBlank val="1"/>
+        </c16r3:dataDisplayOptions16>
+      </c:ext>
+    </c:extLst>
+    <c:showDLblsOverMax val="0"/>
+  </c:chart>
+  <c:spPr>
+    <a:noFill/>
+    <a:ln>
+      <a:noFill/>
+    </a:ln>
+    <a:effectLst/>
+  </c:spPr>
+  <c:txPr>
+    <a:bodyPr/>
+    <a:lstStyle/>
+    <a:p>
+      <a:pPr>
+        <a:defRPr/>
+      </a:pPr>
+      <a:endParaRPr lang="en-US"/>
+    </a:p>
+  </c:txPr>
+  <c:externalData r:id="rId3">
+    <c:autoUpdate val="0"/>
+  </c:externalData>
+  <c:extLst>
+    <c:ext xmlns:c14="http://schemas.microsoft.com/office/drawing/2007/8/2/chart" uri="{781A3756-C4B2-4CAC-9D66-4F8BD8637D16}">
+      <c14:pivotOptions>
+        <c14:dropZoneFilter val="1"/>
+        <c14:dropZoneCategories val="1"/>
+        <c14:dropZoneData val="1"/>
+        <c14:dropZonesVisible val="1"/>
+      </c14:pivotOptions>
+    </c:ext>
+    <c:ext xmlns:c16="http://schemas.microsoft.com/office/drawing/2014/chart" uri="{E28EC0CA-F0BB-4C9C-879D-F8772B89E7AC}">
+      <c16:pivotOptions16>
+        <c16:showExpandCollapseFieldButtons val="1"/>
+      </c16:pivotOptions16>
+    </c:ext>
+  </c:extLst>
+</c:chartSpace>
+</file>
+
+<file path=ppt/charts/colors1.xml><?xml version="1.0" encoding="utf-8"?>
+<cs:colorStyle xmlns:cs="http://schemas.microsoft.com/office/drawing/2012/chartStyle" xmlns:a="http://schemas.openxmlformats.org/drawingml/2006/main" meth="cycle" id="10">
+  <a:schemeClr val="accent1"/>
+  <a:schemeClr val="accent2"/>
+  <a:schemeClr val="accent3"/>
+  <a:schemeClr val="accent4"/>
+  <a:schemeClr val="accent5"/>
+  <a:schemeClr val="accent6"/>
+  <cs:variation/>
+  <cs:variation>
+    <a:lumMod val="60000"/>
+  </cs:variation>
+  <cs:variation>
+    <a:lumMod val="80000"/>
+    <a:lumOff val="20000"/>
+  </cs:variation>
+  <cs:variation>
+    <a:lumMod val="80000"/>
+  </cs:variation>
+  <cs:variation>
+    <a:lumMod val="60000"/>
+    <a:lumOff val="40000"/>
+  </cs:variation>
+  <cs:variation>
+    <a:lumMod val="50000"/>
+  </cs:variation>
+  <cs:variation>
+    <a:lumMod val="70000"/>
+    <a:lumOff val="30000"/>
+  </cs:variation>
+  <cs:variation>
+    <a:lumMod val="70000"/>
+  </cs:variation>
+  <cs:variation>
+    <a:lumMod val="50000"/>
+    <a:lumOff val="50000"/>
+  </cs:variation>
+</cs:colorStyle>
+</file>
+
+<file path=ppt/charts/colors2.xml><?xml version="1.0" encoding="utf-8"?>
+<cs:colorStyle xmlns:cs="http://schemas.microsoft.com/office/drawing/2012/chartStyle" xmlns:a="http://schemas.openxmlformats.org/drawingml/2006/main" meth="cycle" id="10">
+  <a:schemeClr val="accent1"/>
+  <a:schemeClr val="accent2"/>
+  <a:schemeClr val="accent3"/>
+  <a:schemeClr val="accent4"/>
+  <a:schemeClr val="accent5"/>
+  <a:schemeClr val="accent6"/>
+  <cs:variation/>
+  <cs:variation>
+    <a:lumMod val="60000"/>
+  </cs:variation>
+  <cs:variation>
+    <a:lumMod val="80000"/>
+    <a:lumOff val="20000"/>
+  </cs:variation>
+  <cs:variation>
+    <a:lumMod val="80000"/>
+  </cs:variation>
+  <cs:variation>
+    <a:lumMod val="60000"/>
+    <a:lumOff val="40000"/>
+  </cs:variation>
+  <cs:variation>
+    <a:lumMod val="50000"/>
+  </cs:variation>
+  <cs:variation>
+    <a:lumMod val="70000"/>
+    <a:lumOff val="30000"/>
+  </cs:variation>
+  <cs:variation>
+    <a:lumMod val="70000"/>
+  </cs:variation>
+  <cs:variation>
+    <a:lumMod val="50000"/>
+    <a:lumOff val="50000"/>
+  </cs:variation>
+</cs:colorStyle>
+</file>
+
+<file path=ppt/charts/style1.xml><?xml version="1.0" encoding="utf-8"?>
+<cs:chartStyle xmlns:cs="http://schemas.microsoft.com/office/drawing/2012/chartStyle" xmlns:a="http://schemas.openxmlformats.org/drawingml/2006/main" id="251">
+  <cs:axisTitle>
+    <cs:lnRef idx="0"/>
+    <cs:fillRef idx="0"/>
+    <cs:effectRef idx="0"/>
+    <cs:fontRef idx="minor">
+      <a:schemeClr val="tx1">
+        <a:lumMod val="65000"/>
+        <a:lumOff val="35000"/>
+      </a:schemeClr>
+    </cs:fontRef>
+    <cs:defRPr sz="1000" kern="1200"/>
+  </cs:axisTitle>
+  <cs:categoryAxis>
+    <cs:lnRef idx="0"/>
+    <cs:fillRef idx="0"/>
+    <cs:effectRef idx="0"/>
+    <cs:fontRef idx="minor">
+      <a:schemeClr val="tx1">
+        <a:lumMod val="65000"/>
+        <a:lumOff val="35000"/>
+      </a:schemeClr>
+    </cs:fontRef>
+    <cs:spPr>
+      <a:ln w="9525" cap="flat" cmpd="sng" algn="ctr">
+        <a:solidFill>
+          <a:schemeClr val="tx1">
+            <a:lumMod val="15000"/>
+            <a:lumOff val="85000"/>
+          </a:schemeClr>
+        </a:solidFill>
+        <a:round/>
+      </a:ln>
+    </cs:spPr>
+    <cs:defRPr sz="900" kern="1200"/>
+  </cs:categoryAxis>
+  <cs:chartArea mods="allowNoFillOverride allowNoLineOverride">
+    <cs:lnRef idx="0"/>
+    <cs:fillRef idx="0"/>
+    <cs:effectRef idx="0"/>
+    <cs:fontRef idx="minor">
+      <a:schemeClr val="tx1"/>
+    </cs:fontRef>
+    <cs:spPr>
+      <a:solidFill>
+        <a:schemeClr val="bg1"/>
+      </a:solidFill>
+      <a:ln w="9525" cap="flat" cmpd="sng" algn="ctr">
+        <a:solidFill>
+          <a:schemeClr val="tx1">
+            <a:lumMod val="15000"/>
+            <a:lumOff val="85000"/>
+          </a:schemeClr>
+        </a:solidFill>
+        <a:round/>
+      </a:ln>
+    </cs:spPr>
+    <cs:defRPr sz="900" kern="1200"/>
+  </cs:chartArea>
+  <cs:dataLabel>
+    <cs:lnRef idx="0"/>
+    <cs:fillRef idx="0"/>
+    <cs:effectRef idx="0"/>
+    <cs:fontRef idx="minor">
+      <a:schemeClr val="tx1">
+        <a:lumMod val="75000"/>
+        <a:lumOff val="25000"/>
+      </a:schemeClr>
+    </cs:fontRef>
+    <cs:defRPr sz="900" kern="1200"/>
+  </cs:dataLabel>
+  <cs:dataLabelCallout>
+    <cs:lnRef idx="0"/>
+    <cs:fillRef idx="0"/>
+    <cs:effectRef idx="0"/>
+    <cs:fontRef idx="minor">
+      <a:schemeClr val="dk1">
+        <a:lumMod val="65000"/>
+        <a:lumOff val="35000"/>
+      </a:schemeClr>
+    </cs:fontRef>
+    <cs:spPr>
+      <a:solidFill>
+        <a:schemeClr val="lt1"/>
+      </a:solidFill>
+      <a:ln>
+        <a:solidFill>
+          <a:schemeClr val="dk1">
+            <a:lumMod val="25000"/>
+            <a:lumOff val="75000"/>
+          </a:schemeClr>
+        </a:solidFill>
+      </a:ln>
+    </cs:spPr>
+    <cs:defRPr sz="900" kern="1200"/>
+    <cs:bodyPr rot="0" spcFirstLastPara="1" vertOverflow="clip" horzOverflow="clip" vert="horz" wrap="square" lIns="36576" tIns="18288" rIns="36576" bIns="18288" anchor="ctr" anchorCtr="1">
+      <a:spAutoFit/>
+    </cs:bodyPr>
+  </cs:dataLabelCallout>
+  <cs:dataPoint>
+    <cs:lnRef idx="0"/>
+    <cs:fillRef idx="1">
+      <cs:styleClr val="auto"/>
+    </cs:fillRef>
+    <cs:effectRef idx="0"/>
+    <cs:fontRef idx="minor">
+      <a:schemeClr val="tx1"/>
+    </cs:fontRef>
+    <cs:spPr>
+      <a:ln w="19050">
+        <a:solidFill>
+          <a:schemeClr val="lt1"/>
+        </a:solidFill>
+      </a:ln>
+    </cs:spPr>
+  </cs:dataPoint>
+  <cs:dataPoint3D>
+    <cs:lnRef idx="0"/>
+    <cs:fillRef idx="1">
+      <cs:styleClr val="auto"/>
+    </cs:fillRef>
+    <cs:effectRef idx="0"/>
+    <cs:fontRef idx="minor">
+      <a:schemeClr val="tx1"/>
+    </cs:fontRef>
+    <cs:spPr>
+      <a:ln w="25400">
+        <a:solidFill>
+          <a:schemeClr val="lt1"/>
+        </a:solidFill>
+      </a:ln>
+    </cs:spPr>
+  </cs:dataPoint3D>
+  <cs:dataPointLine>
+    <cs:lnRef idx="0">
+      <cs:styleClr val="auto"/>
+    </cs:lnRef>
+    <cs:fillRef idx="0"/>
+    <cs:effectRef idx="0"/>
+    <cs:fontRef idx="minor">
+      <a:schemeClr val="tx1"/>
+    </cs:fontRef>
+    <cs:spPr>
+      <a:ln w="28575" cap="rnd">
+        <a:solidFill>
+          <a:schemeClr val="phClr"/>
+        </a:solidFill>
+        <a:round/>
+      </a:ln>
+    </cs:spPr>
+  </cs:dataPointLine>
+  <cs:dataPointMarker>
+    <cs:lnRef idx="0">
+      <cs:styleClr val="auto"/>
+    </cs:lnRef>
+    <cs:fillRef idx="1">
+      <cs:styleClr val="auto"/>
+    </cs:fillRef>
+    <cs:effectRef idx="0"/>
+    <cs:fontRef idx="minor">
+      <a:schemeClr val="tx1"/>
+    </cs:fontRef>
+    <cs:spPr>
+      <a:ln w="9525">
+        <a:solidFill>
+          <a:schemeClr val="phClr"/>
+        </a:solidFill>
+      </a:ln>
+    </cs:spPr>
+  </cs:dataPointMarker>
+  <cs:dataPointMarkerLayout symbol="circle" size="5"/>
+  <cs:dataPointWireframe>
+    <cs:lnRef idx="0">
+      <cs:styleClr val="auto"/>
+    </cs:lnRef>
+    <cs:fillRef idx="0"/>
+    <cs:effectRef idx="0"/>
+    <cs:fontRef idx="minor">
+      <a:schemeClr val="tx1"/>
+    </cs:fontRef>
+    <cs:spPr>
+      <a:ln w="9525" cap="rnd">
+        <a:solidFill>
+          <a:schemeClr val="phClr"/>
+        </a:solidFill>
+        <a:round/>
+      </a:ln>
+    </cs:spPr>
+  </cs:dataPointWireframe>
+  <cs:dataTable>
+    <cs:lnRef idx="0"/>
+    <cs:fillRef idx="0"/>
+    <cs:effectRef idx="0"/>
+    <cs:fontRef idx="minor">
+      <a:schemeClr val="tx1">
+        <a:lumMod val="65000"/>
+        <a:lumOff val="35000"/>
+      </a:schemeClr>
+    </cs:fontRef>
+    <cs:spPr>
+      <a:noFill/>
+      <a:ln w="9525" cap="flat" cmpd="sng" algn="ctr">
+        <a:solidFill>
+          <a:schemeClr val="tx1">
+            <a:lumMod val="15000"/>
+            <a:lumOff val="85000"/>
+          </a:schemeClr>
+        </a:solidFill>
+        <a:round/>
+      </a:ln>
+    </cs:spPr>
+    <cs:defRPr sz="900" kern="1200"/>
+  </cs:dataTable>
+  <cs:downBar>
+    <cs:lnRef idx="0"/>
+    <cs:fillRef idx="0"/>
+    <cs:effectRef idx="0"/>
+    <cs:fontRef idx="minor">
+      <a:schemeClr val="tx1"/>
+    </cs:fontRef>
+    <cs:spPr>
+      <a:solidFill>
+        <a:schemeClr val="dk1">
+          <a:lumMod val="75000"/>
+          <a:lumOff val="25000"/>
+        </a:schemeClr>
+      </a:solidFill>
+      <a:ln w="9525" cap="flat" cmpd="sng" algn="ctr">
+        <a:solidFill>
+          <a:schemeClr val="tx1">
+            <a:lumMod val="65000"/>
+            <a:lumOff val="35000"/>
+          </a:schemeClr>
+        </a:solidFill>
+        <a:round/>
+      </a:ln>
+    </cs:spPr>
+  </cs:downBar>
+  <cs:dropLine>
+    <cs:lnRef idx="0"/>
+    <cs:fillRef idx="0"/>
+    <cs:effectRef idx="0"/>
+    <cs:fontRef idx="minor">
+      <a:schemeClr val="tx1"/>
+    </cs:fontRef>
+    <cs:spPr>
+      <a:ln w="9525" cap="flat" cmpd="sng" algn="ctr">
+        <a:solidFill>
+          <a:schemeClr val="tx1">
+            <a:lumMod val="35000"/>
+            <a:lumOff val="65000"/>
+          </a:schemeClr>
+        </a:solidFill>
+        <a:round/>
+      </a:ln>
+    </cs:spPr>
+  </cs:dropLine>
+  <cs:errorBar>
+    <cs:lnRef idx="0"/>
+    <cs:fillRef idx="0"/>
+    <cs:effectRef idx="0"/>
+    <cs:fontRef idx="minor">
+      <a:schemeClr val="tx1"/>
+    </cs:fontRef>
+    <cs:spPr>
+      <a:ln w="9525" cap="flat" cmpd="sng" algn="ctr">
+        <a:solidFill>
+          <a:schemeClr val="tx1">
+            <a:lumMod val="65000"/>
+            <a:lumOff val="35000"/>
+          </a:schemeClr>
+        </a:solidFill>
+        <a:round/>
+      </a:ln>
+    </cs:spPr>
+  </cs:errorBar>
+  <cs:floor>
+    <cs:lnRef idx="0"/>
+    <cs:fillRef idx="0"/>
+    <cs:effectRef idx="0"/>
+    <cs:fontRef idx="minor">
+      <a:schemeClr val="tx1"/>
+    </cs:fontRef>
+    <cs:spPr>
+      <a:noFill/>
+      <a:ln>
+        <a:noFill/>
+      </a:ln>
+    </cs:spPr>
+  </cs:floor>
+  <cs:gridlineMajor>
+    <cs:lnRef idx="0"/>
+    <cs:fillRef idx="0"/>
+    <cs:effectRef idx="0"/>
+    <cs:fontRef idx="minor">
+      <a:schemeClr val="tx1"/>
+    </cs:fontRef>
+    <cs:spPr>
+      <a:ln w="9525" cap="flat" cmpd="sng" algn="ctr">
+        <a:solidFill>
+          <a:schemeClr val="tx1">
+            <a:lumMod val="15000"/>
+            <a:lumOff val="85000"/>
+          </a:schemeClr>
+        </a:solidFill>
+        <a:round/>
+      </a:ln>
+    </cs:spPr>
+  </cs:gridlineMajor>
+  <cs:gridlineMinor>
+    <cs:lnRef idx="0"/>
+    <cs:fillRef idx="0"/>
+    <cs:effectRef idx="0"/>
+    <cs:fontRef idx="minor">
+      <a:schemeClr val="tx1"/>
+    </cs:fontRef>
+    <cs:spPr>
+      <a:ln w="9525" cap="flat" cmpd="sng" algn="ctr">
+        <a:solidFill>
+          <a:schemeClr val="tx1">
+            <a:lumMod val="5000"/>
+            <a:lumOff val="95000"/>
+          </a:schemeClr>
+        </a:solidFill>
+        <a:round/>
+      </a:ln>
+    </cs:spPr>
+  </cs:gridlineMinor>
+  <cs:hiLoLine>
+    <cs:lnRef idx="0"/>
+    <cs:fillRef idx="0"/>
+    <cs:effectRef idx="0"/>
+    <cs:fontRef idx="minor">
+      <a:schemeClr val="tx1"/>
+    </cs:fontRef>
+    <cs:spPr>
+      <a:ln w="9525" cap="flat" cmpd="sng" algn="ctr">
+        <a:solidFill>
+          <a:schemeClr val="tx1">
+            <a:lumMod val="50000"/>
+            <a:lumOff val="50000"/>
+          </a:schemeClr>
+        </a:solidFill>
+        <a:round/>
+      </a:ln>
+    </cs:spPr>
+  </cs:hiLoLine>
+  <cs:leaderLine>
+    <cs:lnRef idx="0"/>
+    <cs:fillRef idx="0"/>
+    <cs:effectRef idx="0"/>
+    <cs:fontRef idx="minor">
+      <a:schemeClr val="tx1"/>
+    </cs:fontRef>
+    <cs:spPr>
+      <a:ln w="9525" cap="flat" cmpd="sng" algn="ctr">
+        <a:solidFill>
+          <a:schemeClr val="tx1">
+            <a:lumMod val="35000"/>
+            <a:lumOff val="65000"/>
+          </a:schemeClr>
+        </a:solidFill>
+        <a:round/>
+      </a:ln>
+    </cs:spPr>
+  </cs:leaderLine>
+  <cs:legend>
+    <cs:lnRef idx="0"/>
+    <cs:fillRef idx="0"/>
+    <cs:effectRef idx="0"/>
+    <cs:fontRef idx="minor">
+      <a:schemeClr val="tx1">
+        <a:lumMod val="65000"/>
+        <a:lumOff val="35000"/>
+      </a:schemeClr>
+    </cs:fontRef>
+    <cs:defRPr sz="900" kern="1200"/>
+  </cs:legend>
+  <cs:plotArea mods="allowNoFillOverride allowNoLineOverride">
+    <cs:lnRef idx="0"/>
+    <cs:fillRef idx="0"/>
+    <cs:effectRef idx="0"/>
+    <cs:fontRef idx="minor">
+      <a:schemeClr val="tx1"/>
+    </cs:fontRef>
+  </cs:plotArea>
+  <cs:plotArea3D mods="allowNoFillOverride allowNoLineOverride">
+    <cs:lnRef idx="0"/>
+    <cs:fillRef idx="0"/>
+    <cs:effectRef idx="0"/>
+    <cs:fontRef idx="minor">
+      <a:schemeClr val="tx1"/>
+    </cs:fontRef>
+  </cs:plotArea3D>
+  <cs:seriesAxis>
+    <cs:lnRef idx="0"/>
+    <cs:fillRef idx="0"/>
+    <cs:effectRef idx="0"/>
+    <cs:fontRef idx="minor">
+      <a:schemeClr val="tx1">
+        <a:lumMod val="65000"/>
+        <a:lumOff val="35000"/>
+      </a:schemeClr>
+    </cs:fontRef>
+    <cs:defRPr sz="900" kern="1200"/>
+  </cs:seriesAxis>
+  <cs:seriesLine>
+    <cs:lnRef idx="0"/>
+    <cs:fillRef idx="0"/>
+    <cs:effectRef idx="0"/>
+    <cs:fontRef idx="minor">
+      <a:schemeClr val="tx1"/>
+    </cs:fontRef>
+    <cs:spPr>
+      <a:ln w="9525" cap="flat" cmpd="sng" algn="ctr">
+        <a:solidFill>
+          <a:schemeClr val="tx1">
+            <a:lumMod val="35000"/>
+            <a:lumOff val="65000"/>
+          </a:schemeClr>
+        </a:solidFill>
+        <a:round/>
+      </a:ln>
+    </cs:spPr>
+  </cs:seriesLine>
+  <cs:title>
+    <cs:lnRef idx="0"/>
+    <cs:fillRef idx="0"/>
+    <cs:effectRef idx="0"/>
+    <cs:fontRef idx="minor">
+      <a:schemeClr val="tx1">
+        <a:lumMod val="65000"/>
+        <a:lumOff val="35000"/>
+      </a:schemeClr>
+    </cs:fontRef>
+    <cs:defRPr sz="1400" b="0" kern="1200" spc="0" baseline="0"/>
+  </cs:title>
+  <cs:trendline>
+    <cs:lnRef idx="0">
+      <cs:styleClr val="auto"/>
+    </cs:lnRef>
+    <cs:fillRef idx="0"/>
+    <cs:effectRef idx="0"/>
+    <cs:fontRef idx="minor">
+      <a:schemeClr val="tx1"/>
+    </cs:fontRef>
+    <cs:spPr>
+      <a:ln w="19050" cap="rnd">
+        <a:solidFill>
+          <a:schemeClr val="phClr"/>
+        </a:solidFill>
+        <a:prstDash val="sysDot"/>
+      </a:ln>
+    </cs:spPr>
+  </cs:trendline>
+  <cs:trendlineLabel>
+    <cs:lnRef idx="0"/>
+    <cs:fillRef idx="0"/>
+    <cs:effectRef idx="0"/>
+    <cs:fontRef idx="minor">
+      <a:schemeClr val="tx1">
+        <a:lumMod val="65000"/>
+        <a:lumOff val="35000"/>
+      </a:schemeClr>
+    </cs:fontRef>
+    <cs:defRPr sz="900" kern="1200"/>
+  </cs:trendlineLabel>
+  <cs:upBar>
+    <cs:lnRef idx="0"/>
+    <cs:fillRef idx="0"/>
+    <cs:effectRef idx="0"/>
+    <cs:fontRef idx="minor">
+      <a:schemeClr val="tx1"/>
+    </cs:fontRef>
+    <cs:spPr>
+      <a:solidFill>
+        <a:schemeClr val="lt1"/>
+      </a:solidFill>
+      <a:ln w="9525" cap="flat" cmpd="sng" algn="ctr">
+        <a:solidFill>
+          <a:schemeClr val="tx1">
+            <a:lumMod val="65000"/>
+            <a:lumOff val="35000"/>
+          </a:schemeClr>
+        </a:solidFill>
+        <a:round/>
+      </a:ln>
+    </cs:spPr>
+  </cs:upBar>
+  <cs:valueAxis>
+    <cs:lnRef idx="0"/>
+    <cs:fillRef idx="0"/>
+    <cs:effectRef idx="0"/>
+    <cs:fontRef idx="minor">
+      <a:schemeClr val="tx1">
+        <a:lumMod val="65000"/>
+        <a:lumOff val="35000"/>
+      </a:schemeClr>
+    </cs:fontRef>
+    <cs:defRPr sz="900" kern="1200"/>
+  </cs:valueAxis>
+  <cs:wall>
+    <cs:lnRef idx="0"/>
+    <cs:fillRef idx="0"/>
+    <cs:effectRef idx="0"/>
+    <cs:fontRef idx="minor">
+      <a:schemeClr val="tx1"/>
+    </cs:fontRef>
+    <cs:spPr>
+      <a:noFill/>
+      <a:ln>
+        <a:noFill/>
+      </a:ln>
+    </cs:spPr>
+  </cs:wall>
+</cs:chartStyle>
+</file>
+
+<file path=ppt/charts/style2.xml><?xml version="1.0" encoding="utf-8"?>
+<cs:chartStyle xmlns:cs="http://schemas.microsoft.com/office/drawing/2012/chartStyle" xmlns:a="http://schemas.openxmlformats.org/drawingml/2006/main" id="201">
+  <cs:axisTitle>
+    <cs:lnRef idx="0"/>
+    <cs:fillRef idx="0"/>
+    <cs:effectRef idx="0"/>
+    <cs:fontRef idx="minor">
+      <a:schemeClr val="tx1">
+        <a:lumMod val="65000"/>
+        <a:lumOff val="35000"/>
+      </a:schemeClr>
+    </cs:fontRef>
+    <cs:defRPr sz="1000" kern="1200"/>
+  </cs:axisTitle>
+  <cs:categoryAxis>
+    <cs:lnRef idx="0"/>
+    <cs:fillRef idx="0"/>
+    <cs:effectRef idx="0"/>
+    <cs:fontRef idx="minor">
+      <a:schemeClr val="tx1">
+        <a:lumMod val="65000"/>
+        <a:lumOff val="35000"/>
+      </a:schemeClr>
+    </cs:fontRef>
+    <cs:spPr>
+      <a:ln w="9525" cap="flat" cmpd="sng" algn="ctr">
+        <a:solidFill>
+          <a:schemeClr val="tx1">
+            <a:lumMod val="15000"/>
+            <a:lumOff val="85000"/>
+          </a:schemeClr>
+        </a:solidFill>
+        <a:round/>
+      </a:ln>
+    </cs:spPr>
+    <cs:defRPr sz="900" kern="1200"/>
+  </cs:categoryAxis>
+  <cs:chartArea mods="allowNoFillOverride allowNoLineOverride">
+    <cs:lnRef idx="0"/>
+    <cs:fillRef idx="0"/>
+    <cs:effectRef idx="0"/>
+    <cs:fontRef idx="minor">
+      <a:schemeClr val="tx1"/>
+    </cs:fontRef>
+    <cs:spPr>
+      <a:solidFill>
+        <a:schemeClr val="bg1"/>
+      </a:solidFill>
+      <a:ln w="9525" cap="flat" cmpd="sng" algn="ctr">
+        <a:solidFill>
+          <a:schemeClr val="tx1">
+            <a:lumMod val="15000"/>
+            <a:lumOff val="85000"/>
+          </a:schemeClr>
+        </a:solidFill>
+        <a:round/>
+      </a:ln>
+    </cs:spPr>
+    <cs:defRPr sz="1000" kern="1200"/>
+  </cs:chartArea>
+  <cs:dataLabel>
+    <cs:lnRef idx="0"/>
+    <cs:fillRef idx="0"/>
+    <cs:effectRef idx="0"/>
+    <cs:fontRef idx="minor">
+      <a:schemeClr val="tx1">
+        <a:lumMod val="75000"/>
+        <a:lumOff val="25000"/>
+      </a:schemeClr>
+    </cs:fontRef>
+    <cs:defRPr sz="900" kern="1200"/>
+  </cs:dataLabel>
+  <cs:dataLabelCallout>
+    <cs:lnRef idx="0"/>
+    <cs:fillRef idx="0"/>
+    <cs:effectRef idx="0"/>
+    <cs:fontRef idx="minor">
+      <a:schemeClr val="dk1">
+        <a:lumMod val="65000"/>
+        <a:lumOff val="35000"/>
+      </a:schemeClr>
+    </cs:fontRef>
+    <cs:spPr>
+      <a:solidFill>
+        <a:schemeClr val="lt1"/>
+      </a:solidFill>
+      <a:ln>
+        <a:solidFill>
+          <a:schemeClr val="dk1">
+            <a:lumMod val="25000"/>
+            <a:lumOff val="75000"/>
+          </a:schemeClr>
+        </a:solidFill>
+      </a:ln>
+    </cs:spPr>
+    <cs:defRPr sz="900" kern="1200"/>
+    <cs:bodyPr rot="0" spcFirstLastPara="1" vertOverflow="clip" horzOverflow="clip" vert="horz" wrap="square" lIns="36576" tIns="18288" rIns="36576" bIns="18288" anchor="ctr" anchorCtr="1">
+      <a:spAutoFit/>
+    </cs:bodyPr>
+  </cs:dataLabelCallout>
+  <cs:dataPoint>
+    <cs:lnRef idx="0"/>
+    <cs:fillRef idx="1">
+      <cs:styleClr val="auto"/>
+    </cs:fillRef>
+    <cs:effectRef idx="0"/>
+    <cs:fontRef idx="minor">
+      <a:schemeClr val="tx1"/>
+    </cs:fontRef>
+  </cs:dataPoint>
+  <cs:dataPoint3D>
+    <cs:lnRef idx="0"/>
+    <cs:fillRef idx="1">
+      <cs:styleClr val="auto"/>
+    </cs:fillRef>
+    <cs:effectRef idx="0"/>
+    <cs:fontRef idx="minor">
+      <a:schemeClr val="tx1"/>
+    </cs:fontRef>
+  </cs:dataPoint3D>
+  <cs:dataPointLine>
+    <cs:lnRef idx="0">
+      <cs:styleClr val="auto"/>
+    </cs:lnRef>
+    <cs:fillRef idx="1"/>
+    <cs:effectRef idx="0"/>
+    <cs:fontRef idx="minor">
+      <a:schemeClr val="tx1"/>
+    </cs:fontRef>
+    <cs:spPr>
+      <a:ln w="28575" cap="rnd">
+        <a:solidFill>
+          <a:schemeClr val="phClr"/>
+        </a:solidFill>
+        <a:round/>
+      </a:ln>
+    </cs:spPr>
+  </cs:dataPointLine>
+  <cs:dataPointMarker>
+    <cs:lnRef idx="0">
+      <cs:styleClr val="auto"/>
+    </cs:lnRef>
+    <cs:fillRef idx="1">
+      <cs:styleClr val="auto"/>
+    </cs:fillRef>
+    <cs:effectRef idx="0"/>
+    <cs:fontRef idx="minor">
+      <a:schemeClr val="tx1"/>
+    </cs:fontRef>
+    <cs:spPr>
+      <a:ln w="9525">
+        <a:solidFill>
+          <a:schemeClr val="phClr"/>
+        </a:solidFill>
+      </a:ln>
+    </cs:spPr>
+  </cs:dataPointMarker>
+  <cs:dataPointMarkerLayout symbol="circle" size="5"/>
+  <cs:dataPointWireframe>
+    <cs:lnRef idx="0">
+      <cs:styleClr val="auto"/>
+    </cs:lnRef>
+    <cs:fillRef idx="1"/>
+    <cs:effectRef idx="0"/>
+    <cs:fontRef idx="minor">
+      <a:schemeClr val="tx1"/>
+    </cs:fontRef>
+    <cs:spPr>
+      <a:ln w="9525" cap="rnd">
+        <a:solidFill>
+          <a:schemeClr val="phClr"/>
+        </a:solidFill>
+        <a:round/>
+      </a:ln>
+    </cs:spPr>
+  </cs:dataPointWireframe>
+  <cs:dataTable>
+    <cs:lnRef idx="0"/>
+    <cs:fillRef idx="0"/>
+    <cs:effectRef idx="0"/>
+    <cs:fontRef idx="minor">
+      <a:schemeClr val="tx1">
+        <a:lumMod val="65000"/>
+        <a:lumOff val="35000"/>
+      </a:schemeClr>
+    </cs:fontRef>
+    <cs:spPr>
+      <a:noFill/>
+      <a:ln w="9525" cap="flat" cmpd="sng" algn="ctr">
+        <a:solidFill>
+          <a:schemeClr val="tx1">
+            <a:lumMod val="15000"/>
+            <a:lumOff val="85000"/>
+          </a:schemeClr>
+        </a:solidFill>
+        <a:round/>
+      </a:ln>
+    </cs:spPr>
+    <cs:defRPr sz="900" kern="1200"/>
+  </cs:dataTable>
+  <cs:downBar>
+    <cs:lnRef idx="0"/>
+    <cs:fillRef idx="0"/>
+    <cs:effectRef idx="0"/>
+    <cs:fontRef idx="minor">
+      <a:schemeClr val="dk1"/>
+    </cs:fontRef>
+    <cs:spPr>
+      <a:solidFill>
+        <a:schemeClr val="dk1">
+          <a:lumMod val="65000"/>
+          <a:lumOff val="35000"/>
+        </a:schemeClr>
+      </a:solidFill>
+      <a:ln w="9525">
+        <a:solidFill>
+          <a:schemeClr val="tx1">
+            <a:lumMod val="65000"/>
+            <a:lumOff val="35000"/>
+          </a:schemeClr>
+        </a:solidFill>
+      </a:ln>
+    </cs:spPr>
+  </cs:downBar>
+  <cs:dropLine>
+    <cs:lnRef idx="0"/>
+    <cs:fillRef idx="0"/>
+    <cs:effectRef idx="0"/>
+    <cs:fontRef idx="minor">
+      <a:schemeClr val="tx1"/>
+    </cs:fontRef>
+    <cs:spPr>
+      <a:ln w="9525" cap="flat" cmpd="sng" algn="ctr">
+        <a:solidFill>
+          <a:schemeClr val="tx1">
+            <a:lumMod val="35000"/>
+            <a:lumOff val="65000"/>
+          </a:schemeClr>
+        </a:solidFill>
+        <a:round/>
+      </a:ln>
+    </cs:spPr>
+  </cs:dropLine>
+  <cs:errorBar>
+    <cs:lnRef idx="0"/>
+    <cs:fillRef idx="0"/>
+    <cs:effectRef idx="0"/>
+    <cs:fontRef idx="minor">
+      <a:schemeClr val="tx1"/>
+    </cs:fontRef>
+    <cs:spPr>
+      <a:ln w="9525" cap="flat" cmpd="sng" algn="ctr">
+        <a:solidFill>
+          <a:schemeClr val="tx1">
+            <a:lumMod val="65000"/>
+            <a:lumOff val="35000"/>
+          </a:schemeClr>
+        </a:solidFill>
+        <a:round/>
+      </a:ln>
+    </cs:spPr>
+  </cs:errorBar>
+  <cs:floor>
+    <cs:lnRef idx="0"/>
+    <cs:fillRef idx="0"/>
+    <cs:effectRef idx="0"/>
+    <cs:fontRef idx="minor">
+      <a:schemeClr val="tx1"/>
+    </cs:fontRef>
+    <cs:spPr>
+      <a:noFill/>
+      <a:ln>
+        <a:noFill/>
+      </a:ln>
+    </cs:spPr>
+  </cs:floor>
+  <cs:gridlineMajor>
+    <cs:lnRef idx="0"/>
+    <cs:fillRef idx="0"/>
+    <cs:effectRef idx="0"/>
+    <cs:fontRef idx="minor">
+      <a:schemeClr val="tx1"/>
+    </cs:fontRef>
+    <cs:spPr>
+      <a:ln w="9525" cap="flat" cmpd="sng" algn="ctr">
+        <a:solidFill>
+          <a:schemeClr val="tx1">
+            <a:lumMod val="15000"/>
+            <a:lumOff val="85000"/>
+          </a:schemeClr>
+        </a:solidFill>
+        <a:round/>
+      </a:ln>
+    </cs:spPr>
+  </cs:gridlineMajor>
+  <cs:gridlineMinor>
+    <cs:lnRef idx="0"/>
+    <cs:fillRef idx="0"/>
+    <cs:effectRef idx="0"/>
+    <cs:fontRef idx="minor">
+      <a:schemeClr val="tx1"/>
+    </cs:fontRef>
+    <cs:spPr>
+      <a:ln w="9525" cap="flat" cmpd="sng" algn="ctr">
+        <a:solidFill>
+          <a:schemeClr val="tx1">
+            <a:lumMod val="5000"/>
+            <a:lumOff val="95000"/>
+          </a:schemeClr>
+        </a:solidFill>
+        <a:round/>
+      </a:ln>
+    </cs:spPr>
+  </cs:gridlineMinor>
+  <cs:hiLoLine>
+    <cs:lnRef idx="0"/>
+    <cs:fillRef idx="0"/>
+    <cs:effectRef idx="0"/>
+    <cs:fontRef idx="minor">
+      <a:schemeClr val="tx1"/>
+    </cs:fontRef>
+    <cs:spPr>
+      <a:ln w="9525" cap="flat" cmpd="sng" algn="ctr">
+        <a:solidFill>
+          <a:schemeClr val="tx1">
+            <a:lumMod val="75000"/>
+            <a:lumOff val="25000"/>
+          </a:schemeClr>
+        </a:solidFill>
+        <a:round/>
+      </a:ln>
+    </cs:spPr>
+  </cs:hiLoLine>
+  <cs:leaderLine>
+    <cs:lnRef idx="0"/>
+    <cs:fillRef idx="0"/>
+    <cs:effectRef idx="0"/>
+    <cs:fontRef idx="minor">
+      <a:schemeClr val="tx1"/>
+    </cs:fontRef>
+    <cs:spPr>
+      <a:ln w="9525" cap="flat" cmpd="sng" algn="ctr">
+        <a:solidFill>
+          <a:schemeClr val="tx1">
+            <a:lumMod val="35000"/>
+            <a:lumOff val="65000"/>
+          </a:schemeClr>
+        </a:solidFill>
+        <a:round/>
+      </a:ln>
+    </cs:spPr>
+  </cs:leaderLine>
+  <cs:legend>
+    <cs:lnRef idx="0"/>
+    <cs:fillRef idx="0"/>
+    <cs:effectRef idx="0"/>
+    <cs:fontRef idx="minor">
+      <a:schemeClr val="tx1">
+        <a:lumMod val="65000"/>
+        <a:lumOff val="35000"/>
+      </a:schemeClr>
+    </cs:fontRef>
+    <cs:defRPr sz="900" kern="1200"/>
+  </cs:legend>
+  <cs:plotArea mods="allowNoFillOverride allowNoLineOverride">
+    <cs:lnRef idx="0"/>
+    <cs:fillRef idx="0"/>
+    <cs:effectRef idx="0"/>
+    <cs:fontRef idx="minor">
+      <a:schemeClr val="tx1"/>
+    </cs:fontRef>
+  </cs:plotArea>
+  <cs:plotArea3D mods="allowNoFillOverride allowNoLineOverride">
+    <cs:lnRef idx="0"/>
+    <cs:fillRef idx="0"/>
+    <cs:effectRef idx="0"/>
+    <cs:fontRef idx="minor">
+      <a:schemeClr val="tx1"/>
+    </cs:fontRef>
+  </cs:plotArea3D>
+  <cs:seriesAxis>
+    <cs:lnRef idx="0"/>
+    <cs:fillRef idx="0"/>
+    <cs:effectRef idx="0"/>
+    <cs:fontRef idx="minor">
+      <a:schemeClr val="tx1">
+        <a:lumMod val="65000"/>
+        <a:lumOff val="35000"/>
+      </a:schemeClr>
+    </cs:fontRef>
+    <cs:defRPr sz="900" kern="1200"/>
+  </cs:seriesAxis>
+  <cs:seriesLine>
+    <cs:lnRef idx="0"/>
+    <cs:fillRef idx="0"/>
+    <cs:effectRef idx="0"/>
+    <cs:fontRef idx="minor">
+      <a:schemeClr val="tx1"/>
+    </cs:fontRef>
+    <cs:spPr>
+      <a:ln w="9525" cap="flat" cmpd="sng" algn="ctr">
+        <a:solidFill>
+          <a:schemeClr val="tx1">
+            <a:lumMod val="35000"/>
+            <a:lumOff val="65000"/>
+          </a:schemeClr>
+        </a:solidFill>
+        <a:round/>
+      </a:ln>
+    </cs:spPr>
+  </cs:seriesLine>
+  <cs:title>
+    <cs:lnRef idx="0"/>
+    <cs:fillRef idx="0"/>
+    <cs:effectRef idx="0"/>
+    <cs:fontRef idx="minor">
+      <a:schemeClr val="tx1">
+        <a:lumMod val="65000"/>
+        <a:lumOff val="35000"/>
+      </a:schemeClr>
+    </cs:fontRef>
+    <cs:defRPr sz="1400" b="0" kern="1200" spc="0" baseline="0"/>
+  </cs:title>
+  <cs:trendline>
+    <cs:lnRef idx="0">
+      <cs:styleClr val="auto"/>
+    </cs:lnRef>
+    <cs:fillRef idx="0"/>
+    <cs:effectRef idx="0"/>
+    <cs:fontRef idx="minor">
+      <a:schemeClr val="tx1"/>
+    </cs:fontRef>
+    <cs:spPr>
+      <a:ln w="19050" cap="rnd">
+        <a:solidFill>
+          <a:schemeClr val="phClr"/>
+        </a:solidFill>
+        <a:prstDash val="sysDot"/>
+      </a:ln>
+    </cs:spPr>
+  </cs:trendline>
+  <cs:trendlineLabel>
+    <cs:lnRef idx="0"/>
+    <cs:fillRef idx="0"/>
+    <cs:effectRef idx="0"/>
+    <cs:fontRef idx="minor">
+      <a:schemeClr val="tx1">
+        <a:lumMod val="65000"/>
+        <a:lumOff val="35000"/>
+      </a:schemeClr>
+    </cs:fontRef>
+    <cs:defRPr sz="900" kern="1200"/>
+  </cs:trendlineLabel>
+  <cs:upBar>
+    <cs:lnRef idx="0"/>
+    <cs:fillRef idx="0"/>
+    <cs:effectRef idx="0"/>
+    <cs:fontRef idx="minor">
+      <a:schemeClr val="dk1"/>
+    </cs:fontRef>
+    <cs:spPr>
+      <a:solidFill>
+        <a:schemeClr val="lt1"/>
+      </a:solidFill>
+      <a:ln w="9525">
+        <a:solidFill>
+          <a:schemeClr val="tx1">
+            <a:lumMod val="15000"/>
+            <a:lumOff val="85000"/>
+          </a:schemeClr>
+        </a:solidFill>
+      </a:ln>
+    </cs:spPr>
+  </cs:upBar>
+  <cs:valueAxis>
+    <cs:lnRef idx="0"/>
+    <cs:fillRef idx="0"/>
+    <cs:effectRef idx="0"/>
+    <cs:fontRef idx="minor">
+      <a:schemeClr val="tx1">
+        <a:lumMod val="65000"/>
+        <a:lumOff val="35000"/>
+      </a:schemeClr>
+    </cs:fontRef>
+    <cs:defRPr sz="900" kern="1200"/>
+  </cs:valueAxis>
+  <cs:wall>
+    <cs:lnRef idx="0"/>
+    <cs:fillRef idx="0"/>
+    <cs:effectRef idx="0"/>
+    <cs:fontRef idx="minor">
+      <a:schemeClr val="tx1"/>
+    </cs:fontRef>
+    <cs:spPr>
+      <a:noFill/>
+      <a:ln>
+        <a:noFill/>
+      </a:ln>
+    </cs:spPr>
+  </cs:wall>
+</cs:chartStyle>
+</file>
+
 <file path=ppt/notesMasters/notesMaster1.xml><?xml version="1.0" encoding="utf-8"?>
-<p:notesMaster xmlns:a="http://schemas.openxmlformats.org/drawingml/2006/main" xmlns:r="http://schemas.openxmlformats.org/officeDocument/2006/relationships" xmlns:mc="http://schemas.openxmlformats.org/markup-compatibility/2006" xmlns:mv="urn:schemas-microsoft-com:mac:vml" xmlns:p="http://schemas.openxmlformats.org/presentationml/2006/main" xmlns:c="http://schemas.openxmlformats.org/drawingml/2006/chart" xmlns:dgm="http://schemas.openxmlformats.org/drawingml/2006/diagram" xmlns:o="urn:schemas-microsoft-com:office:office" xmlns:v="urn:schemas-microsoft-com:vml" xmlns:pvml="urn:schemas-microsoft-com:office:powerpoint" xmlns:com="http://schemas.openxmlformats.org/drawingml/2006/compatibility" xmlns:p14="http://schemas.microsoft.com/office/powerpoint/2010/main" xmlns:p15="http://schemas.microsoft.com/office/powerpoint/2012/main">
+<p:notesMaster xmlns:a="http://schemas.openxmlformats.org/drawingml/2006/main" xmlns:r="http://schemas.openxmlformats.org/officeDocument/2006/relationships" xmlns:p="http://schemas.openxmlformats.org/presentationml/2006/main">
   <p:cSld>
+    <p:bg>
+      <p:bgRef idx="1001">
+        <a:schemeClr val="bg1"/>
+      </p:bgRef>
+    </p:bg>
     <p:spTree>
       <p:nvGrpSpPr>
-        <p:cNvPr id="2" name="Shape 2"/>
+        <p:cNvPr id="1" name="Shape 2"/>
         <p:cNvGrpSpPr/>
         <p:nvPr/>
       </p:nvGrpSpPr>
@@ -246,9 +2991,11 @@
       <p:sp>
         <p:nvSpPr>
           <p:cNvPr id="3" name="Shape 3"/>
-          <p:cNvSpPr/>
+          <p:cNvSpPr>
+            <a:spLocks noGrp="1" noRot="1" noChangeAspect="1"/>
+          </p:cNvSpPr>
           <p:nvPr>
-            <p:ph idx="2" type="sldImg"/>
+            <p:ph type="sldImg" idx="2"/>
           </p:nvPr>
         </p:nvSpPr>
         <p:spPr>
@@ -257,8 +3004,13 @@
             <a:ext cx="6096075" cy="3429000"/>
           </a:xfrm>
           <a:custGeom>
+            <a:avLst/>
+            <a:gdLst/>
+            <a:ahLst/>
+            <a:cxnLst/>
+            <a:rect l="0" t="0" r="0" b="0"/>
             <a:pathLst>
-              <a:path extrusionOk="0" h="120000" w="120000">
+              <a:path w="120000" h="120000" extrusionOk="0">
                 <a:moveTo>
                   <a:pt x="0" y="0"/>
                 </a:moveTo>
@@ -276,23 +3028,25 @@
             </a:pathLst>
           </a:custGeom>
           <a:noFill/>
-          <a:ln cap="flat" cmpd="sng" w="9525">
+          <a:ln w="9525" cap="flat" cmpd="sng">
             <a:solidFill>
               <a:srgbClr val="000000"/>
             </a:solidFill>
             <a:prstDash val="solid"/>
             <a:round/>
-            <a:headEnd len="med" w="med" type="none"/>
-            <a:tailEnd len="med" w="med" type="none"/>
+            <a:headEnd type="none" w="med" len="med"/>
+            <a:tailEnd type="none" w="med" len="med"/>
           </a:ln>
         </p:spPr>
       </p:sp>
       <p:sp>
         <p:nvSpPr>
           <p:cNvPr id="4" name="Shape 4"/>
-          <p:cNvSpPr txBox="1"/>
+          <p:cNvSpPr txBox="1">
+            <a:spLocks noGrp="1"/>
+          </p:cNvSpPr>
           <p:nvPr>
-            <p:ph idx="1" type="body"/>
+            <p:ph type="body" idx="1"/>
           </p:nvPr>
         </p:nvSpPr>
         <p:spPr>
@@ -309,7 +3063,7 @@
           </a:ln>
         </p:spPr>
         <p:txBody>
-          <a:bodyPr anchorCtr="0" anchor="t" bIns="91425" lIns="91425" rIns="91425" wrap="square" tIns="91425"/>
+          <a:bodyPr wrap="square" lIns="91425" tIns="91425" rIns="91425" bIns="91425" anchor="t" anchorCtr="0"/>
           <a:lstStyle>
             <a:lvl1pPr lvl="0">
               <a:spcBef>
@@ -375,21 +3129,115 @@
               <a:defRPr sz="1100"/>
             </a:lvl9pPr>
           </a:lstStyle>
-          <a:p/>
+          <a:p>
+            <a:endParaRPr/>
+          </a:p>
         </p:txBody>
       </p:sp>
     </p:spTree>
   </p:cSld>
-  <p:clrMap accent1="accent1" accent2="accent2" accent3="accent3" accent4="accent4" accent5="accent5" accent6="accent6" bg1="lt1" bg2="dk2" tx1="dk1" tx2="lt2" folHlink="folHlink" hlink="hlink"/>
+  <p:clrMap bg1="lt1" tx1="dk1" bg2="dk2" tx2="lt2" accent1="accent1" accent2="accent2" accent3="accent3" accent4="accent4" accent5="accent5" accent6="accent6" hlink="hlink" folHlink="folHlink"/>
+  <p:notesStyle>
+    <a:lvl1pPr marL="0" algn="l" defTabSz="914400" rtl="0" eaLnBrk="1" latinLnBrk="0" hangingPunct="1">
+      <a:defRPr sz="1200" kern="1200">
+        <a:solidFill>
+          <a:schemeClr val="tx1"/>
+        </a:solidFill>
+        <a:latin typeface="+mn-lt"/>
+        <a:ea typeface="+mn-ea"/>
+        <a:cs typeface="+mn-cs"/>
+      </a:defRPr>
+    </a:lvl1pPr>
+    <a:lvl2pPr marL="457200" algn="l" defTabSz="914400" rtl="0" eaLnBrk="1" latinLnBrk="0" hangingPunct="1">
+      <a:defRPr sz="1200" kern="1200">
+        <a:solidFill>
+          <a:schemeClr val="tx1"/>
+        </a:solidFill>
+        <a:latin typeface="+mn-lt"/>
+        <a:ea typeface="+mn-ea"/>
+        <a:cs typeface="+mn-cs"/>
+      </a:defRPr>
+    </a:lvl2pPr>
+    <a:lvl3pPr marL="914400" algn="l" defTabSz="914400" rtl="0" eaLnBrk="1" latinLnBrk="0" hangingPunct="1">
+      <a:defRPr sz="1200" kern="1200">
+        <a:solidFill>
+          <a:schemeClr val="tx1"/>
+        </a:solidFill>
+        <a:latin typeface="+mn-lt"/>
+        <a:ea typeface="+mn-ea"/>
+        <a:cs typeface="+mn-cs"/>
+      </a:defRPr>
+    </a:lvl3pPr>
+    <a:lvl4pPr marL="1371600" algn="l" defTabSz="914400" rtl="0" eaLnBrk="1" latinLnBrk="0" hangingPunct="1">
+      <a:defRPr sz="1200" kern="1200">
+        <a:solidFill>
+          <a:schemeClr val="tx1"/>
+        </a:solidFill>
+        <a:latin typeface="+mn-lt"/>
+        <a:ea typeface="+mn-ea"/>
+        <a:cs typeface="+mn-cs"/>
+      </a:defRPr>
+    </a:lvl4pPr>
+    <a:lvl5pPr marL="1828800" algn="l" defTabSz="914400" rtl="0" eaLnBrk="1" latinLnBrk="0" hangingPunct="1">
+      <a:defRPr sz="1200" kern="1200">
+        <a:solidFill>
+          <a:schemeClr val="tx1"/>
+        </a:solidFill>
+        <a:latin typeface="+mn-lt"/>
+        <a:ea typeface="+mn-ea"/>
+        <a:cs typeface="+mn-cs"/>
+      </a:defRPr>
+    </a:lvl5pPr>
+    <a:lvl6pPr marL="2286000" algn="l" defTabSz="914400" rtl="0" eaLnBrk="1" latinLnBrk="0" hangingPunct="1">
+      <a:defRPr sz="1200" kern="1200">
+        <a:solidFill>
+          <a:schemeClr val="tx1"/>
+        </a:solidFill>
+        <a:latin typeface="+mn-lt"/>
+        <a:ea typeface="+mn-ea"/>
+        <a:cs typeface="+mn-cs"/>
+      </a:defRPr>
+    </a:lvl6pPr>
+    <a:lvl7pPr marL="2743200" algn="l" defTabSz="914400" rtl="0" eaLnBrk="1" latinLnBrk="0" hangingPunct="1">
+      <a:defRPr sz="1200" kern="1200">
+        <a:solidFill>
+          <a:schemeClr val="tx1"/>
+        </a:solidFill>
+        <a:latin typeface="+mn-lt"/>
+        <a:ea typeface="+mn-ea"/>
+        <a:cs typeface="+mn-cs"/>
+      </a:defRPr>
+    </a:lvl7pPr>
+    <a:lvl8pPr marL="3200400" algn="l" defTabSz="914400" rtl="0" eaLnBrk="1" latinLnBrk="0" hangingPunct="1">
+      <a:defRPr sz="1200" kern="1200">
+        <a:solidFill>
+          <a:schemeClr val="tx1"/>
+        </a:solidFill>
+        <a:latin typeface="+mn-lt"/>
+        <a:ea typeface="+mn-ea"/>
+        <a:cs typeface="+mn-cs"/>
+      </a:defRPr>
+    </a:lvl8pPr>
+    <a:lvl9pPr marL="3657600" algn="l" defTabSz="914400" rtl="0" eaLnBrk="1" latinLnBrk="0" hangingPunct="1">
+      <a:defRPr sz="1200" kern="1200">
+        <a:solidFill>
+          <a:schemeClr val="tx1"/>
+        </a:solidFill>
+        <a:latin typeface="+mn-lt"/>
+        <a:ea typeface="+mn-ea"/>
+        <a:cs typeface="+mn-cs"/>
+      </a:defRPr>
+    </a:lvl9pPr>
+  </p:notesStyle>
 </p:notesMaster>
 </file>
 
 <file path=ppt/notesSlides/notesSlide1.xml><?xml version="1.0" encoding="utf-8"?>
-<p:notes xmlns:a="http://schemas.openxmlformats.org/drawingml/2006/main" xmlns:r="http://schemas.openxmlformats.org/officeDocument/2006/relationships" xmlns:mc="http://schemas.openxmlformats.org/markup-compatibility/2006" xmlns:mv="urn:schemas-microsoft-com:mac:vml" xmlns:p="http://schemas.openxmlformats.org/presentationml/2006/main" xmlns:c="http://schemas.openxmlformats.org/drawingml/2006/chart" xmlns:dgm="http://schemas.openxmlformats.org/drawingml/2006/diagram" xmlns:o="urn:schemas-microsoft-com:office:office" xmlns:v="urn:schemas-microsoft-com:vml" xmlns:pvml="urn:schemas-microsoft-com:office:powerpoint" xmlns:com="http://schemas.openxmlformats.org/drawingml/2006/compatibility" xmlns:p14="http://schemas.microsoft.com/office/powerpoint/2010/main" xmlns:p15="http://schemas.microsoft.com/office/powerpoint/2012/main" showMasterPhAnim="0" showMasterSp="0">
+<p:notes xmlns:a="http://schemas.openxmlformats.org/drawingml/2006/main" xmlns:r="http://schemas.openxmlformats.org/officeDocument/2006/relationships" xmlns:p="http://schemas.openxmlformats.org/presentationml/2006/main" showMasterSp="0" showMasterPhAnim="0">
   <p:cSld>
     <p:spTree>
       <p:nvGrpSpPr>
-        <p:cNvPr id="50" name="Shape 50"/>
+        <p:cNvPr id="1" name="Shape 50"/>
         <p:cNvGrpSpPr/>
         <p:nvPr/>
       </p:nvGrpSpPr>
@@ -404,19 +3252,26 @@
       <p:sp>
         <p:nvSpPr>
           <p:cNvPr id="51" name="Shape 51"/>
-          <p:cNvSpPr/>
+          <p:cNvSpPr>
+            <a:spLocks noGrp="1" noRot="1" noChangeAspect="1"/>
+          </p:cNvSpPr>
           <p:nvPr>
-            <p:ph idx="2" type="sldImg"/>
+            <p:ph type="sldImg" idx="2"/>
           </p:nvPr>
         </p:nvSpPr>
         <p:spPr>
           <a:xfrm>
-            <a:off x="381300" y="685800"/>
+            <a:off x="381000" y="685800"/>
             <a:ext cx="6096000" cy="3429000"/>
           </a:xfrm>
           <a:custGeom>
+            <a:avLst/>
+            <a:gdLst/>
+            <a:ahLst/>
+            <a:cxnLst/>
+            <a:rect l="0" t="0" r="0" b="0"/>
             <a:pathLst>
-              <a:path extrusionOk="0" h="120000" w="120000">
+              <a:path w="120000" h="120000" extrusionOk="0">
                 <a:moveTo>
                   <a:pt x="0" y="0"/>
                 </a:moveTo>
@@ -438,9 +3293,11 @@
       <p:sp>
         <p:nvSpPr>
           <p:cNvPr id="52" name="Shape 52"/>
-          <p:cNvSpPr txBox="1"/>
+          <p:cNvSpPr txBox="1">
+            <a:spLocks noGrp="1"/>
+          </p:cNvSpPr>
           <p:nvPr>
-            <p:ph idx="1" type="body"/>
+            <p:ph type="body" idx="1"/>
           </p:nvPr>
         </p:nvSpPr>
         <p:spPr>
@@ -453,7 +3310,7 @@
           </a:prstGeom>
         </p:spPr>
         <p:txBody>
-          <a:bodyPr anchorCtr="0" anchor="t" bIns="91425" lIns="91425" rIns="91425" wrap="square" tIns="91425">
+          <a:bodyPr wrap="square" lIns="91425" tIns="91425" rIns="91425" bIns="91425" anchor="t" anchorCtr="0">
             <a:noAutofit/>
           </a:bodyPr>
           <a:lstStyle/>
@@ -464,9 +3321,6 @@
               </a:spcBef>
               <a:buNone/>
             </a:pPr>
-            <a:r>
-              <a:t/>
-            </a:r>
             <a:endParaRPr/>
           </a:p>
         </p:txBody>
@@ -479,12 +3333,118 @@
 </p:notes>
 </file>
 
+<file path=ppt/notesSlides/notesSlide2.xml><?xml version="1.0" encoding="utf-8"?>
+<p:notes xmlns:a="http://schemas.openxmlformats.org/drawingml/2006/main" xmlns:r="http://schemas.openxmlformats.org/officeDocument/2006/relationships" xmlns:p="http://schemas.openxmlformats.org/presentationml/2006/main" showMasterSp="0" showMasterPhAnim="0">
+  <p:cSld>
+    <p:spTree>
+      <p:nvGrpSpPr>
+        <p:cNvPr id="1" name="Shape 50"/>
+        <p:cNvGrpSpPr/>
+        <p:nvPr/>
+      </p:nvGrpSpPr>
+      <p:grpSpPr>
+        <a:xfrm>
+          <a:off x="0" y="0"/>
+          <a:ext cx="0" cy="0"/>
+          <a:chOff x="0" y="0"/>
+          <a:chExt cx="0" cy="0"/>
+        </a:xfrm>
+      </p:grpSpPr>
+      <p:sp>
+        <p:nvSpPr>
+          <p:cNvPr id="51" name="Shape 51"/>
+          <p:cNvSpPr>
+            <a:spLocks noGrp="1" noRot="1" noChangeAspect="1"/>
+          </p:cNvSpPr>
+          <p:nvPr>
+            <p:ph type="sldImg" idx="2"/>
+          </p:nvPr>
+        </p:nvSpPr>
+        <p:spPr>
+          <a:xfrm>
+            <a:off x="381000" y="685800"/>
+            <a:ext cx="6096000" cy="3429000"/>
+          </a:xfrm>
+          <a:custGeom>
+            <a:avLst/>
+            <a:gdLst/>
+            <a:ahLst/>
+            <a:cxnLst/>
+            <a:rect l="0" t="0" r="0" b="0"/>
+            <a:pathLst>
+              <a:path w="120000" h="120000" extrusionOk="0">
+                <a:moveTo>
+                  <a:pt x="0" y="0"/>
+                </a:moveTo>
+                <a:lnTo>
+                  <a:pt x="120000" y="0"/>
+                </a:lnTo>
+                <a:lnTo>
+                  <a:pt x="120000" y="120000"/>
+                </a:lnTo>
+                <a:lnTo>
+                  <a:pt x="0" y="120000"/>
+                </a:lnTo>
+                <a:close/>
+              </a:path>
+            </a:pathLst>
+          </a:custGeom>
+        </p:spPr>
+      </p:sp>
+      <p:sp>
+        <p:nvSpPr>
+          <p:cNvPr id="52" name="Shape 52"/>
+          <p:cNvSpPr txBox="1">
+            <a:spLocks noGrp="1"/>
+          </p:cNvSpPr>
+          <p:nvPr>
+            <p:ph type="body" idx="1"/>
+          </p:nvPr>
+        </p:nvSpPr>
+        <p:spPr>
+          <a:xfrm>
+            <a:off x="685800" y="4343400"/>
+            <a:ext cx="5486400" cy="4114800"/>
+          </a:xfrm>
+          <a:prstGeom prst="rect">
+            <a:avLst/>
+          </a:prstGeom>
+        </p:spPr>
+        <p:txBody>
+          <a:bodyPr wrap="square" lIns="91425" tIns="91425" rIns="91425" bIns="91425" anchor="t" anchorCtr="0">
+            <a:noAutofit/>
+          </a:bodyPr>
+          <a:lstStyle/>
+          <a:p>
+            <a:pPr lvl="0" rtl="0">
+              <a:spcBef>
+                <a:spcPts val="0"/>
+              </a:spcBef>
+              <a:buNone/>
+            </a:pPr>
+            <a:endParaRPr/>
+          </a:p>
+        </p:txBody>
+      </p:sp>
+    </p:spTree>
+    <p:extLst>
+      <p:ext uri="{BB962C8B-B14F-4D97-AF65-F5344CB8AC3E}">
+        <p14:creationId xmlns:p14="http://schemas.microsoft.com/office/powerpoint/2010/main" val="924042900"/>
+      </p:ext>
+    </p:extLst>
+  </p:cSld>
+  <p:clrMapOvr>
+    <a:masterClrMapping/>
+  </p:clrMapOvr>
+</p:notes>
+</file>
+
 <file path=ppt/slideLayouts/slideLayout1.xml><?xml version="1.0" encoding="utf-8"?>
-<p:sldLayout xmlns:a="http://schemas.openxmlformats.org/drawingml/2006/main" xmlns:r="http://schemas.openxmlformats.org/officeDocument/2006/relationships" xmlns:mc="http://schemas.openxmlformats.org/markup-compatibility/2006" xmlns:mv="urn:schemas-microsoft-com:mac:vml" xmlns:p="http://schemas.openxmlformats.org/presentationml/2006/main" xmlns:c="http://schemas.openxmlformats.org/drawingml/2006/chart" xmlns:dgm="http://schemas.openxmlformats.org/drawingml/2006/diagram" xmlns:o="urn:schemas-microsoft-com:office:office" xmlns:v="urn:schemas-microsoft-com:vml" xmlns:pvml="urn:schemas-microsoft-com:office:powerpoint" xmlns:com="http://schemas.openxmlformats.org/drawingml/2006/compatibility" xmlns:p14="http://schemas.microsoft.com/office/powerpoint/2010/main" xmlns:p15="http://schemas.microsoft.com/office/powerpoint/2012/main" type="title">
+<p:sldLayout xmlns:a="http://schemas.openxmlformats.org/drawingml/2006/main" xmlns:r="http://schemas.openxmlformats.org/officeDocument/2006/relationships" xmlns:p="http://schemas.openxmlformats.org/presentationml/2006/main" type="title">
   <p:cSld name="Title slide">
     <p:spTree>
       <p:nvGrpSpPr>
-        <p:cNvPr id="9" name="Shape 9"/>
+        <p:cNvPr id="1" name="Shape 9"/>
         <p:cNvGrpSpPr/>
         <p:nvPr/>
       </p:nvGrpSpPr>
@@ -499,7 +3459,9 @@
       <p:sp>
         <p:nvSpPr>
           <p:cNvPr id="10" name="Shape 10"/>
-          <p:cNvSpPr txBox="1"/>
+          <p:cNvSpPr txBox="1">
+            <a:spLocks noGrp="1"/>
+          </p:cNvSpPr>
           <p:nvPr>
             <p:ph type="ctrTitle"/>
           </p:nvPr>
@@ -514,7 +3476,7 @@
           </a:prstGeom>
         </p:spPr>
         <p:txBody>
-          <a:bodyPr anchorCtr="0" anchor="b" bIns="91425" lIns="91425" rIns="91425" wrap="square" tIns="91425"/>
+          <a:bodyPr wrap="square" lIns="91425" tIns="91425" rIns="91425" bIns="91425" anchor="b" anchorCtr="0"/>
           <a:lstStyle>
             <a:lvl1pPr lvl="0" algn="ctr">
               <a:spcBef>
@@ -580,15 +3542,19 @@
               <a:defRPr sz="5200"/>
             </a:lvl9pPr>
           </a:lstStyle>
-          <a:p/>
+          <a:p>
+            <a:endParaRPr/>
+          </a:p>
         </p:txBody>
       </p:sp>
       <p:sp>
         <p:nvSpPr>
           <p:cNvPr id="11" name="Shape 11"/>
-          <p:cNvSpPr txBox="1"/>
+          <p:cNvSpPr txBox="1">
+            <a:spLocks noGrp="1"/>
+          </p:cNvSpPr>
           <p:nvPr>
-            <p:ph idx="1" type="subTitle"/>
+            <p:ph type="subTitle" idx="1"/>
           </p:nvPr>
         </p:nvSpPr>
         <p:spPr>
@@ -601,7 +3567,7 @@
           </a:prstGeom>
         </p:spPr>
         <p:txBody>
-          <a:bodyPr anchorCtr="0" anchor="t" bIns="91425" lIns="91425" rIns="91425" wrap="square" tIns="91425"/>
+          <a:bodyPr wrap="square" lIns="91425" tIns="91425" rIns="91425" bIns="91425" anchor="t" anchorCtr="0"/>
           <a:lstStyle>
             <a:lvl1pPr lvl="0" algn="ctr">
               <a:lnSpc>
@@ -730,15 +3696,19 @@
               <a:defRPr sz="2800"/>
             </a:lvl9pPr>
           </a:lstStyle>
-          <a:p/>
+          <a:p>
+            <a:endParaRPr/>
+          </a:p>
         </p:txBody>
       </p:sp>
       <p:sp>
         <p:nvSpPr>
           <p:cNvPr id="12" name="Shape 12"/>
-          <p:cNvSpPr txBox="1"/>
+          <p:cNvSpPr txBox="1">
+            <a:spLocks noGrp="1"/>
+          </p:cNvSpPr>
           <p:nvPr>
-            <p:ph idx="12" type="sldNum"/>
+            <p:ph type="sldNum" idx="12"/>
           </p:nvPr>
         </p:nvSpPr>
         <p:spPr>
@@ -751,7 +3721,7 @@
           </a:prstGeom>
         </p:spPr>
         <p:txBody>
-          <a:bodyPr anchorCtr="0" anchor="ctr" bIns="91425" lIns="91425" rIns="91425" wrap="square" tIns="91425">
+          <a:bodyPr wrap="square" lIns="91425" tIns="91425" rIns="91425" bIns="91425" anchor="ctr" anchorCtr="0">
             <a:noAutofit/>
           </a:bodyPr>
           <a:lstStyle/>
@@ -766,6 +3736,7 @@
               <a:rPr lang="en"/>
               <a:t>‹#›</a:t>
             </a:fld>
+            <a:endParaRPr lang="en"/>
           </a:p>
         </p:txBody>
       </p:sp>
@@ -778,11 +3749,11 @@
 </file>
 
 <file path=ppt/slideLayouts/slideLayout10.xml><?xml version="1.0" encoding="utf-8"?>
-<p:sldLayout xmlns:a="http://schemas.openxmlformats.org/drawingml/2006/main" xmlns:r="http://schemas.openxmlformats.org/officeDocument/2006/relationships" xmlns:mc="http://schemas.openxmlformats.org/markup-compatibility/2006" xmlns:mv="urn:schemas-microsoft-com:mac:vml" xmlns:p="http://schemas.openxmlformats.org/presentationml/2006/main" xmlns:c="http://schemas.openxmlformats.org/drawingml/2006/chart" xmlns:dgm="http://schemas.openxmlformats.org/drawingml/2006/diagram" xmlns:o="urn:schemas-microsoft-com:office:office" xmlns:v="urn:schemas-microsoft-com:vml" xmlns:pvml="urn:schemas-microsoft-com:office:powerpoint" xmlns:com="http://schemas.openxmlformats.org/drawingml/2006/compatibility" xmlns:p14="http://schemas.microsoft.com/office/powerpoint/2010/main" xmlns:p15="http://schemas.microsoft.com/office/powerpoint/2012/main">
+<p:sldLayout xmlns:a="http://schemas.openxmlformats.org/drawingml/2006/main" xmlns:r="http://schemas.openxmlformats.org/officeDocument/2006/relationships" xmlns:p="http://schemas.openxmlformats.org/presentationml/2006/main">
   <p:cSld name="Big number">
     <p:spTree>
       <p:nvGrpSpPr>
-        <p:cNvPr id="44" name="Shape 44"/>
+        <p:cNvPr id="1" name="Shape 44"/>
         <p:cNvGrpSpPr/>
         <p:nvPr/>
       </p:nvGrpSpPr>
@@ -797,7 +3768,9 @@
       <p:sp>
         <p:nvSpPr>
           <p:cNvPr id="45" name="Shape 45"/>
-          <p:cNvSpPr txBox="1"/>
+          <p:cNvSpPr txBox="1">
+            <a:spLocks noGrp="1"/>
+          </p:cNvSpPr>
           <p:nvPr>
             <p:ph type="title"/>
           </p:nvPr>
@@ -812,7 +3785,7 @@
           </a:prstGeom>
         </p:spPr>
         <p:txBody>
-          <a:bodyPr anchorCtr="0" anchor="b" bIns="91425" lIns="91425" rIns="91425" wrap="square" tIns="91425"/>
+          <a:bodyPr wrap="square" lIns="91425" tIns="91425" rIns="91425" bIns="91425" anchor="b" anchorCtr="0"/>
           <a:lstStyle>
             <a:lvl1pPr lvl="0" algn="ctr">
               <a:spcBef>
@@ -878,15 +3851,19 @@
               <a:defRPr sz="12000"/>
             </a:lvl9pPr>
           </a:lstStyle>
-          <a:p/>
+          <a:p>
+            <a:endParaRPr/>
+          </a:p>
         </p:txBody>
       </p:sp>
       <p:sp>
         <p:nvSpPr>
           <p:cNvPr id="46" name="Shape 46"/>
-          <p:cNvSpPr txBox="1"/>
+          <p:cNvSpPr txBox="1">
+            <a:spLocks noGrp="1"/>
+          </p:cNvSpPr>
           <p:nvPr>
-            <p:ph idx="1" type="body"/>
+            <p:ph type="body" idx="1"/>
           </p:nvPr>
         </p:nvSpPr>
         <p:spPr>
@@ -899,7 +3876,7 @@
           </a:prstGeom>
         </p:spPr>
         <p:txBody>
-          <a:bodyPr anchorCtr="0" anchor="t" bIns="91425" lIns="91425" rIns="91425" wrap="square" tIns="91425"/>
+          <a:bodyPr wrap="square" lIns="91425" tIns="91425" rIns="91425" bIns="91425" anchor="t" anchorCtr="0"/>
           <a:lstStyle>
             <a:lvl1pPr lvl="0" algn="ctr">
               <a:spcBef>
@@ -956,15 +3933,19 @@
               <a:defRPr/>
             </a:lvl9pPr>
           </a:lstStyle>
-          <a:p/>
+          <a:p>
+            <a:endParaRPr/>
+          </a:p>
         </p:txBody>
       </p:sp>
       <p:sp>
         <p:nvSpPr>
           <p:cNvPr id="47" name="Shape 47"/>
-          <p:cNvSpPr txBox="1"/>
+          <p:cNvSpPr txBox="1">
+            <a:spLocks noGrp="1"/>
+          </p:cNvSpPr>
           <p:nvPr>
-            <p:ph idx="12" type="sldNum"/>
+            <p:ph type="sldNum" idx="12"/>
           </p:nvPr>
         </p:nvSpPr>
         <p:spPr>
@@ -977,7 +3958,7 @@
           </a:prstGeom>
         </p:spPr>
         <p:txBody>
-          <a:bodyPr anchorCtr="0" anchor="ctr" bIns="91425" lIns="91425" rIns="91425" wrap="square" tIns="91425">
+          <a:bodyPr wrap="square" lIns="91425" tIns="91425" rIns="91425" bIns="91425" anchor="ctr" anchorCtr="0">
             <a:noAutofit/>
           </a:bodyPr>
           <a:lstStyle/>
@@ -992,6 +3973,7 @@
               <a:rPr lang="en"/>
               <a:t>‹#›</a:t>
             </a:fld>
+            <a:endParaRPr lang="en"/>
           </a:p>
         </p:txBody>
       </p:sp>
@@ -1004,11 +3986,11 @@
 </file>
 
 <file path=ppt/slideLayouts/slideLayout11.xml><?xml version="1.0" encoding="utf-8"?>
-<p:sldLayout xmlns:a="http://schemas.openxmlformats.org/drawingml/2006/main" xmlns:r="http://schemas.openxmlformats.org/officeDocument/2006/relationships" xmlns:mc="http://schemas.openxmlformats.org/markup-compatibility/2006" xmlns:mv="urn:schemas-microsoft-com:mac:vml" xmlns:p="http://schemas.openxmlformats.org/presentationml/2006/main" xmlns:c="http://schemas.openxmlformats.org/drawingml/2006/chart" xmlns:dgm="http://schemas.openxmlformats.org/drawingml/2006/diagram" xmlns:o="urn:schemas-microsoft-com:office:office" xmlns:v="urn:schemas-microsoft-com:vml" xmlns:pvml="urn:schemas-microsoft-com:office:powerpoint" xmlns:com="http://schemas.openxmlformats.org/drawingml/2006/compatibility" xmlns:p14="http://schemas.microsoft.com/office/powerpoint/2010/main" xmlns:p15="http://schemas.microsoft.com/office/powerpoint/2012/main" type="blank">
+<p:sldLayout xmlns:a="http://schemas.openxmlformats.org/drawingml/2006/main" xmlns:r="http://schemas.openxmlformats.org/officeDocument/2006/relationships" xmlns:p="http://schemas.openxmlformats.org/presentationml/2006/main" type="blank">
   <p:cSld name="Blank">
     <p:spTree>
       <p:nvGrpSpPr>
-        <p:cNvPr id="48" name="Shape 48"/>
+        <p:cNvPr id="1" name="Shape 48"/>
         <p:cNvGrpSpPr/>
         <p:nvPr/>
       </p:nvGrpSpPr>
@@ -1023,9 +4005,11 @@
       <p:sp>
         <p:nvSpPr>
           <p:cNvPr id="49" name="Shape 49"/>
-          <p:cNvSpPr txBox="1"/>
+          <p:cNvSpPr txBox="1">
+            <a:spLocks noGrp="1"/>
+          </p:cNvSpPr>
           <p:nvPr>
-            <p:ph idx="12" type="sldNum"/>
+            <p:ph type="sldNum" idx="12"/>
           </p:nvPr>
         </p:nvSpPr>
         <p:spPr>
@@ -1038,7 +4022,7 @@
           </a:prstGeom>
         </p:spPr>
         <p:txBody>
-          <a:bodyPr anchorCtr="0" anchor="ctr" bIns="91425" lIns="91425" rIns="91425" wrap="square" tIns="91425">
+          <a:bodyPr wrap="square" lIns="91425" tIns="91425" rIns="91425" bIns="91425" anchor="ctr" anchorCtr="0">
             <a:noAutofit/>
           </a:bodyPr>
           <a:lstStyle/>
@@ -1053,6 +4037,7 @@
               <a:rPr lang="en"/>
               <a:t>‹#›</a:t>
             </a:fld>
+            <a:endParaRPr lang="en"/>
           </a:p>
         </p:txBody>
       </p:sp>
@@ -1065,11 +4050,11 @@
 </file>
 
 <file path=ppt/slideLayouts/slideLayout2.xml><?xml version="1.0" encoding="utf-8"?>
-<p:sldLayout xmlns:a="http://schemas.openxmlformats.org/drawingml/2006/main" xmlns:r="http://schemas.openxmlformats.org/officeDocument/2006/relationships" xmlns:mc="http://schemas.openxmlformats.org/markup-compatibility/2006" xmlns:mv="urn:schemas-microsoft-com:mac:vml" xmlns:p="http://schemas.openxmlformats.org/presentationml/2006/main" xmlns:c="http://schemas.openxmlformats.org/drawingml/2006/chart" xmlns:dgm="http://schemas.openxmlformats.org/drawingml/2006/diagram" xmlns:o="urn:schemas-microsoft-com:office:office" xmlns:v="urn:schemas-microsoft-com:vml" xmlns:pvml="urn:schemas-microsoft-com:office:powerpoint" xmlns:com="http://schemas.openxmlformats.org/drawingml/2006/compatibility" xmlns:p14="http://schemas.microsoft.com/office/powerpoint/2010/main" xmlns:p15="http://schemas.microsoft.com/office/powerpoint/2012/main" type="secHead">
+<p:sldLayout xmlns:a="http://schemas.openxmlformats.org/drawingml/2006/main" xmlns:r="http://schemas.openxmlformats.org/officeDocument/2006/relationships" xmlns:p="http://schemas.openxmlformats.org/presentationml/2006/main" type="secHead">
   <p:cSld name="Section header">
     <p:spTree>
       <p:nvGrpSpPr>
-        <p:cNvPr id="13" name="Shape 13"/>
+        <p:cNvPr id="1" name="Shape 13"/>
         <p:cNvGrpSpPr/>
         <p:nvPr/>
       </p:nvGrpSpPr>
@@ -1084,7 +4069,9 @@
       <p:sp>
         <p:nvSpPr>
           <p:cNvPr id="14" name="Shape 14"/>
-          <p:cNvSpPr txBox="1"/>
+          <p:cNvSpPr txBox="1">
+            <a:spLocks noGrp="1"/>
+          </p:cNvSpPr>
           <p:nvPr>
             <p:ph type="title"/>
           </p:nvPr>
@@ -1099,7 +4086,7 @@
           </a:prstGeom>
         </p:spPr>
         <p:txBody>
-          <a:bodyPr anchorCtr="0" anchor="ctr" bIns="91425" lIns="91425" rIns="91425" wrap="square" tIns="91425"/>
+          <a:bodyPr wrap="square" lIns="91425" tIns="91425" rIns="91425" bIns="91425" anchor="ctr" anchorCtr="0"/>
           <a:lstStyle>
             <a:lvl1pPr lvl="0" algn="ctr">
               <a:spcBef>
@@ -1165,15 +4152,19 @@
               <a:defRPr sz="3600"/>
             </a:lvl9pPr>
           </a:lstStyle>
-          <a:p/>
+          <a:p>
+            <a:endParaRPr/>
+          </a:p>
         </p:txBody>
       </p:sp>
       <p:sp>
         <p:nvSpPr>
           <p:cNvPr id="15" name="Shape 15"/>
-          <p:cNvSpPr txBox="1"/>
+          <p:cNvSpPr txBox="1">
+            <a:spLocks noGrp="1"/>
+          </p:cNvSpPr>
           <p:nvPr>
-            <p:ph idx="12" type="sldNum"/>
+            <p:ph type="sldNum" idx="12"/>
           </p:nvPr>
         </p:nvSpPr>
         <p:spPr>
@@ -1186,7 +4177,7 @@
           </a:prstGeom>
         </p:spPr>
         <p:txBody>
-          <a:bodyPr anchorCtr="0" anchor="ctr" bIns="91425" lIns="91425" rIns="91425" wrap="square" tIns="91425">
+          <a:bodyPr wrap="square" lIns="91425" tIns="91425" rIns="91425" bIns="91425" anchor="ctr" anchorCtr="0">
             <a:noAutofit/>
           </a:bodyPr>
           <a:lstStyle/>
@@ -1201,6 +4192,7 @@
               <a:rPr lang="en"/>
               <a:t>‹#›</a:t>
             </a:fld>
+            <a:endParaRPr lang="en"/>
           </a:p>
         </p:txBody>
       </p:sp>
@@ -1213,11 +4205,11 @@
 </file>
 
 <file path=ppt/slideLayouts/slideLayout3.xml><?xml version="1.0" encoding="utf-8"?>
-<p:sldLayout xmlns:a="http://schemas.openxmlformats.org/drawingml/2006/main" xmlns:r="http://schemas.openxmlformats.org/officeDocument/2006/relationships" xmlns:mc="http://schemas.openxmlformats.org/markup-compatibility/2006" xmlns:mv="urn:schemas-microsoft-com:mac:vml" xmlns:p="http://schemas.openxmlformats.org/presentationml/2006/main" xmlns:c="http://schemas.openxmlformats.org/drawingml/2006/chart" xmlns:dgm="http://schemas.openxmlformats.org/drawingml/2006/diagram" xmlns:o="urn:schemas-microsoft-com:office:office" xmlns:v="urn:schemas-microsoft-com:vml" xmlns:pvml="urn:schemas-microsoft-com:office:powerpoint" xmlns:com="http://schemas.openxmlformats.org/drawingml/2006/compatibility" xmlns:p14="http://schemas.microsoft.com/office/powerpoint/2010/main" xmlns:p15="http://schemas.microsoft.com/office/powerpoint/2012/main" type="tx">
+<p:sldLayout xmlns:a="http://schemas.openxmlformats.org/drawingml/2006/main" xmlns:r="http://schemas.openxmlformats.org/officeDocument/2006/relationships" xmlns:p="http://schemas.openxmlformats.org/presentationml/2006/main" type="tx">
   <p:cSld name="Title and body">
     <p:spTree>
       <p:nvGrpSpPr>
-        <p:cNvPr id="16" name="Shape 16"/>
+        <p:cNvPr id="1" name="Shape 16"/>
         <p:cNvGrpSpPr/>
         <p:nvPr/>
       </p:nvGrpSpPr>
@@ -1232,7 +4224,9 @@
       <p:sp>
         <p:nvSpPr>
           <p:cNvPr id="17" name="Shape 17"/>
-          <p:cNvSpPr txBox="1"/>
+          <p:cNvSpPr txBox="1">
+            <a:spLocks noGrp="1"/>
+          </p:cNvSpPr>
           <p:nvPr>
             <p:ph type="title"/>
           </p:nvPr>
@@ -1247,7 +4241,7 @@
           </a:prstGeom>
         </p:spPr>
         <p:txBody>
-          <a:bodyPr anchorCtr="0" anchor="t" bIns="91425" lIns="91425" rIns="91425" wrap="square" tIns="91425"/>
+          <a:bodyPr wrap="square" lIns="91425" tIns="91425" rIns="91425" bIns="91425" anchor="t" anchorCtr="0"/>
           <a:lstStyle>
             <a:lvl1pPr lvl="0">
               <a:spcBef>
@@ -1304,15 +4298,19 @@
               <a:defRPr/>
             </a:lvl9pPr>
           </a:lstStyle>
-          <a:p/>
+          <a:p>
+            <a:endParaRPr/>
+          </a:p>
         </p:txBody>
       </p:sp>
       <p:sp>
         <p:nvSpPr>
           <p:cNvPr id="18" name="Shape 18"/>
-          <p:cNvSpPr txBox="1"/>
+          <p:cNvSpPr txBox="1">
+            <a:spLocks noGrp="1"/>
+          </p:cNvSpPr>
           <p:nvPr>
-            <p:ph idx="1" type="body"/>
+            <p:ph type="body" idx="1"/>
           </p:nvPr>
         </p:nvSpPr>
         <p:spPr>
@@ -1325,7 +4323,7 @@
           </a:prstGeom>
         </p:spPr>
         <p:txBody>
-          <a:bodyPr anchorCtr="0" anchor="t" bIns="91425" lIns="91425" rIns="91425" wrap="square" tIns="91425"/>
+          <a:bodyPr wrap="square" lIns="91425" tIns="91425" rIns="91425" bIns="91425" anchor="t" anchorCtr="0"/>
           <a:lstStyle>
             <a:lvl1pPr lvl="0">
               <a:spcBef>
@@ -1382,15 +4380,19 @@
               <a:defRPr/>
             </a:lvl9pPr>
           </a:lstStyle>
-          <a:p/>
+          <a:p>
+            <a:endParaRPr/>
+          </a:p>
         </p:txBody>
       </p:sp>
       <p:sp>
         <p:nvSpPr>
           <p:cNvPr id="19" name="Shape 19"/>
-          <p:cNvSpPr txBox="1"/>
+          <p:cNvSpPr txBox="1">
+            <a:spLocks noGrp="1"/>
+          </p:cNvSpPr>
           <p:nvPr>
-            <p:ph idx="12" type="sldNum"/>
+            <p:ph type="sldNum" idx="12"/>
           </p:nvPr>
         </p:nvSpPr>
         <p:spPr>
@@ -1403,7 +4405,7 @@
           </a:prstGeom>
         </p:spPr>
         <p:txBody>
-          <a:bodyPr anchorCtr="0" anchor="ctr" bIns="91425" lIns="91425" rIns="91425" wrap="square" tIns="91425">
+          <a:bodyPr wrap="square" lIns="91425" tIns="91425" rIns="91425" bIns="91425" anchor="ctr" anchorCtr="0">
             <a:noAutofit/>
           </a:bodyPr>
           <a:lstStyle/>
@@ -1418,6 +4420,7 @@
               <a:rPr lang="en"/>
               <a:t>‹#›</a:t>
             </a:fld>
+            <a:endParaRPr lang="en"/>
           </a:p>
         </p:txBody>
       </p:sp>
@@ -1430,11 +4433,11 @@
 </file>
 
 <file path=ppt/slideLayouts/slideLayout4.xml><?xml version="1.0" encoding="utf-8"?>
-<p:sldLayout xmlns:a="http://schemas.openxmlformats.org/drawingml/2006/main" xmlns:r="http://schemas.openxmlformats.org/officeDocument/2006/relationships" xmlns:mc="http://schemas.openxmlformats.org/markup-compatibility/2006" xmlns:mv="urn:schemas-microsoft-com:mac:vml" xmlns:p="http://schemas.openxmlformats.org/presentationml/2006/main" xmlns:c="http://schemas.openxmlformats.org/drawingml/2006/chart" xmlns:dgm="http://schemas.openxmlformats.org/drawingml/2006/diagram" xmlns:o="urn:schemas-microsoft-com:office:office" xmlns:v="urn:schemas-microsoft-com:vml" xmlns:pvml="urn:schemas-microsoft-com:office:powerpoint" xmlns:com="http://schemas.openxmlformats.org/drawingml/2006/compatibility" xmlns:p14="http://schemas.microsoft.com/office/powerpoint/2010/main" xmlns:p15="http://schemas.microsoft.com/office/powerpoint/2012/main" type="twoColTx">
+<p:sldLayout xmlns:a="http://schemas.openxmlformats.org/drawingml/2006/main" xmlns:r="http://schemas.openxmlformats.org/officeDocument/2006/relationships" xmlns:p="http://schemas.openxmlformats.org/presentationml/2006/main" type="twoColTx">
   <p:cSld name="Title and two columns">
     <p:spTree>
       <p:nvGrpSpPr>
-        <p:cNvPr id="20" name="Shape 20"/>
+        <p:cNvPr id="1" name="Shape 20"/>
         <p:cNvGrpSpPr/>
         <p:nvPr/>
       </p:nvGrpSpPr>
@@ -1449,7 +4452,9 @@
       <p:sp>
         <p:nvSpPr>
           <p:cNvPr id="21" name="Shape 21"/>
-          <p:cNvSpPr txBox="1"/>
+          <p:cNvSpPr txBox="1">
+            <a:spLocks noGrp="1"/>
+          </p:cNvSpPr>
           <p:nvPr>
             <p:ph type="title"/>
           </p:nvPr>
@@ -1464,7 +4469,7 @@
           </a:prstGeom>
         </p:spPr>
         <p:txBody>
-          <a:bodyPr anchorCtr="0" anchor="t" bIns="91425" lIns="91425" rIns="91425" wrap="square" tIns="91425"/>
+          <a:bodyPr wrap="square" lIns="91425" tIns="91425" rIns="91425" bIns="91425" anchor="t" anchorCtr="0"/>
           <a:lstStyle>
             <a:lvl1pPr lvl="0">
               <a:spcBef>
@@ -1521,15 +4526,19 @@
               <a:defRPr/>
             </a:lvl9pPr>
           </a:lstStyle>
-          <a:p/>
+          <a:p>
+            <a:endParaRPr/>
+          </a:p>
         </p:txBody>
       </p:sp>
       <p:sp>
         <p:nvSpPr>
           <p:cNvPr id="22" name="Shape 22"/>
-          <p:cNvSpPr txBox="1"/>
+          <p:cNvSpPr txBox="1">
+            <a:spLocks noGrp="1"/>
+          </p:cNvSpPr>
           <p:nvPr>
-            <p:ph idx="1" type="body"/>
+            <p:ph type="body" idx="1"/>
           </p:nvPr>
         </p:nvSpPr>
         <p:spPr>
@@ -1542,7 +4551,7 @@
           </a:prstGeom>
         </p:spPr>
         <p:txBody>
-          <a:bodyPr anchorCtr="0" anchor="t" bIns="91425" lIns="91425" rIns="91425" wrap="square" tIns="91425"/>
+          <a:bodyPr wrap="square" lIns="91425" tIns="91425" rIns="91425" bIns="91425" anchor="t" anchorCtr="0"/>
           <a:lstStyle>
             <a:lvl1pPr lvl="0">
               <a:spcBef>
@@ -1608,15 +4617,19 @@
               <a:defRPr sz="1200"/>
             </a:lvl9pPr>
           </a:lstStyle>
-          <a:p/>
+          <a:p>
+            <a:endParaRPr/>
+          </a:p>
         </p:txBody>
       </p:sp>
       <p:sp>
         <p:nvSpPr>
           <p:cNvPr id="23" name="Shape 23"/>
-          <p:cNvSpPr txBox="1"/>
+          <p:cNvSpPr txBox="1">
+            <a:spLocks noGrp="1"/>
+          </p:cNvSpPr>
           <p:nvPr>
-            <p:ph idx="2" type="body"/>
+            <p:ph type="body" idx="2"/>
           </p:nvPr>
         </p:nvSpPr>
         <p:spPr>
@@ -1629,7 +4642,7 @@
           </a:prstGeom>
         </p:spPr>
         <p:txBody>
-          <a:bodyPr anchorCtr="0" anchor="t" bIns="91425" lIns="91425" rIns="91425" wrap="square" tIns="91425"/>
+          <a:bodyPr wrap="square" lIns="91425" tIns="91425" rIns="91425" bIns="91425" anchor="t" anchorCtr="0"/>
           <a:lstStyle>
             <a:lvl1pPr lvl="0">
               <a:spcBef>
@@ -1695,15 +4708,19 @@
               <a:defRPr sz="1200"/>
             </a:lvl9pPr>
           </a:lstStyle>
-          <a:p/>
+          <a:p>
+            <a:endParaRPr/>
+          </a:p>
         </p:txBody>
       </p:sp>
       <p:sp>
         <p:nvSpPr>
           <p:cNvPr id="24" name="Shape 24"/>
-          <p:cNvSpPr txBox="1"/>
+          <p:cNvSpPr txBox="1">
+            <a:spLocks noGrp="1"/>
+          </p:cNvSpPr>
           <p:nvPr>
-            <p:ph idx="12" type="sldNum"/>
+            <p:ph type="sldNum" idx="12"/>
           </p:nvPr>
         </p:nvSpPr>
         <p:spPr>
@@ -1716,7 +4733,7 @@
           </a:prstGeom>
         </p:spPr>
         <p:txBody>
-          <a:bodyPr anchorCtr="0" anchor="ctr" bIns="91425" lIns="91425" rIns="91425" wrap="square" tIns="91425">
+          <a:bodyPr wrap="square" lIns="91425" tIns="91425" rIns="91425" bIns="91425" anchor="ctr" anchorCtr="0">
             <a:noAutofit/>
           </a:bodyPr>
           <a:lstStyle/>
@@ -1731,6 +4748,7 @@
               <a:rPr lang="en"/>
               <a:t>‹#›</a:t>
             </a:fld>
+            <a:endParaRPr lang="en"/>
           </a:p>
         </p:txBody>
       </p:sp>
@@ -1743,11 +4761,11 @@
 </file>
 
 <file path=ppt/slideLayouts/slideLayout5.xml><?xml version="1.0" encoding="utf-8"?>
-<p:sldLayout xmlns:a="http://schemas.openxmlformats.org/drawingml/2006/main" xmlns:r="http://schemas.openxmlformats.org/officeDocument/2006/relationships" xmlns:mc="http://schemas.openxmlformats.org/markup-compatibility/2006" xmlns:mv="urn:schemas-microsoft-com:mac:vml" xmlns:p="http://schemas.openxmlformats.org/presentationml/2006/main" xmlns:c="http://schemas.openxmlformats.org/drawingml/2006/chart" xmlns:dgm="http://schemas.openxmlformats.org/drawingml/2006/diagram" xmlns:o="urn:schemas-microsoft-com:office:office" xmlns:v="urn:schemas-microsoft-com:vml" xmlns:pvml="urn:schemas-microsoft-com:office:powerpoint" xmlns:com="http://schemas.openxmlformats.org/drawingml/2006/compatibility" xmlns:p14="http://schemas.microsoft.com/office/powerpoint/2010/main" xmlns:p15="http://schemas.microsoft.com/office/powerpoint/2012/main" type="titleOnly">
+<p:sldLayout xmlns:a="http://schemas.openxmlformats.org/drawingml/2006/main" xmlns:r="http://schemas.openxmlformats.org/officeDocument/2006/relationships" xmlns:p="http://schemas.openxmlformats.org/presentationml/2006/main" type="titleOnly">
   <p:cSld name="Title only">
     <p:spTree>
       <p:nvGrpSpPr>
-        <p:cNvPr id="25" name="Shape 25"/>
+        <p:cNvPr id="1" name="Shape 25"/>
         <p:cNvGrpSpPr/>
         <p:nvPr/>
       </p:nvGrpSpPr>
@@ -1762,7 +4780,9 @@
       <p:sp>
         <p:nvSpPr>
           <p:cNvPr id="26" name="Shape 26"/>
-          <p:cNvSpPr txBox="1"/>
+          <p:cNvSpPr txBox="1">
+            <a:spLocks noGrp="1"/>
+          </p:cNvSpPr>
           <p:nvPr>
             <p:ph type="title"/>
           </p:nvPr>
@@ -1777,7 +4797,7 @@
           </a:prstGeom>
         </p:spPr>
         <p:txBody>
-          <a:bodyPr anchorCtr="0" anchor="t" bIns="91425" lIns="91425" rIns="91425" wrap="square" tIns="91425"/>
+          <a:bodyPr wrap="square" lIns="91425" tIns="91425" rIns="91425" bIns="91425" anchor="t" anchorCtr="0"/>
           <a:lstStyle>
             <a:lvl1pPr lvl="0">
               <a:spcBef>
@@ -1834,15 +4854,19 @@
               <a:defRPr/>
             </a:lvl9pPr>
           </a:lstStyle>
-          <a:p/>
+          <a:p>
+            <a:endParaRPr/>
+          </a:p>
         </p:txBody>
       </p:sp>
       <p:sp>
         <p:nvSpPr>
           <p:cNvPr id="27" name="Shape 27"/>
-          <p:cNvSpPr txBox="1"/>
+          <p:cNvSpPr txBox="1">
+            <a:spLocks noGrp="1"/>
+          </p:cNvSpPr>
           <p:nvPr>
-            <p:ph idx="12" type="sldNum"/>
+            <p:ph type="sldNum" idx="12"/>
           </p:nvPr>
         </p:nvSpPr>
         <p:spPr>
@@ -1855,7 +4879,7 @@
           </a:prstGeom>
         </p:spPr>
         <p:txBody>
-          <a:bodyPr anchorCtr="0" anchor="ctr" bIns="91425" lIns="91425" rIns="91425" wrap="square" tIns="91425">
+          <a:bodyPr wrap="square" lIns="91425" tIns="91425" rIns="91425" bIns="91425" anchor="ctr" anchorCtr="0">
             <a:noAutofit/>
           </a:bodyPr>
           <a:lstStyle/>
@@ -1870,6 +4894,7 @@
               <a:rPr lang="en"/>
               <a:t>‹#›</a:t>
             </a:fld>
+            <a:endParaRPr lang="en"/>
           </a:p>
         </p:txBody>
       </p:sp>
@@ -1882,11 +4907,11 @@
 </file>
 
 <file path=ppt/slideLayouts/slideLayout6.xml><?xml version="1.0" encoding="utf-8"?>
-<p:sldLayout xmlns:a="http://schemas.openxmlformats.org/drawingml/2006/main" xmlns:r="http://schemas.openxmlformats.org/officeDocument/2006/relationships" xmlns:mc="http://schemas.openxmlformats.org/markup-compatibility/2006" xmlns:mv="urn:schemas-microsoft-com:mac:vml" xmlns:p="http://schemas.openxmlformats.org/presentationml/2006/main" xmlns:c="http://schemas.openxmlformats.org/drawingml/2006/chart" xmlns:dgm="http://schemas.openxmlformats.org/drawingml/2006/diagram" xmlns:o="urn:schemas-microsoft-com:office:office" xmlns:v="urn:schemas-microsoft-com:vml" xmlns:pvml="urn:schemas-microsoft-com:office:powerpoint" xmlns:com="http://schemas.openxmlformats.org/drawingml/2006/compatibility" xmlns:p14="http://schemas.microsoft.com/office/powerpoint/2010/main" xmlns:p15="http://schemas.microsoft.com/office/powerpoint/2012/main">
+<p:sldLayout xmlns:a="http://schemas.openxmlformats.org/drawingml/2006/main" xmlns:r="http://schemas.openxmlformats.org/officeDocument/2006/relationships" xmlns:p="http://schemas.openxmlformats.org/presentationml/2006/main">
   <p:cSld name="One column text">
     <p:spTree>
       <p:nvGrpSpPr>
-        <p:cNvPr id="28" name="Shape 28"/>
+        <p:cNvPr id="1" name="Shape 28"/>
         <p:cNvGrpSpPr/>
         <p:nvPr/>
       </p:nvGrpSpPr>
@@ -1901,7 +4926,9 @@
       <p:sp>
         <p:nvSpPr>
           <p:cNvPr id="29" name="Shape 29"/>
-          <p:cNvSpPr txBox="1"/>
+          <p:cNvSpPr txBox="1">
+            <a:spLocks noGrp="1"/>
+          </p:cNvSpPr>
           <p:nvPr>
             <p:ph type="title"/>
           </p:nvPr>
@@ -1916,7 +4943,7 @@
           </a:prstGeom>
         </p:spPr>
         <p:txBody>
-          <a:bodyPr anchorCtr="0" anchor="b" bIns="91425" lIns="91425" rIns="91425" wrap="square" tIns="91425"/>
+          <a:bodyPr wrap="square" lIns="91425" tIns="91425" rIns="91425" bIns="91425" anchor="b" anchorCtr="0"/>
           <a:lstStyle>
             <a:lvl1pPr lvl="0">
               <a:spcBef>
@@ -1982,15 +5009,19 @@
               <a:defRPr sz="2400"/>
             </a:lvl9pPr>
           </a:lstStyle>
-          <a:p/>
+          <a:p>
+            <a:endParaRPr/>
+          </a:p>
         </p:txBody>
       </p:sp>
       <p:sp>
         <p:nvSpPr>
           <p:cNvPr id="30" name="Shape 30"/>
-          <p:cNvSpPr txBox="1"/>
+          <p:cNvSpPr txBox="1">
+            <a:spLocks noGrp="1"/>
+          </p:cNvSpPr>
           <p:nvPr>
-            <p:ph idx="1" type="body"/>
+            <p:ph type="body" idx="1"/>
           </p:nvPr>
         </p:nvSpPr>
         <p:spPr>
@@ -2003,7 +5034,7 @@
           </a:prstGeom>
         </p:spPr>
         <p:txBody>
-          <a:bodyPr anchorCtr="0" anchor="t" bIns="91425" lIns="91425" rIns="91425" wrap="square" tIns="91425"/>
+          <a:bodyPr wrap="square" lIns="91425" tIns="91425" rIns="91425" bIns="91425" anchor="t" anchorCtr="0"/>
           <a:lstStyle>
             <a:lvl1pPr lvl="0">
               <a:spcBef>
@@ -2069,15 +5100,19 @@
               <a:defRPr sz="1200"/>
             </a:lvl9pPr>
           </a:lstStyle>
-          <a:p/>
+          <a:p>
+            <a:endParaRPr/>
+          </a:p>
         </p:txBody>
       </p:sp>
       <p:sp>
         <p:nvSpPr>
           <p:cNvPr id="31" name="Shape 31"/>
-          <p:cNvSpPr txBox="1"/>
+          <p:cNvSpPr txBox="1">
+            <a:spLocks noGrp="1"/>
+          </p:cNvSpPr>
           <p:nvPr>
-            <p:ph idx="12" type="sldNum"/>
+            <p:ph type="sldNum" idx="12"/>
           </p:nvPr>
         </p:nvSpPr>
         <p:spPr>
@@ -2090,7 +5125,7 @@
           </a:prstGeom>
         </p:spPr>
         <p:txBody>
-          <a:bodyPr anchorCtr="0" anchor="ctr" bIns="91425" lIns="91425" rIns="91425" wrap="square" tIns="91425">
+          <a:bodyPr wrap="square" lIns="91425" tIns="91425" rIns="91425" bIns="91425" anchor="ctr" anchorCtr="0">
             <a:noAutofit/>
           </a:bodyPr>
           <a:lstStyle/>
@@ -2105,6 +5140,7 @@
               <a:rPr lang="en"/>
               <a:t>‹#›</a:t>
             </a:fld>
+            <a:endParaRPr lang="en"/>
           </a:p>
         </p:txBody>
       </p:sp>
@@ -2117,11 +5153,11 @@
 </file>
 
 <file path=ppt/slideLayouts/slideLayout7.xml><?xml version="1.0" encoding="utf-8"?>
-<p:sldLayout xmlns:a="http://schemas.openxmlformats.org/drawingml/2006/main" xmlns:r="http://schemas.openxmlformats.org/officeDocument/2006/relationships" xmlns:mc="http://schemas.openxmlformats.org/markup-compatibility/2006" xmlns:mv="urn:schemas-microsoft-com:mac:vml" xmlns:p="http://schemas.openxmlformats.org/presentationml/2006/main" xmlns:c="http://schemas.openxmlformats.org/drawingml/2006/chart" xmlns:dgm="http://schemas.openxmlformats.org/drawingml/2006/diagram" xmlns:o="urn:schemas-microsoft-com:office:office" xmlns:v="urn:schemas-microsoft-com:vml" xmlns:pvml="urn:schemas-microsoft-com:office:powerpoint" xmlns:com="http://schemas.openxmlformats.org/drawingml/2006/compatibility" xmlns:p14="http://schemas.microsoft.com/office/powerpoint/2010/main" xmlns:p15="http://schemas.microsoft.com/office/powerpoint/2012/main">
+<p:sldLayout xmlns:a="http://schemas.openxmlformats.org/drawingml/2006/main" xmlns:r="http://schemas.openxmlformats.org/officeDocument/2006/relationships" xmlns:p="http://schemas.openxmlformats.org/presentationml/2006/main">
   <p:cSld name="Main point">
     <p:spTree>
       <p:nvGrpSpPr>
-        <p:cNvPr id="32" name="Shape 32"/>
+        <p:cNvPr id="1" name="Shape 32"/>
         <p:cNvGrpSpPr/>
         <p:nvPr/>
       </p:nvGrpSpPr>
@@ -2136,7 +5172,9 @@
       <p:sp>
         <p:nvSpPr>
           <p:cNvPr id="33" name="Shape 33"/>
-          <p:cNvSpPr txBox="1"/>
+          <p:cNvSpPr txBox="1">
+            <a:spLocks noGrp="1"/>
+          </p:cNvSpPr>
           <p:nvPr>
             <p:ph type="title"/>
           </p:nvPr>
@@ -2151,7 +5189,7 @@
           </a:prstGeom>
         </p:spPr>
         <p:txBody>
-          <a:bodyPr anchorCtr="0" anchor="ctr" bIns="91425" lIns="91425" rIns="91425" wrap="square" tIns="91425"/>
+          <a:bodyPr wrap="square" lIns="91425" tIns="91425" rIns="91425" bIns="91425" anchor="ctr" anchorCtr="0"/>
           <a:lstStyle>
             <a:lvl1pPr lvl="0">
               <a:spcBef>
@@ -2217,15 +5255,19 @@
               <a:defRPr sz="4800"/>
             </a:lvl9pPr>
           </a:lstStyle>
-          <a:p/>
+          <a:p>
+            <a:endParaRPr/>
+          </a:p>
         </p:txBody>
       </p:sp>
       <p:sp>
         <p:nvSpPr>
           <p:cNvPr id="34" name="Shape 34"/>
-          <p:cNvSpPr txBox="1"/>
+          <p:cNvSpPr txBox="1">
+            <a:spLocks noGrp="1"/>
+          </p:cNvSpPr>
           <p:nvPr>
-            <p:ph idx="12" type="sldNum"/>
+            <p:ph type="sldNum" idx="12"/>
           </p:nvPr>
         </p:nvSpPr>
         <p:spPr>
@@ -2238,7 +5280,7 @@
           </a:prstGeom>
         </p:spPr>
         <p:txBody>
-          <a:bodyPr anchorCtr="0" anchor="ctr" bIns="91425" lIns="91425" rIns="91425" wrap="square" tIns="91425">
+          <a:bodyPr wrap="square" lIns="91425" tIns="91425" rIns="91425" bIns="91425" anchor="ctr" anchorCtr="0">
             <a:noAutofit/>
           </a:bodyPr>
           <a:lstStyle/>
@@ -2253,6 +5295,7 @@
               <a:rPr lang="en"/>
               <a:t>‹#›</a:t>
             </a:fld>
+            <a:endParaRPr lang="en"/>
           </a:p>
         </p:txBody>
       </p:sp>
@@ -2265,11 +5308,11 @@
 </file>
 
 <file path=ppt/slideLayouts/slideLayout8.xml><?xml version="1.0" encoding="utf-8"?>
-<p:sldLayout xmlns:a="http://schemas.openxmlformats.org/drawingml/2006/main" xmlns:r="http://schemas.openxmlformats.org/officeDocument/2006/relationships" xmlns:mc="http://schemas.openxmlformats.org/markup-compatibility/2006" xmlns:mv="urn:schemas-microsoft-com:mac:vml" xmlns:p="http://schemas.openxmlformats.org/presentationml/2006/main" xmlns:c="http://schemas.openxmlformats.org/drawingml/2006/chart" xmlns:dgm="http://schemas.openxmlformats.org/drawingml/2006/diagram" xmlns:o="urn:schemas-microsoft-com:office:office" xmlns:v="urn:schemas-microsoft-com:vml" xmlns:pvml="urn:schemas-microsoft-com:office:powerpoint" xmlns:com="http://schemas.openxmlformats.org/drawingml/2006/compatibility" xmlns:p14="http://schemas.microsoft.com/office/powerpoint/2010/main" xmlns:p15="http://schemas.microsoft.com/office/powerpoint/2012/main">
+<p:sldLayout xmlns:a="http://schemas.openxmlformats.org/drawingml/2006/main" xmlns:r="http://schemas.openxmlformats.org/officeDocument/2006/relationships" xmlns:p="http://schemas.openxmlformats.org/presentationml/2006/main">
   <p:cSld name="Section title and description">
     <p:spTree>
       <p:nvGrpSpPr>
-        <p:cNvPr id="35" name="Shape 35"/>
+        <p:cNvPr id="1" name="Shape 35"/>
         <p:cNvGrpSpPr/>
         <p:nvPr/>
       </p:nvGrpSpPr>
@@ -2303,7 +5346,7 @@
           </a:ln>
         </p:spPr>
         <p:txBody>
-          <a:bodyPr anchorCtr="0" anchor="ctr" bIns="91425" lIns="91425" rIns="91425" wrap="square" tIns="91425">
+          <a:bodyPr wrap="square" lIns="91425" tIns="91425" rIns="91425" bIns="91425" anchor="ctr" anchorCtr="0">
             <a:noAutofit/>
           </a:bodyPr>
           <a:lstStyle/>
@@ -2314,9 +5357,6 @@
               </a:spcBef>
               <a:buNone/>
             </a:pPr>
-            <a:r>
-              <a:t/>
-            </a:r>
             <a:endParaRPr/>
           </a:p>
         </p:txBody>
@@ -2324,7 +5364,9 @@
       <p:sp>
         <p:nvSpPr>
           <p:cNvPr id="37" name="Shape 37"/>
-          <p:cNvSpPr txBox="1"/>
+          <p:cNvSpPr txBox="1">
+            <a:spLocks noGrp="1"/>
+          </p:cNvSpPr>
           <p:nvPr>
             <p:ph type="title"/>
           </p:nvPr>
@@ -2339,7 +5381,7 @@
           </a:prstGeom>
         </p:spPr>
         <p:txBody>
-          <a:bodyPr anchorCtr="0" anchor="b" bIns="91425" lIns="91425" rIns="91425" wrap="square" tIns="91425"/>
+          <a:bodyPr wrap="square" lIns="91425" tIns="91425" rIns="91425" bIns="91425" anchor="b" anchorCtr="0"/>
           <a:lstStyle>
             <a:lvl1pPr lvl="0" algn="ctr">
               <a:spcBef>
@@ -2405,15 +5447,19 @@
               <a:defRPr sz="4200"/>
             </a:lvl9pPr>
           </a:lstStyle>
-          <a:p/>
+          <a:p>
+            <a:endParaRPr/>
+          </a:p>
         </p:txBody>
       </p:sp>
       <p:sp>
         <p:nvSpPr>
           <p:cNvPr id="38" name="Shape 38"/>
-          <p:cNvSpPr txBox="1"/>
+          <p:cNvSpPr txBox="1">
+            <a:spLocks noGrp="1"/>
+          </p:cNvSpPr>
           <p:nvPr>
-            <p:ph idx="1" type="subTitle"/>
+            <p:ph type="subTitle" idx="1"/>
           </p:nvPr>
         </p:nvSpPr>
         <p:spPr>
@@ -2426,7 +5472,7 @@
           </a:prstGeom>
         </p:spPr>
         <p:txBody>
-          <a:bodyPr anchorCtr="0" anchor="t" bIns="91425" lIns="91425" rIns="91425" wrap="square" tIns="91425"/>
+          <a:bodyPr wrap="square" lIns="91425" tIns="91425" rIns="91425" bIns="91425" anchor="t" anchorCtr="0"/>
           <a:lstStyle>
             <a:lvl1pPr lvl="0" algn="ctr">
               <a:lnSpc>
@@ -2555,15 +5601,19 @@
               <a:defRPr sz="2100"/>
             </a:lvl9pPr>
           </a:lstStyle>
-          <a:p/>
+          <a:p>
+            <a:endParaRPr/>
+          </a:p>
         </p:txBody>
       </p:sp>
       <p:sp>
         <p:nvSpPr>
           <p:cNvPr id="39" name="Shape 39"/>
-          <p:cNvSpPr txBox="1"/>
+          <p:cNvSpPr txBox="1">
+            <a:spLocks noGrp="1"/>
+          </p:cNvSpPr>
           <p:nvPr>
-            <p:ph idx="2" type="body"/>
+            <p:ph type="body" idx="2"/>
           </p:nvPr>
         </p:nvSpPr>
         <p:spPr>
@@ -2576,7 +5626,7 @@
           </a:prstGeom>
         </p:spPr>
         <p:txBody>
-          <a:bodyPr anchorCtr="0" anchor="ctr" bIns="91425" lIns="91425" rIns="91425" wrap="square" tIns="91425"/>
+          <a:bodyPr wrap="square" lIns="91425" tIns="91425" rIns="91425" bIns="91425" anchor="ctr" anchorCtr="0"/>
           <a:lstStyle>
             <a:lvl1pPr lvl="0">
               <a:spcBef>
@@ -2633,15 +5683,19 @@
               <a:defRPr/>
             </a:lvl9pPr>
           </a:lstStyle>
-          <a:p/>
+          <a:p>
+            <a:endParaRPr/>
+          </a:p>
         </p:txBody>
       </p:sp>
       <p:sp>
         <p:nvSpPr>
           <p:cNvPr id="40" name="Shape 40"/>
-          <p:cNvSpPr txBox="1"/>
+          <p:cNvSpPr txBox="1">
+            <a:spLocks noGrp="1"/>
+          </p:cNvSpPr>
           <p:nvPr>
-            <p:ph idx="12" type="sldNum"/>
+            <p:ph type="sldNum" idx="12"/>
           </p:nvPr>
         </p:nvSpPr>
         <p:spPr>
@@ -2654,7 +5708,7 @@
           </a:prstGeom>
         </p:spPr>
         <p:txBody>
-          <a:bodyPr anchorCtr="0" anchor="ctr" bIns="91425" lIns="91425" rIns="91425" wrap="square" tIns="91425">
+          <a:bodyPr wrap="square" lIns="91425" tIns="91425" rIns="91425" bIns="91425" anchor="ctr" anchorCtr="0">
             <a:noAutofit/>
           </a:bodyPr>
           <a:lstStyle/>
@@ -2669,6 +5723,7 @@
               <a:rPr lang="en"/>
               <a:t>‹#›</a:t>
             </a:fld>
+            <a:endParaRPr lang="en"/>
           </a:p>
         </p:txBody>
       </p:sp>
@@ -2681,11 +5736,11 @@
 </file>
 
 <file path=ppt/slideLayouts/slideLayout9.xml><?xml version="1.0" encoding="utf-8"?>
-<p:sldLayout xmlns:a="http://schemas.openxmlformats.org/drawingml/2006/main" xmlns:r="http://schemas.openxmlformats.org/officeDocument/2006/relationships" xmlns:mc="http://schemas.openxmlformats.org/markup-compatibility/2006" xmlns:mv="urn:schemas-microsoft-com:mac:vml" xmlns:p="http://schemas.openxmlformats.org/presentationml/2006/main" xmlns:c="http://schemas.openxmlformats.org/drawingml/2006/chart" xmlns:dgm="http://schemas.openxmlformats.org/drawingml/2006/diagram" xmlns:o="urn:schemas-microsoft-com:office:office" xmlns:v="urn:schemas-microsoft-com:vml" xmlns:pvml="urn:schemas-microsoft-com:office:powerpoint" xmlns:com="http://schemas.openxmlformats.org/drawingml/2006/compatibility" xmlns:p14="http://schemas.microsoft.com/office/powerpoint/2010/main" xmlns:p15="http://schemas.microsoft.com/office/powerpoint/2012/main">
+<p:sldLayout xmlns:a="http://schemas.openxmlformats.org/drawingml/2006/main" xmlns:r="http://schemas.openxmlformats.org/officeDocument/2006/relationships" xmlns:p="http://schemas.openxmlformats.org/presentationml/2006/main">
   <p:cSld name="Caption">
     <p:spTree>
       <p:nvGrpSpPr>
-        <p:cNvPr id="41" name="Shape 41"/>
+        <p:cNvPr id="1" name="Shape 41"/>
         <p:cNvGrpSpPr/>
         <p:nvPr/>
       </p:nvGrpSpPr>
@@ -2700,9 +5755,11 @@
       <p:sp>
         <p:nvSpPr>
           <p:cNvPr id="42" name="Shape 42"/>
-          <p:cNvSpPr txBox="1"/>
+          <p:cNvSpPr txBox="1">
+            <a:spLocks noGrp="1"/>
+          </p:cNvSpPr>
           <p:nvPr>
-            <p:ph idx="1" type="body"/>
+            <p:ph type="body" idx="1"/>
           </p:nvPr>
         </p:nvSpPr>
         <p:spPr>
@@ -2715,7 +5772,7 @@
           </a:prstGeom>
         </p:spPr>
         <p:txBody>
-          <a:bodyPr anchorCtr="0" anchor="ctr" bIns="91425" lIns="91425" rIns="91425" wrap="square" tIns="91425"/>
+          <a:bodyPr wrap="square" lIns="91425" tIns="91425" rIns="91425" bIns="91425" anchor="ctr" anchorCtr="0"/>
           <a:lstStyle>
             <a:lvl1pPr lvl="0">
               <a:lnSpc>
@@ -2731,15 +5788,19 @@
               <a:defRPr/>
             </a:lvl1pPr>
           </a:lstStyle>
-          <a:p/>
+          <a:p>
+            <a:endParaRPr/>
+          </a:p>
         </p:txBody>
       </p:sp>
       <p:sp>
         <p:nvSpPr>
           <p:cNvPr id="43" name="Shape 43"/>
-          <p:cNvSpPr txBox="1"/>
+          <p:cNvSpPr txBox="1">
+            <a:spLocks noGrp="1"/>
+          </p:cNvSpPr>
           <p:nvPr>
-            <p:ph idx="12" type="sldNum"/>
+            <p:ph type="sldNum" idx="12"/>
           </p:nvPr>
         </p:nvSpPr>
         <p:spPr>
@@ -2752,7 +5813,7 @@
           </a:prstGeom>
         </p:spPr>
         <p:txBody>
-          <a:bodyPr anchorCtr="0" anchor="ctr" bIns="91425" lIns="91425" rIns="91425" wrap="square" tIns="91425">
+          <a:bodyPr wrap="square" lIns="91425" tIns="91425" rIns="91425" bIns="91425" anchor="ctr" anchorCtr="0">
             <a:noAutofit/>
           </a:bodyPr>
           <a:lstStyle/>
@@ -2767,6 +5828,7 @@
               <a:rPr lang="en"/>
               <a:t>‹#›</a:t>
             </a:fld>
+            <a:endParaRPr lang="en"/>
           </a:p>
         </p:txBody>
       </p:sp>
@@ -2779,18 +5841,19 @@
 </file>
 
 <file path=ppt/slideMasters/slideMaster1.xml><?xml version="1.0" encoding="utf-8"?>
-<p:sldMaster xmlns:a="http://schemas.openxmlformats.org/drawingml/2006/main" xmlns:r="http://schemas.openxmlformats.org/officeDocument/2006/relationships" xmlns:mc="http://schemas.openxmlformats.org/markup-compatibility/2006" xmlns:mv="urn:schemas-microsoft-com:mac:vml" xmlns:p="http://schemas.openxmlformats.org/presentationml/2006/main" xmlns:c="http://schemas.openxmlformats.org/drawingml/2006/chart" xmlns:dgm="http://schemas.openxmlformats.org/drawingml/2006/diagram" xmlns:o="urn:schemas-microsoft-com:office:office" xmlns:v="urn:schemas-microsoft-com:vml" xmlns:pvml="urn:schemas-microsoft-com:office:powerpoint" xmlns:com="http://schemas.openxmlformats.org/drawingml/2006/compatibility" xmlns:p14="http://schemas.microsoft.com/office/powerpoint/2010/main" xmlns:p15="http://schemas.microsoft.com/office/powerpoint/2012/main">
+<p:sldMaster xmlns:a="http://schemas.openxmlformats.org/drawingml/2006/main" xmlns:r="http://schemas.openxmlformats.org/officeDocument/2006/relationships" xmlns:p="http://schemas.openxmlformats.org/presentationml/2006/main">
   <p:cSld name="simple-light-2">
     <p:bg>
       <p:bgPr>
         <a:solidFill>
           <a:schemeClr val="lt1"/>
         </a:solidFill>
+        <a:effectLst/>
       </p:bgPr>
     </p:bg>
     <p:spTree>
       <p:nvGrpSpPr>
-        <p:cNvPr id="5" name="Shape 5"/>
+        <p:cNvPr id="1" name="Shape 5"/>
         <p:cNvGrpSpPr/>
         <p:nvPr/>
       </p:nvGrpSpPr>
@@ -2805,7 +5868,9 @@
       <p:sp>
         <p:nvSpPr>
           <p:cNvPr id="6" name="Shape 6"/>
-          <p:cNvSpPr txBox="1"/>
+          <p:cNvSpPr txBox="1">
+            <a:spLocks noGrp="1"/>
+          </p:cNvSpPr>
           <p:nvPr>
             <p:ph type="title"/>
           </p:nvPr>
@@ -2824,7 +5889,7 @@
           </a:ln>
         </p:spPr>
         <p:txBody>
-          <a:bodyPr anchorCtr="0" anchor="t" bIns="91425" lIns="91425" rIns="91425" wrap="square" tIns="91425"/>
+          <a:bodyPr wrap="square" lIns="91425" tIns="91425" rIns="91425" bIns="91425" anchor="t" anchorCtr="0"/>
           <a:lstStyle>
             <a:lvl1pPr lvl="0">
               <a:spcBef>
@@ -2962,15 +6027,19 @@
               </a:defRPr>
             </a:lvl9pPr>
           </a:lstStyle>
-          <a:p/>
+          <a:p>
+            <a:endParaRPr/>
+          </a:p>
         </p:txBody>
       </p:sp>
       <p:sp>
         <p:nvSpPr>
           <p:cNvPr id="7" name="Shape 7"/>
-          <p:cNvSpPr txBox="1"/>
+          <p:cNvSpPr txBox="1">
+            <a:spLocks noGrp="1"/>
+          </p:cNvSpPr>
           <p:nvPr>
-            <p:ph idx="1" type="body"/>
+            <p:ph type="body" idx="1"/>
           </p:nvPr>
         </p:nvSpPr>
         <p:spPr>
@@ -2987,7 +6056,7 @@
           </a:ln>
         </p:spPr>
         <p:txBody>
-          <a:bodyPr anchorCtr="0" anchor="t" bIns="91425" lIns="91425" rIns="91425" wrap="square" tIns="91425"/>
+          <a:bodyPr wrap="square" lIns="91425" tIns="91425" rIns="91425" bIns="91425" anchor="t" anchorCtr="0"/>
           <a:lstStyle>
             <a:lvl1pPr lvl="0">
               <a:lnSpc>
@@ -3171,15 +6240,19 @@
               </a:defRPr>
             </a:lvl9pPr>
           </a:lstStyle>
-          <a:p/>
+          <a:p>
+            <a:endParaRPr/>
+          </a:p>
         </p:txBody>
       </p:sp>
       <p:sp>
         <p:nvSpPr>
           <p:cNvPr id="8" name="Shape 8"/>
-          <p:cNvSpPr txBox="1"/>
+          <p:cNvSpPr txBox="1">
+            <a:spLocks noGrp="1"/>
+          </p:cNvSpPr>
           <p:nvPr>
-            <p:ph idx="12" type="sldNum"/>
+            <p:ph type="sldNum" idx="12"/>
           </p:nvPr>
         </p:nvSpPr>
         <p:spPr>
@@ -3196,7 +6269,7 @@
           </a:ln>
         </p:spPr>
         <p:txBody>
-          <a:bodyPr anchorCtr="0" anchor="ctr" bIns="91425" lIns="91425" rIns="91425" wrap="square" tIns="91425">
+          <a:bodyPr wrap="square" lIns="91425" tIns="91425" rIns="91425" bIns="91425" anchor="ctr" anchorCtr="0">
             <a:noAutofit/>
           </a:bodyPr>
           <a:lstStyle/>
@@ -3215,12 +6288,17 @@
               </a:rPr>
               <a:t>‹#›</a:t>
             </a:fld>
+            <a:endParaRPr lang="en" sz="1000">
+              <a:solidFill>
+                <a:schemeClr val="dk2"/>
+              </a:solidFill>
+            </a:endParaRPr>
           </a:p>
         </p:txBody>
       </p:sp>
     </p:spTree>
   </p:cSld>
-  <p:clrMap accent1="accent1" accent2="accent2" accent3="accent3" accent4="accent4" accent5="accent5" accent6="accent6" bg1="lt1" bg2="dk2" tx1="dk1" tx2="lt2" folHlink="folHlink" hlink="hlink"/>
+  <p:clrMap bg1="lt1" tx1="dk1" bg2="dk2" tx2="lt2" accent1="accent1" accent2="accent2" accent3="accent3" accent4="accent4" accent5="accent5" accent6="accent6" hlink="hlink" folHlink="folHlink"/>
   <p:sldLayoutIdLst>
     <p:sldLayoutId id="2147483648" r:id="rId1"/>
     <p:sldLayoutId id="2147483649" r:id="rId2"/>
@@ -3234,10 +6312,10 @@
     <p:sldLayoutId id="2147483657" r:id="rId10"/>
     <p:sldLayoutId id="2147483658" r:id="rId11"/>
   </p:sldLayoutIdLst>
-  <p:hf dt="0" ftr="0" hdr="0" sldNum="0"/>
+  <p:hf sldNum="0" hdr="0" ftr="0" dt="0"/>
   <p:txStyles>
     <p:titleStyle>
-      <a:defPPr lvl="0" marR="0" rtl="0" algn="l">
+      <a:defPPr marR="0" lvl="0" algn="l" rtl="0">
         <a:lnSpc>
           <a:spcPct val="100000"/>
         </a:lnSpc>
@@ -3248,7 +6326,7 @@
           <a:spcPts val="0"/>
         </a:spcAft>
       </a:defPPr>
-      <a:lvl1pPr lvl="0" marR="0" rtl="0" algn="l">
+      <a:lvl1pPr marR="0" lvl="0" algn="l" rtl="0">
         <a:lnSpc>
           <a:spcPct val="100000"/>
         </a:lnSpc>
@@ -3259,7 +6337,7 @@
           <a:spcPts val="0"/>
         </a:spcAft>
         <a:buNone/>
-        <a:defRPr b="0" i="0" sz="1400" u="none" cap="none" strike="noStrike">
+        <a:defRPr sz="1400" b="0" i="0" u="none" strike="noStrike" cap="none">
           <a:solidFill>
             <a:srgbClr val="000000"/>
           </a:solidFill>
@@ -3271,7 +6349,7 @@
       </a:lvl1pPr>
     </p:titleStyle>
     <p:bodyStyle>
-      <a:defPPr lvl="0" marR="0" rtl="0" algn="l">
+      <a:defPPr marR="0" lvl="0" algn="l" rtl="0">
         <a:lnSpc>
           <a:spcPct val="100000"/>
         </a:lnSpc>
@@ -3282,7 +6360,7 @@
           <a:spcPts val="0"/>
         </a:spcAft>
       </a:defPPr>
-      <a:lvl1pPr lvl="0" marR="0" rtl="0" algn="l">
+      <a:lvl1pPr marR="0" lvl="0" algn="l" rtl="0">
         <a:lnSpc>
           <a:spcPct val="100000"/>
         </a:lnSpc>
@@ -3293,7 +6371,7 @@
           <a:spcPts val="0"/>
         </a:spcAft>
         <a:buNone/>
-        <a:defRPr b="0" i="0" sz="1400" u="none" cap="none" strike="noStrike">
+        <a:defRPr sz="1400" b="0" i="0" u="none" strike="noStrike" cap="none">
           <a:solidFill>
             <a:srgbClr val="000000"/>
           </a:solidFill>
@@ -3303,7 +6381,7 @@
           <a:sym typeface="Arial"/>
         </a:defRPr>
       </a:lvl1pPr>
-      <a:lvl2pPr lvl="1" marR="0" rtl="0" algn="l">
+      <a:lvl2pPr marR="0" lvl="1" algn="l" rtl="0">
         <a:lnSpc>
           <a:spcPct val="100000"/>
         </a:lnSpc>
@@ -3314,7 +6392,7 @@
           <a:spcPts val="0"/>
         </a:spcAft>
         <a:buNone/>
-        <a:defRPr b="0" i="0" sz="1400" u="none" cap="none" strike="noStrike">
+        <a:defRPr sz="1400" b="0" i="0" u="none" strike="noStrike" cap="none">
           <a:solidFill>
             <a:srgbClr val="000000"/>
           </a:solidFill>
@@ -3324,7 +6402,7 @@
           <a:sym typeface="Arial"/>
         </a:defRPr>
       </a:lvl2pPr>
-      <a:lvl3pPr lvl="2" marR="0" rtl="0" algn="l">
+      <a:lvl3pPr marR="0" lvl="2" algn="l" rtl="0">
         <a:lnSpc>
           <a:spcPct val="100000"/>
         </a:lnSpc>
@@ -3335,7 +6413,7 @@
           <a:spcPts val="0"/>
         </a:spcAft>
         <a:buNone/>
-        <a:defRPr b="0" i="0" sz="1400" u="none" cap="none" strike="noStrike">
+        <a:defRPr sz="1400" b="0" i="0" u="none" strike="noStrike" cap="none">
           <a:solidFill>
             <a:srgbClr val="000000"/>
           </a:solidFill>
@@ -3345,7 +6423,7 @@
           <a:sym typeface="Arial"/>
         </a:defRPr>
       </a:lvl3pPr>
-      <a:lvl4pPr lvl="3" marR="0" rtl="0" algn="l">
+      <a:lvl4pPr marR="0" lvl="3" algn="l" rtl="0">
         <a:lnSpc>
           <a:spcPct val="100000"/>
         </a:lnSpc>
@@ -3356,7 +6434,7 @@
           <a:spcPts val="0"/>
         </a:spcAft>
         <a:buNone/>
-        <a:defRPr b="0" i="0" sz="1400" u="none" cap="none" strike="noStrike">
+        <a:defRPr sz="1400" b="0" i="0" u="none" strike="noStrike" cap="none">
           <a:solidFill>
             <a:srgbClr val="000000"/>
           </a:solidFill>
@@ -3366,7 +6444,7 @@
           <a:sym typeface="Arial"/>
         </a:defRPr>
       </a:lvl4pPr>
-      <a:lvl5pPr lvl="4" marR="0" rtl="0" algn="l">
+      <a:lvl5pPr marR="0" lvl="4" algn="l" rtl="0">
         <a:lnSpc>
           <a:spcPct val="100000"/>
         </a:lnSpc>
@@ -3377,7 +6455,7 @@
           <a:spcPts val="0"/>
         </a:spcAft>
         <a:buNone/>
-        <a:defRPr b="0" i="0" sz="1400" u="none" cap="none" strike="noStrike">
+        <a:defRPr sz="1400" b="0" i="0" u="none" strike="noStrike" cap="none">
           <a:solidFill>
             <a:srgbClr val="000000"/>
           </a:solidFill>
@@ -3387,7 +6465,7 @@
           <a:sym typeface="Arial"/>
         </a:defRPr>
       </a:lvl5pPr>
-      <a:lvl6pPr lvl="5" marR="0" rtl="0" algn="l">
+      <a:lvl6pPr marR="0" lvl="5" algn="l" rtl="0">
         <a:lnSpc>
           <a:spcPct val="100000"/>
         </a:lnSpc>
@@ -3398,7 +6476,7 @@
           <a:spcPts val="0"/>
         </a:spcAft>
         <a:buNone/>
-        <a:defRPr b="0" i="0" sz="1400" u="none" cap="none" strike="noStrike">
+        <a:defRPr sz="1400" b="0" i="0" u="none" strike="noStrike" cap="none">
           <a:solidFill>
             <a:srgbClr val="000000"/>
           </a:solidFill>
@@ -3408,7 +6486,7 @@
           <a:sym typeface="Arial"/>
         </a:defRPr>
       </a:lvl6pPr>
-      <a:lvl7pPr lvl="6" marR="0" rtl="0" algn="l">
+      <a:lvl7pPr marR="0" lvl="6" algn="l" rtl="0">
         <a:lnSpc>
           <a:spcPct val="100000"/>
         </a:lnSpc>
@@ -3419,7 +6497,7 @@
           <a:spcPts val="0"/>
         </a:spcAft>
         <a:buNone/>
-        <a:defRPr b="0" i="0" sz="1400" u="none" cap="none" strike="noStrike">
+        <a:defRPr sz="1400" b="0" i="0" u="none" strike="noStrike" cap="none">
           <a:solidFill>
             <a:srgbClr val="000000"/>
           </a:solidFill>
@@ -3429,7 +6507,7 @@
           <a:sym typeface="Arial"/>
         </a:defRPr>
       </a:lvl7pPr>
-      <a:lvl8pPr lvl="7" marR="0" rtl="0" algn="l">
+      <a:lvl8pPr marR="0" lvl="7" algn="l" rtl="0">
         <a:lnSpc>
           <a:spcPct val="100000"/>
         </a:lnSpc>
@@ -3440,7 +6518,7 @@
           <a:spcPts val="0"/>
         </a:spcAft>
         <a:buNone/>
-        <a:defRPr b="0" i="0" sz="1400" u="none" cap="none" strike="noStrike">
+        <a:defRPr sz="1400" b="0" i="0" u="none" strike="noStrike" cap="none">
           <a:solidFill>
             <a:srgbClr val="000000"/>
           </a:solidFill>
@@ -3450,7 +6528,7 @@
           <a:sym typeface="Arial"/>
         </a:defRPr>
       </a:lvl8pPr>
-      <a:lvl9pPr lvl="8" marR="0" rtl="0" algn="l">
+      <a:lvl9pPr marR="0" lvl="8" algn="l" rtl="0">
         <a:lnSpc>
           <a:spcPct val="100000"/>
         </a:lnSpc>
@@ -3461,7 +6539,7 @@
           <a:spcPts val="0"/>
         </a:spcAft>
         <a:buNone/>
-        <a:defRPr b="0" i="0" sz="1400" u="none" cap="none" strike="noStrike">
+        <a:defRPr sz="1400" b="0" i="0" u="none" strike="noStrike" cap="none">
           <a:solidFill>
             <a:srgbClr val="000000"/>
           </a:solidFill>
@@ -3473,7 +6551,7 @@
       </a:lvl9pPr>
     </p:bodyStyle>
     <p:otherStyle>
-      <a:defPPr lvl="0" marR="0" rtl="0" algn="l">
+      <a:defPPr marR="0" lvl="0" algn="l" rtl="0">
         <a:lnSpc>
           <a:spcPct val="100000"/>
         </a:lnSpc>
@@ -3484,7 +6562,7 @@
           <a:spcPts val="0"/>
         </a:spcAft>
       </a:defPPr>
-      <a:lvl1pPr lvl="0" marR="0" rtl="0" algn="l">
+      <a:lvl1pPr marR="0" lvl="0" algn="l" rtl="0">
         <a:lnSpc>
           <a:spcPct val="100000"/>
         </a:lnSpc>
@@ -3495,7 +6573,7 @@
           <a:spcPts val="0"/>
         </a:spcAft>
         <a:buNone/>
-        <a:defRPr b="0" i="0" sz="1400" u="none" cap="none" strike="noStrike">
+        <a:defRPr sz="1400" b="0" i="0" u="none" strike="noStrike" cap="none">
           <a:solidFill>
             <a:srgbClr val="000000"/>
           </a:solidFill>
@@ -3505,7 +6583,7 @@
           <a:sym typeface="Arial"/>
         </a:defRPr>
       </a:lvl1pPr>
-      <a:lvl2pPr lvl="1" marR="0" rtl="0" algn="l">
+      <a:lvl2pPr marR="0" lvl="1" algn="l" rtl="0">
         <a:lnSpc>
           <a:spcPct val="100000"/>
         </a:lnSpc>
@@ -3516,7 +6594,7 @@
           <a:spcPts val="0"/>
         </a:spcAft>
         <a:buNone/>
-        <a:defRPr b="0" i="0" sz="1400" u="none" cap="none" strike="noStrike">
+        <a:defRPr sz="1400" b="0" i="0" u="none" strike="noStrike" cap="none">
           <a:solidFill>
             <a:srgbClr val="000000"/>
           </a:solidFill>
@@ -3526,7 +6604,7 @@
           <a:sym typeface="Arial"/>
         </a:defRPr>
       </a:lvl2pPr>
-      <a:lvl3pPr lvl="2" marR="0" rtl="0" algn="l">
+      <a:lvl3pPr marR="0" lvl="2" algn="l" rtl="0">
         <a:lnSpc>
           <a:spcPct val="100000"/>
         </a:lnSpc>
@@ -3537,7 +6615,7 @@
           <a:spcPts val="0"/>
         </a:spcAft>
         <a:buNone/>
-        <a:defRPr b="0" i="0" sz="1400" u="none" cap="none" strike="noStrike">
+        <a:defRPr sz="1400" b="0" i="0" u="none" strike="noStrike" cap="none">
           <a:solidFill>
             <a:srgbClr val="000000"/>
           </a:solidFill>
@@ -3547,7 +6625,7 @@
           <a:sym typeface="Arial"/>
         </a:defRPr>
       </a:lvl3pPr>
-      <a:lvl4pPr lvl="3" marR="0" rtl="0" algn="l">
+      <a:lvl4pPr marR="0" lvl="3" algn="l" rtl="0">
         <a:lnSpc>
           <a:spcPct val="100000"/>
         </a:lnSpc>
@@ -3558,7 +6636,7 @@
           <a:spcPts val="0"/>
         </a:spcAft>
         <a:buNone/>
-        <a:defRPr b="0" i="0" sz="1400" u="none" cap="none" strike="noStrike">
+        <a:defRPr sz="1400" b="0" i="0" u="none" strike="noStrike" cap="none">
           <a:solidFill>
             <a:srgbClr val="000000"/>
           </a:solidFill>
@@ -3568,7 +6646,7 @@
           <a:sym typeface="Arial"/>
         </a:defRPr>
       </a:lvl4pPr>
-      <a:lvl5pPr lvl="4" marR="0" rtl="0" algn="l">
+      <a:lvl5pPr marR="0" lvl="4" algn="l" rtl="0">
         <a:lnSpc>
           <a:spcPct val="100000"/>
         </a:lnSpc>
@@ -3579,7 +6657,7 @@
           <a:spcPts val="0"/>
         </a:spcAft>
         <a:buNone/>
-        <a:defRPr b="0" i="0" sz="1400" u="none" cap="none" strike="noStrike">
+        <a:defRPr sz="1400" b="0" i="0" u="none" strike="noStrike" cap="none">
           <a:solidFill>
             <a:srgbClr val="000000"/>
           </a:solidFill>
@@ -3589,7 +6667,7 @@
           <a:sym typeface="Arial"/>
         </a:defRPr>
       </a:lvl5pPr>
-      <a:lvl6pPr lvl="5" marR="0" rtl="0" algn="l">
+      <a:lvl6pPr marR="0" lvl="5" algn="l" rtl="0">
         <a:lnSpc>
           <a:spcPct val="100000"/>
         </a:lnSpc>
@@ -3600,7 +6678,7 @@
           <a:spcPts val="0"/>
         </a:spcAft>
         <a:buNone/>
-        <a:defRPr b="0" i="0" sz="1400" u="none" cap="none" strike="noStrike">
+        <a:defRPr sz="1400" b="0" i="0" u="none" strike="noStrike" cap="none">
           <a:solidFill>
             <a:srgbClr val="000000"/>
           </a:solidFill>
@@ -3610,7 +6688,7 @@
           <a:sym typeface="Arial"/>
         </a:defRPr>
       </a:lvl6pPr>
-      <a:lvl7pPr lvl="6" marR="0" rtl="0" algn="l">
+      <a:lvl7pPr marR="0" lvl="6" algn="l" rtl="0">
         <a:lnSpc>
           <a:spcPct val="100000"/>
         </a:lnSpc>
@@ -3621,7 +6699,7 @@
           <a:spcPts val="0"/>
         </a:spcAft>
         <a:buNone/>
-        <a:defRPr b="0" i="0" sz="1400" u="none" cap="none" strike="noStrike">
+        <a:defRPr sz="1400" b="0" i="0" u="none" strike="noStrike" cap="none">
           <a:solidFill>
             <a:srgbClr val="000000"/>
           </a:solidFill>
@@ -3631,7 +6709,7 @@
           <a:sym typeface="Arial"/>
         </a:defRPr>
       </a:lvl7pPr>
-      <a:lvl8pPr lvl="7" marR="0" rtl="0" algn="l">
+      <a:lvl8pPr marR="0" lvl="7" algn="l" rtl="0">
         <a:lnSpc>
           <a:spcPct val="100000"/>
         </a:lnSpc>
@@ -3642,7 +6720,7 @@
           <a:spcPts val="0"/>
         </a:spcAft>
         <a:buNone/>
-        <a:defRPr b="0" i="0" sz="1400" u="none" cap="none" strike="noStrike">
+        <a:defRPr sz="1400" b="0" i="0" u="none" strike="noStrike" cap="none">
           <a:solidFill>
             <a:srgbClr val="000000"/>
           </a:solidFill>
@@ -3652,7 +6730,7 @@
           <a:sym typeface="Arial"/>
         </a:defRPr>
       </a:lvl8pPr>
-      <a:lvl9pPr lvl="8" marR="0" rtl="0" algn="l">
+      <a:lvl9pPr marR="0" lvl="8" algn="l" rtl="0">
         <a:lnSpc>
           <a:spcPct val="100000"/>
         </a:lnSpc>
@@ -3663,7 +6741,7 @@
           <a:spcPts val="0"/>
         </a:spcAft>
         <a:buNone/>
-        <a:defRPr b="0" i="0" sz="1400" u="none" cap="none" strike="noStrike">
+        <a:defRPr sz="1400" b="0" i="0" u="none" strike="noStrike" cap="none">
           <a:solidFill>
             <a:srgbClr val="000000"/>
           </a:solidFill>
@@ -3679,11 +6757,11 @@
 </file>
 
 <file path=ppt/slides/slide1.xml><?xml version="1.0" encoding="utf-8"?>
-<p:sld xmlns:a="http://schemas.openxmlformats.org/drawingml/2006/main" xmlns:r="http://schemas.openxmlformats.org/officeDocument/2006/relationships" xmlns:mc="http://schemas.openxmlformats.org/markup-compatibility/2006" xmlns:mv="urn:schemas-microsoft-com:mac:vml" xmlns:p="http://schemas.openxmlformats.org/presentationml/2006/main" xmlns:c="http://schemas.openxmlformats.org/drawingml/2006/chart" xmlns:dgm="http://schemas.openxmlformats.org/drawingml/2006/diagram" xmlns:o="urn:schemas-microsoft-com:office:office" xmlns:v="urn:schemas-microsoft-com:vml" xmlns:pvml="urn:schemas-microsoft-com:office:powerpoint" xmlns:com="http://schemas.openxmlformats.org/drawingml/2006/compatibility" xmlns:p14="http://schemas.microsoft.com/office/powerpoint/2010/main" xmlns:p15="http://schemas.microsoft.com/office/powerpoint/2012/main">
+<p:sld xmlns:a="http://schemas.openxmlformats.org/drawingml/2006/main" xmlns:r="http://schemas.openxmlformats.org/officeDocument/2006/relationships" xmlns:p="http://schemas.openxmlformats.org/presentationml/2006/main">
   <p:cSld>
     <p:spTree>
       <p:nvGrpSpPr>
-        <p:cNvPr id="53" name="Shape 53"/>
+        <p:cNvPr id="1" name="Shape 53"/>
         <p:cNvGrpSpPr/>
         <p:nvPr/>
       </p:nvGrpSpPr>
@@ -3698,15 +6776,17 @@
       <p:sp>
         <p:nvSpPr>
           <p:cNvPr id="54" name="Shape 54"/>
-          <p:cNvSpPr txBox="1"/>
+          <p:cNvSpPr txBox="1">
+            <a:spLocks noGrp="1"/>
+          </p:cNvSpPr>
           <p:nvPr>
-            <p:ph idx="1" type="body"/>
+            <p:ph type="body" idx="1"/>
           </p:nvPr>
         </p:nvSpPr>
         <p:spPr>
           <a:xfrm>
-            <a:off x="304025" y="3945575"/>
-            <a:ext cx="7254600" cy="795600"/>
+            <a:off x="304024" y="3945575"/>
+            <a:ext cx="8410605" cy="795600"/>
           </a:xfrm>
           <a:prstGeom prst="rect">
             <a:avLst/>
@@ -3714,44 +6794,331 @@
           <a:solidFill>
             <a:srgbClr val="FFFFFF"/>
           </a:solidFill>
-          <a:ln cap="flat" cmpd="sng" w="9525">
+          <a:ln w="9525" cap="flat" cmpd="sng">
             <a:solidFill>
               <a:srgbClr val="FFFFFF"/>
             </a:solidFill>
             <a:prstDash val="solid"/>
             <a:round/>
-            <a:headEnd len="med" w="med" type="none"/>
-            <a:tailEnd len="med" w="med" type="none"/>
+            <a:headEnd type="none" w="med" len="med"/>
+            <a:tailEnd type="none" w="med" len="med"/>
           </a:ln>
         </p:spPr>
         <p:txBody>
-          <a:bodyPr anchorCtr="0" anchor="t" bIns="91425" lIns="91425" rIns="91425" wrap="square" tIns="91425">
+          <a:bodyPr wrap="square" lIns="91425" tIns="91425" rIns="91425" bIns="91425" anchor="t" anchorCtr="0">
             <a:noAutofit/>
           </a:bodyPr>
           <a:lstStyle/>
           <a:p>
-            <a:pPr lvl="0" rtl="0">
-              <a:spcBef>
-                <a:spcPts val="0"/>
-              </a:spcBef>
+            <a:pPr lvl="0" eaLnBrk="0" fontAlgn="base" hangingPunct="0">
+              <a:lnSpc>
+                <a:spcPct val="100000"/>
+              </a:lnSpc>
+              <a:spcBef>
+                <a:spcPct val="0"/>
+              </a:spcBef>
+              <a:spcAft>
+                <a:spcPct val="0"/>
+              </a:spcAft>
+              <a:buClrTx/>
+              <a:buSzTx/>
               <a:buNone/>
             </a:pPr>
             <a:r>
-              <a:rPr lang="en">
-                <a:latin typeface="Open Sans"/>
-                <a:ea typeface="Open Sans"/>
-                <a:cs typeface="Open Sans"/>
-                <a:sym typeface="Open Sans"/>
+              <a:rPr lang="en-US" altLang="en-US" dirty="0" err="1">
+                <a:solidFill>
+                  <a:srgbClr val="565656"/>
+                </a:solidFill>
+                <a:latin typeface="Arial" panose="020B0604020202020204" pitchFamily="34" charset="0"/>
+                <a:ea typeface="MicrosoftYaHei"/>
               </a:rPr>
-              <a:t>Comparing the employed to unemployed, there does not appear to be much of a difference between the number of books they read.  If we didn’t pay attention to the extreme readers (those that read a ton) in each group, they are very similar in distribution and summary statistics.</a:t>
+              <a:t>对学员的学位进行统计</a:t>
             </a:r>
+            <a:r>
+              <a:rPr lang="en-US" altLang="en-US" dirty="0">
+                <a:solidFill>
+                  <a:srgbClr val="565656"/>
+                </a:solidFill>
+                <a:latin typeface="Arial" panose="020B0604020202020204" pitchFamily="34" charset="0"/>
+                <a:ea typeface="MicrosoftYaHei"/>
+              </a:rPr>
+              <a:t>，</a:t>
+            </a:r>
+            <a:r>
+              <a:rPr lang="zh-CN" altLang="en-US" dirty="0">
+                <a:solidFill>
+                  <a:srgbClr val="565656"/>
+                </a:solidFill>
+                <a:latin typeface="Arial" panose="020B0604020202020204" pitchFamily="34" charset="0"/>
+                <a:ea typeface="MicrosoftYaHei"/>
+              </a:rPr>
+              <a:t>占最高比例</a:t>
+            </a:r>
+            <a:r>
+              <a:rPr lang="en-US" altLang="en-US" dirty="0" err="1">
+                <a:solidFill>
+                  <a:srgbClr val="565656"/>
+                </a:solidFill>
+                <a:latin typeface="Arial" panose="020B0604020202020204" pitchFamily="34" charset="0"/>
+                <a:ea typeface="MicrosoftYaHei"/>
+              </a:rPr>
+              <a:t>学位是</a:t>
+            </a:r>
+            <a:r>
+              <a:rPr lang="en-US" altLang="en-US" dirty="0">
+                <a:solidFill>
+                  <a:srgbClr val="565656"/>
+                </a:solidFill>
+                <a:latin typeface="Arial" panose="020B0604020202020204" pitchFamily="34" charset="0"/>
+                <a:ea typeface="MicrosoftYaHei"/>
+              </a:rPr>
+              <a:t> </a:t>
+            </a:r>
+            <a:r>
+              <a:rPr lang="en-US" altLang="en-US" dirty="0">
+                <a:solidFill>
+                  <a:srgbClr val="565656"/>
+                </a:solidFill>
+                <a:latin typeface="Arial" panose="020B0604020202020204" pitchFamily="34" charset="0"/>
+                <a:ea typeface="1" panose="020B0606030504020204" pitchFamily="34" charset="0"/>
+              </a:rPr>
+              <a:t>Master</a:t>
+            </a:r>
+            <a:r>
+              <a:rPr lang="zh-CN" altLang="en-US" dirty="0">
+                <a:solidFill>
+                  <a:srgbClr val="565656"/>
+                </a:solidFill>
+                <a:latin typeface="Arial" panose="020B0604020202020204" pitchFamily="34" charset="0"/>
+                <a:ea typeface="1" panose="020B0606030504020204" pitchFamily="34" charset="0"/>
+              </a:rPr>
+              <a:t>，</a:t>
+            </a:r>
+            <a:r>
+              <a:rPr lang="en-US" altLang="en-US" dirty="0">
+                <a:solidFill>
+                  <a:srgbClr val="565656"/>
+                </a:solidFill>
+                <a:latin typeface="Arial" panose="020B0604020202020204" pitchFamily="34" charset="0"/>
+                <a:ea typeface="1" panose="020B0606030504020204" pitchFamily="34" charset="0"/>
+              </a:rPr>
+              <a:t> </a:t>
+            </a:r>
+            <a:r>
+              <a:rPr lang="en-US" altLang="en-US" dirty="0" err="1">
+                <a:solidFill>
+                  <a:srgbClr val="565656"/>
+                </a:solidFill>
+                <a:latin typeface="Arial" panose="020B0604020202020204" pitchFamily="34" charset="0"/>
+                <a:ea typeface="MicrosoftYaHei"/>
+              </a:rPr>
+              <a:t>数量为</a:t>
+            </a:r>
+            <a:r>
+              <a:rPr lang="en-US" altLang="en-US" dirty="0">
+                <a:solidFill>
+                  <a:srgbClr val="565656"/>
+                </a:solidFill>
+                <a:latin typeface="Arial" panose="020B0604020202020204" pitchFamily="34" charset="0"/>
+                <a:ea typeface="MicrosoftYaHei"/>
+              </a:rPr>
+              <a:t> </a:t>
+            </a:r>
+            <a:r>
+              <a:rPr lang="en-US" altLang="en-US" dirty="0">
+                <a:solidFill>
+                  <a:srgbClr val="565656"/>
+                </a:solidFill>
+                <a:latin typeface="Arial" panose="020B0604020202020204" pitchFamily="34" charset="0"/>
+                <a:ea typeface="1" panose="020B0606030504020204" pitchFamily="34" charset="0"/>
+              </a:rPr>
+              <a:t>316</a:t>
+            </a:r>
+            <a:r>
+              <a:rPr lang="en-US" altLang="en-US" dirty="0">
+                <a:solidFill>
+                  <a:srgbClr val="565656"/>
+                </a:solidFill>
+                <a:latin typeface="Arial" panose="020B0604020202020204" pitchFamily="34" charset="0"/>
+                <a:ea typeface="MicrosoftYaHei"/>
+              </a:rPr>
+              <a:t>，</a:t>
+            </a:r>
+            <a:r>
+              <a:rPr lang="zh-CN" altLang="en-US" dirty="0">
+                <a:solidFill>
+                  <a:srgbClr val="565656"/>
+                </a:solidFill>
+                <a:latin typeface="Arial" panose="020B0604020202020204" pitchFamily="34" charset="0"/>
+                <a:ea typeface="MicrosoftYaHei"/>
+              </a:rPr>
+              <a:t>占总统计人数的</a:t>
+            </a:r>
+            <a:r>
+              <a:rPr lang="en-US" altLang="zh-CN" dirty="0">
+                <a:solidFill>
+                  <a:srgbClr val="565656"/>
+                </a:solidFill>
+                <a:latin typeface="Arial" panose="020B0604020202020204" pitchFamily="34" charset="0"/>
+                <a:ea typeface="MicrosoftYaHei"/>
+              </a:rPr>
+              <a:t>42%</a:t>
+            </a:r>
+            <a:r>
+              <a:rPr lang="zh-CN" altLang="en-US" dirty="0">
+                <a:solidFill>
+                  <a:srgbClr val="565656"/>
+                </a:solidFill>
+                <a:latin typeface="Arial" panose="020B0604020202020204" pitchFamily="34" charset="0"/>
+                <a:ea typeface="MicrosoftYaHei"/>
+              </a:rPr>
+              <a:t>。排名第二</a:t>
+            </a:r>
+            <a:r>
+              <a:rPr lang="en-US" altLang="en-US" dirty="0">
+                <a:solidFill>
+                  <a:srgbClr val="565656"/>
+                </a:solidFill>
+                <a:latin typeface="Arial" panose="020B0604020202020204" pitchFamily="34" charset="0"/>
+                <a:ea typeface="MicrosoftYaHei"/>
+              </a:rPr>
+              <a:t> </a:t>
+            </a:r>
+            <a:r>
+              <a:rPr lang="en-US" altLang="en-US" dirty="0">
+                <a:solidFill>
+                  <a:srgbClr val="565656"/>
+                </a:solidFill>
+                <a:latin typeface="Arial" panose="020B0604020202020204" pitchFamily="34" charset="0"/>
+                <a:ea typeface="1" panose="020B0606030504020204" pitchFamily="34" charset="0"/>
+              </a:rPr>
+              <a:t>Bachelor </a:t>
+            </a:r>
+            <a:r>
+              <a:rPr lang="en-US" altLang="en-US" dirty="0" err="1">
+                <a:solidFill>
+                  <a:srgbClr val="565656"/>
+                </a:solidFill>
+                <a:latin typeface="Arial" panose="020B0604020202020204" pitchFamily="34" charset="0"/>
+                <a:ea typeface="MicrosoftYaHei"/>
+              </a:rPr>
+              <a:t>数量为</a:t>
+            </a:r>
+            <a:r>
+              <a:rPr lang="en-US" altLang="en-US" dirty="0">
+                <a:solidFill>
+                  <a:srgbClr val="565656"/>
+                </a:solidFill>
+                <a:latin typeface="Arial" panose="020B0604020202020204" pitchFamily="34" charset="0"/>
+                <a:ea typeface="MicrosoftYaHei"/>
+              </a:rPr>
+              <a:t> </a:t>
+            </a:r>
+            <a:r>
+              <a:rPr lang="en-US" altLang="en-US" dirty="0">
+                <a:solidFill>
+                  <a:srgbClr val="565656"/>
+                </a:solidFill>
+                <a:latin typeface="Arial" panose="020B0604020202020204" pitchFamily="34" charset="0"/>
+                <a:ea typeface="1" panose="020B0606030504020204" pitchFamily="34" charset="0"/>
+              </a:rPr>
+              <a:t>283</a:t>
+            </a:r>
+            <a:r>
+              <a:rPr lang="zh-CN" altLang="en-US" dirty="0">
+                <a:solidFill>
+                  <a:srgbClr val="565656"/>
+                </a:solidFill>
+                <a:latin typeface="Arial" panose="020B0604020202020204" pitchFamily="34" charset="0"/>
+                <a:ea typeface="1" panose="020B0606030504020204" pitchFamily="34" charset="0"/>
+              </a:rPr>
+              <a:t>，比例为</a:t>
+            </a:r>
+            <a:r>
+              <a:rPr lang="en-US" altLang="zh-CN" dirty="0">
+                <a:solidFill>
+                  <a:srgbClr val="565656"/>
+                </a:solidFill>
+                <a:latin typeface="Arial" panose="020B0604020202020204" pitchFamily="34" charset="0"/>
+                <a:ea typeface="1" panose="020B0606030504020204" pitchFamily="34" charset="0"/>
+              </a:rPr>
+              <a:t>37%</a:t>
+            </a:r>
+            <a:r>
+              <a:rPr lang="zh-CN" altLang="en-US" dirty="0">
+                <a:solidFill>
+                  <a:srgbClr val="565656"/>
+                </a:solidFill>
+                <a:latin typeface="Arial" panose="020B0604020202020204" pitchFamily="34" charset="0"/>
+                <a:ea typeface="1" panose="020B0606030504020204" pitchFamily="34" charset="0"/>
+              </a:rPr>
+              <a:t>。</a:t>
+            </a:r>
+            <a:r>
+              <a:rPr lang="en-US" altLang="en-US" dirty="0" err="1">
+                <a:solidFill>
+                  <a:srgbClr val="565656"/>
+                </a:solidFill>
+                <a:latin typeface="Arial" panose="020B0604020202020204" pitchFamily="34" charset="0"/>
+                <a:ea typeface="MicrosoftYaHei"/>
+              </a:rPr>
+              <a:t>此外，可以发现在还有</a:t>
+            </a:r>
+            <a:r>
+              <a:rPr lang="en-US" altLang="en-US" dirty="0">
+                <a:solidFill>
+                  <a:srgbClr val="565656"/>
+                </a:solidFill>
+                <a:latin typeface="Arial" panose="020B0604020202020204" pitchFamily="34" charset="0"/>
+                <a:ea typeface="MicrosoftYaHei"/>
+              </a:rPr>
+              <a:t> </a:t>
+            </a:r>
+            <a:r>
+              <a:rPr lang="en-US" altLang="en-US" dirty="0">
+                <a:solidFill>
+                  <a:srgbClr val="565656"/>
+                </a:solidFill>
+                <a:latin typeface="Arial" panose="020B0604020202020204" pitchFamily="34" charset="0"/>
+                <a:ea typeface="1" panose="020B0606030504020204" pitchFamily="34" charset="0"/>
+              </a:rPr>
+              <a:t>High school </a:t>
+            </a:r>
+            <a:r>
+              <a:rPr lang="en-US" altLang="en-US" dirty="0" err="1">
+                <a:solidFill>
+                  <a:srgbClr val="565656"/>
+                </a:solidFill>
+                <a:latin typeface="Arial" panose="020B0604020202020204" pitchFamily="34" charset="0"/>
+                <a:ea typeface="MicrosoftYaHei"/>
+              </a:rPr>
+              <a:t>以及其下等级的学员参与学习</a:t>
+            </a:r>
+            <a:r>
+              <a:rPr lang="en-US" altLang="en-US" dirty="0">
+                <a:solidFill>
+                  <a:srgbClr val="565656"/>
+                </a:solidFill>
+                <a:latin typeface="Arial" panose="020B0604020202020204" pitchFamily="34" charset="0"/>
+                <a:ea typeface="MicrosoftYaHei"/>
+              </a:rPr>
+              <a:t>。 </a:t>
+            </a:r>
+            <a:endParaRPr lang="en-US" altLang="en-US" sz="1800" dirty="0">
+              <a:solidFill>
+                <a:schemeClr val="tx1"/>
+              </a:solidFill>
+              <a:latin typeface="Arial" panose="020B0604020202020204" pitchFamily="34" charset="0"/>
+            </a:endParaRPr>
           </a:p>
         </p:txBody>
       </p:sp>
       <p:sp>
         <p:nvSpPr>
           <p:cNvPr id="55" name="Shape 55"/>
-          <p:cNvSpPr txBox="1"/>
+          <p:cNvSpPr txBox="1">
+            <a:spLocks noGrp="1"/>
+          </p:cNvSpPr>
           <p:nvPr>
             <p:ph type="title"/>
           </p:nvPr>
@@ -3769,7 +7136,7 @@
           </a:solidFill>
         </p:spPr>
         <p:txBody>
-          <a:bodyPr anchorCtr="0" anchor="ctr" bIns="91425" lIns="91425" rIns="91425" wrap="square" tIns="91425">
+          <a:bodyPr wrap="square" lIns="91425" tIns="91425" rIns="91425" bIns="91425" anchor="ctr" anchorCtr="0">
             <a:noAutofit/>
           </a:bodyPr>
           <a:lstStyle/>
@@ -3781,7 +7148,7 @@
               <a:buNone/>
             </a:pPr>
             <a:r>
-              <a:rPr lang="en">
+              <a:rPr lang="zh-CN" altLang="en" dirty="0">
                 <a:solidFill>
                   <a:srgbClr val="FFFFFF"/>
                 </a:solidFill>
@@ -3790,499 +7157,564 @@
                 <a:cs typeface="Open Sans"/>
                 <a:sym typeface="Open Sans"/>
               </a:rPr>
-              <a:t>Example: Does the Number of Books read vary based on Employment?</a:t>
+              <a:t>学员</a:t>
             </a:r>
+            <a:r>
+              <a:rPr lang="zh-CN" altLang="en-US" dirty="0">
+                <a:solidFill>
+                  <a:srgbClr val="FFFFFF"/>
+                </a:solidFill>
+                <a:latin typeface="Open Sans"/>
+                <a:ea typeface="Open Sans"/>
+                <a:cs typeface="Open Sans"/>
+                <a:sym typeface="Open Sans"/>
+              </a:rPr>
+              <a:t>最高学历占最高比例的是哪个？</a:t>
+            </a:r>
+            <a:endParaRPr lang="en" dirty="0">
+              <a:solidFill>
+                <a:srgbClr val="FFFFFF"/>
+              </a:solidFill>
+              <a:latin typeface="Open Sans"/>
+              <a:ea typeface="Open Sans"/>
+              <a:cs typeface="Open Sans"/>
+              <a:sym typeface="Open Sans"/>
+            </a:endParaRPr>
           </a:p>
         </p:txBody>
       </p:sp>
       <p:graphicFrame>
         <p:nvGraphicFramePr>
-          <p:cNvPr id="56" name="Shape 56"/>
-          <p:cNvGraphicFramePr/>
-          <p:nvPr/>
+          <p:cNvPr id="2" name="Table 1">
+            <a:extLst>
+              <a:ext uri="{FF2B5EF4-FFF2-40B4-BE49-F238E27FC236}">
+                <a16:creationId xmlns:a16="http://schemas.microsoft.com/office/drawing/2014/main" id="{C0873CD1-E5D9-2C40-875C-EC4716526471}"/>
+              </a:ext>
+            </a:extLst>
+          </p:cNvPr>
+          <p:cNvGraphicFramePr>
+            <a:graphicFrameLocks noGrp="1"/>
+          </p:cNvGraphicFramePr>
+          <p:nvPr>
+            <p:extLst>
+              <p:ext uri="{D42A27DB-BD31-4B8C-83A1-F6EECF244321}">
+                <p14:modId xmlns:p14="http://schemas.microsoft.com/office/powerpoint/2010/main" val="3383364183"/>
+              </p:ext>
+            </p:extLst>
+          </p:nvPr>
         </p:nvGraphicFramePr>
         <p:xfrm>
-          <a:off x="112925" y="1223729"/>
-          <a:ext cx="3000000" cy="3000000"/>
+          <a:off x="510319" y="1216864"/>
+          <a:ext cx="4190264" cy="2461864"/>
         </p:xfrm>
         <a:graphic>
           <a:graphicData uri="http://schemas.openxmlformats.org/drawingml/2006/table">
             <a:tbl>
               <a:tblPr>
-                <a:noFill/>
                 <a:tableStyleId>{EED877B6-9551-4359-846F-FAFF3EFF04A8}</a:tableStyleId>
               </a:tblPr>
               <a:tblGrid>
-                <a:gridCol w="1276475"/>
-                <a:gridCol w="1276475"/>
-                <a:gridCol w="1276475"/>
+                <a:gridCol w="2557439">
+                  <a:extLst>
+                    <a:ext uri="{9D8B030D-6E8A-4147-A177-3AD203B41FA5}">
+                      <a16:colId xmlns:a16="http://schemas.microsoft.com/office/drawing/2014/main" val="3484349832"/>
+                    </a:ext>
+                  </a:extLst>
+                </a:gridCol>
+                <a:gridCol w="1632825">
+                  <a:extLst>
+                    <a:ext uri="{9D8B030D-6E8A-4147-A177-3AD203B41FA5}">
+                      <a16:colId xmlns:a16="http://schemas.microsoft.com/office/drawing/2014/main" val="3162676370"/>
+                    </a:ext>
+                  </a:extLst>
+                </a:gridCol>
               </a:tblGrid>
-              <a:tr h="529025">
+              <a:tr h="307733">
                 <a:tc>
                   <a:txBody>
-                    <a:bodyPr>
-                      <a:noAutofit/>
-                    </a:bodyPr>
+                    <a:bodyPr/>
                     <a:lstStyle/>
                     <a:p>
-                      <a:pPr lvl="0">
-                        <a:spcBef>
-                          <a:spcPts val="0"/>
-                        </a:spcBef>
-                        <a:buNone/>
-                      </a:pPr>
+                      <a:pPr algn="ctr" fontAlgn="b"/>
                       <a:r>
-                        <a:t/>
+                        <a:rPr lang="en-US" sz="1400" u="none" strike="noStrike" dirty="0">
+                          <a:solidFill>
+                            <a:schemeClr val="bg1"/>
+                          </a:solidFill>
+                          <a:effectLst/>
+                        </a:rPr>
+                        <a:t>Highest Level of Education</a:t>
                       </a:r>
-                      <a:endParaRPr b="1"/>
+                      <a:endParaRPr lang="en-US" sz="1400" b="1" i="0" u="none" strike="noStrike" dirty="0">
+                        <a:solidFill>
+                          <a:schemeClr val="bg1"/>
+                        </a:solidFill>
+                        <a:effectLst/>
+                        <a:latin typeface="Arial" panose="020B0604020202020204" pitchFamily="34" charset="0"/>
+                      </a:endParaRPr>
                     </a:p>
                   </a:txBody>
-                  <a:tcPr marT="91425" marB="91425" marR="91425" marL="91425"/>
+                  <a:tcPr marL="9525" marR="9525" marT="9525" marB="0" anchor="ctr">
+                    <a:solidFill>
+                      <a:srgbClr val="083763"/>
+                    </a:solidFill>
+                  </a:tcPr>
                 </a:tc>
                 <a:tc>
                   <a:txBody>
-                    <a:bodyPr>
-                      <a:noAutofit/>
-                    </a:bodyPr>
+                    <a:bodyPr/>
                     <a:lstStyle/>
                     <a:p>
-                      <a:pPr lvl="0">
-                        <a:spcBef>
-                          <a:spcPts val="0"/>
-                        </a:spcBef>
-                        <a:buNone/>
-                      </a:pPr>
+                      <a:pPr algn="ctr" fontAlgn="b"/>
                       <a:r>
-                        <a:rPr b="1" lang="en"/>
-                        <a:t>Employed</a:t>
+                        <a:rPr lang="en-US" sz="1400" u="none" strike="noStrike" dirty="0">
+                          <a:solidFill>
+                            <a:schemeClr val="bg1"/>
+                          </a:solidFill>
+                          <a:effectLst/>
+                        </a:rPr>
+                        <a:t>Total</a:t>
                       </a:r>
+                      <a:endParaRPr lang="en-US" sz="1400" b="1" i="0" u="none" strike="noStrike" dirty="0">
+                        <a:solidFill>
+                          <a:schemeClr val="bg1"/>
+                        </a:solidFill>
+                        <a:effectLst/>
+                        <a:latin typeface="Arial" panose="020B0604020202020204" pitchFamily="34" charset="0"/>
+                      </a:endParaRPr>
                     </a:p>
                   </a:txBody>
-                  <a:tcPr marT="91425" marB="91425" marR="91425" marL="91425"/>
+                  <a:tcPr marL="9525" marR="9525" marT="9525" marB="0" anchor="ctr">
+                    <a:solidFill>
+                      <a:srgbClr val="083763"/>
+                    </a:solidFill>
+                  </a:tcPr>
+                </a:tc>
+                <a:extLst>
+                  <a:ext uri="{0D108BD9-81ED-4DB2-BD59-A6C34878D82A}">
+                    <a16:rowId xmlns:a16="http://schemas.microsoft.com/office/drawing/2014/main" val="1483731418"/>
+                  </a:ext>
+                </a:extLst>
+              </a:tr>
+              <a:tr h="307733">
+                <a:tc>
+                  <a:txBody>
+                    <a:bodyPr/>
+                    <a:lstStyle/>
+                    <a:p>
+                      <a:pPr algn="ctr" fontAlgn="b"/>
+                      <a:r>
+                        <a:rPr lang="en-US" sz="1200" u="none" strike="noStrike">
+                          <a:effectLst/>
+                        </a:rPr>
+                        <a:t>Associates</a:t>
+                      </a:r>
+                      <a:endParaRPr lang="en-US" sz="1200" b="0" i="0" u="none" strike="noStrike">
+                        <a:solidFill>
+                          <a:srgbClr val="000000"/>
+                        </a:solidFill>
+                        <a:effectLst/>
+                        <a:latin typeface="Arial" panose="020B0604020202020204" pitchFamily="34" charset="0"/>
+                      </a:endParaRPr>
+                    </a:p>
+                  </a:txBody>
+                  <a:tcPr marL="9525" marR="9525" marT="9525" marB="0" anchor="ctr"/>
                 </a:tc>
                 <a:tc>
                   <a:txBody>
-                    <a:bodyPr>
-                      <a:noAutofit/>
-                    </a:bodyPr>
+                    <a:bodyPr/>
                     <a:lstStyle/>
                     <a:p>
-                      <a:pPr lvl="0">
-                        <a:spcBef>
-                          <a:spcPts val="0"/>
-                        </a:spcBef>
-                        <a:buNone/>
-                      </a:pPr>
+                      <a:pPr algn="ctr" fontAlgn="b"/>
                       <a:r>
-                        <a:rPr b="1" lang="en"/>
-                        <a:t>Unemployed</a:t>
+                        <a:rPr lang="en-US" sz="1200" u="none" strike="noStrike" dirty="0">
+                          <a:effectLst/>
+                        </a:rPr>
+                        <a:t>12</a:t>
                       </a:r>
+                      <a:endParaRPr lang="en-US" sz="1200" b="0" i="0" u="none" strike="noStrike" dirty="0">
+                        <a:solidFill>
+                          <a:srgbClr val="000000"/>
+                        </a:solidFill>
+                        <a:effectLst/>
+                        <a:latin typeface="Arial" panose="020B0604020202020204" pitchFamily="34" charset="0"/>
+                      </a:endParaRPr>
                     </a:p>
                   </a:txBody>
-                  <a:tcPr marT="91425" marB="91425" marR="91425" marL="91425"/>
+                  <a:tcPr marL="9525" marR="9525" marT="9525" marB="0" anchor="ctr"/>
                 </a:tc>
+                <a:extLst>
+                  <a:ext uri="{0D108BD9-81ED-4DB2-BD59-A6C34878D82A}">
+                    <a16:rowId xmlns:a16="http://schemas.microsoft.com/office/drawing/2014/main" val="3389353129"/>
+                  </a:ext>
+                </a:extLst>
               </a:tr>
-              <a:tr h="392500">
+              <a:tr h="307733">
                 <a:tc>
                   <a:txBody>
-                    <a:bodyPr>
-                      <a:noAutofit/>
-                    </a:bodyPr>
+                    <a:bodyPr/>
                     <a:lstStyle/>
                     <a:p>
-                      <a:pPr lvl="0">
-                        <a:spcBef>
-                          <a:spcPts val="0"/>
-                        </a:spcBef>
-                        <a:buNone/>
-                      </a:pPr>
+                      <a:pPr algn="ctr" fontAlgn="b"/>
                       <a:r>
-                        <a:rPr b="1" lang="en"/>
-                        <a:t>Minimum</a:t>
+                        <a:rPr lang="en-US" sz="1200" u="none" strike="noStrike">
+                          <a:effectLst/>
+                        </a:rPr>
+                        <a:t>High school or below</a:t>
                       </a:r>
+                      <a:endParaRPr lang="en-US" sz="1200" b="0" i="0" u="none" strike="noStrike">
+                        <a:solidFill>
+                          <a:srgbClr val="000000"/>
+                        </a:solidFill>
+                        <a:effectLst/>
+                        <a:latin typeface="Arial" panose="020B0604020202020204" pitchFamily="34" charset="0"/>
+                      </a:endParaRPr>
                     </a:p>
                   </a:txBody>
-                  <a:tcPr marT="91425" marB="91425" marR="91425" marL="91425"/>
+                  <a:tcPr marL="9525" marR="9525" marT="9525" marB="0" anchor="ctr"/>
                 </a:tc>
                 <a:tc>
                   <a:txBody>
-                    <a:bodyPr>
-                      <a:noAutofit/>
-                    </a:bodyPr>
+                    <a:bodyPr/>
                     <a:lstStyle/>
                     <a:p>
-                      <a:pPr lvl="0">
-                        <a:spcBef>
-                          <a:spcPts val="0"/>
-                        </a:spcBef>
-                        <a:buNone/>
-                      </a:pPr>
+                      <a:pPr algn="ctr" fontAlgn="b"/>
                       <a:r>
-                        <a:rPr lang="en"/>
-                        <a:t>0</a:t>
+                        <a:rPr lang="en-US" sz="1200" u="none" strike="noStrike">
+                          <a:effectLst/>
+                        </a:rPr>
+                        <a:t>24</a:t>
                       </a:r>
+                      <a:endParaRPr lang="en-US" sz="1200" b="0" i="0" u="none" strike="noStrike">
+                        <a:solidFill>
+                          <a:srgbClr val="000000"/>
+                        </a:solidFill>
+                        <a:effectLst/>
+                        <a:latin typeface="Arial" panose="020B0604020202020204" pitchFamily="34" charset="0"/>
+                      </a:endParaRPr>
                     </a:p>
                   </a:txBody>
-                  <a:tcPr marT="91425" marB="91425" marR="91425" marL="91425"/>
+                  <a:tcPr marL="9525" marR="9525" marT="9525" marB="0" anchor="ctr"/>
+                </a:tc>
+                <a:extLst>
+                  <a:ext uri="{0D108BD9-81ED-4DB2-BD59-A6C34878D82A}">
+                    <a16:rowId xmlns:a16="http://schemas.microsoft.com/office/drawing/2014/main" val="2539315151"/>
+                  </a:ext>
+                </a:extLst>
+              </a:tr>
+              <a:tr h="307733">
+                <a:tc>
+                  <a:txBody>
+                    <a:bodyPr/>
+                    <a:lstStyle/>
+                    <a:p>
+                      <a:pPr algn="ctr" fontAlgn="b"/>
+                      <a:r>
+                        <a:rPr lang="en-US" sz="1200" u="none" strike="noStrike">
+                          <a:effectLst/>
+                        </a:rPr>
+                        <a:t>Nanodegree Program</a:t>
+                      </a:r>
+                      <a:endParaRPr lang="en-US" sz="1200" b="0" i="0" u="none" strike="noStrike">
+                        <a:solidFill>
+                          <a:srgbClr val="000000"/>
+                        </a:solidFill>
+                        <a:effectLst/>
+                        <a:latin typeface="Arial" panose="020B0604020202020204" pitchFamily="34" charset="0"/>
+                      </a:endParaRPr>
+                    </a:p>
+                  </a:txBody>
+                  <a:tcPr marL="9525" marR="9525" marT="9525" marB="0" anchor="ctr"/>
                 </a:tc>
                 <a:tc>
                   <a:txBody>
-                    <a:bodyPr>
-                      <a:noAutofit/>
-                    </a:bodyPr>
+                    <a:bodyPr/>
                     <a:lstStyle/>
                     <a:p>
-                      <a:pPr lvl="0">
-                        <a:spcBef>
-                          <a:spcPts val="0"/>
-                        </a:spcBef>
-                        <a:buNone/>
-                      </a:pPr>
+                      <a:pPr algn="ctr" fontAlgn="b"/>
                       <a:r>
-                        <a:rPr lang="en"/>
-                        <a:t>0</a:t>
+                        <a:rPr lang="en-US" sz="1200" u="none" strike="noStrike" dirty="0">
+                          <a:effectLst/>
+                        </a:rPr>
+                        <a:t>45</a:t>
                       </a:r>
+                      <a:endParaRPr lang="en-US" sz="1200" b="0" i="0" u="none" strike="noStrike" dirty="0">
+                        <a:solidFill>
+                          <a:srgbClr val="000000"/>
+                        </a:solidFill>
+                        <a:effectLst/>
+                        <a:latin typeface="Arial" panose="020B0604020202020204" pitchFamily="34" charset="0"/>
+                      </a:endParaRPr>
                     </a:p>
                   </a:txBody>
-                  <a:tcPr marT="91425" marB="91425" marR="91425" marL="91425"/>
+                  <a:tcPr marL="9525" marR="9525" marT="9525" marB="0" anchor="ctr"/>
                 </a:tc>
+                <a:extLst>
+                  <a:ext uri="{0D108BD9-81ED-4DB2-BD59-A6C34878D82A}">
+                    <a16:rowId xmlns:a16="http://schemas.microsoft.com/office/drawing/2014/main" val="2399035171"/>
+                  </a:ext>
+                </a:extLst>
               </a:tr>
-              <a:tr h="388700">
+              <a:tr h="307733">
                 <a:tc>
                   <a:txBody>
-                    <a:bodyPr>
-                      <a:noAutofit/>
-                    </a:bodyPr>
+                    <a:bodyPr/>
                     <a:lstStyle/>
                     <a:p>
-                      <a:pPr lvl="0">
-                        <a:spcBef>
-                          <a:spcPts val="0"/>
-                        </a:spcBef>
-                        <a:buNone/>
-                      </a:pPr>
+                      <a:pPr algn="ctr" fontAlgn="b"/>
                       <a:r>
-                        <a:rPr b="1" lang="en"/>
-                        <a:t>Q1</a:t>
+                        <a:rPr lang="en-US" sz="1200" u="none" strike="noStrike">
+                          <a:effectLst/>
+                        </a:rPr>
+                        <a:t>PhD</a:t>
                       </a:r>
+                      <a:endParaRPr lang="en-US" sz="1200" b="0" i="0" u="none" strike="noStrike">
+                        <a:solidFill>
+                          <a:srgbClr val="000000"/>
+                        </a:solidFill>
+                        <a:effectLst/>
+                        <a:latin typeface="Arial" panose="020B0604020202020204" pitchFamily="34" charset="0"/>
+                      </a:endParaRPr>
                     </a:p>
                   </a:txBody>
-                  <a:tcPr marT="91425" marB="91425" marR="91425" marL="91425"/>
+                  <a:tcPr marL="9525" marR="9525" marT="9525" marB="0" anchor="ctr"/>
                 </a:tc>
                 <a:tc>
                   <a:txBody>
-                    <a:bodyPr>
-                      <a:noAutofit/>
-                    </a:bodyPr>
+                    <a:bodyPr/>
                     <a:lstStyle/>
                     <a:p>
-                      <a:pPr lvl="0">
-                        <a:spcBef>
-                          <a:spcPts val="0"/>
-                        </a:spcBef>
-                        <a:buNone/>
-                      </a:pPr>
+                      <a:pPr algn="ctr" fontAlgn="b"/>
                       <a:r>
-                        <a:rPr lang="en"/>
-                        <a:t>4</a:t>
+                        <a:rPr lang="en-US" sz="1200" u="none" strike="noStrike">
+                          <a:effectLst/>
+                        </a:rPr>
+                        <a:t>73</a:t>
                       </a:r>
+                      <a:endParaRPr lang="en-US" sz="1200" b="0" i="0" u="none" strike="noStrike">
+                        <a:solidFill>
+                          <a:srgbClr val="000000"/>
+                        </a:solidFill>
+                        <a:effectLst/>
+                        <a:latin typeface="Arial" panose="020B0604020202020204" pitchFamily="34" charset="0"/>
+                      </a:endParaRPr>
                     </a:p>
                   </a:txBody>
-                  <a:tcPr marT="91425" marB="91425" marR="91425" marL="91425"/>
+                  <a:tcPr marL="9525" marR="9525" marT="9525" marB="0" anchor="ctr"/>
+                </a:tc>
+                <a:extLst>
+                  <a:ext uri="{0D108BD9-81ED-4DB2-BD59-A6C34878D82A}">
+                    <a16:rowId xmlns:a16="http://schemas.microsoft.com/office/drawing/2014/main" val="1493389434"/>
+                  </a:ext>
+                </a:extLst>
+              </a:tr>
+              <a:tr h="307733">
+                <a:tc>
+                  <a:txBody>
+                    <a:bodyPr/>
+                    <a:lstStyle/>
+                    <a:p>
+                      <a:pPr algn="ctr" fontAlgn="b"/>
+                      <a:r>
+                        <a:rPr lang="en-US" sz="1200" u="none" strike="noStrike">
+                          <a:effectLst/>
+                        </a:rPr>
+                        <a:t>Bachelors</a:t>
+                      </a:r>
+                      <a:endParaRPr lang="en-US" sz="1200" b="0" i="0" u="none" strike="noStrike">
+                        <a:solidFill>
+                          <a:srgbClr val="000000"/>
+                        </a:solidFill>
+                        <a:effectLst/>
+                        <a:latin typeface="Arial" panose="020B0604020202020204" pitchFamily="34" charset="0"/>
+                      </a:endParaRPr>
+                    </a:p>
+                  </a:txBody>
+                  <a:tcPr marL="9525" marR="9525" marT="9525" marB="0" anchor="ctr"/>
                 </a:tc>
                 <a:tc>
                   <a:txBody>
-                    <a:bodyPr>
-                      <a:noAutofit/>
-                    </a:bodyPr>
+                    <a:bodyPr/>
                     <a:lstStyle/>
                     <a:p>
-                      <a:pPr lvl="0">
-                        <a:spcBef>
-                          <a:spcPts val="0"/>
-                        </a:spcBef>
-                        <a:buNone/>
-                      </a:pPr>
+                      <a:pPr algn="ctr" fontAlgn="b"/>
                       <a:r>
-                        <a:rPr lang="en"/>
-                        <a:t>4</a:t>
+                        <a:rPr lang="en-US" sz="1200" u="none" strike="noStrike">
+                          <a:effectLst/>
+                        </a:rPr>
+                        <a:t>283</a:t>
                       </a:r>
+                      <a:endParaRPr lang="en-US" sz="1200" b="0" i="0" u="none" strike="noStrike">
+                        <a:solidFill>
+                          <a:srgbClr val="000000"/>
+                        </a:solidFill>
+                        <a:effectLst/>
+                        <a:latin typeface="Arial" panose="020B0604020202020204" pitchFamily="34" charset="0"/>
+                      </a:endParaRPr>
                     </a:p>
                   </a:txBody>
-                  <a:tcPr marT="91425" marB="91425" marR="91425" marL="91425"/>
+                  <a:tcPr marL="9525" marR="9525" marT="9525" marB="0" anchor="ctr"/>
                 </a:tc>
+                <a:extLst>
+                  <a:ext uri="{0D108BD9-81ED-4DB2-BD59-A6C34878D82A}">
+                    <a16:rowId xmlns:a16="http://schemas.microsoft.com/office/drawing/2014/main" val="2987297157"/>
+                  </a:ext>
+                </a:extLst>
               </a:tr>
-              <a:tr h="388700">
+              <a:tr h="307733">
                 <a:tc>
                   <a:txBody>
-                    <a:bodyPr>
-                      <a:noAutofit/>
-                    </a:bodyPr>
+                    <a:bodyPr/>
                     <a:lstStyle/>
                     <a:p>
-                      <a:pPr lvl="0">
-                        <a:spcBef>
-                          <a:spcPts val="0"/>
-                        </a:spcBef>
-                        <a:buNone/>
-                      </a:pPr>
+                      <a:pPr algn="ctr" fontAlgn="b"/>
                       <a:r>
-                        <a:rPr b="1" lang="en"/>
-                        <a:t>Q2</a:t>
+                        <a:rPr lang="en-US" sz="1200" u="none" strike="noStrike">
+                          <a:effectLst/>
+                        </a:rPr>
+                        <a:t>Masters</a:t>
                       </a:r>
+                      <a:endParaRPr lang="en-US" sz="1200" b="0" i="0" u="none" strike="noStrike">
+                        <a:solidFill>
+                          <a:srgbClr val="000000"/>
+                        </a:solidFill>
+                        <a:effectLst/>
+                        <a:latin typeface="Arial" panose="020B0604020202020204" pitchFamily="34" charset="0"/>
+                      </a:endParaRPr>
                     </a:p>
                   </a:txBody>
-                  <a:tcPr marT="91425" marB="91425" marR="91425" marL="91425"/>
+                  <a:tcPr marL="9525" marR="9525" marT="9525" marB="0" anchor="ctr"/>
                 </a:tc>
                 <a:tc>
                   <a:txBody>
-                    <a:bodyPr>
-                      <a:noAutofit/>
-                    </a:bodyPr>
+                    <a:bodyPr/>
                     <a:lstStyle/>
                     <a:p>
-                      <a:pPr lvl="0">
-                        <a:spcBef>
-                          <a:spcPts val="0"/>
-                        </a:spcBef>
-                        <a:buNone/>
-                      </a:pPr>
+                      <a:pPr algn="ctr" fontAlgn="b"/>
                       <a:r>
-                        <a:rPr lang="en"/>
-                        <a:t>8</a:t>
+                        <a:rPr lang="en-US" sz="1200" u="none" strike="noStrike">
+                          <a:effectLst/>
+                        </a:rPr>
+                        <a:t>316</a:t>
                       </a:r>
+                      <a:endParaRPr lang="en-US" sz="1200" b="0" i="0" u="none" strike="noStrike">
+                        <a:solidFill>
+                          <a:srgbClr val="000000"/>
+                        </a:solidFill>
+                        <a:effectLst/>
+                        <a:latin typeface="Arial" panose="020B0604020202020204" pitchFamily="34" charset="0"/>
+                      </a:endParaRPr>
                     </a:p>
                   </a:txBody>
-                  <a:tcPr marT="91425" marB="91425" marR="91425" marL="91425"/>
+                  <a:tcPr marL="9525" marR="9525" marT="9525" marB="0" anchor="ctr"/>
+                </a:tc>
+                <a:extLst>
+                  <a:ext uri="{0D108BD9-81ED-4DB2-BD59-A6C34878D82A}">
+                    <a16:rowId xmlns:a16="http://schemas.microsoft.com/office/drawing/2014/main" val="2037262163"/>
+                  </a:ext>
+                </a:extLst>
+              </a:tr>
+              <a:tr h="307733">
+                <a:tc>
+                  <a:txBody>
+                    <a:bodyPr/>
+                    <a:lstStyle/>
+                    <a:p>
+                      <a:pPr algn="ctr" fontAlgn="b"/>
+                      <a:r>
+                        <a:rPr lang="en-US" sz="1200" u="none" strike="noStrike" dirty="0">
+                          <a:solidFill>
+                            <a:schemeClr val="bg1"/>
+                          </a:solidFill>
+                          <a:effectLst/>
+                        </a:rPr>
+                        <a:t>Grand Total</a:t>
+                      </a:r>
+                      <a:endParaRPr lang="en-US" sz="1200" b="1" i="0" u="none" strike="noStrike" dirty="0">
+                        <a:solidFill>
+                          <a:schemeClr val="bg1"/>
+                        </a:solidFill>
+                        <a:effectLst/>
+                        <a:latin typeface="Arial" panose="020B0604020202020204" pitchFamily="34" charset="0"/>
+                      </a:endParaRPr>
+                    </a:p>
+                  </a:txBody>
+                  <a:tcPr marL="9525" marR="9525" marT="9525" marB="0" anchor="ctr">
+                    <a:solidFill>
+                      <a:srgbClr val="083763"/>
+                    </a:solidFill>
+                  </a:tcPr>
                 </a:tc>
                 <a:tc>
                   <a:txBody>
-                    <a:bodyPr>
-                      <a:noAutofit/>
-                    </a:bodyPr>
+                    <a:bodyPr/>
                     <a:lstStyle/>
                     <a:p>
-                      <a:pPr lvl="0">
-                        <a:spcBef>
-                          <a:spcPts val="0"/>
-                        </a:spcBef>
-                        <a:buNone/>
-                      </a:pPr>
+                      <a:pPr algn="ctr" fontAlgn="b"/>
                       <a:r>
-                        <a:rPr lang="en"/>
-                        <a:t>6</a:t>
+                        <a:rPr lang="en-US" sz="1200" u="none" strike="noStrike" dirty="0">
+                          <a:solidFill>
+                            <a:schemeClr val="bg1"/>
+                          </a:solidFill>
+                          <a:effectLst/>
+                        </a:rPr>
+                        <a:t>753</a:t>
                       </a:r>
+                      <a:endParaRPr lang="en-US" sz="1200" b="1" i="0" u="none" strike="noStrike" dirty="0">
+                        <a:solidFill>
+                          <a:schemeClr val="bg1"/>
+                        </a:solidFill>
+                        <a:effectLst/>
+                        <a:latin typeface="Arial" panose="020B0604020202020204" pitchFamily="34" charset="0"/>
+                      </a:endParaRPr>
                     </a:p>
                   </a:txBody>
-                  <a:tcPr marT="91425" marB="91425" marR="91425" marL="91425"/>
+                  <a:tcPr marL="9525" marR="9525" marT="9525" marB="0" anchor="ctr">
+                    <a:solidFill>
+                      <a:srgbClr val="083763"/>
+                    </a:solidFill>
+                  </a:tcPr>
                 </a:tc>
-              </a:tr>
-              <a:tr h="388700">
-                <a:tc>
-                  <a:txBody>
-                    <a:bodyPr>
-                      <a:noAutofit/>
-                    </a:bodyPr>
-                    <a:lstStyle/>
-                    <a:p>
-                      <a:pPr lvl="0">
-                        <a:spcBef>
-                          <a:spcPts val="0"/>
-                        </a:spcBef>
-                        <a:buNone/>
-                      </a:pPr>
-                      <a:r>
-                        <a:rPr b="1" lang="en"/>
-                        <a:t>Q3</a:t>
-                      </a:r>
-                    </a:p>
-                  </a:txBody>
-                  <a:tcPr marT="91425" marB="91425" marR="91425" marL="91425"/>
-                </a:tc>
-                <a:tc>
-                  <a:txBody>
-                    <a:bodyPr>
-                      <a:noAutofit/>
-                    </a:bodyPr>
-                    <a:lstStyle/>
-                    <a:p>
-                      <a:pPr lvl="0">
-                        <a:spcBef>
-                          <a:spcPts val="0"/>
-                        </a:spcBef>
-                        <a:buNone/>
-                      </a:pPr>
-                      <a:r>
-                        <a:rPr lang="en"/>
-                        <a:t>15</a:t>
-                      </a:r>
-                    </a:p>
-                  </a:txBody>
-                  <a:tcPr marT="91425" marB="91425" marR="91425" marL="91425"/>
-                </a:tc>
-                <a:tc>
-                  <a:txBody>
-                    <a:bodyPr>
-                      <a:noAutofit/>
-                    </a:bodyPr>
-                    <a:lstStyle/>
-                    <a:p>
-                      <a:pPr lvl="0">
-                        <a:spcBef>
-                          <a:spcPts val="0"/>
-                        </a:spcBef>
-                        <a:buNone/>
-                      </a:pPr>
-                      <a:r>
-                        <a:rPr lang="en"/>
-                        <a:t>15</a:t>
-                      </a:r>
-                    </a:p>
-                  </a:txBody>
-                  <a:tcPr marT="91425" marB="91425" marR="91425" marL="91425"/>
-                </a:tc>
-              </a:tr>
-              <a:tr h="392500">
-                <a:tc>
-                  <a:txBody>
-                    <a:bodyPr>
-                      <a:noAutofit/>
-                    </a:bodyPr>
-                    <a:lstStyle/>
-                    <a:p>
-                      <a:pPr lvl="0">
-                        <a:spcBef>
-                          <a:spcPts val="0"/>
-                        </a:spcBef>
-                        <a:buNone/>
-                      </a:pPr>
-                      <a:r>
-                        <a:rPr b="1" lang="en"/>
-                        <a:t>Maximum</a:t>
-                      </a:r>
-                    </a:p>
-                  </a:txBody>
-                  <a:tcPr marT="91425" marB="91425" marR="91425" marL="91425"/>
-                </a:tc>
-                <a:tc>
-                  <a:txBody>
-                    <a:bodyPr>
-                      <a:noAutofit/>
-                    </a:bodyPr>
-                    <a:lstStyle/>
-                    <a:p>
-                      <a:pPr lvl="0">
-                        <a:spcBef>
-                          <a:spcPts val="0"/>
-                        </a:spcBef>
-                        <a:buNone/>
-                      </a:pPr>
-                      <a:r>
-                        <a:rPr lang="en"/>
-                        <a:t>600</a:t>
-                      </a:r>
-                    </a:p>
-                  </a:txBody>
-                  <a:tcPr marT="91425" marB="91425" marR="91425" marL="91425"/>
-                </a:tc>
-                <a:tc>
-                  <a:txBody>
-                    <a:bodyPr>
-                      <a:noAutofit/>
-                    </a:bodyPr>
-                    <a:lstStyle/>
-                    <a:p>
-                      <a:pPr lvl="0">
-                        <a:spcBef>
-                          <a:spcPts val="0"/>
-                        </a:spcBef>
-                        <a:buNone/>
-                      </a:pPr>
-                      <a:r>
-                        <a:rPr lang="en"/>
-                        <a:t>100</a:t>
-                      </a:r>
-                    </a:p>
-                  </a:txBody>
-                  <a:tcPr marT="91425" marB="91425" marR="91425" marL="91425"/>
-                </a:tc>
+                <a:extLst>
+                  <a:ext uri="{0D108BD9-81ED-4DB2-BD59-A6C34878D82A}">
+                    <a16:rowId xmlns:a16="http://schemas.microsoft.com/office/drawing/2014/main" val="3825706340"/>
+                  </a:ext>
+                </a:extLst>
               </a:tr>
             </a:tbl>
           </a:graphicData>
         </a:graphic>
       </p:graphicFrame>
-      <p:sp>
-        <p:nvSpPr>
-          <p:cNvPr id="57" name="Shape 57"/>
-          <p:cNvSpPr txBox="1"/>
-          <p:nvPr/>
-        </p:nvSpPr>
-        <p:spPr>
-          <a:xfrm>
-            <a:off x="223250" y="902750"/>
-            <a:ext cx="3222600" cy="213600"/>
-          </a:xfrm>
-          <a:prstGeom prst="rect">
-            <a:avLst/>
-          </a:prstGeom>
-          <a:noFill/>
-          <a:ln>
-            <a:noFill/>
-          </a:ln>
-        </p:spPr>
-        <p:txBody>
-          <a:bodyPr anchorCtr="0" anchor="t" bIns="91425" lIns="91425" rIns="91425" wrap="square" tIns="91425">
-            <a:noAutofit/>
-          </a:bodyPr>
-          <a:lstStyle/>
-          <a:p>
-            <a:pPr lvl="0">
-              <a:spcBef>
-                <a:spcPts val="0"/>
-              </a:spcBef>
-              <a:buNone/>
-            </a:pPr>
-            <a:r>
-              <a:rPr b="1" lang="en"/>
-              <a:t>Number of Books Read</a:t>
-            </a:r>
-          </a:p>
-        </p:txBody>
-      </p:sp>
-      <p:pic>
-        <p:nvPicPr>
-          <p:cNvPr id="58" name="Shape 58"/>
-          <p:cNvPicPr preferRelativeResize="0"/>
-          <p:nvPr/>
-        </p:nvPicPr>
-        <p:blipFill>
-          <a:blip r:embed="rId3">
-            <a:alphaModFix/>
-          </a:blip>
-          <a:stretch>
-            <a:fillRect/>
-          </a:stretch>
-        </p:blipFill>
-        <p:spPr>
-          <a:xfrm>
-            <a:off x="4785324" y="902756"/>
-            <a:ext cx="3829425" cy="2935667"/>
-          </a:xfrm>
-          <a:prstGeom prst="rect">
-            <a:avLst/>
-          </a:prstGeom>
-          <a:noFill/>
-          <a:ln cap="flat" cmpd="sng" w="9525">
-            <a:solidFill>
-              <a:schemeClr val="dk2"/>
-            </a:solidFill>
-            <a:prstDash val="solid"/>
-            <a:round/>
-            <a:headEnd len="med" w="med" type="none"/>
-            <a:tailEnd len="med" w="med" type="none"/>
-          </a:ln>
-        </p:spPr>
-      </p:pic>
+      <p:graphicFrame>
+        <p:nvGraphicFramePr>
+          <p:cNvPr id="8" name="Chart 7">
+            <a:extLst>
+              <a:ext uri="{FF2B5EF4-FFF2-40B4-BE49-F238E27FC236}">
+                <a16:creationId xmlns:a16="http://schemas.microsoft.com/office/drawing/2014/main" id="{00000000-0008-0000-0200-000002000000}"/>
+              </a:ext>
+            </a:extLst>
+          </p:cNvPr>
+          <p:cNvGraphicFramePr>
+            <a:graphicFrameLocks/>
+          </p:cNvGraphicFramePr>
+          <p:nvPr>
+            <p:extLst>
+              <p:ext uri="{D42A27DB-BD31-4B8C-83A1-F6EECF244321}">
+                <p14:modId xmlns:p14="http://schemas.microsoft.com/office/powerpoint/2010/main" val="1386324098"/>
+              </p:ext>
+            </p:extLst>
+          </p:nvPr>
+        </p:nvGraphicFramePr>
+        <p:xfrm>
+          <a:off x="4627658" y="1107433"/>
+          <a:ext cx="4347929" cy="2773697"/>
+        </p:xfrm>
+        <a:graphic>
+          <a:graphicData uri="http://schemas.openxmlformats.org/drawingml/2006/chart">
+            <c:chart xmlns:c="http://schemas.openxmlformats.org/drawingml/2006/chart" xmlns:r="http://schemas.openxmlformats.org/officeDocument/2006/relationships" r:id="rId4"/>
+          </a:graphicData>
+        </a:graphic>
+      </p:graphicFrame>
     </p:spTree>
   </p:cSld>
   <p:clrMapOvr>
@@ -4291,8 +7723,978 @@
 </p:sld>
 </file>
 
+<file path=ppt/slides/slide2.xml><?xml version="1.0" encoding="utf-8"?>
+<p:sld xmlns:a="http://schemas.openxmlformats.org/drawingml/2006/main" xmlns:r="http://schemas.openxmlformats.org/officeDocument/2006/relationships" xmlns:p="http://schemas.openxmlformats.org/presentationml/2006/main">
+  <p:cSld>
+    <p:spTree>
+      <p:nvGrpSpPr>
+        <p:cNvPr id="1" name="Shape 53"/>
+        <p:cNvGrpSpPr/>
+        <p:nvPr/>
+      </p:nvGrpSpPr>
+      <p:grpSpPr>
+        <a:xfrm>
+          <a:off x="0" y="0"/>
+          <a:ext cx="0" cy="0"/>
+          <a:chOff x="0" y="0"/>
+          <a:chExt cx="0" cy="0"/>
+        </a:xfrm>
+      </p:grpSpPr>
+      <p:sp>
+        <p:nvSpPr>
+          <p:cNvPr id="54" name="Shape 54"/>
+          <p:cNvSpPr txBox="1">
+            <a:spLocks noGrp="1"/>
+          </p:cNvSpPr>
+          <p:nvPr>
+            <p:ph type="body" idx="1"/>
+          </p:nvPr>
+        </p:nvSpPr>
+        <p:spPr>
+          <a:xfrm>
+            <a:off x="304024" y="3945575"/>
+            <a:ext cx="8410605" cy="795600"/>
+          </a:xfrm>
+          <a:prstGeom prst="rect">
+            <a:avLst/>
+          </a:prstGeom>
+          <a:solidFill>
+            <a:srgbClr val="FFFFFF"/>
+          </a:solidFill>
+          <a:ln w="9525" cap="flat" cmpd="sng">
+            <a:solidFill>
+              <a:srgbClr val="FFFFFF"/>
+            </a:solidFill>
+            <a:prstDash val="solid"/>
+            <a:round/>
+            <a:headEnd type="none" w="med" len="med"/>
+            <a:tailEnd type="none" w="med" len="med"/>
+          </a:ln>
+        </p:spPr>
+        <p:txBody>
+          <a:bodyPr wrap="square" lIns="91425" tIns="91425" rIns="91425" bIns="91425" anchor="t" anchorCtr="0">
+            <a:noAutofit/>
+          </a:bodyPr>
+          <a:lstStyle/>
+          <a:p>
+            <a:pPr lvl="0" eaLnBrk="0" fontAlgn="base" hangingPunct="0">
+              <a:lnSpc>
+                <a:spcPct val="100000"/>
+              </a:lnSpc>
+              <a:spcBef>
+                <a:spcPct val="0"/>
+              </a:spcBef>
+              <a:spcAft>
+                <a:spcPct val="0"/>
+              </a:spcAft>
+              <a:buClrTx/>
+              <a:buSzTx/>
+              <a:buNone/>
+            </a:pPr>
+            <a:r>
+              <a:rPr lang="zh-CN" altLang="en-US" dirty="0"/>
+              <a:t>该图表显示偏向左分布，这意味着均值小于中位数，这也表明大多数毕业生喜欢</a:t>
+            </a:r>
+            <a:r>
+              <a:rPr lang="en-US" altLang="zh-CN" dirty="0"/>
+              <a:t>Udacity</a:t>
+            </a:r>
+            <a:r>
+              <a:rPr lang="zh-CN" altLang="en-US" dirty="0"/>
+              <a:t>课程。 </a:t>
+            </a:r>
+            <a:r>
+              <a:rPr lang="en-US" altLang="zh-CN" dirty="0"/>
+              <a:t>min</a:t>
+            </a:r>
+            <a:r>
+              <a:rPr lang="zh-CN" altLang="en-US" dirty="0"/>
+              <a:t>为</a:t>
+            </a:r>
+            <a:r>
+              <a:rPr lang="en-US" altLang="zh-CN" dirty="0"/>
+              <a:t>0</a:t>
+            </a:r>
+            <a:r>
+              <a:rPr lang="zh-CN" altLang="en-US" dirty="0"/>
+              <a:t>，</a:t>
+            </a:r>
+            <a:r>
+              <a:rPr lang="en-US" altLang="zh-CN" dirty="0"/>
+              <a:t>max</a:t>
+            </a:r>
+            <a:r>
+              <a:rPr lang="zh-CN" altLang="en-US" dirty="0"/>
+              <a:t>为</a:t>
+            </a:r>
+            <a:r>
+              <a:rPr lang="en-US" altLang="zh-CN" dirty="0"/>
+              <a:t>10</a:t>
+            </a:r>
+            <a:r>
+              <a:rPr lang="zh-CN" altLang="en-US" dirty="0"/>
+              <a:t>，告诉我们对分布的极端观察有多广泛的分布。中位数和众数分别为</a:t>
+            </a:r>
+            <a:r>
+              <a:rPr lang="en-US" altLang="zh-CN" dirty="0"/>
+              <a:t>8.98</a:t>
+            </a:r>
+            <a:r>
+              <a:rPr lang="zh-CN" altLang="en-US" dirty="0"/>
+              <a:t>和</a:t>
+            </a:r>
+            <a:r>
+              <a:rPr lang="en-US" altLang="zh-CN" dirty="0"/>
+              <a:t>10</a:t>
+            </a:r>
+            <a:r>
+              <a:rPr lang="zh-CN" altLang="en-US" dirty="0"/>
+              <a:t>，这意味着大多数学生的最低评分为</a:t>
+            </a:r>
+            <a:r>
+              <a:rPr lang="en-US" altLang="zh-CN" dirty="0"/>
+              <a:t>8</a:t>
+            </a:r>
+            <a:r>
+              <a:rPr lang="zh-CN" altLang="en-US" dirty="0"/>
+              <a:t>。标准差为</a:t>
+            </a:r>
+            <a:r>
+              <a:rPr lang="en-US" altLang="zh-CN" dirty="0"/>
+              <a:t>1.36</a:t>
+            </a:r>
+            <a:r>
+              <a:rPr lang="zh-CN" altLang="en-US" dirty="0"/>
+              <a:t>，这表明大多数评分非常接近平均值。</a:t>
+            </a:r>
+            <a:endParaRPr lang="en-US" altLang="en-US" sz="1800" dirty="0">
+              <a:solidFill>
+                <a:schemeClr val="tx1"/>
+              </a:solidFill>
+              <a:latin typeface="Arial" panose="020B0604020202020204" pitchFamily="34" charset="0"/>
+            </a:endParaRPr>
+          </a:p>
+        </p:txBody>
+      </p:sp>
+      <p:sp>
+        <p:nvSpPr>
+          <p:cNvPr id="55" name="Shape 55"/>
+          <p:cNvSpPr txBox="1">
+            <a:spLocks noGrp="1"/>
+          </p:cNvSpPr>
+          <p:nvPr>
+            <p:ph type="title"/>
+          </p:nvPr>
+        </p:nvSpPr>
+        <p:spPr>
+          <a:xfrm>
+            <a:off x="0" y="0"/>
+            <a:ext cx="9144000" cy="795600"/>
+          </a:xfrm>
+          <a:prstGeom prst="rect">
+            <a:avLst/>
+          </a:prstGeom>
+          <a:solidFill>
+            <a:srgbClr val="073763"/>
+          </a:solidFill>
+        </p:spPr>
+        <p:txBody>
+          <a:bodyPr wrap="square" lIns="91425" tIns="91425" rIns="91425" bIns="91425" anchor="ctr" anchorCtr="0">
+            <a:noAutofit/>
+          </a:bodyPr>
+          <a:lstStyle/>
+          <a:p>
+            <a:pPr lvl="0" rtl="0">
+              <a:spcBef>
+                <a:spcPts val="0"/>
+              </a:spcBef>
+              <a:buNone/>
+            </a:pPr>
+            <a:r>
+              <a:rPr lang="zh-CN" altLang="en" dirty="0">
+                <a:solidFill>
+                  <a:srgbClr val="FFFFFF"/>
+                </a:solidFill>
+                <a:latin typeface="Open Sans"/>
+                <a:ea typeface="Open Sans"/>
+                <a:cs typeface="Open Sans"/>
+                <a:sym typeface="Open Sans"/>
+              </a:rPr>
+              <a:t>学员</a:t>
+            </a:r>
+            <a:r>
+              <a:rPr lang="zh-CN" altLang="en-US" dirty="0">
+                <a:solidFill>
+                  <a:srgbClr val="FFFFFF"/>
+                </a:solidFill>
+                <a:latin typeface="Open Sans"/>
+                <a:ea typeface="Open Sans"/>
+                <a:cs typeface="Open Sans"/>
+                <a:sym typeface="Open Sans"/>
+              </a:rPr>
+              <a:t>对</a:t>
+            </a:r>
+            <a:r>
+              <a:rPr lang="en-US" altLang="zh-CN" dirty="0">
+                <a:solidFill>
+                  <a:srgbClr val="FFFFFF"/>
+                </a:solidFill>
+                <a:latin typeface="Open Sans"/>
+                <a:ea typeface="Open Sans"/>
+                <a:cs typeface="Open Sans"/>
+                <a:sym typeface="Open Sans"/>
+              </a:rPr>
+              <a:t>Udacity</a:t>
+            </a:r>
+            <a:r>
+              <a:rPr lang="zh-CN" altLang="en-US" dirty="0">
+                <a:solidFill>
+                  <a:srgbClr val="FFFFFF"/>
+                </a:solidFill>
+                <a:latin typeface="Open Sans"/>
+                <a:ea typeface="Open Sans"/>
+                <a:cs typeface="Open Sans"/>
+                <a:sym typeface="Open Sans"/>
+              </a:rPr>
+              <a:t>课程的满意度如何？</a:t>
+            </a:r>
+            <a:endParaRPr lang="en" dirty="0">
+              <a:solidFill>
+                <a:srgbClr val="FFFFFF"/>
+              </a:solidFill>
+              <a:latin typeface="Open Sans"/>
+              <a:ea typeface="Open Sans"/>
+              <a:cs typeface="Open Sans"/>
+              <a:sym typeface="Open Sans"/>
+            </a:endParaRPr>
+          </a:p>
+        </p:txBody>
+      </p:sp>
+      <p:graphicFrame>
+        <p:nvGraphicFramePr>
+          <p:cNvPr id="7" name="Chart 6">
+            <a:extLst>
+              <a:ext uri="{FF2B5EF4-FFF2-40B4-BE49-F238E27FC236}">
+                <a16:creationId xmlns:a16="http://schemas.microsoft.com/office/drawing/2014/main" id="{9A962DF8-CBF1-2E41-9189-BFBF5195AC72}"/>
+              </a:ext>
+            </a:extLst>
+          </p:cNvPr>
+          <p:cNvGraphicFramePr>
+            <a:graphicFrameLocks/>
+          </p:cNvGraphicFramePr>
+          <p:nvPr>
+            <p:extLst>
+              <p:ext uri="{D42A27DB-BD31-4B8C-83A1-F6EECF244321}">
+                <p14:modId xmlns:p14="http://schemas.microsoft.com/office/powerpoint/2010/main" val="636675758"/>
+              </p:ext>
+            </p:extLst>
+          </p:nvPr>
+        </p:nvGraphicFramePr>
+        <p:xfrm>
+          <a:off x="381663" y="1140046"/>
+          <a:ext cx="4748121" cy="2554129"/>
+        </p:xfrm>
+        <a:graphic>
+          <a:graphicData uri="http://schemas.openxmlformats.org/drawingml/2006/chart">
+            <c:chart xmlns:c="http://schemas.openxmlformats.org/drawingml/2006/chart" xmlns:r="http://schemas.openxmlformats.org/officeDocument/2006/relationships" r:id="rId3"/>
+          </a:graphicData>
+        </a:graphic>
+      </p:graphicFrame>
+      <p:graphicFrame>
+        <p:nvGraphicFramePr>
+          <p:cNvPr id="10" name="Table 9">
+            <a:extLst>
+              <a:ext uri="{FF2B5EF4-FFF2-40B4-BE49-F238E27FC236}">
+                <a16:creationId xmlns:a16="http://schemas.microsoft.com/office/drawing/2014/main" id="{AAF7F0B1-1533-8E45-9471-6954136F82D6}"/>
+              </a:ext>
+            </a:extLst>
+          </p:cNvPr>
+          <p:cNvGraphicFramePr>
+            <a:graphicFrameLocks noGrp="1"/>
+          </p:cNvGraphicFramePr>
+          <p:nvPr>
+            <p:extLst>
+              <p:ext uri="{D42A27DB-BD31-4B8C-83A1-F6EECF244321}">
+                <p14:modId xmlns:p14="http://schemas.microsoft.com/office/powerpoint/2010/main" val="3280234631"/>
+              </p:ext>
+            </p:extLst>
+          </p:nvPr>
+        </p:nvGraphicFramePr>
+        <p:xfrm>
+          <a:off x="5404103" y="1249530"/>
+          <a:ext cx="3358233" cy="2242114"/>
+        </p:xfrm>
+        <a:graphic>
+          <a:graphicData uri="http://schemas.openxmlformats.org/drawingml/2006/table">
+            <a:tbl>
+              <a:tblPr>
+                <a:tableStyleId>{EED877B6-9551-4359-846F-FAFF3EFF04A8}</a:tableStyleId>
+              </a:tblPr>
+              <a:tblGrid>
+                <a:gridCol w="2049627">
+                  <a:extLst>
+                    <a:ext uri="{9D8B030D-6E8A-4147-A177-3AD203B41FA5}">
+                      <a16:colId xmlns:a16="http://schemas.microsoft.com/office/drawing/2014/main" val="3484349832"/>
+                    </a:ext>
+                  </a:extLst>
+                </a:gridCol>
+                <a:gridCol w="1308606">
+                  <a:extLst>
+                    <a:ext uri="{9D8B030D-6E8A-4147-A177-3AD203B41FA5}">
+                      <a16:colId xmlns:a16="http://schemas.microsoft.com/office/drawing/2014/main" val="3162676370"/>
+                    </a:ext>
+                  </a:extLst>
+                </a:gridCol>
+              </a:tblGrid>
+              <a:tr h="320302">
+                <a:tc>
+                  <a:txBody>
+                    <a:bodyPr/>
+                    <a:lstStyle/>
+                    <a:p>
+                      <a:pPr algn="ctr" fontAlgn="b"/>
+                      <a:r>
+                        <a:rPr lang="en-US" altLang="zh-CN" sz="1400" u="none" strike="noStrike" dirty="0">
+                          <a:solidFill>
+                            <a:schemeClr val="bg1"/>
+                          </a:solidFill>
+                          <a:effectLst/>
+                        </a:rPr>
+                        <a:t>Type</a:t>
+                      </a:r>
+                      <a:endParaRPr lang="en-US" sz="1400" b="1" i="0" u="none" strike="noStrike" dirty="0">
+                        <a:solidFill>
+                          <a:schemeClr val="bg1"/>
+                        </a:solidFill>
+                        <a:effectLst/>
+                        <a:latin typeface="Arial" panose="020B0604020202020204" pitchFamily="34" charset="0"/>
+                      </a:endParaRPr>
+                    </a:p>
+                  </a:txBody>
+                  <a:tcPr marL="9525" marR="9525" marT="9525" marB="0" anchor="ctr">
+                    <a:solidFill>
+                      <a:srgbClr val="083763"/>
+                    </a:solidFill>
+                  </a:tcPr>
+                </a:tc>
+                <a:tc>
+                  <a:txBody>
+                    <a:bodyPr/>
+                    <a:lstStyle/>
+                    <a:p>
+                      <a:pPr algn="ctr" fontAlgn="b"/>
+                      <a:r>
+                        <a:rPr lang="en-US" altLang="zh-CN" sz="1400" u="none" strike="noStrike" dirty="0">
+                          <a:solidFill>
+                            <a:schemeClr val="bg1"/>
+                          </a:solidFill>
+                          <a:effectLst/>
+                        </a:rPr>
+                        <a:t>Value</a:t>
+                      </a:r>
+                      <a:endParaRPr lang="en-US" sz="1400" b="1" i="0" u="none" strike="noStrike" dirty="0">
+                        <a:solidFill>
+                          <a:schemeClr val="bg1"/>
+                        </a:solidFill>
+                        <a:effectLst/>
+                        <a:latin typeface="Arial" panose="020B0604020202020204" pitchFamily="34" charset="0"/>
+                      </a:endParaRPr>
+                    </a:p>
+                  </a:txBody>
+                  <a:tcPr marL="9525" marR="9525" marT="9525" marB="0" anchor="ctr">
+                    <a:solidFill>
+                      <a:srgbClr val="083763"/>
+                    </a:solidFill>
+                  </a:tcPr>
+                </a:tc>
+                <a:extLst>
+                  <a:ext uri="{0D108BD9-81ED-4DB2-BD59-A6C34878D82A}">
+                    <a16:rowId xmlns:a16="http://schemas.microsoft.com/office/drawing/2014/main" val="1483731418"/>
+                  </a:ext>
+                </a:extLst>
+              </a:tr>
+              <a:tr h="320302">
+                <a:tc>
+                  <a:txBody>
+                    <a:bodyPr/>
+                    <a:lstStyle/>
+                    <a:p>
+                      <a:pPr algn="ctr"/>
+                      <a:r>
+                        <a:rPr lang="en-US" sz="1400" dirty="0">
+                          <a:effectLst/>
+                          <a:latin typeface="1" panose="020B0606030504020204" pitchFamily="34" charset="0"/>
+                        </a:rPr>
+                        <a:t>Min </a:t>
+                      </a:r>
+                      <a:endParaRPr lang="en-US" dirty="0">
+                        <a:effectLst/>
+                      </a:endParaRPr>
+                    </a:p>
+                  </a:txBody>
+                  <a:tcPr anchor="ctr"/>
+                </a:tc>
+                <a:tc>
+                  <a:txBody>
+                    <a:bodyPr/>
+                    <a:lstStyle/>
+                    <a:p>
+                      <a:pPr algn="ctr"/>
+                      <a:r>
+                        <a:rPr lang="en-US" sz="1400">
+                          <a:effectLst/>
+                          <a:latin typeface="1" panose="020B0606030504020204" pitchFamily="34" charset="0"/>
+                        </a:rPr>
+                        <a:t>0 </a:t>
+                      </a:r>
+                      <a:endParaRPr lang="en-US">
+                        <a:effectLst/>
+                      </a:endParaRPr>
+                    </a:p>
+                  </a:txBody>
+                  <a:tcPr anchor="ctr"/>
+                </a:tc>
+                <a:extLst>
+                  <a:ext uri="{0D108BD9-81ED-4DB2-BD59-A6C34878D82A}">
+                    <a16:rowId xmlns:a16="http://schemas.microsoft.com/office/drawing/2014/main" val="3389353129"/>
+                  </a:ext>
+                </a:extLst>
+              </a:tr>
+              <a:tr h="320302">
+                <a:tc>
+                  <a:txBody>
+                    <a:bodyPr/>
+                    <a:lstStyle/>
+                    <a:p>
+                      <a:pPr algn="ctr"/>
+                      <a:r>
+                        <a:rPr lang="en-US" sz="1400">
+                          <a:effectLst/>
+                          <a:latin typeface="1" panose="020B0606030504020204" pitchFamily="34" charset="0"/>
+                        </a:rPr>
+                        <a:t>Max </a:t>
+                      </a:r>
+                      <a:endParaRPr lang="en-US">
+                        <a:effectLst/>
+                      </a:endParaRPr>
+                    </a:p>
+                  </a:txBody>
+                  <a:tcPr anchor="ctr"/>
+                </a:tc>
+                <a:tc>
+                  <a:txBody>
+                    <a:bodyPr/>
+                    <a:lstStyle/>
+                    <a:p>
+                      <a:pPr algn="ctr"/>
+                      <a:r>
+                        <a:rPr lang="en-US" sz="1400">
+                          <a:effectLst/>
+                          <a:latin typeface="1" panose="020B0606030504020204" pitchFamily="34" charset="0"/>
+                        </a:rPr>
+                        <a:t>10 </a:t>
+                      </a:r>
+                      <a:endParaRPr lang="en-US">
+                        <a:effectLst/>
+                      </a:endParaRPr>
+                    </a:p>
+                  </a:txBody>
+                  <a:tcPr anchor="ctr"/>
+                </a:tc>
+                <a:extLst>
+                  <a:ext uri="{0D108BD9-81ED-4DB2-BD59-A6C34878D82A}">
+                    <a16:rowId xmlns:a16="http://schemas.microsoft.com/office/drawing/2014/main" val="2539315151"/>
+                  </a:ext>
+                </a:extLst>
+              </a:tr>
+              <a:tr h="320302">
+                <a:tc>
+                  <a:txBody>
+                    <a:bodyPr/>
+                    <a:lstStyle/>
+                    <a:p>
+                      <a:pPr algn="ctr"/>
+                      <a:r>
+                        <a:rPr lang="en-US" sz="1400">
+                          <a:effectLst/>
+                          <a:latin typeface="1" panose="020B0606030504020204" pitchFamily="34" charset="0"/>
+                        </a:rPr>
+                        <a:t>Mean </a:t>
+                      </a:r>
+                      <a:endParaRPr lang="en-US">
+                        <a:effectLst/>
+                      </a:endParaRPr>
+                    </a:p>
+                  </a:txBody>
+                  <a:tcPr anchor="ctr"/>
+                </a:tc>
+                <a:tc>
+                  <a:txBody>
+                    <a:bodyPr/>
+                    <a:lstStyle/>
+                    <a:p>
+                      <a:pPr algn="ctr"/>
+                      <a:r>
+                        <a:rPr lang="en-US" sz="1400">
+                          <a:effectLst/>
+                          <a:latin typeface="1" panose="020B0606030504020204" pitchFamily="34" charset="0"/>
+                        </a:rPr>
+                        <a:t>8.98 </a:t>
+                      </a:r>
+                      <a:endParaRPr lang="en-US">
+                        <a:effectLst/>
+                      </a:endParaRPr>
+                    </a:p>
+                  </a:txBody>
+                  <a:tcPr anchor="ctr"/>
+                </a:tc>
+                <a:extLst>
+                  <a:ext uri="{0D108BD9-81ED-4DB2-BD59-A6C34878D82A}">
+                    <a16:rowId xmlns:a16="http://schemas.microsoft.com/office/drawing/2014/main" val="2399035171"/>
+                  </a:ext>
+                </a:extLst>
+              </a:tr>
+              <a:tr h="320302">
+                <a:tc>
+                  <a:txBody>
+                    <a:bodyPr/>
+                    <a:lstStyle/>
+                    <a:p>
+                      <a:pPr algn="ctr"/>
+                      <a:r>
+                        <a:rPr lang="en-US" sz="1400">
+                          <a:effectLst/>
+                          <a:latin typeface="1" panose="020B0606030504020204" pitchFamily="34" charset="0"/>
+                        </a:rPr>
+                        <a:t>Median </a:t>
+                      </a:r>
+                      <a:endParaRPr lang="en-US">
+                        <a:effectLst/>
+                      </a:endParaRPr>
+                    </a:p>
+                  </a:txBody>
+                  <a:tcPr anchor="ctr"/>
+                </a:tc>
+                <a:tc>
+                  <a:txBody>
+                    <a:bodyPr/>
+                    <a:lstStyle/>
+                    <a:p>
+                      <a:pPr algn="ctr"/>
+                      <a:r>
+                        <a:rPr lang="en-US" sz="1400">
+                          <a:effectLst/>
+                          <a:latin typeface="1" panose="020B0606030504020204" pitchFamily="34" charset="0"/>
+                        </a:rPr>
+                        <a:t>10 </a:t>
+                      </a:r>
+                      <a:endParaRPr lang="en-US">
+                        <a:effectLst/>
+                      </a:endParaRPr>
+                    </a:p>
+                  </a:txBody>
+                  <a:tcPr anchor="ctr"/>
+                </a:tc>
+                <a:extLst>
+                  <a:ext uri="{0D108BD9-81ED-4DB2-BD59-A6C34878D82A}">
+                    <a16:rowId xmlns:a16="http://schemas.microsoft.com/office/drawing/2014/main" val="1493389434"/>
+                  </a:ext>
+                </a:extLst>
+              </a:tr>
+              <a:tr h="320302">
+                <a:tc>
+                  <a:txBody>
+                    <a:bodyPr/>
+                    <a:lstStyle/>
+                    <a:p>
+                      <a:pPr algn="ctr"/>
+                      <a:r>
+                        <a:rPr lang="en-US" sz="1400">
+                          <a:effectLst/>
+                          <a:latin typeface="1" panose="020B0606030504020204" pitchFamily="34" charset="0"/>
+                        </a:rPr>
+                        <a:t>Mode </a:t>
+                      </a:r>
+                      <a:endParaRPr lang="en-US">
+                        <a:effectLst/>
+                      </a:endParaRPr>
+                    </a:p>
+                  </a:txBody>
+                  <a:tcPr anchor="ctr"/>
+                </a:tc>
+                <a:tc>
+                  <a:txBody>
+                    <a:bodyPr/>
+                    <a:lstStyle/>
+                    <a:p>
+                      <a:pPr algn="ctr"/>
+                      <a:r>
+                        <a:rPr lang="en-US" sz="1400" dirty="0">
+                          <a:effectLst/>
+                          <a:latin typeface="1" panose="020B0606030504020204" pitchFamily="34" charset="0"/>
+                        </a:rPr>
+                        <a:t>10 </a:t>
+                      </a:r>
+                      <a:endParaRPr lang="en-US" dirty="0">
+                        <a:effectLst/>
+                      </a:endParaRPr>
+                    </a:p>
+                  </a:txBody>
+                  <a:tcPr anchor="ctr"/>
+                </a:tc>
+                <a:extLst>
+                  <a:ext uri="{0D108BD9-81ED-4DB2-BD59-A6C34878D82A}">
+                    <a16:rowId xmlns:a16="http://schemas.microsoft.com/office/drawing/2014/main" val="2987297157"/>
+                  </a:ext>
+                </a:extLst>
+              </a:tr>
+              <a:tr h="320302">
+                <a:tc>
+                  <a:txBody>
+                    <a:bodyPr/>
+                    <a:lstStyle/>
+                    <a:p>
+                      <a:pPr algn="ctr"/>
+                      <a:r>
+                        <a:rPr lang="en-US" sz="1400">
+                          <a:effectLst/>
+                          <a:latin typeface="1" panose="020B0606030504020204" pitchFamily="34" charset="0"/>
+                        </a:rPr>
+                        <a:t>Standard Deviation </a:t>
+                      </a:r>
+                      <a:endParaRPr lang="en-US">
+                        <a:effectLst/>
+                      </a:endParaRPr>
+                    </a:p>
+                  </a:txBody>
+                  <a:tcPr anchor="ctr"/>
+                </a:tc>
+                <a:tc>
+                  <a:txBody>
+                    <a:bodyPr/>
+                    <a:lstStyle/>
+                    <a:p>
+                      <a:pPr algn="ctr"/>
+                      <a:r>
+                        <a:rPr lang="en-US" sz="1400" dirty="0">
+                          <a:effectLst/>
+                          <a:latin typeface="1" panose="020B0606030504020204" pitchFamily="34" charset="0"/>
+                        </a:rPr>
+                        <a:t>1.36 </a:t>
+                      </a:r>
+                      <a:endParaRPr lang="en-US" dirty="0">
+                        <a:effectLst/>
+                      </a:endParaRPr>
+                    </a:p>
+                  </a:txBody>
+                  <a:tcPr anchor="ctr"/>
+                </a:tc>
+                <a:extLst>
+                  <a:ext uri="{0D108BD9-81ED-4DB2-BD59-A6C34878D82A}">
+                    <a16:rowId xmlns:a16="http://schemas.microsoft.com/office/drawing/2014/main" val="2037262163"/>
+                  </a:ext>
+                </a:extLst>
+              </a:tr>
+            </a:tbl>
+          </a:graphicData>
+        </a:graphic>
+      </p:graphicFrame>
+    </p:spTree>
+    <p:extLst>
+      <p:ext uri="{BB962C8B-B14F-4D97-AF65-F5344CB8AC3E}">
+        <p14:creationId xmlns:p14="http://schemas.microsoft.com/office/powerpoint/2010/main" val="3076351754"/>
+      </p:ext>
+    </p:extLst>
+  </p:cSld>
+  <p:clrMapOvr>
+    <a:masterClrMapping/>
+  </p:clrMapOvr>
+</p:sld>
+</file>
+
 <file path=ppt/theme/theme1.xml><?xml version="1.0" encoding="utf-8"?>
-<a:theme xmlns:a="http://schemas.openxmlformats.org/drawingml/2006/main" xmlns:r="http://schemas.openxmlformats.org/officeDocument/2006/relationships" name="Custom Theme">
+<a:theme xmlns:a="http://schemas.openxmlformats.org/drawingml/2006/main" name="Simple Light">
+  <a:themeElements>
+    <a:clrScheme name="Simple Light">
+      <a:dk1>
+        <a:srgbClr val="000000"/>
+      </a:dk1>
+      <a:lt1>
+        <a:srgbClr val="FFFFFF"/>
+      </a:lt1>
+      <a:dk2>
+        <a:srgbClr val="595959"/>
+      </a:dk2>
+      <a:lt2>
+        <a:srgbClr val="EEEEEE"/>
+      </a:lt2>
+      <a:accent1>
+        <a:srgbClr val="FFAB40"/>
+      </a:accent1>
+      <a:accent2>
+        <a:srgbClr val="212121"/>
+      </a:accent2>
+      <a:accent3>
+        <a:srgbClr val="78909C"/>
+      </a:accent3>
+      <a:accent4>
+        <a:srgbClr val="FFAB40"/>
+      </a:accent4>
+      <a:accent5>
+        <a:srgbClr val="0097A7"/>
+      </a:accent5>
+      <a:accent6>
+        <a:srgbClr val="EEFF41"/>
+      </a:accent6>
+      <a:hlink>
+        <a:srgbClr val="0097A7"/>
+      </a:hlink>
+      <a:folHlink>
+        <a:srgbClr val="0097A7"/>
+      </a:folHlink>
+    </a:clrScheme>
+    <a:fontScheme name="Office">
+      <a:majorFont>
+        <a:latin typeface="Arial"/>
+        <a:ea typeface=""/>
+        <a:cs typeface=""/>
+        <a:font script="Jpan" typeface="ＭＳ Ｐゴシック"/>
+        <a:font script="Hang" typeface="맑은 고딕"/>
+        <a:font script="Hans" typeface="宋体"/>
+        <a:font script="Hant" typeface="新細明體"/>
+        <a:font script="Arab" typeface="Times New Roman"/>
+        <a:font script="Hebr" typeface="Times New Roman"/>
+        <a:font script="Thai" typeface="Angsana New"/>
+        <a:font script="Ethi" typeface="Nyala"/>
+        <a:font script="Beng" typeface="Vrinda"/>
+        <a:font script="Gujr" typeface="Shruti"/>
+        <a:font script="Khmr" typeface="MoolBoran"/>
+        <a:font script="Knda" typeface="Tunga"/>
+        <a:font script="Guru" typeface="Raavi"/>
+        <a:font script="Cans" typeface="Euphemia"/>
+        <a:font script="Cher" typeface="Plantagenet Cherokee"/>
+        <a:font script="Yiii" typeface="Microsoft Yi Baiti"/>
+        <a:font script="Tibt" typeface="Microsoft Himalaya"/>
+        <a:font script="Thaa" typeface="MV Boli"/>
+        <a:font script="Deva" typeface="Mangal"/>
+        <a:font script="Telu" typeface="Gautami"/>
+        <a:font script="Taml" typeface="Latha"/>
+        <a:font script="Syrc" typeface="Estrangelo Edessa"/>
+        <a:font script="Orya" typeface="Kalinga"/>
+        <a:font script="Mlym" typeface="Kartika"/>
+        <a:font script="Laoo" typeface="DokChampa"/>
+        <a:font script="Sinh" typeface="Iskoola Pota"/>
+        <a:font script="Mong" typeface="Mongolian Baiti"/>
+        <a:font script="Viet" typeface="Times New Roman"/>
+        <a:font script="Uigh" typeface="Microsoft Uighur"/>
+        <a:font script="Geor" typeface="Sylfaen"/>
+      </a:majorFont>
+      <a:minorFont>
+        <a:latin typeface="Arial"/>
+        <a:ea typeface=""/>
+        <a:cs typeface=""/>
+        <a:font script="Jpan" typeface="ＭＳ Ｐゴシック"/>
+        <a:font script="Hang" typeface="맑은 고딕"/>
+        <a:font script="Hans" typeface="宋体"/>
+        <a:font script="Hant" typeface="新細明體"/>
+        <a:font script="Arab" typeface="Arial"/>
+        <a:font script="Hebr" typeface="Arial"/>
+        <a:font script="Thai" typeface="Cordia New"/>
+        <a:font script="Ethi" typeface="Nyala"/>
+        <a:font script="Beng" typeface="Vrinda"/>
+        <a:font script="Gujr" typeface="Shruti"/>
+        <a:font script="Khmr" typeface="DaunPenh"/>
+        <a:font script="Knda" typeface="Tunga"/>
+        <a:font script="Guru" typeface="Raavi"/>
+        <a:font script="Cans" typeface="Euphemia"/>
+        <a:font script="Cher" typeface="Plantagenet Cherokee"/>
+        <a:font script="Yiii" typeface="Microsoft Yi Baiti"/>
+        <a:font script="Tibt" typeface="Microsoft Himalaya"/>
+        <a:font script="Thaa" typeface="MV Boli"/>
+        <a:font script="Deva" typeface="Mangal"/>
+        <a:font script="Telu" typeface="Gautami"/>
+        <a:font script="Taml" typeface="Latha"/>
+        <a:font script="Syrc" typeface="Estrangelo Edessa"/>
+        <a:font script="Orya" typeface="Kalinga"/>
+        <a:font script="Mlym" typeface="Kartika"/>
+        <a:font script="Laoo" typeface="DokChampa"/>
+        <a:font script="Sinh" typeface="Iskoola Pota"/>
+        <a:font script="Mong" typeface="Mongolian Baiti"/>
+        <a:font script="Viet" typeface="Arial"/>
+        <a:font script="Uigh" typeface="Microsoft Uighur"/>
+        <a:font script="Geor" typeface="Sylfaen"/>
+      </a:minorFont>
+    </a:fontScheme>
+    <a:fmtScheme name="Office">
+      <a:fillStyleLst>
+        <a:solidFill>
+          <a:schemeClr val="phClr"/>
+        </a:solidFill>
+        <a:gradFill rotWithShape="1">
+          <a:gsLst>
+            <a:gs pos="0">
+              <a:schemeClr val="phClr">
+                <a:tint val="50000"/>
+                <a:satMod val="300000"/>
+              </a:schemeClr>
+            </a:gs>
+            <a:gs pos="35000">
+              <a:schemeClr val="phClr">
+                <a:tint val="37000"/>
+                <a:satMod val="300000"/>
+              </a:schemeClr>
+            </a:gs>
+            <a:gs pos="100000">
+              <a:schemeClr val="phClr">
+                <a:tint val="15000"/>
+                <a:satMod val="350000"/>
+              </a:schemeClr>
+            </a:gs>
+          </a:gsLst>
+          <a:lin ang="16200000" scaled="1"/>
+        </a:gradFill>
+        <a:gradFill rotWithShape="1">
+          <a:gsLst>
+            <a:gs pos="0">
+              <a:schemeClr val="phClr">
+                <a:tint val="100000"/>
+                <a:shade val="100000"/>
+                <a:satMod val="130000"/>
+              </a:schemeClr>
+            </a:gs>
+            <a:gs pos="100000">
+              <a:schemeClr val="phClr">
+                <a:tint val="50000"/>
+                <a:shade val="100000"/>
+                <a:satMod val="350000"/>
+              </a:schemeClr>
+            </a:gs>
+          </a:gsLst>
+          <a:lin ang="16200000" scaled="0"/>
+        </a:gradFill>
+      </a:fillStyleLst>
+      <a:lnStyleLst>
+        <a:ln w="9525" cap="flat" cmpd="sng" algn="ctr">
+          <a:solidFill>
+            <a:schemeClr val="phClr">
+              <a:shade val="95000"/>
+              <a:satMod val="105000"/>
+            </a:schemeClr>
+          </a:solidFill>
+          <a:prstDash val="solid"/>
+        </a:ln>
+        <a:ln w="25400" cap="flat" cmpd="sng" algn="ctr">
+          <a:solidFill>
+            <a:schemeClr val="phClr"/>
+          </a:solidFill>
+          <a:prstDash val="solid"/>
+        </a:ln>
+        <a:ln w="38100" cap="flat" cmpd="sng" algn="ctr">
+          <a:solidFill>
+            <a:schemeClr val="phClr"/>
+          </a:solidFill>
+          <a:prstDash val="solid"/>
+        </a:ln>
+      </a:lnStyleLst>
+      <a:effectStyleLst>
+        <a:effectStyle>
+          <a:effectLst>
+            <a:outerShdw blurRad="40000" dist="20000" dir="5400000" rotWithShape="0">
+              <a:srgbClr val="000000">
+                <a:alpha val="38000"/>
+              </a:srgbClr>
+            </a:outerShdw>
+          </a:effectLst>
+        </a:effectStyle>
+        <a:effectStyle>
+          <a:effectLst>
+            <a:outerShdw blurRad="40000" dist="23000" dir="5400000" rotWithShape="0">
+              <a:srgbClr val="000000">
+                <a:alpha val="35000"/>
+              </a:srgbClr>
+            </a:outerShdw>
+          </a:effectLst>
+        </a:effectStyle>
+        <a:effectStyle>
+          <a:effectLst>
+            <a:outerShdw blurRad="40000" dist="23000" dir="5400000" rotWithShape="0">
+              <a:srgbClr val="000000">
+                <a:alpha val="35000"/>
+              </a:srgbClr>
+            </a:outerShdw>
+          </a:effectLst>
+          <a:scene3d>
+            <a:camera prst="orthographicFront">
+              <a:rot lat="0" lon="0" rev="0"/>
+            </a:camera>
+            <a:lightRig rig="threePt" dir="t">
+              <a:rot lat="0" lon="0" rev="1200000"/>
+            </a:lightRig>
+          </a:scene3d>
+          <a:sp3d>
+            <a:bevelT w="63500" h="25400"/>
+          </a:sp3d>
+        </a:effectStyle>
+      </a:effectStyleLst>
+      <a:bgFillStyleLst>
+        <a:solidFill>
+          <a:schemeClr val="phClr"/>
+        </a:solidFill>
+        <a:gradFill rotWithShape="1">
+          <a:gsLst>
+            <a:gs pos="0">
+              <a:schemeClr val="phClr">
+                <a:tint val="40000"/>
+                <a:satMod val="350000"/>
+              </a:schemeClr>
+            </a:gs>
+            <a:gs pos="40000">
+              <a:schemeClr val="phClr">
+                <a:tint val="45000"/>
+                <a:shade val="99000"/>
+                <a:satMod val="350000"/>
+              </a:schemeClr>
+            </a:gs>
+            <a:gs pos="100000">
+              <a:schemeClr val="phClr">
+                <a:shade val="20000"/>
+                <a:satMod val="255000"/>
+              </a:schemeClr>
+            </a:gs>
+          </a:gsLst>
+          <a:path path="circle">
+            <a:fillToRect l="50000" t="-80000" r="50000" b="180000"/>
+          </a:path>
+        </a:gradFill>
+        <a:gradFill rotWithShape="1">
+          <a:gsLst>
+            <a:gs pos="0">
+              <a:schemeClr val="phClr">
+                <a:tint val="80000"/>
+                <a:satMod val="300000"/>
+              </a:schemeClr>
+            </a:gs>
+            <a:gs pos="100000">
+              <a:schemeClr val="phClr">
+                <a:shade val="30000"/>
+                <a:satMod val="200000"/>
+              </a:schemeClr>
+            </a:gs>
+          </a:gsLst>
+          <a:path path="circle">
+            <a:fillToRect l="50000" t="50000" r="50000" b="50000"/>
+          </a:path>
+        </a:gradFill>
+      </a:bgFillStyleLst>
+    </a:fmtScheme>
+  </a:themeElements>
+  <a:objectDefaults/>
+  <a:extraClrSchemeLst/>
+</a:theme>
+</file>
+
+<file path=ppt/theme/theme2.xml><?xml version="1.0" encoding="utf-8"?>
+<a:theme xmlns:a="http://schemas.openxmlformats.org/drawingml/2006/main" name="Custom Theme">
   <a:themeElements>
     <a:clrScheme name="Default">
       <a:dk1>
@@ -4567,284 +8969,7 @@
       </a:bgFillStyleLst>
     </a:fmtScheme>
   </a:themeElements>
-</a:theme>
-</file>
-
-<file path=ppt/theme/theme2.xml><?xml version="1.0" encoding="utf-8"?>
-<a:theme xmlns:a="http://schemas.openxmlformats.org/drawingml/2006/main" xmlns:r="http://schemas.openxmlformats.org/officeDocument/2006/relationships" name="Simple Light">
-  <a:themeElements>
-    <a:clrScheme name="Simple Light">
-      <a:dk1>
-        <a:srgbClr val="000000"/>
-      </a:dk1>
-      <a:lt1>
-        <a:srgbClr val="FFFFFF"/>
-      </a:lt1>
-      <a:dk2>
-        <a:srgbClr val="595959"/>
-      </a:dk2>
-      <a:lt2>
-        <a:srgbClr val="EEEEEE"/>
-      </a:lt2>
-      <a:accent1>
-        <a:srgbClr val="FFAB40"/>
-      </a:accent1>
-      <a:accent2>
-        <a:srgbClr val="212121"/>
-      </a:accent2>
-      <a:accent3>
-        <a:srgbClr val="78909C"/>
-      </a:accent3>
-      <a:accent4>
-        <a:srgbClr val="FFAB40"/>
-      </a:accent4>
-      <a:accent5>
-        <a:srgbClr val="0097A7"/>
-      </a:accent5>
-      <a:accent6>
-        <a:srgbClr val="EEFF41"/>
-      </a:accent6>
-      <a:hlink>
-        <a:srgbClr val="0097A7"/>
-      </a:hlink>
-      <a:folHlink>
-        <a:srgbClr val="0097A7"/>
-      </a:folHlink>
-    </a:clrScheme>
-    <a:fontScheme name="Office">
-      <a:majorFont>
-        <a:latin typeface="Arial"/>
-        <a:ea typeface=""/>
-        <a:cs typeface=""/>
-        <a:font script="Jpan" typeface="ＭＳ Ｐゴシック"/>
-        <a:font script="Hang" typeface="맑은 고딕"/>
-        <a:font script="Hans" typeface="宋体"/>
-        <a:font script="Hant" typeface="新細明體"/>
-        <a:font script="Arab" typeface="Times New Roman"/>
-        <a:font script="Hebr" typeface="Times New Roman"/>
-        <a:font script="Thai" typeface="Angsana New"/>
-        <a:font script="Ethi" typeface="Nyala"/>
-        <a:font script="Beng" typeface="Vrinda"/>
-        <a:font script="Gujr" typeface="Shruti"/>
-        <a:font script="Khmr" typeface="MoolBoran"/>
-        <a:font script="Knda" typeface="Tunga"/>
-        <a:font script="Guru" typeface="Raavi"/>
-        <a:font script="Cans" typeface="Euphemia"/>
-        <a:font script="Cher" typeface="Plantagenet Cherokee"/>
-        <a:font script="Yiii" typeface="Microsoft Yi Baiti"/>
-        <a:font script="Tibt" typeface="Microsoft Himalaya"/>
-        <a:font script="Thaa" typeface="MV Boli"/>
-        <a:font script="Deva" typeface="Mangal"/>
-        <a:font script="Telu" typeface="Gautami"/>
-        <a:font script="Taml" typeface="Latha"/>
-        <a:font script="Syrc" typeface="Estrangelo Edessa"/>
-        <a:font script="Orya" typeface="Kalinga"/>
-        <a:font script="Mlym" typeface="Kartika"/>
-        <a:font script="Laoo" typeface="DokChampa"/>
-        <a:font script="Sinh" typeface="Iskoola Pota"/>
-        <a:font script="Mong" typeface="Mongolian Baiti"/>
-        <a:font script="Viet" typeface="Times New Roman"/>
-        <a:font script="Uigh" typeface="Microsoft Uighur"/>
-        <a:font script="Geor" typeface="Sylfaen"/>
-      </a:majorFont>
-      <a:minorFont>
-        <a:latin typeface="Arial"/>
-        <a:ea typeface=""/>
-        <a:cs typeface=""/>
-        <a:font script="Jpan" typeface="ＭＳ Ｐゴシック"/>
-        <a:font script="Hang" typeface="맑은 고딕"/>
-        <a:font script="Hans" typeface="宋体"/>
-        <a:font script="Hant" typeface="新細明體"/>
-        <a:font script="Arab" typeface="Arial"/>
-        <a:font script="Hebr" typeface="Arial"/>
-        <a:font script="Thai" typeface="Cordia New"/>
-        <a:font script="Ethi" typeface="Nyala"/>
-        <a:font script="Beng" typeface="Vrinda"/>
-        <a:font script="Gujr" typeface="Shruti"/>
-        <a:font script="Khmr" typeface="DaunPenh"/>
-        <a:font script="Knda" typeface="Tunga"/>
-        <a:font script="Guru" typeface="Raavi"/>
-        <a:font script="Cans" typeface="Euphemia"/>
-        <a:font script="Cher" typeface="Plantagenet Cherokee"/>
-        <a:font script="Yiii" typeface="Microsoft Yi Baiti"/>
-        <a:font script="Tibt" typeface="Microsoft Himalaya"/>
-        <a:font script="Thaa" typeface="MV Boli"/>
-        <a:font script="Deva" typeface="Mangal"/>
-        <a:font script="Telu" typeface="Gautami"/>
-        <a:font script="Taml" typeface="Latha"/>
-        <a:font script="Syrc" typeface="Estrangelo Edessa"/>
-        <a:font script="Orya" typeface="Kalinga"/>
-        <a:font script="Mlym" typeface="Kartika"/>
-        <a:font script="Laoo" typeface="DokChampa"/>
-        <a:font script="Sinh" typeface="Iskoola Pota"/>
-        <a:font script="Mong" typeface="Mongolian Baiti"/>
-        <a:font script="Viet" typeface="Arial"/>
-        <a:font script="Uigh" typeface="Microsoft Uighur"/>
-        <a:font script="Geor" typeface="Sylfaen"/>
-      </a:minorFont>
-    </a:fontScheme>
-    <a:fmtScheme name="Office">
-      <a:fillStyleLst>
-        <a:solidFill>
-          <a:schemeClr val="phClr"/>
-        </a:solidFill>
-        <a:gradFill rotWithShape="1">
-          <a:gsLst>
-            <a:gs pos="0">
-              <a:schemeClr val="phClr">
-                <a:tint val="50000"/>
-                <a:satMod val="300000"/>
-              </a:schemeClr>
-            </a:gs>
-            <a:gs pos="35000">
-              <a:schemeClr val="phClr">
-                <a:tint val="37000"/>
-                <a:satMod val="300000"/>
-              </a:schemeClr>
-            </a:gs>
-            <a:gs pos="100000">
-              <a:schemeClr val="phClr">
-                <a:tint val="15000"/>
-                <a:satMod val="350000"/>
-              </a:schemeClr>
-            </a:gs>
-          </a:gsLst>
-          <a:lin ang="16200000" scaled="1"/>
-        </a:gradFill>
-        <a:gradFill rotWithShape="1">
-          <a:gsLst>
-            <a:gs pos="0">
-              <a:schemeClr val="phClr">
-                <a:tint val="100000"/>
-                <a:shade val="100000"/>
-                <a:satMod val="130000"/>
-              </a:schemeClr>
-            </a:gs>
-            <a:gs pos="100000">
-              <a:schemeClr val="phClr">
-                <a:tint val="50000"/>
-                <a:shade val="100000"/>
-                <a:satMod val="350000"/>
-              </a:schemeClr>
-            </a:gs>
-          </a:gsLst>
-          <a:lin ang="16200000" scaled="0"/>
-        </a:gradFill>
-      </a:fillStyleLst>
-      <a:lnStyleLst>
-        <a:ln w="9525" cap="flat" cmpd="sng" algn="ctr">
-          <a:solidFill>
-            <a:schemeClr val="phClr">
-              <a:shade val="95000"/>
-              <a:satMod val="105000"/>
-            </a:schemeClr>
-          </a:solidFill>
-          <a:prstDash val="solid"/>
-        </a:ln>
-        <a:ln w="25400" cap="flat" cmpd="sng" algn="ctr">
-          <a:solidFill>
-            <a:schemeClr val="phClr"/>
-          </a:solidFill>
-          <a:prstDash val="solid"/>
-        </a:ln>
-        <a:ln w="38100" cap="flat" cmpd="sng" algn="ctr">
-          <a:solidFill>
-            <a:schemeClr val="phClr"/>
-          </a:solidFill>
-          <a:prstDash val="solid"/>
-        </a:ln>
-      </a:lnStyleLst>
-      <a:effectStyleLst>
-        <a:effectStyle>
-          <a:effectLst>
-            <a:outerShdw blurRad="40000" dist="20000" dir="5400000" rotWithShape="0">
-              <a:srgbClr val="000000">
-                <a:alpha val="38000"/>
-              </a:srgbClr>
-            </a:outerShdw>
-          </a:effectLst>
-        </a:effectStyle>
-        <a:effectStyle>
-          <a:effectLst>
-            <a:outerShdw blurRad="40000" dist="23000" dir="5400000" rotWithShape="0">
-              <a:srgbClr val="000000">
-                <a:alpha val="35000"/>
-              </a:srgbClr>
-            </a:outerShdw>
-          </a:effectLst>
-        </a:effectStyle>
-        <a:effectStyle>
-          <a:effectLst>
-            <a:outerShdw blurRad="40000" dist="23000" dir="5400000" rotWithShape="0">
-              <a:srgbClr val="000000">
-                <a:alpha val="35000"/>
-              </a:srgbClr>
-            </a:outerShdw>
-          </a:effectLst>
-          <a:scene3d>
-            <a:camera prst="orthographicFront">
-              <a:rot lat="0" lon="0" rev="0"/>
-            </a:camera>
-            <a:lightRig rig="threePt" dir="t">
-              <a:rot lat="0" lon="0" rev="1200000"/>
-            </a:lightRig>
-          </a:scene3d>
-          <a:sp3d>
-            <a:bevelT w="63500" h="25400"/>
-          </a:sp3d>
-        </a:effectStyle>
-      </a:effectStyleLst>
-      <a:bgFillStyleLst>
-        <a:solidFill>
-          <a:schemeClr val="phClr"/>
-        </a:solidFill>
-        <a:gradFill rotWithShape="1">
-          <a:gsLst>
-            <a:gs pos="0">
-              <a:schemeClr val="phClr">
-                <a:tint val="40000"/>
-                <a:satMod val="350000"/>
-              </a:schemeClr>
-            </a:gs>
-            <a:gs pos="40000">
-              <a:schemeClr val="phClr">
-                <a:tint val="45000"/>
-                <a:shade val="99000"/>
-                <a:satMod val="350000"/>
-              </a:schemeClr>
-            </a:gs>
-            <a:gs pos="100000">
-              <a:schemeClr val="phClr">
-                <a:shade val="20000"/>
-                <a:satMod val="255000"/>
-              </a:schemeClr>
-            </a:gs>
-          </a:gsLst>
-          <a:path path="circle">
-            <a:fillToRect l="50000" t="-80000" r="50000" b="180000"/>
-          </a:path>
-        </a:gradFill>
-        <a:gradFill rotWithShape="1">
-          <a:gsLst>
-            <a:gs pos="0">
-              <a:schemeClr val="phClr">
-                <a:tint val="80000"/>
-                <a:satMod val="300000"/>
-              </a:schemeClr>
-            </a:gs>
-            <a:gs pos="100000">
-              <a:schemeClr val="phClr">
-                <a:shade val="30000"/>
-                <a:satMod val="200000"/>
-              </a:schemeClr>
-            </a:gs>
-          </a:gsLst>
-          <a:path path="circle">
-            <a:fillToRect l="50000" t="50000" r="50000" b="50000"/>
-          </a:path>
-        </a:gradFill>
-      </a:bgFillStyleLst>
-    </a:fmtScheme>
-  </a:themeElements>
+  <a:objectDefaults/>
+  <a:extraClrSchemeLst/>
 </a:theme>
 </file>
--- a/BAND-survey-project-submission.pptx
+++ b/BAND-survey-project-submission.pptx
@@ -5,27 +5,18 @@
     <p:sldMasterId id="2147483659" r:id="rId1"/>
   </p:sldMasterIdLst>
   <p:notesMasterIdLst>
-    <p:notesMasterId r:id="rId4"/>
+    <p:notesMasterId r:id="rId5"/>
   </p:notesMasterIdLst>
   <p:sldIdLst>
     <p:sldId id="256" r:id="rId2"/>
     <p:sldId id="257" r:id="rId3"/>
+    <p:sldId id="258" r:id="rId4"/>
   </p:sldIdLst>
   <p:sldSz cx="9144000" cy="5143500" type="screen16x9"/>
   <p:notesSz cx="6858000" cy="9144000"/>
-  <p:embeddedFontLst>
-    <p:embeddedFont>
-      <p:font typeface="1" panose="020B0606030504020204" pitchFamily="34" charset="0"/>
-      <p:regular r:id="rId5"/>
-    </p:embeddedFont>
-    <p:embeddedFont>
-      <p:font typeface="Open Sans" panose="020B0606030504020204" pitchFamily="34" charset="0"/>
-      <p:regular r:id="rId6"/>
-      <p:bold r:id="rId7"/>
-      <p:italic r:id="rId8"/>
-      <p:boldItalic r:id="rId9"/>
-    </p:embeddedFont>
-  </p:embeddedFontLst>
+  <p:custDataLst>
+    <p:tags r:id="rId6"/>
+  </p:custDataLst>
   <p:defaultTextStyle>
     <a:defPPr marR="0" lvl="0" algn="l" rtl="0">
       <a:lnSpc>
@@ -228,6 +219,11 @@
       </a:defRPr>
     </a:lvl9pPr>
   </p:defaultTextStyle>
+  <p:extLst>
+    <p:ext uri="{EFAFB233-063F-42B5-8137-9DF3F51BA10A}">
+      <p15:sldGuideLst xmlns:p15="http://schemas.microsoft.com/office/powerpoint/2012/main"/>
+    </p:ext>
+  </p:extLst>
 </p:presentation>
 </file>
 
@@ -265,33 +261,34 @@
                 </a:solidFill>
                 <a:latin typeface="+mn-lt"/>
                 <a:ea typeface="+mn-ea"/>
-                <a:cs typeface="+mn-cs"/>
+                <a:cs typeface="+mn-ea"/>
+                <a:sym typeface="+mn-lt"/>
               </a:defRPr>
             </a:pPr>
             <a:r>
-              <a:rPr lang="en-US" altLang="zh-CN" dirty="0"/>
+              <a:rPr lang="en-US"/>
               <a:t>Students</a:t>
             </a:r>
             <a:r>
-              <a:rPr lang="zh-CN" altLang="en-US" dirty="0"/>
+              <a:rPr lang="zh-CN"/>
               <a:t> </a:t>
             </a:r>
             <a:r>
-              <a:rPr lang="en-US" altLang="zh-CN" dirty="0"/>
+              <a:rPr lang="en-US"/>
               <a:t>Degree</a:t>
             </a:r>
             <a:r>
-              <a:rPr lang="zh-CN" altLang="en-US" dirty="0"/>
+              <a:rPr lang="zh-CN"/>
               <a:t> </a:t>
             </a:r>
             <a:r>
-              <a:rPr lang="en-US" altLang="zh-CN" dirty="0"/>
+              <a:rPr lang="en-US"/>
               <a:t>Overview</a:t>
             </a:r>
-            <a:endParaRPr lang="en-US" dirty="0"/>
           </a:p>
         </c:rich>
       </c:tx>
+      <c:layout/>
       <c:overlay val="0"/>
       <c:spPr>
         <a:noFill/>
@@ -314,7 +311,8 @@
               </a:solidFill>
               <a:latin typeface="+mn-lt"/>
               <a:ea typeface="+mn-ea"/>
-              <a:cs typeface="+mn-cs"/>
+              <a:cs typeface="+mn-ea"/>
+              <a:sym typeface="+mn-lt"/>
             </a:defRPr>
           </a:pPr>
           <a:endParaRPr lang="en-US"/>
@@ -382,6 +380,7 @@
                   <a:latin typeface="+mn-lt"/>
                   <a:ea typeface="+mn-ea"/>
                   <a:cs typeface="+mn-cs"/>
+                  <a:sym typeface="+mn-lt"/>
                 </a:defRPr>
               </a:pPr>
               <a:endParaRPr lang="en-US"/>
@@ -525,6 +524,7 @@
                   <a:latin typeface="+mn-lt"/>
                   <a:ea typeface="+mn-ea"/>
                   <a:cs typeface="+mn-cs"/>
+                  <a:sym typeface="+mn-lt"/>
                 </a:defRPr>
               </a:pPr>
               <a:endParaRPr lang="en-US"/>
@@ -668,6 +668,7 @@
                   <a:latin typeface="+mn-lt"/>
                   <a:ea typeface="+mn-ea"/>
                   <a:cs typeface="+mn-cs"/>
+                  <a:sym typeface="+mn-lt"/>
                 </a:defRPr>
               </a:pPr>
               <a:endParaRPr lang="en-US"/>
@@ -917,9 +918,7 @@
               <a:effectLst/>
             </c:spPr>
             <c:txPr>
-              <a:bodyPr rot="0" spcFirstLastPara="1" vertOverflow="ellipsis" vert="horz" wrap="square" lIns="38100" tIns="19050" rIns="38100" bIns="19050" anchor="ctr" anchorCtr="1">
-                <a:spAutoFit/>
-              </a:bodyPr>
+              <a:bodyPr rot="0" spcFirstLastPara="1" vertOverflow="ellipsis" vert="horz" wrap="square" anchor="ctr" anchorCtr="1"/>
               <a:lstStyle/>
               <a:p>
                 <a:pPr>
@@ -932,7 +931,8 @@
                     </a:solidFill>
                     <a:latin typeface="+mn-lt"/>
                     <a:ea typeface="+mn-ea"/>
-                    <a:cs typeface="+mn-cs"/>
+                    <a:cs typeface="+mn-ea"/>
+                    <a:sym typeface="+mn-lt"/>
                   </a:defRPr>
                 </a:pPr>
                 <a:endParaRPr lang="en-US"/>
@@ -961,7 +961,9 @@
               </c:spPr>
             </c:leaderLines>
             <c:extLst>
-              <c:ext xmlns:c15="http://schemas.microsoft.com/office/drawing/2012/chart" uri="{CE6537A1-D6FC-4f65-9D91-7224C49458BB}"/>
+              <c:ext xmlns:c15="http://schemas.microsoft.com/office/drawing/2012/chart" uri="{CE6537A1-D6FC-4f65-9D91-7224C49458BB}">
+                <c15:layout/>
+              </c:ext>
             </c:extLst>
           </c:dLbls>
           <c:cat>
@@ -1044,6 +1046,7 @@
     </c:plotArea>
     <c:legend>
       <c:legendPos val="r"/>
+      <c:layout/>
       <c:overlay val="0"/>
       <c:spPr>
         <a:noFill/>
@@ -1066,7 +1069,8 @@
               </a:solidFill>
               <a:latin typeface="+mn-lt"/>
               <a:ea typeface="+mn-ea"/>
-              <a:cs typeface="+mn-cs"/>
+              <a:cs typeface="+mn-ea"/>
+              <a:sym typeface="+mn-lt"/>
             </a:defRPr>
           </a:pPr>
           <a:endParaRPr lang="en-US"/>
@@ -1089,7 +1093,12 @@
     <a:lstStyle/>
     <a:p>
       <a:pPr>
-        <a:defRPr/>
+        <a:defRPr>
+          <a:latin typeface="+mn-lt"/>
+          <a:ea typeface="+mn-ea"/>
+          <a:cs typeface="+mn-ea"/>
+          <a:sym typeface="+mn-lt"/>
+        </a:defRPr>
       </a:pPr>
       <a:endParaRPr lang="en-US"/>
     </a:p>
@@ -1150,49 +1159,50 @@
                 </a:solidFill>
                 <a:latin typeface="+mn-lt"/>
                 <a:ea typeface="+mn-ea"/>
-                <a:cs typeface="+mn-cs"/>
+                <a:cs typeface="+mn-ea"/>
+                <a:sym typeface="+mn-lt"/>
               </a:defRPr>
             </a:pPr>
             <a:r>
-              <a:rPr lang="en-US" altLang="zh-CN" dirty="0"/>
+              <a:rPr lang="en-US"/>
               <a:t>Number</a:t>
             </a:r>
             <a:r>
-              <a:rPr lang="zh-CN" altLang="en-US" baseline="0" dirty="0"/>
+              <a:rPr lang="zh-CN"/>
               <a:t> </a:t>
             </a:r>
             <a:r>
-              <a:rPr lang="en-US" altLang="zh-CN" baseline="0" dirty="0"/>
+              <a:rPr lang="en-US"/>
               <a:t>of</a:t>
             </a:r>
             <a:r>
-              <a:rPr lang="zh-CN" altLang="en-US" baseline="0" dirty="0"/>
+              <a:rPr lang="zh-CN"/>
               <a:t> </a:t>
             </a:r>
             <a:r>
-              <a:rPr lang="en-US" altLang="zh-CN" baseline="0" dirty="0"/>
+              <a:rPr lang="en-US"/>
               <a:t>Students</a:t>
             </a:r>
             <a:r>
-              <a:rPr lang="zh-CN" altLang="en-US" baseline="0" dirty="0"/>
+              <a:rPr lang="zh-CN"/>
               <a:t> </a:t>
             </a:r>
             <a:r>
-              <a:rPr lang="en-US" altLang="zh-CN" baseline="0" dirty="0"/>
+              <a:rPr lang="en-US"/>
               <a:t>per</a:t>
             </a:r>
             <a:r>
-              <a:rPr lang="zh-CN" altLang="en-US" baseline="0" dirty="0"/>
+              <a:rPr lang="zh-CN"/>
               <a:t> </a:t>
             </a:r>
             <a:r>
-              <a:rPr lang="en-US" altLang="zh-CN" baseline="0" dirty="0"/>
+              <a:rPr lang="en-US"/>
               <a:t>Rating</a:t>
             </a:r>
-            <a:endParaRPr lang="en-US" dirty="0"/>
           </a:p>
         </c:rich>
       </c:tx>
+      <c:layout/>
       <c:overlay val="0"/>
       <c:spPr>
         <a:noFill/>
@@ -1215,7 +1225,8 @@
               </a:solidFill>
               <a:latin typeface="+mn-lt"/>
               <a:ea typeface="+mn-ea"/>
-              <a:cs typeface="+mn-cs"/>
+              <a:cs typeface="+mn-ea"/>
+              <a:sym typeface="+mn-lt"/>
             </a:defRPr>
           </a:pPr>
           <a:endParaRPr lang="en-US"/>
@@ -1264,6 +1275,7 @@
                   <a:latin typeface="+mn-lt"/>
                   <a:ea typeface="+mn-ea"/>
                   <a:cs typeface="+mn-cs"/>
+                  <a:sym typeface="+mn-lt"/>
                 </a:defRPr>
               </a:pPr>
               <a:endParaRPr lang="en-US"/>
@@ -1320,6 +1332,7 @@
                   <a:latin typeface="+mn-lt"/>
                   <a:ea typeface="+mn-ea"/>
                   <a:cs typeface="+mn-cs"/>
+                  <a:sym typeface="+mn-lt"/>
                 </a:defRPr>
               </a:pPr>
               <a:endParaRPr lang="en-US"/>
@@ -1376,6 +1389,7 @@
                   <a:latin typeface="+mn-lt"/>
                   <a:ea typeface="+mn-ea"/>
                   <a:cs typeface="+mn-cs"/>
+                  <a:sym typeface="+mn-lt"/>
                 </a:defRPr>
               </a:pPr>
               <a:endParaRPr lang="en-US"/>
@@ -1432,9 +1446,7 @@
               <a:effectLst/>
             </c:spPr>
             <c:txPr>
-              <a:bodyPr rot="0" spcFirstLastPara="1" vertOverflow="ellipsis" vert="horz" wrap="square" lIns="38100" tIns="19050" rIns="38100" bIns="19050" anchor="ctr" anchorCtr="1">
-                <a:spAutoFit/>
-              </a:bodyPr>
+              <a:bodyPr rot="0" spcFirstLastPara="1" vertOverflow="ellipsis" vert="horz" wrap="square" anchor="ctr" anchorCtr="1"/>
               <a:lstStyle/>
               <a:p>
                 <a:pPr>
@@ -1447,7 +1459,8 @@
                     </a:solidFill>
                     <a:latin typeface="+mn-lt"/>
                     <a:ea typeface="+mn-ea"/>
-                    <a:cs typeface="+mn-cs"/>
+                    <a:cs typeface="+mn-ea"/>
+                    <a:sym typeface="+mn-lt"/>
                   </a:defRPr>
                 </a:pPr>
                 <a:endParaRPr lang="en-US"/>
@@ -1463,6 +1476,7 @@
             <c:showLeaderLines val="0"/>
             <c:extLst>
               <c:ext xmlns:c15="http://schemas.microsoft.com/office/drawing/2012/chart" uri="{CE6537A1-D6FC-4f65-9D91-7224C49458BB}">
+                <c15:layout/>
                 <c15:showLeaderLines val="1"/>
                 <c15:leaderLines>
                   <c:spPr>
@@ -1595,17 +1609,18 @@
                     </a:solidFill>
                     <a:latin typeface="+mn-lt"/>
                     <a:ea typeface="+mn-ea"/>
-                    <a:cs typeface="+mn-cs"/>
+                    <a:cs typeface="+mn-ea"/>
+                    <a:sym typeface="+mn-lt"/>
                   </a:defRPr>
                 </a:pPr>
                 <a:r>
-                  <a:rPr lang="en-US" altLang="zh-CN" dirty="0"/>
+                  <a:rPr lang="en-US"/>
                   <a:t>Rating</a:t>
                 </a:r>
-                <a:endParaRPr lang="en-US" dirty="0"/>
               </a:p>
             </c:rich>
           </c:tx>
+          <c:layout/>
           <c:overlay val="0"/>
           <c:spPr>
             <a:noFill/>
@@ -1628,7 +1643,8 @@
                   </a:solidFill>
                   <a:latin typeface="+mn-lt"/>
                   <a:ea typeface="+mn-ea"/>
-                  <a:cs typeface="+mn-cs"/>
+                  <a:cs typeface="+mn-ea"/>
+                  <a:sym typeface="+mn-lt"/>
                 </a:defRPr>
               </a:pPr>
               <a:endParaRPr lang="en-US"/>
@@ -1666,7 +1682,8 @@
                 </a:solidFill>
                 <a:latin typeface="+mn-lt"/>
                 <a:ea typeface="+mn-ea"/>
-                <a:cs typeface="+mn-cs"/>
+                <a:cs typeface="+mn-ea"/>
+                <a:sym typeface="+mn-lt"/>
               </a:defRPr>
             </a:pPr>
             <a:endParaRPr lang="en-US"/>
@@ -1716,33 +1733,34 @@
                     </a:solidFill>
                     <a:latin typeface="+mn-lt"/>
                     <a:ea typeface="+mn-ea"/>
-                    <a:cs typeface="+mn-cs"/>
+                    <a:cs typeface="+mn-ea"/>
+                    <a:sym typeface="+mn-lt"/>
                   </a:defRPr>
                 </a:pPr>
                 <a:r>
-                  <a:rPr lang="en-US" altLang="zh-CN" dirty="0"/>
+                  <a:rPr lang="en-US"/>
                   <a:t>Number</a:t>
                 </a:r>
                 <a:r>
-                  <a:rPr lang="zh-CN" altLang="en-US" baseline="0" dirty="0"/>
+                  <a:rPr lang="zh-CN"/>
                   <a:t> </a:t>
                 </a:r>
                 <a:r>
-                  <a:rPr lang="en-US" altLang="zh-CN" baseline="0" dirty="0"/>
+                  <a:rPr lang="en-US"/>
                   <a:t>of</a:t>
                 </a:r>
                 <a:r>
-                  <a:rPr lang="zh-CN" altLang="en-US" baseline="0" dirty="0"/>
+                  <a:rPr lang="zh-CN"/>
                   <a:t> </a:t>
                 </a:r>
                 <a:r>
-                  <a:rPr lang="en-US" altLang="zh-CN" baseline="0" dirty="0"/>
+                  <a:rPr lang="en-US"/>
                   <a:t>Students</a:t>
                 </a:r>
-                <a:endParaRPr lang="en-US" dirty="0"/>
               </a:p>
             </c:rich>
           </c:tx>
+          <c:layout/>
           <c:overlay val="0"/>
           <c:spPr>
             <a:noFill/>
@@ -1765,7 +1783,8 @@
                   </a:solidFill>
                   <a:latin typeface="+mn-lt"/>
                   <a:ea typeface="+mn-ea"/>
-                  <a:cs typeface="+mn-cs"/>
+                  <a:cs typeface="+mn-ea"/>
+                  <a:sym typeface="+mn-lt"/>
                 </a:defRPr>
               </a:pPr>
               <a:endParaRPr lang="en-US"/>
@@ -1797,7 +1816,8 @@
                 </a:solidFill>
                 <a:latin typeface="+mn-lt"/>
                 <a:ea typeface="+mn-ea"/>
-                <a:cs typeface="+mn-cs"/>
+                <a:cs typeface="+mn-ea"/>
+                <a:sym typeface="+mn-lt"/>
               </a:defRPr>
             </a:pPr>
             <a:endParaRPr lang="en-US"/>
@@ -1817,6 +1837,7 @@
     </c:plotArea>
     <c:plotVisOnly val="1"/>
     <c:dispBlanksAs val="gap"/>
+    <c:showDLblsOverMax val="0"/>
     <c:extLst>
       <c:ext xmlns:c16r3="http://schemas.microsoft.com/office/drawing/2017/03/chart" uri="{56B9EC1D-385E-4148-901F-78D8002777C0}">
         <c16r3:dataDisplayOptions16>
@@ -1824,7 +1845,6 @@
         </c16r3:dataDisplayOptions16>
       </c:ext>
     </c:extLst>
-    <c:showDLblsOverMax val="0"/>
   </c:chart>
   <c:spPr>
     <a:noFill/>
@@ -1838,7 +1858,12 @@
     <a:lstStyle/>
     <a:p>
       <a:pPr>
-        <a:defRPr/>
+        <a:defRPr>
+          <a:latin typeface="+mn-lt"/>
+          <a:ea typeface="+mn-ea"/>
+          <a:cs typeface="+mn-ea"/>
+          <a:sym typeface="+mn-lt"/>
+        </a:defRPr>
       </a:pPr>
       <a:endParaRPr lang="en-US"/>
     </a:p>
@@ -1862,6 +1887,923 @@
     </c:ext>
   </c:extLst>
 </c:chartSpace>
+</file>
+
+<file path=ppt/charts/chartEx1.xml><?xml version="1.0" encoding="utf-8"?>
+<cx:chartSpace xmlns:a="http://schemas.openxmlformats.org/drawingml/2006/main" xmlns:r="http://schemas.openxmlformats.org/officeDocument/2006/relationships" xmlns:cx="http://schemas.microsoft.com/office/drawing/2014/chartex">
+  <cx:chartData>
+    <cx:externalData r:id="rId1" cx:autoUpdate="0"/>
+    <cx:data id="0">
+      <cx:numDim type="val">
+        <cx:f>'employment and sleeping time'!$G$2:$G$615</cx:f>
+        <cx:lvl ptCount="614" formatCode="General">
+          <cx:pt idx="0">6</cx:pt>
+          <cx:pt idx="1">8</cx:pt>
+          <cx:pt idx="2">6</cx:pt>
+          <cx:pt idx="3">8</cx:pt>
+          <cx:pt idx="4">7</cx:pt>
+          <cx:pt idx="5">7</cx:pt>
+          <cx:pt idx="6">6</cx:pt>
+          <cx:pt idx="7">8</cx:pt>
+          <cx:pt idx="8">9</cx:pt>
+          <cx:pt idx="9">7</cx:pt>
+          <cx:pt idx="10">7</cx:pt>
+          <cx:pt idx="11">8</cx:pt>
+          <cx:pt idx="12">8</cx:pt>
+          <cx:pt idx="13">1</cx:pt>
+          <cx:pt idx="14">8</cx:pt>
+          <cx:pt idx="15">7</cx:pt>
+          <cx:pt idx="16">7</cx:pt>
+          <cx:pt idx="17">10</cx:pt>
+          <cx:pt idx="18">4</cx:pt>
+          <cx:pt idx="19">9</cx:pt>
+          <cx:pt idx="20">7</cx:pt>
+          <cx:pt idx="21">7</cx:pt>
+          <cx:pt idx="22">8</cx:pt>
+          <cx:pt idx="23">8</cx:pt>
+          <cx:pt idx="24">7</cx:pt>
+          <cx:pt idx="25">7</cx:pt>
+          <cx:pt idx="26">7</cx:pt>
+          <cx:pt idx="27">8</cx:pt>
+          <cx:pt idx="28">6</cx:pt>
+          <cx:pt idx="29">5</cx:pt>
+          <cx:pt idx="30">7</cx:pt>
+          <cx:pt idx="31">7</cx:pt>
+          <cx:pt idx="32">8</cx:pt>
+          <cx:pt idx="33">6</cx:pt>
+          <cx:pt idx="34">8</cx:pt>
+          <cx:pt idx="35">6</cx:pt>
+          <cx:pt idx="36">10</cx:pt>
+          <cx:pt idx="37">8</cx:pt>
+          <cx:pt idx="38">8</cx:pt>
+          <cx:pt idx="39">8</cx:pt>
+          <cx:pt idx="40">6</cx:pt>
+          <cx:pt idx="41">8</cx:pt>
+          <cx:pt idx="42">7</cx:pt>
+          <cx:pt idx="43">7</cx:pt>
+          <cx:pt idx="44">8</cx:pt>
+          <cx:pt idx="45">8</cx:pt>
+          <cx:pt idx="46">7</cx:pt>
+          <cx:pt idx="47">6</cx:pt>
+          <cx:pt idx="48">7</cx:pt>
+          <cx:pt idx="49">5</cx:pt>
+          <cx:pt idx="50">7</cx:pt>
+          <cx:pt idx="51">8</cx:pt>
+          <cx:pt idx="52">8</cx:pt>
+          <cx:pt idx="53">6</cx:pt>
+          <cx:pt idx="54">7</cx:pt>
+          <cx:pt idx="55">7</cx:pt>
+          <cx:pt idx="56">6</cx:pt>
+          <cx:pt idx="57">7</cx:pt>
+          <cx:pt idx="58">6</cx:pt>
+          <cx:pt idx="59">8</cx:pt>
+          <cx:pt idx="60">7</cx:pt>
+          <cx:pt idx="61">5</cx:pt>
+          <cx:pt idx="62">4</cx:pt>
+          <cx:pt idx="63">5</cx:pt>
+          <cx:pt idx="64">8</cx:pt>
+          <cx:pt idx="65">8</cx:pt>
+          <cx:pt idx="66">7</cx:pt>
+          <cx:pt idx="67">7</cx:pt>
+          <cx:pt idx="68">8</cx:pt>
+          <cx:pt idx="69">8</cx:pt>
+          <cx:pt idx="70">7</cx:pt>
+          <cx:pt idx="71">7</cx:pt>
+          <cx:pt idx="72">7</cx:pt>
+          <cx:pt idx="73">7</cx:pt>
+          <cx:pt idx="74">6</cx:pt>
+          <cx:pt idx="75">7</cx:pt>
+          <cx:pt idx="76">8</cx:pt>
+          <cx:pt idx="77">8</cx:pt>
+          <cx:pt idx="78">7</cx:pt>
+          <cx:pt idx="79">8</cx:pt>
+          <cx:pt idx="80">7</cx:pt>
+          <cx:pt idx="81">7</cx:pt>
+          <cx:pt idx="82">8</cx:pt>
+          <cx:pt idx="83">6</cx:pt>
+          <cx:pt idx="84">7</cx:pt>
+          <cx:pt idx="85">4</cx:pt>
+          <cx:pt idx="86">7</cx:pt>
+          <cx:pt idx="87">8</cx:pt>
+          <cx:pt idx="88">8</cx:pt>
+          <cx:pt idx="89">8</cx:pt>
+          <cx:pt idx="90">7</cx:pt>
+          <cx:pt idx="91">6</cx:pt>
+          <cx:pt idx="92">7</cx:pt>
+          <cx:pt idx="93">7</cx:pt>
+          <cx:pt idx="94">6</cx:pt>
+          <cx:pt idx="95">9</cx:pt>
+          <cx:pt idx="96">7</cx:pt>
+          <cx:pt idx="97">7</cx:pt>
+          <cx:pt idx="98">7</cx:pt>
+          <cx:pt idx="99">8</cx:pt>
+          <cx:pt idx="100">7</cx:pt>
+          <cx:pt idx="101">7</cx:pt>
+          <cx:pt idx="102">6</cx:pt>
+          <cx:pt idx="103">6</cx:pt>
+          <cx:pt idx="104">7</cx:pt>
+          <cx:pt idx="105">8</cx:pt>
+          <cx:pt idx="106">7</cx:pt>
+          <cx:pt idx="107">8</cx:pt>
+          <cx:pt idx="108">8</cx:pt>
+          <cx:pt idx="109">8</cx:pt>
+          <cx:pt idx="110">7</cx:pt>
+          <cx:pt idx="111">4</cx:pt>
+          <cx:pt idx="112">6</cx:pt>
+          <cx:pt idx="113">7</cx:pt>
+          <cx:pt idx="114">8</cx:pt>
+          <cx:pt idx="115">7</cx:pt>
+          <cx:pt idx="116">7</cx:pt>
+          <cx:pt idx="117">7</cx:pt>
+          <cx:pt idx="118">6</cx:pt>
+          <cx:pt idx="119">7</cx:pt>
+          <cx:pt idx="120">10</cx:pt>
+          <cx:pt idx="121">5</cx:pt>
+          <cx:pt idx="122">8</cx:pt>
+          <cx:pt idx="123">6</cx:pt>
+          <cx:pt idx="124">7</cx:pt>
+          <cx:pt idx="125">7</cx:pt>
+          <cx:pt idx="126">8</cx:pt>
+          <cx:pt idx="127">8</cx:pt>
+          <cx:pt idx="128">10</cx:pt>
+          <cx:pt idx="129">8</cx:pt>
+          <cx:pt idx="130">8</cx:pt>
+          <cx:pt idx="131">6</cx:pt>
+          <cx:pt idx="132">7</cx:pt>
+        </cx:lvl>
+      </cx:numDim>
+    </cx:data>
+    <cx:data id="1">
+      <cx:numDim type="val">
+        <cx:f>'employment and sleeping time'!$H$2:$H$615</cx:f>
+        <cx:lvl ptCount="614" formatCode="General">
+          <cx:pt idx="0">7</cx:pt>
+          <cx:pt idx="1">7</cx:pt>
+          <cx:pt idx="2">8</cx:pt>
+          <cx:pt idx="3">6</cx:pt>
+          <cx:pt idx="4">8</cx:pt>
+          <cx:pt idx="5">8</cx:pt>
+          <cx:pt idx="6">7</cx:pt>
+          <cx:pt idx="7">8</cx:pt>
+          <cx:pt idx="8">7</cx:pt>
+          <cx:pt idx="9">8</cx:pt>
+          <cx:pt idx="10">6</cx:pt>
+          <cx:pt idx="11">8</cx:pt>
+          <cx:pt idx="12">8</cx:pt>
+          <cx:pt idx="13">8</cx:pt>
+          <cx:pt idx="14">6</cx:pt>
+          <cx:pt idx="15">7</cx:pt>
+          <cx:pt idx="16">7</cx:pt>
+          <cx:pt idx="17">8</cx:pt>
+          <cx:pt idx="18">7</cx:pt>
+          <cx:pt idx="19">6</cx:pt>
+          <cx:pt idx="20">6</cx:pt>
+          <cx:pt idx="21">7</cx:pt>
+          <cx:pt idx="22">8</cx:pt>
+          <cx:pt idx="23">7</cx:pt>
+          <cx:pt idx="24">7</cx:pt>
+          <cx:pt idx="25">6</cx:pt>
+          <cx:pt idx="26">7</cx:pt>
+          <cx:pt idx="27">6</cx:pt>
+          <cx:pt idx="28">6</cx:pt>
+          <cx:pt idx="29">8</cx:pt>
+          <cx:pt idx="30">6</cx:pt>
+          <cx:pt idx="31">6</cx:pt>
+          <cx:pt idx="32">7</cx:pt>
+          <cx:pt idx="33">8</cx:pt>
+          <cx:pt idx="34">8</cx:pt>
+          <cx:pt idx="35">6</cx:pt>
+          <cx:pt idx="36">7</cx:pt>
+          <cx:pt idx="37">8</cx:pt>
+          <cx:pt idx="38">7</cx:pt>
+          <cx:pt idx="39">7</cx:pt>
+          <cx:pt idx="40">6</cx:pt>
+          <cx:pt idx="41">7</cx:pt>
+          <cx:pt idx="42">6</cx:pt>
+          <cx:pt idx="43">7</cx:pt>
+          <cx:pt idx="44">7</cx:pt>
+          <cx:pt idx="45">8</cx:pt>
+          <cx:pt idx="46">7</cx:pt>
+          <cx:pt idx="47">7</cx:pt>
+          <cx:pt idx="48">6</cx:pt>
+          <cx:pt idx="49">7</cx:pt>
+          <cx:pt idx="50">7</cx:pt>
+          <cx:pt idx="51">8</cx:pt>
+          <cx:pt idx="52">8</cx:pt>
+          <cx:pt idx="53">7</cx:pt>
+          <cx:pt idx="54">8</cx:pt>
+          <cx:pt idx="55">8</cx:pt>
+          <cx:pt idx="56">8</cx:pt>
+          <cx:pt idx="57">7</cx:pt>
+          <cx:pt idx="58">8</cx:pt>
+          <cx:pt idx="59">7</cx:pt>
+          <cx:pt idx="60">7</cx:pt>
+          <cx:pt idx="61">6</cx:pt>
+          <cx:pt idx="62">6</cx:pt>
+          <cx:pt idx="63">7</cx:pt>
+          <cx:pt idx="64">7</cx:pt>
+          <cx:pt idx="65">9</cx:pt>
+          <cx:pt idx="66">8</cx:pt>
+          <cx:pt idx="67">8</cx:pt>
+          <cx:pt idx="68">7</cx:pt>
+          <cx:pt idx="69">7</cx:pt>
+          <cx:pt idx="70">7</cx:pt>
+          <cx:pt idx="71">7</cx:pt>
+          <cx:pt idx="72">8</cx:pt>
+          <cx:pt idx="73">7</cx:pt>
+          <cx:pt idx="74">7</cx:pt>
+          <cx:pt idx="75">8</cx:pt>
+          <cx:pt idx="76">7</cx:pt>
+          <cx:pt idx="77">6</cx:pt>
+          <cx:pt idx="78">8</cx:pt>
+          <cx:pt idx="79">6</cx:pt>
+          <cx:pt idx="80">7</cx:pt>
+          <cx:pt idx="81">8</cx:pt>
+          <cx:pt idx="82">8</cx:pt>
+          <cx:pt idx="83">7</cx:pt>
+          <cx:pt idx="84">6</cx:pt>
+          <cx:pt idx="85">6</cx:pt>
+          <cx:pt idx="86">7</cx:pt>
+          <cx:pt idx="87">6</cx:pt>
+          <cx:pt idx="88">7</cx:pt>
+          <cx:pt idx="89">7</cx:pt>
+          <cx:pt idx="90">7</cx:pt>
+          <cx:pt idx="91">6</cx:pt>
+          <cx:pt idx="92">8</cx:pt>
+          <cx:pt idx="93">7</cx:pt>
+          <cx:pt idx="94">7</cx:pt>
+          <cx:pt idx="95">6</cx:pt>
+          <cx:pt idx="96">6</cx:pt>
+          <cx:pt idx="97">7</cx:pt>
+          <cx:pt idx="98">6</cx:pt>
+          <cx:pt idx="99">7</cx:pt>
+          <cx:pt idx="100">7</cx:pt>
+          <cx:pt idx="101">7</cx:pt>
+          <cx:pt idx="102">7</cx:pt>
+          <cx:pt idx="103">9</cx:pt>
+          <cx:pt idx="104">8</cx:pt>
+          <cx:pt idx="105">8</cx:pt>
+          <cx:pt idx="106">8</cx:pt>
+          <cx:pt idx="107">7</cx:pt>
+          <cx:pt idx="108">7</cx:pt>
+          <cx:pt idx="109">5</cx:pt>
+          <cx:pt idx="110">8</cx:pt>
+          <cx:pt idx="111">8</cx:pt>
+          <cx:pt idx="112">6</cx:pt>
+          <cx:pt idx="113">8</cx:pt>
+          <cx:pt idx="114">6</cx:pt>
+          <cx:pt idx="115">6</cx:pt>
+          <cx:pt idx="116">8</cx:pt>
+          <cx:pt idx="117">8</cx:pt>
+          <cx:pt idx="118">6</cx:pt>
+          <cx:pt idx="119">6</cx:pt>
+          <cx:pt idx="120">7</cx:pt>
+          <cx:pt idx="121">7</cx:pt>
+          <cx:pt idx="122">8</cx:pt>
+          <cx:pt idx="123">6</cx:pt>
+          <cx:pt idx="124">8</cx:pt>
+          <cx:pt idx="125">7</cx:pt>
+          <cx:pt idx="126">7</cx:pt>
+          <cx:pt idx="127">7</cx:pt>
+          <cx:pt idx="128">7</cx:pt>
+          <cx:pt idx="129">6</cx:pt>
+          <cx:pt idx="130">7</cx:pt>
+          <cx:pt idx="131">7</cx:pt>
+          <cx:pt idx="132">8</cx:pt>
+          <cx:pt idx="133">7</cx:pt>
+          <cx:pt idx="134">7</cx:pt>
+          <cx:pt idx="135">8</cx:pt>
+          <cx:pt idx="136">5</cx:pt>
+          <cx:pt idx="137">7</cx:pt>
+          <cx:pt idx="138">8</cx:pt>
+          <cx:pt idx="139">7</cx:pt>
+          <cx:pt idx="140">7</cx:pt>
+          <cx:pt idx="141">7</cx:pt>
+          <cx:pt idx="142">6</cx:pt>
+          <cx:pt idx="143">8</cx:pt>
+          <cx:pt idx="144">7</cx:pt>
+          <cx:pt idx="145">7</cx:pt>
+          <cx:pt idx="146">6</cx:pt>
+          <cx:pt idx="147">6</cx:pt>
+          <cx:pt idx="148">8</cx:pt>
+          <cx:pt idx="149">6</cx:pt>
+          <cx:pt idx="150">6</cx:pt>
+          <cx:pt idx="151">7</cx:pt>
+          <cx:pt idx="152">6</cx:pt>
+          <cx:pt idx="153">6</cx:pt>
+          <cx:pt idx="154">8</cx:pt>
+          <cx:pt idx="155">6</cx:pt>
+          <cx:pt idx="156">8</cx:pt>
+          <cx:pt idx="157">8</cx:pt>
+          <cx:pt idx="158">7</cx:pt>
+          <cx:pt idx="159">7</cx:pt>
+          <cx:pt idx="160">7</cx:pt>
+          <cx:pt idx="161">4</cx:pt>
+          <cx:pt idx="162">7</cx:pt>
+          <cx:pt idx="163">7</cx:pt>
+          <cx:pt idx="164">6</cx:pt>
+          <cx:pt idx="165">6</cx:pt>
+          <cx:pt idx="166">8</cx:pt>
+          <cx:pt idx="167">7</cx:pt>
+          <cx:pt idx="168">6</cx:pt>
+          <cx:pt idx="169">7</cx:pt>
+          <cx:pt idx="170">7</cx:pt>
+          <cx:pt idx="171">7</cx:pt>
+          <cx:pt idx="172">8</cx:pt>
+          <cx:pt idx="173">8</cx:pt>
+          <cx:pt idx="174">8</cx:pt>
+          <cx:pt idx="175">7</cx:pt>
+          <cx:pt idx="176">5</cx:pt>
+          <cx:pt idx="177">7</cx:pt>
+          <cx:pt idx="178">6</cx:pt>
+          <cx:pt idx="179">5</cx:pt>
+          <cx:pt idx="180">6</cx:pt>
+          <cx:pt idx="181">7</cx:pt>
+          <cx:pt idx="182">7</cx:pt>
+          <cx:pt idx="183">7</cx:pt>
+          <cx:pt idx="184">7</cx:pt>
+          <cx:pt idx="185">6</cx:pt>
+          <cx:pt idx="186">8</cx:pt>
+          <cx:pt idx="187">7</cx:pt>
+          <cx:pt idx="188">7</cx:pt>
+          <cx:pt idx="189">6</cx:pt>
+          <cx:pt idx="190">6</cx:pt>
+          <cx:pt idx="191">8</cx:pt>
+          <cx:pt idx="192">7</cx:pt>
+          <cx:pt idx="193">7</cx:pt>
+          <cx:pt idx="194">8</cx:pt>
+          <cx:pt idx="195">7</cx:pt>
+          <cx:pt idx="196">6</cx:pt>
+          <cx:pt idx="197">6</cx:pt>
+          <cx:pt idx="198">7</cx:pt>
+          <cx:pt idx="199">6</cx:pt>
+          <cx:pt idx="200">8</cx:pt>
+          <cx:pt idx="201">8</cx:pt>
+          <cx:pt idx="202">7</cx:pt>
+          <cx:pt idx="203">7</cx:pt>
+          <cx:pt idx="204">8</cx:pt>
+          <cx:pt idx="205">7</cx:pt>
+          <cx:pt idx="206">5</cx:pt>
+          <cx:pt idx="207">6</cx:pt>
+          <cx:pt idx="208">7</cx:pt>
+          <cx:pt idx="209">8</cx:pt>
+          <cx:pt idx="210">8</cx:pt>
+          <cx:pt idx="211">8</cx:pt>
+          <cx:pt idx="212">7</cx:pt>
+          <cx:pt idx="213">7</cx:pt>
+          <cx:pt idx="214">6</cx:pt>
+          <cx:pt idx="215">6</cx:pt>
+          <cx:pt idx="216">7</cx:pt>
+          <cx:pt idx="217">5</cx:pt>
+          <cx:pt idx="218">6</cx:pt>
+          <cx:pt idx="219">7</cx:pt>
+          <cx:pt idx="220">6</cx:pt>
+          <cx:pt idx="221">6</cx:pt>
+          <cx:pt idx="222">8</cx:pt>
+          <cx:pt idx="223">6</cx:pt>
+          <cx:pt idx="224">6</cx:pt>
+          <cx:pt idx="225">6</cx:pt>
+          <cx:pt idx="226">6</cx:pt>
+          <cx:pt idx="227">8</cx:pt>
+          <cx:pt idx="228">8</cx:pt>
+          <cx:pt idx="229">7</cx:pt>
+          <cx:pt idx="230">7</cx:pt>
+          <cx:pt idx="231">7</cx:pt>
+          <cx:pt idx="232">8</cx:pt>
+          <cx:pt idx="233">9</cx:pt>
+          <cx:pt idx="234">7</cx:pt>
+          <cx:pt idx="235">8</cx:pt>
+          <cx:pt idx="236">8</cx:pt>
+          <cx:pt idx="237">8</cx:pt>
+          <cx:pt idx="238">7</cx:pt>
+          <cx:pt idx="239">7</cx:pt>
+          <cx:pt idx="240">7</cx:pt>
+          <cx:pt idx="241">5</cx:pt>
+          <cx:pt idx="242">6</cx:pt>
+          <cx:pt idx="243">6</cx:pt>
+          <cx:pt idx="244">6</cx:pt>
+          <cx:pt idx="245">9</cx:pt>
+          <cx:pt idx="246">8</cx:pt>
+          <cx:pt idx="247">6</cx:pt>
+          <cx:pt idx="248">8</cx:pt>
+          <cx:pt idx="249">7</cx:pt>
+          <cx:pt idx="250">6</cx:pt>
+          <cx:pt idx="251">6</cx:pt>
+          <cx:pt idx="252">7</cx:pt>
+          <cx:pt idx="253">7</cx:pt>
+          <cx:pt idx="254">6</cx:pt>
+          <cx:pt idx="255">8</cx:pt>
+          <cx:pt idx="256">8</cx:pt>
+          <cx:pt idx="257">8</cx:pt>
+          <cx:pt idx="258">7</cx:pt>
+          <cx:pt idx="259">7</cx:pt>
+          <cx:pt idx="260">6</cx:pt>
+          <cx:pt idx="261">8</cx:pt>
+          <cx:pt idx="262">7</cx:pt>
+          <cx:pt idx="263">8</cx:pt>
+          <cx:pt idx="264">6</cx:pt>
+          <cx:pt idx="265">7</cx:pt>
+          <cx:pt idx="266">6</cx:pt>
+          <cx:pt idx="267">8</cx:pt>
+          <cx:pt idx="268">6</cx:pt>
+          <cx:pt idx="269">7</cx:pt>
+          <cx:pt idx="270">8</cx:pt>
+          <cx:pt idx="271">7</cx:pt>
+          <cx:pt idx="272">9</cx:pt>
+          <cx:pt idx="273">8</cx:pt>
+          <cx:pt idx="274">7</cx:pt>
+          <cx:pt idx="275">7</cx:pt>
+          <cx:pt idx="276">8</cx:pt>
+          <cx:pt idx="277">7</cx:pt>
+          <cx:pt idx="278">8</cx:pt>
+          <cx:pt idx="279">6</cx:pt>
+          <cx:pt idx="280">8</cx:pt>
+          <cx:pt idx="281">7</cx:pt>
+          <cx:pt idx="282">6</cx:pt>
+          <cx:pt idx="283">8</cx:pt>
+          <cx:pt idx="284">7</cx:pt>
+          <cx:pt idx="285">5</cx:pt>
+          <cx:pt idx="286">7</cx:pt>
+          <cx:pt idx="287">6</cx:pt>
+          <cx:pt idx="288">7</cx:pt>
+          <cx:pt idx="289">7</cx:pt>
+          <cx:pt idx="290">6</cx:pt>
+          <cx:pt idx="291">8</cx:pt>
+          <cx:pt idx="292">7</cx:pt>
+          <cx:pt idx="293">7</cx:pt>
+          <cx:pt idx="294">7</cx:pt>
+          <cx:pt idx="295">7</cx:pt>
+          <cx:pt idx="296">7</cx:pt>
+          <cx:pt idx="297">7</cx:pt>
+          <cx:pt idx="298">6</cx:pt>
+          <cx:pt idx="299">8</cx:pt>
+          <cx:pt idx="300">8</cx:pt>
+          <cx:pt idx="301">8</cx:pt>
+          <cx:pt idx="302">6</cx:pt>
+          <cx:pt idx="303">7</cx:pt>
+          <cx:pt idx="304">8</cx:pt>
+          <cx:pt idx="305">6</cx:pt>
+          <cx:pt idx="306">6</cx:pt>
+          <cx:pt idx="307">7</cx:pt>
+          <cx:pt idx="308">7</cx:pt>
+          <cx:pt idx="309">6</cx:pt>
+          <cx:pt idx="310">8</cx:pt>
+          <cx:pt idx="311">8</cx:pt>
+          <cx:pt idx="312">7</cx:pt>
+          <cx:pt idx="313">7</cx:pt>
+          <cx:pt idx="314">7</cx:pt>
+          <cx:pt idx="315">8</cx:pt>
+          <cx:pt idx="316">8</cx:pt>
+          <cx:pt idx="317">8</cx:pt>
+          <cx:pt idx="318">7</cx:pt>
+          <cx:pt idx="319">6</cx:pt>
+          <cx:pt idx="320">7</cx:pt>
+          <cx:pt idx="321">7</cx:pt>
+          <cx:pt idx="322">7</cx:pt>
+          <cx:pt idx="323">7</cx:pt>
+          <cx:pt idx="324">6</cx:pt>
+          <cx:pt idx="325">7</cx:pt>
+          <cx:pt idx="326">7</cx:pt>
+          <cx:pt idx="327">8</cx:pt>
+          <cx:pt idx="328">7</cx:pt>
+          <cx:pt idx="329">8</cx:pt>
+          <cx:pt idx="330">8</cx:pt>
+          <cx:pt idx="331">7</cx:pt>
+          <cx:pt idx="332">7</cx:pt>
+          <cx:pt idx="333">8</cx:pt>
+          <cx:pt idx="334">7</cx:pt>
+          <cx:pt idx="335">7</cx:pt>
+          <cx:pt idx="336">7</cx:pt>
+          <cx:pt idx="337">7</cx:pt>
+          <cx:pt idx="338">8</cx:pt>
+          <cx:pt idx="339">7</cx:pt>
+          <cx:pt idx="340">8</cx:pt>
+          <cx:pt idx="341">6</cx:pt>
+          <cx:pt idx="342">7</cx:pt>
+          <cx:pt idx="343">7</cx:pt>
+          <cx:pt idx="344">7</cx:pt>
+          <cx:pt idx="345">7</cx:pt>
+          <cx:pt idx="346">7</cx:pt>
+          <cx:pt idx="347">7</cx:pt>
+          <cx:pt idx="348">8</cx:pt>
+          <cx:pt idx="349">5</cx:pt>
+          <cx:pt idx="350">8</cx:pt>
+          <cx:pt idx="351">7</cx:pt>
+          <cx:pt idx="352">7</cx:pt>
+          <cx:pt idx="353">7</cx:pt>
+          <cx:pt idx="354">6</cx:pt>
+          <cx:pt idx="355">5</cx:pt>
+          <cx:pt idx="356">7</cx:pt>
+          <cx:pt idx="357">7</cx:pt>
+          <cx:pt idx="358">8</cx:pt>
+          <cx:pt idx="359">6</cx:pt>
+          <cx:pt idx="360">7</cx:pt>
+          <cx:pt idx="361">6</cx:pt>
+          <cx:pt idx="362">4</cx:pt>
+          <cx:pt idx="363">7</cx:pt>
+          <cx:pt idx="364">7</cx:pt>
+          <cx:pt idx="365">7</cx:pt>
+          <cx:pt idx="366">8</cx:pt>
+          <cx:pt idx="367">7</cx:pt>
+          <cx:pt idx="368">8</cx:pt>
+          <cx:pt idx="369">7</cx:pt>
+          <cx:pt idx="370">5</cx:pt>
+          <cx:pt idx="371">6</cx:pt>
+          <cx:pt idx="372">9</cx:pt>
+          <cx:pt idx="373">8</cx:pt>
+          <cx:pt idx="374">6</cx:pt>
+          <cx:pt idx="375">8</cx:pt>
+          <cx:pt idx="376">8</cx:pt>
+          <cx:pt idx="377">7</cx:pt>
+          <cx:pt idx="378">7</cx:pt>
+          <cx:pt idx="379">7</cx:pt>
+          <cx:pt idx="380">8</cx:pt>
+          <cx:pt idx="381">6</cx:pt>
+          <cx:pt idx="382">6</cx:pt>
+          <cx:pt idx="383">7</cx:pt>
+          <cx:pt idx="384">7</cx:pt>
+          <cx:pt idx="385">6</cx:pt>
+          <cx:pt idx="386">7</cx:pt>
+          <cx:pt idx="387">7</cx:pt>
+          <cx:pt idx="388">4</cx:pt>
+          <cx:pt idx="389">6</cx:pt>
+          <cx:pt idx="390">6</cx:pt>
+          <cx:pt idx="391">7</cx:pt>
+          <cx:pt idx="392">7</cx:pt>
+          <cx:pt idx="393">8</cx:pt>
+          <cx:pt idx="394">8</cx:pt>
+          <cx:pt idx="395">6</cx:pt>
+          <cx:pt idx="396">9</cx:pt>
+          <cx:pt idx="397">6</cx:pt>
+          <cx:pt idx="398">7</cx:pt>
+          <cx:pt idx="399">6</cx:pt>
+          <cx:pt idx="400">7</cx:pt>
+          <cx:pt idx="401">8</cx:pt>
+          <cx:pt idx="402">6</cx:pt>
+          <cx:pt idx="403">6</cx:pt>
+          <cx:pt idx="404">7</cx:pt>
+          <cx:pt idx="405">6</cx:pt>
+          <cx:pt idx="406">6</cx:pt>
+          <cx:pt idx="407">7</cx:pt>
+          <cx:pt idx="408">7</cx:pt>
+          <cx:pt idx="409">5</cx:pt>
+          <cx:pt idx="410">8</cx:pt>
+          <cx:pt idx="411">7</cx:pt>
+          <cx:pt idx="412">6</cx:pt>
+          <cx:pt idx="413">8</cx:pt>
+          <cx:pt idx="414">5</cx:pt>
+          <cx:pt idx="415">9</cx:pt>
+          <cx:pt idx="416">7</cx:pt>
+          <cx:pt idx="417">6</cx:pt>
+          <cx:pt idx="418">8</cx:pt>
+          <cx:pt idx="419">7</cx:pt>
+          <cx:pt idx="420">6</cx:pt>
+          <cx:pt idx="421">6</cx:pt>
+          <cx:pt idx="422">6</cx:pt>
+          <cx:pt idx="423">7</cx:pt>
+          <cx:pt idx="424">7</cx:pt>
+          <cx:pt idx="425">6</cx:pt>
+          <cx:pt idx="426">7</cx:pt>
+          <cx:pt idx="427">6</cx:pt>
+          <cx:pt idx="428">6</cx:pt>
+          <cx:pt idx="429">7</cx:pt>
+          <cx:pt idx="430">6</cx:pt>
+          <cx:pt idx="431">8</cx:pt>
+          <cx:pt idx="432">7</cx:pt>
+          <cx:pt idx="433">6</cx:pt>
+          <cx:pt idx="434">6</cx:pt>
+          <cx:pt idx="435">7</cx:pt>
+          <cx:pt idx="436">7</cx:pt>
+          <cx:pt idx="437">7</cx:pt>
+          <cx:pt idx="438">7</cx:pt>
+          <cx:pt idx="439">7</cx:pt>
+          <cx:pt idx="440">7</cx:pt>
+          <cx:pt idx="441">7</cx:pt>
+          <cx:pt idx="442">7</cx:pt>
+          <cx:pt idx="443">8</cx:pt>
+          <cx:pt idx="444">7</cx:pt>
+          <cx:pt idx="445">7</cx:pt>
+          <cx:pt idx="446">6</cx:pt>
+          <cx:pt idx="447">7</cx:pt>
+          <cx:pt idx="448">8</cx:pt>
+          <cx:pt idx="449">7</cx:pt>
+          <cx:pt idx="450">8</cx:pt>
+          <cx:pt idx="451">7</cx:pt>
+          <cx:pt idx="452">7</cx:pt>
+          <cx:pt idx="453">7</cx:pt>
+          <cx:pt idx="454">8</cx:pt>
+          <cx:pt idx="455">6</cx:pt>
+          <cx:pt idx="456">6</cx:pt>
+          <cx:pt idx="457">7</cx:pt>
+          <cx:pt idx="458">6</cx:pt>
+          <cx:pt idx="459">7</cx:pt>
+          <cx:pt idx="460">6</cx:pt>
+          <cx:pt idx="461">6</cx:pt>
+          <cx:pt idx="462">6</cx:pt>
+          <cx:pt idx="463">8</cx:pt>
+          <cx:pt idx="464">6</cx:pt>
+          <cx:pt idx="465">6</cx:pt>
+          <cx:pt idx="466">8</cx:pt>
+          <cx:pt idx="467">7</cx:pt>
+          <cx:pt idx="468">8</cx:pt>
+          <cx:pt idx="469">7</cx:pt>
+          <cx:pt idx="470">7</cx:pt>
+          <cx:pt idx="471">8</cx:pt>
+          <cx:pt idx="472">7</cx:pt>
+          <cx:pt idx="473">7</cx:pt>
+          <cx:pt idx="474">6</cx:pt>
+          <cx:pt idx="475">8</cx:pt>
+          <cx:pt idx="476">7</cx:pt>
+          <cx:pt idx="477">6</cx:pt>
+          <cx:pt idx="478">7</cx:pt>
+          <cx:pt idx="479">4</cx:pt>
+          <cx:pt idx="480">8</cx:pt>
+          <cx:pt idx="481">7</cx:pt>
+          <cx:pt idx="482">6</cx:pt>
+          <cx:pt idx="483">7</cx:pt>
+          <cx:pt idx="484">6</cx:pt>
+          <cx:pt idx="485">8</cx:pt>
+          <cx:pt idx="486">8</cx:pt>
+          <cx:pt idx="487">8</cx:pt>
+          <cx:pt idx="488">7</cx:pt>
+          <cx:pt idx="489">4</cx:pt>
+          <cx:pt idx="490">8</cx:pt>
+          <cx:pt idx="491">6</cx:pt>
+          <cx:pt idx="492">8</cx:pt>
+          <cx:pt idx="493">7</cx:pt>
+          <cx:pt idx="494">6</cx:pt>
+          <cx:pt idx="495">8</cx:pt>
+          <cx:pt idx="496">6</cx:pt>
+          <cx:pt idx="497">7</cx:pt>
+          <cx:pt idx="498">6</cx:pt>
+          <cx:pt idx="499">6</cx:pt>
+          <cx:pt idx="500">6</cx:pt>
+          <cx:pt idx="501">5</cx:pt>
+          <cx:pt idx="502">6</cx:pt>
+          <cx:pt idx="503">6</cx:pt>
+          <cx:pt idx="504">6</cx:pt>
+          <cx:pt idx="505">7</cx:pt>
+          <cx:pt idx="506">9</cx:pt>
+          <cx:pt idx="507">6</cx:pt>
+          <cx:pt idx="508">7</cx:pt>
+          <cx:pt idx="509">7</cx:pt>
+          <cx:pt idx="510">6</cx:pt>
+          <cx:pt idx="511">7</cx:pt>
+          <cx:pt idx="512">7</cx:pt>
+          <cx:pt idx="513">7</cx:pt>
+          <cx:pt idx="514">7</cx:pt>
+          <cx:pt idx="515">5</cx:pt>
+          <cx:pt idx="516">7</cx:pt>
+          <cx:pt idx="517">7</cx:pt>
+          <cx:pt idx="518">7</cx:pt>
+          <cx:pt idx="519">6</cx:pt>
+          <cx:pt idx="520">6</cx:pt>
+          <cx:pt idx="521">7</cx:pt>
+          <cx:pt idx="522">7</cx:pt>
+          <cx:pt idx="523">7</cx:pt>
+          <cx:pt idx="524">8</cx:pt>
+          <cx:pt idx="525">6</cx:pt>
+          <cx:pt idx="526">6</cx:pt>
+          <cx:pt idx="527">7</cx:pt>
+          <cx:pt idx="528">5</cx:pt>
+          <cx:pt idx="529">5</cx:pt>
+          <cx:pt idx="530">7</cx:pt>
+          <cx:pt idx="531">7</cx:pt>
+          <cx:pt idx="532">7</cx:pt>
+          <cx:pt idx="533">7</cx:pt>
+          <cx:pt idx="534">7</cx:pt>
+          <cx:pt idx="535">7</cx:pt>
+          <cx:pt idx="536">6</cx:pt>
+          <cx:pt idx="537">6</cx:pt>
+          <cx:pt idx="538">5</cx:pt>
+          <cx:pt idx="539">5</cx:pt>
+          <cx:pt idx="540">6</cx:pt>
+          <cx:pt idx="541">8</cx:pt>
+          <cx:pt idx="542">6</cx:pt>
+          <cx:pt idx="543">6</cx:pt>
+          <cx:pt idx="544">6</cx:pt>
+          <cx:pt idx="545">7</cx:pt>
+          <cx:pt idx="546">7</cx:pt>
+          <cx:pt idx="547">7</cx:pt>
+          <cx:pt idx="548">8</cx:pt>
+          <cx:pt idx="549">6</cx:pt>
+          <cx:pt idx="550">6</cx:pt>
+          <cx:pt idx="551">5</cx:pt>
+          <cx:pt idx="552">8</cx:pt>
+          <cx:pt idx="553">7</cx:pt>
+          <cx:pt idx="554">6</cx:pt>
+          <cx:pt idx="555">6</cx:pt>
+          <cx:pt idx="556">7</cx:pt>
+          <cx:pt idx="557">5</cx:pt>
+          <cx:pt idx="558">7</cx:pt>
+          <cx:pt idx="559">7</cx:pt>
+          <cx:pt idx="560">4</cx:pt>
+          <cx:pt idx="561">7</cx:pt>
+          <cx:pt idx="562">7</cx:pt>
+          <cx:pt idx="563">7</cx:pt>
+          <cx:pt idx="564">7</cx:pt>
+          <cx:pt idx="565">8</cx:pt>
+          <cx:pt idx="566">7</cx:pt>
+          <cx:pt idx="567">6</cx:pt>
+          <cx:pt idx="568">7</cx:pt>
+          <cx:pt idx="569">6</cx:pt>
+          <cx:pt idx="570">7</cx:pt>
+          <cx:pt idx="571">5</cx:pt>
+          <cx:pt idx="572">8</cx:pt>
+          <cx:pt idx="573">7</cx:pt>
+          <cx:pt idx="574">7</cx:pt>
+          <cx:pt idx="575">6</cx:pt>
+          <cx:pt idx="576">6</cx:pt>
+          <cx:pt idx="577">7</cx:pt>
+          <cx:pt idx="578">4</cx:pt>
+          <cx:pt idx="579">7</cx:pt>
+          <cx:pt idx="580">6</cx:pt>
+          <cx:pt idx="581">8</cx:pt>
+          <cx:pt idx="582">8</cx:pt>
+          <cx:pt idx="583">7</cx:pt>
+          <cx:pt idx="584">4</cx:pt>
+          <cx:pt idx="585">6</cx:pt>
+          <cx:pt idx="586">8</cx:pt>
+          <cx:pt idx="587">8</cx:pt>
+          <cx:pt idx="588">7</cx:pt>
+          <cx:pt idx="589">7</cx:pt>
+          <cx:pt idx="590">7</cx:pt>
+          <cx:pt idx="591">6</cx:pt>
+          <cx:pt idx="592">8</cx:pt>
+          <cx:pt idx="593">6</cx:pt>
+          <cx:pt idx="594">6</cx:pt>
+          <cx:pt idx="595">7</cx:pt>
+          <cx:pt idx="596">7</cx:pt>
+          <cx:pt idx="597">6</cx:pt>
+          <cx:pt idx="598">4</cx:pt>
+          <cx:pt idx="599">8</cx:pt>
+          <cx:pt idx="600">7</cx:pt>
+          <cx:pt idx="601">10</cx:pt>
+          <cx:pt idx="602">7</cx:pt>
+          <cx:pt idx="603">6</cx:pt>
+          <cx:pt idx="604">6</cx:pt>
+          <cx:pt idx="605">8</cx:pt>
+          <cx:pt idx="606">8</cx:pt>
+          <cx:pt idx="607">7</cx:pt>
+          <cx:pt idx="608">4</cx:pt>
+          <cx:pt idx="609">7</cx:pt>
+          <cx:pt idx="610">7</cx:pt>
+          <cx:pt idx="611">8</cx:pt>
+          <cx:pt idx="612">7</cx:pt>
+          <cx:pt idx="613">6</cx:pt>
+        </cx:lvl>
+      </cx:numDim>
+    </cx:data>
+  </cx:chartData>
+  <cx:chart>
+    <cx:title pos="t" align="ctr" overlay="0">
+      <cx:tx>
+        <cx:rich>
+          <a:bodyPr spcFirstLastPara="1" vertOverflow="ellipsis" wrap="square" lIns="0" tIns="0" rIns="0" bIns="0" anchor="ctr" anchorCtr="1"/>
+          <a:lstStyle/>
+          <a:p>
+            <a:pPr algn="ctr">
+              <a:defRPr/>
+            </a:pPr>
+            <a:r>
+              <a:rPr lang="en-US" dirty="0" smtClean="0"/>
+              <a:t>Employment vs Sleeping Hours</a:t>
+            </a:r>
+            <a:endParaRPr lang="en-US" dirty="0"/>
+          </a:p>
+        </cx:rich>
+      </cx:tx>
+    </cx:title>
+    <cx:plotArea>
+      <cx:plotAreaRegion>
+        <cx:series layoutId="boxWhisker" uniqueId="{E1BC4779-B79E-DC43-BEED-EEEB5D411941}">
+          <cx:tx>
+            <cx:txData>
+              <cx:f>'employment and sleeping time'!$G$1</cx:f>
+              <cx:v>Unemployed Sleeping Hours</cx:v>
+            </cx:txData>
+          </cx:tx>
+          <cx:dataLabels pos="l">
+            <cx:visibility seriesName="0" categoryName="0" value="1"/>
+          </cx:dataLabels>
+          <cx:dataId val="0"/>
+          <cx:layoutPr>
+            <cx:visibility meanLine="0" meanMarker="1" nonoutliers="0" outliers="1"/>
+            <cx:statistics quartileMethod="exclusive"/>
+          </cx:layoutPr>
+        </cx:series>
+        <cx:series layoutId="boxWhisker" uniqueId="{006EDC79-CFCC-974B-91E6-151A64087868}">
+          <cx:tx>
+            <cx:txData>
+              <cx:f>'employment and sleeping time'!$H$1</cx:f>
+              <cx:v>Employed Sleeping Hours</cx:v>
+            </cx:txData>
+          </cx:tx>
+          <cx:dataLabels pos="l">
+            <cx:visibility seriesName="0" categoryName="0" value="1"/>
+          </cx:dataLabels>
+          <cx:dataId val="1"/>
+          <cx:layoutPr>
+            <cx:visibility meanLine="0" meanMarker="1" nonoutliers="0" outliers="1"/>
+            <cx:statistics quartileMethod="exclusive"/>
+          </cx:layoutPr>
+        </cx:series>
+      </cx:plotAreaRegion>
+      <cx:axis id="0" hidden="1">
+        <cx:catScaling gapWidth="1"/>
+        <cx:tickLabels/>
+      </cx:axis>
+      <cx:axis id="1">
+        <cx:valScaling/>
+        <cx:title>
+          <cx:tx>
+            <cx:rich>
+              <a:bodyPr spcFirstLastPara="1" vertOverflow="ellipsis" horzOverflow="overflow" wrap="square" lIns="0" tIns="0" rIns="0" bIns="0" anchor="ctr" anchorCtr="1"/>
+              <a:lstStyle/>
+              <a:p>
+                <a:pPr algn="ctr" rtl="0">
+                  <a:defRPr/>
+                </a:pPr>
+                <a:r>
+                  <a:rPr lang="en-US" altLang="zh-CN" sz="900" b="0" i="0" u="none" strike="noStrike" baseline="0">
+                    <a:solidFill>
+                      <a:sysClr val="windowText" lastClr="000000">
+                        <a:lumMod val="65000"/>
+                        <a:lumOff val="35000"/>
+                      </a:sysClr>
+                    </a:solidFill>
+                    <a:latin typeface="Calibri" panose="020F0502020204030204"/>
+                  </a:rPr>
+                  <a:t>Average</a:t>
+                </a:r>
+                <a:r>
+                  <a:rPr lang="zh-CN" altLang="en-US" sz="900" b="0" i="0" u="none" strike="noStrike" baseline="0">
+                    <a:solidFill>
+                      <a:sysClr val="windowText" lastClr="000000">
+                        <a:lumMod val="65000"/>
+                        <a:lumOff val="35000"/>
+                      </a:sysClr>
+                    </a:solidFill>
+                    <a:latin typeface="Calibri" panose="020F0502020204030204"/>
+                  </a:rPr>
+                  <a:t> </a:t>
+                </a:r>
+                <a:r>
+                  <a:rPr lang="en-US" altLang="zh-CN" sz="900" b="0" i="0" u="none" strike="noStrike" baseline="0">
+                    <a:solidFill>
+                      <a:sysClr val="windowText" lastClr="000000">
+                        <a:lumMod val="65000"/>
+                        <a:lumOff val="35000"/>
+                      </a:sysClr>
+                    </a:solidFill>
+                    <a:latin typeface="Calibri" panose="020F0502020204030204"/>
+                  </a:rPr>
+                  <a:t>Sleeping</a:t>
+                </a:r>
+                <a:r>
+                  <a:rPr lang="zh-CN" altLang="en-US" sz="900" b="0" i="0" u="none" strike="noStrike" baseline="0">
+                    <a:solidFill>
+                      <a:sysClr val="windowText" lastClr="000000">
+                        <a:lumMod val="65000"/>
+                        <a:lumOff val="35000"/>
+                      </a:sysClr>
+                    </a:solidFill>
+                    <a:latin typeface="Calibri" panose="020F0502020204030204"/>
+                  </a:rPr>
+                  <a:t> </a:t>
+                </a:r>
+                <a:r>
+                  <a:rPr lang="en-US" altLang="zh-CN" sz="900" b="0" i="0" u="none" strike="noStrike" baseline="0">
+                    <a:solidFill>
+                      <a:sysClr val="windowText" lastClr="000000">
+                        <a:lumMod val="65000"/>
+                        <a:lumOff val="35000"/>
+                      </a:sysClr>
+                    </a:solidFill>
+                    <a:latin typeface="Calibri" panose="020F0502020204030204"/>
+                  </a:rPr>
+                  <a:t>Hours</a:t>
+                </a:r>
+                <a:endParaRPr lang="en-US" sz="900" b="0" i="0" u="none" strike="noStrike" baseline="0">
+                  <a:solidFill>
+                    <a:sysClr val="windowText" lastClr="000000">
+                      <a:lumMod val="65000"/>
+                      <a:lumOff val="35000"/>
+                    </a:sysClr>
+                  </a:solidFill>
+                  <a:latin typeface="Calibri" panose="020F0502020204030204"/>
+                </a:endParaRPr>
+              </a:p>
+            </cx:rich>
+          </cx:tx>
+        </cx:title>
+        <cx:majorGridlines/>
+        <cx:tickLabels/>
+      </cx:axis>
+    </cx:plotArea>
+    <cx:legend pos="b" align="ctr" overlay="0"/>
+  </cx:chart>
+</cx:chartSpace>
 </file>
 
 <file path=ppt/charts/colors1.xml><?xml version="1.0" encoding="utf-8"?>
@@ -1905,6 +2847,46 @@
 </file>
 
 <file path=ppt/charts/colors2.xml><?xml version="1.0" encoding="utf-8"?>
+<cs:colorStyle xmlns:cs="http://schemas.microsoft.com/office/drawing/2012/chartStyle" xmlns:a="http://schemas.openxmlformats.org/drawingml/2006/main" meth="cycle" id="10">
+  <a:schemeClr val="accent1"/>
+  <a:schemeClr val="accent2"/>
+  <a:schemeClr val="accent3"/>
+  <a:schemeClr val="accent4"/>
+  <a:schemeClr val="accent5"/>
+  <a:schemeClr val="accent6"/>
+  <cs:variation/>
+  <cs:variation>
+    <a:lumMod val="60000"/>
+  </cs:variation>
+  <cs:variation>
+    <a:lumMod val="80000"/>
+    <a:lumOff val="20000"/>
+  </cs:variation>
+  <cs:variation>
+    <a:lumMod val="80000"/>
+  </cs:variation>
+  <cs:variation>
+    <a:lumMod val="60000"/>
+    <a:lumOff val="40000"/>
+  </cs:variation>
+  <cs:variation>
+    <a:lumMod val="50000"/>
+  </cs:variation>
+  <cs:variation>
+    <a:lumMod val="70000"/>
+    <a:lumOff val="30000"/>
+  </cs:variation>
+  <cs:variation>
+    <a:lumMod val="70000"/>
+  </cs:variation>
+  <cs:variation>
+    <a:lumMod val="50000"/>
+    <a:lumOff val="50000"/>
+  </cs:variation>
+</cs:colorStyle>
+</file>
+
+<file path=ppt/charts/colors3.xml><?xml version="1.0" encoding="utf-8"?>
 <cs:colorStyle xmlns:cs="http://schemas.microsoft.com/office/drawing/2012/chartStyle" xmlns:a="http://schemas.openxmlformats.org/drawingml/2006/main" meth="cycle" id="10">
   <a:schemeClr val="accent1"/>
   <a:schemeClr val="accent2"/>
@@ -2966,6 +3948,521 @@
 </cs:chartStyle>
 </file>
 
+<file path=ppt/charts/style3.xml><?xml version="1.0" encoding="utf-8"?>
+<cs:chartStyle xmlns:cs="http://schemas.microsoft.com/office/drawing/2012/chartStyle" xmlns:a="http://schemas.openxmlformats.org/drawingml/2006/main" id="406">
+  <cs:axisTitle>
+    <cs:lnRef idx="0"/>
+    <cs:fillRef idx="0"/>
+    <cs:effectRef idx="0"/>
+    <cs:fontRef idx="minor">
+      <a:schemeClr val="tx1">
+        <a:lumMod val="65000"/>
+        <a:lumOff val="35000"/>
+      </a:schemeClr>
+    </cs:fontRef>
+    <cs:defRPr sz="900"/>
+  </cs:axisTitle>
+  <cs:categoryAxis>
+    <cs:lnRef idx="0"/>
+    <cs:fillRef idx="0"/>
+    <cs:effectRef idx="0"/>
+    <cs:fontRef idx="minor">
+      <a:schemeClr val="tx1">
+        <a:lumMod val="65000"/>
+        <a:lumOff val="35000"/>
+      </a:schemeClr>
+    </cs:fontRef>
+    <cs:spPr>
+      <a:ln w="9525" cap="flat" cmpd="sng" algn="ctr">
+        <a:solidFill>
+          <a:schemeClr val="tx1">
+            <a:lumMod val="15000"/>
+            <a:lumOff val="85000"/>
+          </a:schemeClr>
+        </a:solidFill>
+        <a:round/>
+      </a:ln>
+    </cs:spPr>
+    <cs:defRPr sz="900"/>
+  </cs:categoryAxis>
+  <cs:chartArea mods="allowNoFillOverride allowNoLineOverride">
+    <cs:lnRef idx="0"/>
+    <cs:fillRef idx="0"/>
+    <cs:effectRef idx="0"/>
+    <cs:fontRef idx="minor">
+      <a:schemeClr val="tx1"/>
+    </cs:fontRef>
+    <cs:spPr>
+      <a:solidFill>
+        <a:schemeClr val="bg1"/>
+      </a:solidFill>
+      <a:ln w="9525" cap="flat" cmpd="sng" algn="ctr">
+        <a:solidFill>
+          <a:schemeClr val="tx1">
+            <a:lumMod val="15000"/>
+            <a:lumOff val="85000"/>
+          </a:schemeClr>
+        </a:solidFill>
+        <a:round/>
+      </a:ln>
+    </cs:spPr>
+    <cs:defRPr sz="1000"/>
+  </cs:chartArea>
+  <cs:dataLabel>
+    <cs:lnRef idx="0"/>
+    <cs:fillRef idx="0"/>
+    <cs:effectRef idx="0"/>
+    <cs:fontRef idx="minor">
+      <a:schemeClr val="tx1">
+        <a:lumMod val="65000"/>
+        <a:lumOff val="35000"/>
+      </a:schemeClr>
+    </cs:fontRef>
+    <cs:defRPr sz="900"/>
+  </cs:dataLabel>
+  <cs:dataLabelCallout>
+    <cs:lnRef idx="0"/>
+    <cs:fillRef idx="0"/>
+    <cs:effectRef idx="0"/>
+    <cs:fontRef idx="minor">
+      <a:schemeClr val="dk1">
+        <a:lumMod val="65000"/>
+        <a:lumOff val="35000"/>
+      </a:schemeClr>
+    </cs:fontRef>
+    <cs:spPr>
+      <a:solidFill>
+        <a:schemeClr val="lt1"/>
+      </a:solidFill>
+      <a:ln>
+        <a:solidFill>
+          <a:schemeClr val="dk1">
+            <a:lumMod val="25000"/>
+            <a:lumOff val="75000"/>
+          </a:schemeClr>
+        </a:solidFill>
+      </a:ln>
+    </cs:spPr>
+    <cs:defRPr sz="900"/>
+    <cs:bodyPr rot="0" spcFirstLastPara="1" vertOverflow="clip" horzOverflow="clip" vert="horz" wrap="square" lIns="36576" tIns="18288" rIns="36576" bIns="18288" anchor="ctr" anchorCtr="1">
+      <a:spAutoFit/>
+    </cs:bodyPr>
+  </cs:dataLabelCallout>
+  <cs:dataPoint>
+    <cs:lnRef idx="0">
+      <cs:styleClr val="auto"/>
+    </cs:lnRef>
+    <cs:fillRef idx="0">
+      <cs:styleClr val="auto"/>
+    </cs:fillRef>
+    <cs:effectRef idx="0"/>
+    <cs:fontRef idx="minor">
+      <a:schemeClr val="tx1"/>
+    </cs:fontRef>
+    <cs:spPr>
+      <a:solidFill>
+        <a:schemeClr val="phClr"/>
+      </a:solidFill>
+      <a:ln>
+        <a:solidFill>
+          <a:schemeClr val="phClr"/>
+        </a:solidFill>
+      </a:ln>
+    </cs:spPr>
+  </cs:dataPoint>
+  <cs:dataPoint3D>
+    <cs:lnRef idx="0"/>
+    <cs:fillRef idx="0">
+      <cs:styleClr val="auto"/>
+    </cs:fillRef>
+    <cs:effectRef idx="0"/>
+    <cs:fontRef idx="minor">
+      <a:schemeClr val="tx1"/>
+    </cs:fontRef>
+    <cs:spPr>
+      <a:solidFill>
+        <a:schemeClr val="phClr"/>
+      </a:solidFill>
+    </cs:spPr>
+  </cs:dataPoint3D>
+  <cs:dataPointLine>
+    <cs:lnRef idx="0">
+      <cs:styleClr val="auto"/>
+    </cs:lnRef>
+    <cs:fillRef idx="0"/>
+    <cs:effectRef idx="0"/>
+    <cs:fontRef idx="minor">
+      <a:schemeClr val="tx1"/>
+    </cs:fontRef>
+    <cs:spPr>
+      <a:ln w="28575" cap="rnd">
+        <a:solidFill>
+          <a:schemeClr val="phClr"/>
+        </a:solidFill>
+        <a:round/>
+      </a:ln>
+    </cs:spPr>
+  </cs:dataPointLine>
+  <cs:dataPointMarker>
+    <cs:lnRef idx="0"/>
+    <cs:fillRef idx="0">
+      <cs:styleClr val="auto"/>
+    </cs:fillRef>
+    <cs:effectRef idx="0"/>
+    <cs:fontRef idx="minor">
+      <a:schemeClr val="tx1"/>
+    </cs:fontRef>
+    <cs:spPr>
+      <a:solidFill>
+        <a:schemeClr val="phClr"/>
+      </a:solidFill>
+      <a:ln w="9525">
+        <a:solidFill>
+          <a:schemeClr val="lt1"/>
+        </a:solidFill>
+      </a:ln>
+    </cs:spPr>
+  </cs:dataPointMarker>
+  <cs:dataPointMarkerLayout symbol="circle" size="5"/>
+  <cs:dataPointWireframe>
+    <cs:lnRef idx="0">
+      <cs:styleClr val="auto"/>
+    </cs:lnRef>
+    <cs:fillRef idx="0"/>
+    <cs:effectRef idx="0"/>
+    <cs:fontRef idx="minor">
+      <a:schemeClr val="tx1"/>
+    </cs:fontRef>
+    <cs:spPr>
+      <a:ln w="28575" cap="rnd">
+        <a:solidFill>
+          <a:schemeClr val="phClr"/>
+        </a:solidFill>
+        <a:round/>
+      </a:ln>
+    </cs:spPr>
+  </cs:dataPointWireframe>
+  <cs:dataTable>
+    <cs:lnRef idx="0"/>
+    <cs:fillRef idx="0"/>
+    <cs:effectRef idx="0"/>
+    <cs:fontRef idx="minor">
+      <a:schemeClr val="tx1">
+        <a:lumMod val="65000"/>
+        <a:lumOff val="35000"/>
+      </a:schemeClr>
+    </cs:fontRef>
+    <cs:spPr>
+      <a:ln w="9525">
+        <a:solidFill>
+          <a:schemeClr val="tx1">
+            <a:lumMod val="15000"/>
+            <a:lumOff val="85000"/>
+          </a:schemeClr>
+        </a:solidFill>
+      </a:ln>
+    </cs:spPr>
+    <cs:defRPr sz="900"/>
+  </cs:dataTable>
+  <cs:downBar>
+    <cs:lnRef idx="0"/>
+    <cs:fillRef idx="0"/>
+    <cs:effectRef idx="0"/>
+    <cs:fontRef idx="minor">
+      <a:schemeClr val="dk1"/>
+    </cs:fontRef>
+    <cs:spPr>
+      <a:solidFill>
+        <a:schemeClr val="dk1">
+          <a:lumMod val="65000"/>
+          <a:lumOff val="35000"/>
+        </a:schemeClr>
+      </a:solidFill>
+      <a:ln w="9525">
+        <a:solidFill>
+          <a:schemeClr val="tx1">
+            <a:lumMod val="65000"/>
+            <a:lumOff val="35000"/>
+          </a:schemeClr>
+        </a:solidFill>
+      </a:ln>
+    </cs:spPr>
+  </cs:downBar>
+  <cs:dropLine>
+    <cs:lnRef idx="0"/>
+    <cs:fillRef idx="0"/>
+    <cs:effectRef idx="0"/>
+    <cs:fontRef idx="minor">
+      <a:schemeClr val="tx1"/>
+    </cs:fontRef>
+    <cs:spPr>
+      <a:ln w="9525" cap="flat" cmpd="sng" algn="ctr">
+        <a:solidFill>
+          <a:schemeClr val="tx1">
+            <a:lumMod val="35000"/>
+            <a:lumOff val="65000"/>
+          </a:schemeClr>
+        </a:solidFill>
+        <a:round/>
+      </a:ln>
+    </cs:spPr>
+  </cs:dropLine>
+  <cs:errorBar>
+    <cs:lnRef idx="0"/>
+    <cs:fillRef idx="0"/>
+    <cs:effectRef idx="0"/>
+    <cs:fontRef idx="minor">
+      <a:schemeClr val="tx1"/>
+    </cs:fontRef>
+    <cs:spPr>
+      <a:ln w="9525" cap="flat" cmpd="sng" algn="ctr">
+        <a:solidFill>
+          <a:schemeClr val="tx1">
+            <a:lumMod val="65000"/>
+            <a:lumOff val="35000"/>
+          </a:schemeClr>
+        </a:solidFill>
+        <a:round/>
+      </a:ln>
+    </cs:spPr>
+  </cs:errorBar>
+  <cs:floor>
+    <cs:lnRef idx="0"/>
+    <cs:fillRef idx="0"/>
+    <cs:effectRef idx="0"/>
+    <cs:fontRef idx="minor">
+      <a:schemeClr val="tx1"/>
+    </cs:fontRef>
+  </cs:floor>
+  <cs:gridlineMajor>
+    <cs:lnRef idx="0"/>
+    <cs:fillRef idx="0"/>
+    <cs:effectRef idx="0"/>
+    <cs:fontRef idx="minor">
+      <a:schemeClr val="tx1"/>
+    </cs:fontRef>
+    <cs:spPr>
+      <a:ln w="9525" cap="flat" cmpd="sng" algn="ctr">
+        <a:solidFill>
+          <a:schemeClr val="tx1">
+            <a:lumMod val="15000"/>
+            <a:lumOff val="85000"/>
+          </a:schemeClr>
+        </a:solidFill>
+        <a:round/>
+      </a:ln>
+    </cs:spPr>
+  </cs:gridlineMajor>
+  <cs:gridlineMinor>
+    <cs:lnRef idx="0"/>
+    <cs:fillRef idx="0"/>
+    <cs:effectRef idx="0"/>
+    <cs:fontRef idx="minor">
+      <a:schemeClr val="tx1"/>
+    </cs:fontRef>
+    <cs:spPr>
+      <a:ln w="9525" cap="flat" cmpd="sng" algn="ctr">
+        <a:solidFill>
+          <a:schemeClr val="tx1">
+            <a:lumMod val="15000"/>
+            <a:lumOff val="85000"/>
+          </a:schemeClr>
+        </a:solidFill>
+        <a:round/>
+      </a:ln>
+    </cs:spPr>
+  </cs:gridlineMinor>
+  <cs:hiLoLine>
+    <cs:lnRef idx="0"/>
+    <cs:fillRef idx="0"/>
+    <cs:effectRef idx="0"/>
+    <cs:fontRef idx="minor">
+      <a:schemeClr val="tx1"/>
+    </cs:fontRef>
+    <cs:spPr>
+      <a:ln w="9525" cap="flat" cmpd="sng" algn="ctr">
+        <a:solidFill>
+          <a:schemeClr val="tx1">
+            <a:lumMod val="75000"/>
+            <a:lumOff val="25000"/>
+          </a:schemeClr>
+        </a:solidFill>
+        <a:round/>
+      </a:ln>
+    </cs:spPr>
+  </cs:hiLoLine>
+  <cs:leaderLine>
+    <cs:lnRef idx="0"/>
+    <cs:fillRef idx="0"/>
+    <cs:effectRef idx="0"/>
+    <cs:fontRef idx="minor">
+      <a:schemeClr val="tx1"/>
+    </cs:fontRef>
+    <cs:spPr>
+      <a:ln w="9525" cap="flat" cmpd="sng" algn="ctr">
+        <a:solidFill>
+          <a:schemeClr val="tx1">
+            <a:lumMod val="35000"/>
+            <a:lumOff val="65000"/>
+          </a:schemeClr>
+        </a:solidFill>
+        <a:round/>
+      </a:ln>
+    </cs:spPr>
+  </cs:leaderLine>
+  <cs:legend>
+    <cs:lnRef idx="0"/>
+    <cs:fillRef idx="0"/>
+    <cs:effectRef idx="0"/>
+    <cs:fontRef idx="minor">
+      <a:schemeClr val="tx1">
+        <a:lumMod val="65000"/>
+        <a:lumOff val="35000"/>
+      </a:schemeClr>
+    </cs:fontRef>
+    <cs:defRPr sz="900"/>
+  </cs:legend>
+  <cs:plotArea mods="allowNoFillOverride allowNoLineOverride">
+    <cs:lnRef idx="0"/>
+    <cs:fillRef idx="0"/>
+    <cs:effectRef idx="0"/>
+    <cs:fontRef idx="minor">
+      <a:schemeClr val="tx1"/>
+    </cs:fontRef>
+  </cs:plotArea>
+  <cs:plotArea3D mods="allowNoFillOverride allowNoLineOverride">
+    <cs:lnRef idx="0"/>
+    <cs:fillRef idx="0"/>
+    <cs:effectRef idx="0"/>
+    <cs:fontRef idx="minor">
+      <a:schemeClr val="tx1"/>
+    </cs:fontRef>
+  </cs:plotArea3D>
+  <cs:seriesAxis>
+    <cs:lnRef idx="0"/>
+    <cs:fillRef idx="0"/>
+    <cs:effectRef idx="0"/>
+    <cs:fontRef idx="minor">
+      <a:schemeClr val="tx1">
+        <a:lumMod val="65000"/>
+        <a:lumOff val="35000"/>
+      </a:schemeClr>
+    </cs:fontRef>
+    <cs:spPr>
+      <a:ln w="9525" cap="flat" cmpd="sng" algn="ctr">
+        <a:solidFill>
+          <a:schemeClr val="tx1">
+            <a:lumMod val="15000"/>
+            <a:lumOff val="85000"/>
+          </a:schemeClr>
+        </a:solidFill>
+        <a:round/>
+      </a:ln>
+    </cs:spPr>
+    <cs:defRPr sz="900"/>
+  </cs:seriesAxis>
+  <cs:seriesLine>
+    <cs:lnRef idx="0"/>
+    <cs:fillRef idx="0"/>
+    <cs:effectRef idx="0"/>
+    <cs:fontRef idx="minor">
+      <a:schemeClr val="tx1"/>
+    </cs:fontRef>
+    <cs:spPr>
+      <a:ln w="9525" cap="flat">
+        <a:solidFill>
+          <a:srgbClr val="D9D9D9"/>
+        </a:solidFill>
+        <a:round/>
+      </a:ln>
+    </cs:spPr>
+  </cs:seriesLine>
+  <cs:title>
+    <cs:lnRef idx="0"/>
+    <cs:fillRef idx="0"/>
+    <cs:effectRef idx="0"/>
+    <cs:fontRef idx="minor">
+      <a:schemeClr val="tx1">
+        <a:lumMod val="65000"/>
+        <a:lumOff val="35000"/>
+      </a:schemeClr>
+    </cs:fontRef>
+    <cs:defRPr sz="1400"/>
+  </cs:title>
+  <cs:trendline>
+    <cs:lnRef idx="0">
+      <cs:styleClr val="auto"/>
+    </cs:lnRef>
+    <cs:fillRef idx="0"/>
+    <cs:effectRef idx="0"/>
+    <cs:fontRef idx="minor">
+      <a:schemeClr val="tx1"/>
+    </cs:fontRef>
+    <cs:spPr>
+      <a:ln w="19050" cap="rnd">
+        <a:solidFill>
+          <a:schemeClr val="phClr"/>
+        </a:solidFill>
+        <a:prstDash val="sysDash"/>
+      </a:ln>
+    </cs:spPr>
+  </cs:trendline>
+  <cs:trendlineLabel>
+    <cs:lnRef idx="0"/>
+    <cs:fillRef idx="0"/>
+    <cs:effectRef idx="0"/>
+    <cs:fontRef idx="minor">
+      <a:schemeClr val="tx1">
+        <a:lumMod val="65000"/>
+        <a:lumOff val="35000"/>
+      </a:schemeClr>
+    </cs:fontRef>
+    <cs:defRPr sz="900"/>
+  </cs:trendlineLabel>
+  <cs:upBar>
+    <cs:lnRef idx="0"/>
+    <cs:fillRef idx="0"/>
+    <cs:effectRef idx="0"/>
+    <cs:fontRef idx="minor">
+      <a:schemeClr val="dk1"/>
+    </cs:fontRef>
+    <cs:spPr>
+      <a:solidFill>
+        <a:schemeClr val="lt1"/>
+      </a:solidFill>
+      <a:ln w="9525">
+        <a:solidFill>
+          <a:schemeClr val="tx1">
+            <a:lumMod val="15000"/>
+            <a:lumOff val="85000"/>
+          </a:schemeClr>
+        </a:solidFill>
+      </a:ln>
+    </cs:spPr>
+  </cs:upBar>
+  <cs:valueAxis>
+    <cs:lnRef idx="0"/>
+    <cs:fillRef idx="0"/>
+    <cs:effectRef idx="0"/>
+    <cs:fontRef idx="minor">
+      <a:schemeClr val="tx1">
+        <a:lumMod val="65000"/>
+        <a:lumOff val="35000"/>
+      </a:schemeClr>
+    </cs:fontRef>
+    <cs:defRPr sz="900"/>
+  </cs:valueAxis>
+  <cs:wall>
+    <cs:lnRef idx="0"/>
+    <cs:fillRef idx="0"/>
+    <cs:effectRef idx="0"/>
+    <cs:fontRef idx="minor">
+      <a:schemeClr val="tx1"/>
+    </cs:fontRef>
+  </cs:wall>
+</cs:chartStyle>
+</file>
+
 <file path=ppt/notesMasters/notesMaster1.xml><?xml version="1.0" encoding="utf-8"?>
 <p:notesMaster xmlns:a="http://schemas.openxmlformats.org/drawingml/2006/main" xmlns:r="http://schemas.openxmlformats.org/officeDocument/2006/relationships" xmlns:p="http://schemas.openxmlformats.org/presentationml/2006/main">
   <p:cSld>
@@ -3439,6 +4936,112 @@
 </p:notes>
 </file>
 
+<file path=ppt/notesSlides/notesSlide3.xml><?xml version="1.0" encoding="utf-8"?>
+<p:notes xmlns:a="http://schemas.openxmlformats.org/drawingml/2006/main" xmlns:r="http://schemas.openxmlformats.org/officeDocument/2006/relationships" xmlns:p="http://schemas.openxmlformats.org/presentationml/2006/main" showMasterSp="0" showMasterPhAnim="0">
+  <p:cSld>
+    <p:spTree>
+      <p:nvGrpSpPr>
+        <p:cNvPr id="1" name="Shape 50"/>
+        <p:cNvGrpSpPr/>
+        <p:nvPr/>
+      </p:nvGrpSpPr>
+      <p:grpSpPr>
+        <a:xfrm>
+          <a:off x="0" y="0"/>
+          <a:ext cx="0" cy="0"/>
+          <a:chOff x="0" y="0"/>
+          <a:chExt cx="0" cy="0"/>
+        </a:xfrm>
+      </p:grpSpPr>
+      <p:sp>
+        <p:nvSpPr>
+          <p:cNvPr id="51" name="Shape 51"/>
+          <p:cNvSpPr>
+            <a:spLocks noGrp="1" noRot="1" noChangeAspect="1"/>
+          </p:cNvSpPr>
+          <p:nvPr>
+            <p:ph type="sldImg" idx="2"/>
+          </p:nvPr>
+        </p:nvSpPr>
+        <p:spPr>
+          <a:xfrm>
+            <a:off x="381000" y="685800"/>
+            <a:ext cx="6096000" cy="3429000"/>
+          </a:xfrm>
+          <a:custGeom>
+            <a:avLst/>
+            <a:gdLst/>
+            <a:ahLst/>
+            <a:cxnLst/>
+            <a:rect l="0" t="0" r="0" b="0"/>
+            <a:pathLst>
+              <a:path w="120000" h="120000" extrusionOk="0">
+                <a:moveTo>
+                  <a:pt x="0" y="0"/>
+                </a:moveTo>
+                <a:lnTo>
+                  <a:pt x="120000" y="0"/>
+                </a:lnTo>
+                <a:lnTo>
+                  <a:pt x="120000" y="120000"/>
+                </a:lnTo>
+                <a:lnTo>
+                  <a:pt x="0" y="120000"/>
+                </a:lnTo>
+                <a:close/>
+              </a:path>
+            </a:pathLst>
+          </a:custGeom>
+        </p:spPr>
+      </p:sp>
+      <p:sp>
+        <p:nvSpPr>
+          <p:cNvPr id="52" name="Shape 52"/>
+          <p:cNvSpPr txBox="1">
+            <a:spLocks noGrp="1"/>
+          </p:cNvSpPr>
+          <p:nvPr>
+            <p:ph type="body" idx="1"/>
+          </p:nvPr>
+        </p:nvSpPr>
+        <p:spPr>
+          <a:xfrm>
+            <a:off x="685800" y="4343400"/>
+            <a:ext cx="5486400" cy="4114800"/>
+          </a:xfrm>
+          <a:prstGeom prst="rect">
+            <a:avLst/>
+          </a:prstGeom>
+        </p:spPr>
+        <p:txBody>
+          <a:bodyPr wrap="square" lIns="91425" tIns="91425" rIns="91425" bIns="91425" anchor="t" anchorCtr="0">
+            <a:noAutofit/>
+          </a:bodyPr>
+          <a:lstStyle/>
+          <a:p>
+            <a:pPr lvl="0" rtl="0">
+              <a:spcBef>
+                <a:spcPts val="0"/>
+              </a:spcBef>
+              <a:buNone/>
+            </a:pPr>
+            <a:endParaRPr/>
+          </a:p>
+        </p:txBody>
+      </p:sp>
+    </p:spTree>
+    <p:extLst>
+      <p:ext uri="{BB962C8B-B14F-4D97-AF65-F5344CB8AC3E}">
+        <p14:creationId xmlns:p14="http://schemas.microsoft.com/office/powerpoint/2010/main" val="2815267317"/>
+      </p:ext>
+    </p:extLst>
+  </p:cSld>
+  <p:clrMapOvr>
+    <a:masterClrMapping/>
+  </p:clrMapOvr>
+</p:notes>
+</file>
+
 <file path=ppt/slideLayouts/slideLayout1.xml><?xml version="1.0" encoding="utf-8"?>
 <p:sldLayout xmlns:a="http://schemas.openxmlformats.org/drawingml/2006/main" xmlns:r="http://schemas.openxmlformats.org/officeDocument/2006/relationships" xmlns:p="http://schemas.openxmlformats.org/presentationml/2006/main" type="title">
   <p:cSld name="Title slide">
@@ -5865,6 +7468,66 @@
           <a:chExt cx="0" cy="0"/>
         </a:xfrm>
       </p:grpSpPr>
+      <p:graphicFrame>
+        <p:nvGraphicFramePr>
+          <p:cNvPr id="2" name="Object 1" hidden="1"/>
+          <p:cNvGraphicFramePr>
+            <a:graphicFrameLocks noChangeAspect="1"/>
+          </p:cNvGraphicFramePr>
+          <p:nvPr userDrawn="1">
+            <p:custDataLst>
+              <p:tags r:id="rId14"/>
+            </p:custDataLst>
+            <p:extLst>
+              <p:ext uri="{D42A27DB-BD31-4B8C-83A1-F6EECF244321}">
+                <p14:modId xmlns:p14="http://schemas.microsoft.com/office/powerpoint/2010/main" val="2052822773"/>
+              </p:ext>
+            </p:extLst>
+          </p:nvPr>
+        </p:nvGraphicFramePr>
+        <p:xfrm>
+          <a:off x="1588" y="1588"/>
+          <a:ext cx="1588" cy="1588"/>
+        </p:xfrm>
+        <a:graphic>
+          <a:graphicData uri="http://schemas.openxmlformats.org/presentationml/2006/ole">
+            <mc:AlternateContent xmlns:mc="http://schemas.openxmlformats.org/markup-compatibility/2006">
+              <mc:Choice xmlns:v="urn:schemas-microsoft-com:vml" Requires="v">
+                <p:oleObj spid="_x0000_s2055" name="think-cell Slide" r:id="rId15" imgW="473" imgH="476" progId="TCLayout.ActiveDocument.1">
+                  <p:embed/>
+                </p:oleObj>
+              </mc:Choice>
+              <mc:Fallback>
+                <p:oleObj name="think-cell Slide" r:id="rId15" imgW="473" imgH="476" progId="TCLayout.ActiveDocument.1">
+                  <p:embed/>
+                  <p:pic>
+                    <p:nvPicPr>
+                      <p:cNvPr id="0" name=""/>
+                      <p:cNvPicPr/>
+                      <p:nvPr/>
+                    </p:nvPicPr>
+                    <p:blipFill>
+                      <a:blip r:embed="rId16"/>
+                      <a:stretch>
+                        <a:fillRect/>
+                      </a:stretch>
+                    </p:blipFill>
+                    <p:spPr>
+                      <a:xfrm>
+                        <a:off x="1588" y="1588"/>
+                        <a:ext cx="1588" cy="1588"/>
+                      </a:xfrm>
+                      <a:prstGeom prst="rect">
+                        <a:avLst/>
+                      </a:prstGeom>
+                    </p:spPr>
+                  </p:pic>
+                </p:oleObj>
+              </mc:Fallback>
+            </mc:AlternateContent>
+          </a:graphicData>
+        </a:graphic>
+      </p:graphicFrame>
       <p:sp>
         <p:nvSpPr>
           <p:cNvPr id="6" name="Shape 6"/>
@@ -6773,6 +8436,66 @@
           <a:chExt cx="0" cy="0"/>
         </a:xfrm>
       </p:grpSpPr>
+      <p:graphicFrame>
+        <p:nvGraphicFramePr>
+          <p:cNvPr id="3" name="Object 2" hidden="1"/>
+          <p:cNvGraphicFramePr>
+            <a:graphicFrameLocks noChangeAspect="1"/>
+          </p:cNvGraphicFramePr>
+          <p:nvPr>
+            <p:custDataLst>
+              <p:tags r:id="rId2"/>
+            </p:custDataLst>
+            <p:extLst>
+              <p:ext uri="{D42A27DB-BD31-4B8C-83A1-F6EECF244321}">
+                <p14:modId xmlns:p14="http://schemas.microsoft.com/office/powerpoint/2010/main" val="3041709498"/>
+              </p:ext>
+            </p:extLst>
+          </p:nvPr>
+        </p:nvGraphicFramePr>
+        <p:xfrm>
+          <a:off x="1588" y="1588"/>
+          <a:ext cx="1588" cy="1588"/>
+        </p:xfrm>
+        <a:graphic>
+          <a:graphicData uri="http://schemas.openxmlformats.org/presentationml/2006/ole">
+            <mc:AlternateContent xmlns:mc="http://schemas.openxmlformats.org/markup-compatibility/2006">
+              <mc:Choice xmlns:v="urn:schemas-microsoft-com:vml" Requires="v">
+                <p:oleObj spid="_x0000_s1027" name="think-cell Slide" r:id="rId5" imgW="473" imgH="476" progId="TCLayout.ActiveDocument.1">
+                  <p:embed/>
+                </p:oleObj>
+              </mc:Choice>
+              <mc:Fallback>
+                <p:oleObj name="think-cell Slide" r:id="rId5" imgW="473" imgH="476" progId="TCLayout.ActiveDocument.1">
+                  <p:embed/>
+                  <p:pic>
+                    <p:nvPicPr>
+                      <p:cNvPr id="0" name=""/>
+                      <p:cNvPicPr/>
+                      <p:nvPr/>
+                    </p:nvPicPr>
+                    <p:blipFill>
+                      <a:blip r:embed="rId6"/>
+                      <a:stretch>
+                        <a:fillRect/>
+                      </a:stretch>
+                    </p:blipFill>
+                    <p:spPr>
+                      <a:xfrm>
+                        <a:off x="1588" y="1588"/>
+                        <a:ext cx="1588" cy="1588"/>
+                      </a:xfrm>
+                      <a:prstGeom prst="rect">
+                        <a:avLst/>
+                      </a:prstGeom>
+                    </p:spPr>
+                  </p:pic>
+                </p:oleObj>
+              </mc:Fallback>
+            </mc:AlternateContent>
+          </a:graphicData>
+        </a:graphic>
+      </p:graphicFrame>
       <p:sp>
         <p:nvSpPr>
           <p:cNvPr id="54" name="Shape 54"/>
@@ -6829,8 +8552,10 @@
                 <a:solidFill>
                   <a:srgbClr val="565656"/>
                 </a:solidFill>
-                <a:latin typeface="Arial" panose="020B0604020202020204" pitchFamily="34" charset="0"/>
-                <a:ea typeface="MicrosoftYaHei"/>
+                <a:latin typeface="+mn-lt"/>
+                <a:ea typeface="+mn-ea"/>
+                <a:cs typeface="+mn-ea"/>
+                <a:sym typeface="+mn-lt"/>
               </a:rPr>
               <a:t>对学员的学位进行统计</a:t>
             </a:r>
@@ -6839,8 +8564,10 @@
                 <a:solidFill>
                   <a:srgbClr val="565656"/>
                 </a:solidFill>
-                <a:latin typeface="Arial" panose="020B0604020202020204" pitchFamily="34" charset="0"/>
-                <a:ea typeface="MicrosoftYaHei"/>
+                <a:latin typeface="+mn-lt"/>
+                <a:ea typeface="+mn-ea"/>
+                <a:cs typeface="+mn-ea"/>
+                <a:sym typeface="+mn-lt"/>
               </a:rPr>
               <a:t>，</a:t>
             </a:r>
@@ -6849,8 +8576,10 @@
                 <a:solidFill>
                   <a:srgbClr val="565656"/>
                 </a:solidFill>
-                <a:latin typeface="Arial" panose="020B0604020202020204" pitchFamily="34" charset="0"/>
-                <a:ea typeface="MicrosoftYaHei"/>
+                <a:latin typeface="+mn-lt"/>
+                <a:ea typeface="+mn-ea"/>
+                <a:cs typeface="+mn-ea"/>
+                <a:sym typeface="+mn-lt"/>
               </a:rPr>
               <a:t>占最高比例</a:t>
             </a:r>
@@ -6859,8 +8588,10 @@
                 <a:solidFill>
                   <a:srgbClr val="565656"/>
                 </a:solidFill>
-                <a:latin typeface="Arial" panose="020B0604020202020204" pitchFamily="34" charset="0"/>
-                <a:ea typeface="MicrosoftYaHei"/>
+                <a:latin typeface="+mn-lt"/>
+                <a:ea typeface="+mn-ea"/>
+                <a:cs typeface="+mn-ea"/>
+                <a:sym typeface="+mn-lt"/>
               </a:rPr>
               <a:t>学位是</a:t>
             </a:r>
@@ -6869,28 +8600,22 @@
                 <a:solidFill>
                   <a:srgbClr val="565656"/>
                 </a:solidFill>
-                <a:latin typeface="Arial" panose="020B0604020202020204" pitchFamily="34" charset="0"/>
-                <a:ea typeface="MicrosoftYaHei"/>
+                <a:latin typeface="+mn-lt"/>
+                <a:ea typeface="+mn-ea"/>
+                <a:cs typeface="+mn-ea"/>
+                <a:sym typeface="+mn-lt"/>
               </a:rPr>
-              <a:t> </a:t>
-            </a:r>
-            <a:r>
-              <a:rPr lang="en-US" altLang="en-US" dirty="0">
-                <a:solidFill>
-                  <a:srgbClr val="565656"/>
-                </a:solidFill>
-                <a:latin typeface="Arial" panose="020B0604020202020204" pitchFamily="34" charset="0"/>
-                <a:ea typeface="1" panose="020B0606030504020204" pitchFamily="34" charset="0"/>
-              </a:rPr>
-              <a:t>Master</a:t>
+              <a:t> Master</a:t>
             </a:r>
             <a:r>
               <a:rPr lang="zh-CN" altLang="en-US" dirty="0">
                 <a:solidFill>
                   <a:srgbClr val="565656"/>
                 </a:solidFill>
-                <a:latin typeface="Arial" panose="020B0604020202020204" pitchFamily="34" charset="0"/>
-                <a:ea typeface="1" panose="020B0606030504020204" pitchFamily="34" charset="0"/>
+                <a:latin typeface="+mn-lt"/>
+                <a:ea typeface="+mn-ea"/>
+                <a:cs typeface="+mn-ea"/>
+                <a:sym typeface="+mn-lt"/>
               </a:rPr>
               <a:t>，</a:t>
             </a:r>
@@ -6899,8 +8624,10 @@
                 <a:solidFill>
                   <a:srgbClr val="565656"/>
                 </a:solidFill>
-                <a:latin typeface="Arial" panose="020B0604020202020204" pitchFamily="34" charset="0"/>
-                <a:ea typeface="1" panose="020B0606030504020204" pitchFamily="34" charset="0"/>
+                <a:latin typeface="+mn-lt"/>
+                <a:ea typeface="+mn-ea"/>
+                <a:cs typeface="+mn-ea"/>
+                <a:sym typeface="+mn-lt"/>
               </a:rPr>
               <a:t> </a:t>
             </a:r>
@@ -6909,8 +8636,10 @@
                 <a:solidFill>
                   <a:srgbClr val="565656"/>
                 </a:solidFill>
-                <a:latin typeface="Arial" panose="020B0604020202020204" pitchFamily="34" charset="0"/>
-                <a:ea typeface="MicrosoftYaHei"/>
+                <a:latin typeface="+mn-lt"/>
+                <a:ea typeface="+mn-ea"/>
+                <a:cs typeface="+mn-ea"/>
+                <a:sym typeface="+mn-lt"/>
               </a:rPr>
               <a:t>数量为</a:t>
             </a:r>
@@ -6919,38 +8648,22 @@
                 <a:solidFill>
                   <a:srgbClr val="565656"/>
                 </a:solidFill>
-                <a:latin typeface="Arial" panose="020B0604020202020204" pitchFamily="34" charset="0"/>
-                <a:ea typeface="MicrosoftYaHei"/>
+                <a:latin typeface="+mn-lt"/>
+                <a:ea typeface="+mn-ea"/>
+                <a:cs typeface="+mn-ea"/>
+                <a:sym typeface="+mn-lt"/>
               </a:rPr>
-              <a:t> </a:t>
-            </a:r>
-            <a:r>
-              <a:rPr lang="en-US" altLang="en-US" dirty="0">
-                <a:solidFill>
-                  <a:srgbClr val="565656"/>
-                </a:solidFill>
-                <a:latin typeface="Arial" panose="020B0604020202020204" pitchFamily="34" charset="0"/>
-                <a:ea typeface="1" panose="020B0606030504020204" pitchFamily="34" charset="0"/>
-              </a:rPr>
-              <a:t>316</a:t>
-            </a:r>
-            <a:r>
-              <a:rPr lang="en-US" altLang="en-US" dirty="0">
-                <a:solidFill>
-                  <a:srgbClr val="565656"/>
-                </a:solidFill>
-                <a:latin typeface="Arial" panose="020B0604020202020204" pitchFamily="34" charset="0"/>
-                <a:ea typeface="MicrosoftYaHei"/>
-              </a:rPr>
-              <a:t>，</a:t>
+              <a:t> 316，</a:t>
             </a:r>
             <a:r>
               <a:rPr lang="zh-CN" altLang="en-US" dirty="0">
                 <a:solidFill>
                   <a:srgbClr val="565656"/>
                 </a:solidFill>
-                <a:latin typeface="Arial" panose="020B0604020202020204" pitchFamily="34" charset="0"/>
-                <a:ea typeface="MicrosoftYaHei"/>
+                <a:latin typeface="+mn-lt"/>
+                <a:ea typeface="+mn-ea"/>
+                <a:cs typeface="+mn-ea"/>
+                <a:sym typeface="+mn-lt"/>
               </a:rPr>
               <a:t>占总统计人数的</a:t>
             </a:r>
@@ -6959,8 +8672,10 @@
                 <a:solidFill>
                   <a:srgbClr val="565656"/>
                 </a:solidFill>
-                <a:latin typeface="Arial" panose="020B0604020202020204" pitchFamily="34" charset="0"/>
-                <a:ea typeface="MicrosoftYaHei"/>
+                <a:latin typeface="+mn-lt"/>
+                <a:ea typeface="+mn-ea"/>
+                <a:cs typeface="+mn-ea"/>
+                <a:sym typeface="+mn-lt"/>
               </a:rPr>
               <a:t>42%</a:t>
             </a:r>
@@ -6969,8 +8684,10 @@
                 <a:solidFill>
                   <a:srgbClr val="565656"/>
                 </a:solidFill>
-                <a:latin typeface="Arial" panose="020B0604020202020204" pitchFamily="34" charset="0"/>
-                <a:ea typeface="MicrosoftYaHei"/>
+                <a:latin typeface="+mn-lt"/>
+                <a:ea typeface="+mn-ea"/>
+                <a:cs typeface="+mn-ea"/>
+                <a:sym typeface="+mn-lt"/>
               </a:rPr>
               <a:t>。排名第二</a:t>
             </a:r>
@@ -6979,28 +8696,22 @@
                 <a:solidFill>
                   <a:srgbClr val="565656"/>
                 </a:solidFill>
-                <a:latin typeface="Arial" panose="020B0604020202020204" pitchFamily="34" charset="0"/>
-                <a:ea typeface="MicrosoftYaHei"/>
+                <a:latin typeface="+mn-lt"/>
+                <a:ea typeface="+mn-ea"/>
+                <a:cs typeface="+mn-ea"/>
+                <a:sym typeface="+mn-lt"/>
               </a:rPr>
-              <a:t> </a:t>
-            </a:r>
-            <a:r>
-              <a:rPr lang="en-US" altLang="en-US" dirty="0">
-                <a:solidFill>
-                  <a:srgbClr val="565656"/>
-                </a:solidFill>
-                <a:latin typeface="Arial" panose="020B0604020202020204" pitchFamily="34" charset="0"/>
-                <a:ea typeface="1" panose="020B0606030504020204" pitchFamily="34" charset="0"/>
-              </a:rPr>
-              <a:t>Bachelor </a:t>
+              <a:t> Bachelor </a:t>
             </a:r>
             <a:r>
               <a:rPr lang="en-US" altLang="en-US" dirty="0" err="1">
                 <a:solidFill>
                   <a:srgbClr val="565656"/>
                 </a:solidFill>
-                <a:latin typeface="Arial" panose="020B0604020202020204" pitchFamily="34" charset="0"/>
-                <a:ea typeface="MicrosoftYaHei"/>
+                <a:latin typeface="+mn-lt"/>
+                <a:ea typeface="+mn-ea"/>
+                <a:cs typeface="+mn-ea"/>
+                <a:sym typeface="+mn-lt"/>
               </a:rPr>
               <a:t>数量为</a:t>
             </a:r>
@@ -7009,28 +8720,22 @@
                 <a:solidFill>
                   <a:srgbClr val="565656"/>
                 </a:solidFill>
-                <a:latin typeface="Arial" panose="020B0604020202020204" pitchFamily="34" charset="0"/>
-                <a:ea typeface="MicrosoftYaHei"/>
+                <a:latin typeface="+mn-lt"/>
+                <a:ea typeface="+mn-ea"/>
+                <a:cs typeface="+mn-ea"/>
+                <a:sym typeface="+mn-lt"/>
               </a:rPr>
-              <a:t> </a:t>
-            </a:r>
-            <a:r>
-              <a:rPr lang="en-US" altLang="en-US" dirty="0">
-                <a:solidFill>
-                  <a:srgbClr val="565656"/>
-                </a:solidFill>
-                <a:latin typeface="Arial" panose="020B0604020202020204" pitchFamily="34" charset="0"/>
-                <a:ea typeface="1" panose="020B0606030504020204" pitchFamily="34" charset="0"/>
-              </a:rPr>
-              <a:t>283</a:t>
+              <a:t> 283</a:t>
             </a:r>
             <a:r>
               <a:rPr lang="zh-CN" altLang="en-US" dirty="0">
                 <a:solidFill>
                   <a:srgbClr val="565656"/>
                 </a:solidFill>
-                <a:latin typeface="Arial" panose="020B0604020202020204" pitchFamily="34" charset="0"/>
-                <a:ea typeface="1" panose="020B0606030504020204" pitchFamily="34" charset="0"/>
+                <a:latin typeface="+mn-lt"/>
+                <a:ea typeface="+mn-ea"/>
+                <a:cs typeface="+mn-ea"/>
+                <a:sym typeface="+mn-lt"/>
               </a:rPr>
               <a:t>，比例为</a:t>
             </a:r>
@@ -7039,8 +8744,10 @@
                 <a:solidFill>
                   <a:srgbClr val="565656"/>
                 </a:solidFill>
-                <a:latin typeface="Arial" panose="020B0604020202020204" pitchFamily="34" charset="0"/>
-                <a:ea typeface="1" panose="020B0606030504020204" pitchFamily="34" charset="0"/>
+                <a:latin typeface="+mn-lt"/>
+                <a:ea typeface="+mn-ea"/>
+                <a:cs typeface="+mn-ea"/>
+                <a:sym typeface="+mn-lt"/>
               </a:rPr>
               <a:t>37%</a:t>
             </a:r>
@@ -7049,8 +8756,10 @@
                 <a:solidFill>
                   <a:srgbClr val="565656"/>
                 </a:solidFill>
-                <a:latin typeface="Arial" panose="020B0604020202020204" pitchFamily="34" charset="0"/>
-                <a:ea typeface="1" panose="020B0606030504020204" pitchFamily="34" charset="0"/>
+                <a:latin typeface="+mn-lt"/>
+                <a:ea typeface="+mn-ea"/>
+                <a:cs typeface="+mn-ea"/>
+                <a:sym typeface="+mn-lt"/>
               </a:rPr>
               <a:t>。</a:t>
             </a:r>
@@ -7059,8 +8768,10 @@
                 <a:solidFill>
                   <a:srgbClr val="565656"/>
                 </a:solidFill>
-                <a:latin typeface="Arial" panose="020B0604020202020204" pitchFamily="34" charset="0"/>
-                <a:ea typeface="MicrosoftYaHei"/>
+                <a:latin typeface="+mn-lt"/>
+                <a:ea typeface="+mn-ea"/>
+                <a:cs typeface="+mn-ea"/>
+                <a:sym typeface="+mn-lt"/>
               </a:rPr>
               <a:t>此外，可以发现在还有</a:t>
             </a:r>
@@ -7069,28 +8780,22 @@
                 <a:solidFill>
                   <a:srgbClr val="565656"/>
                 </a:solidFill>
-                <a:latin typeface="Arial" panose="020B0604020202020204" pitchFamily="34" charset="0"/>
-                <a:ea typeface="MicrosoftYaHei"/>
+                <a:latin typeface="+mn-lt"/>
+                <a:ea typeface="+mn-ea"/>
+                <a:cs typeface="+mn-ea"/>
+                <a:sym typeface="+mn-lt"/>
               </a:rPr>
-              <a:t> </a:t>
-            </a:r>
-            <a:r>
-              <a:rPr lang="en-US" altLang="en-US" dirty="0">
-                <a:solidFill>
-                  <a:srgbClr val="565656"/>
-                </a:solidFill>
-                <a:latin typeface="Arial" panose="020B0604020202020204" pitchFamily="34" charset="0"/>
-                <a:ea typeface="1" panose="020B0606030504020204" pitchFamily="34" charset="0"/>
-              </a:rPr>
-              <a:t>High school </a:t>
+              <a:t> High school </a:t>
             </a:r>
             <a:r>
               <a:rPr lang="en-US" altLang="en-US" dirty="0" err="1">
                 <a:solidFill>
                   <a:srgbClr val="565656"/>
                 </a:solidFill>
-                <a:latin typeface="Arial" panose="020B0604020202020204" pitchFamily="34" charset="0"/>
-                <a:ea typeface="MicrosoftYaHei"/>
+                <a:latin typeface="+mn-lt"/>
+                <a:ea typeface="+mn-ea"/>
+                <a:cs typeface="+mn-ea"/>
+                <a:sym typeface="+mn-lt"/>
               </a:rPr>
               <a:t>以及其下等级的学员参与学习</a:t>
             </a:r>
@@ -7099,8 +8804,10 @@
                 <a:solidFill>
                   <a:srgbClr val="565656"/>
                 </a:solidFill>
-                <a:latin typeface="Arial" panose="020B0604020202020204" pitchFamily="34" charset="0"/>
-                <a:ea typeface="MicrosoftYaHei"/>
+                <a:latin typeface="+mn-lt"/>
+                <a:ea typeface="+mn-ea"/>
+                <a:cs typeface="+mn-ea"/>
+                <a:sym typeface="+mn-lt"/>
               </a:rPr>
               <a:t>。 </a:t>
             </a:r>
@@ -7108,7 +8815,10 @@
               <a:solidFill>
                 <a:schemeClr val="tx1"/>
               </a:solidFill>
-              <a:latin typeface="Arial" panose="020B0604020202020204" pitchFamily="34" charset="0"/>
+              <a:latin typeface="+mn-lt"/>
+              <a:ea typeface="+mn-ea"/>
+              <a:cs typeface="+mn-ea"/>
+              <a:sym typeface="+mn-lt"/>
             </a:endParaRPr>
           </a:p>
         </p:txBody>
@@ -7152,10 +8862,10 @@
                 <a:solidFill>
                   <a:srgbClr val="FFFFFF"/>
                 </a:solidFill>
-                <a:latin typeface="Open Sans"/>
-                <a:ea typeface="Open Sans"/>
-                <a:cs typeface="Open Sans"/>
-                <a:sym typeface="Open Sans"/>
+                <a:latin typeface="+mn-lt"/>
+                <a:ea typeface="+mn-ea"/>
+                <a:cs typeface="+mn-ea"/>
+                <a:sym typeface="+mn-lt"/>
               </a:rPr>
               <a:t>学员</a:t>
             </a:r>
@@ -7164,10 +8874,10 @@
                 <a:solidFill>
                   <a:srgbClr val="FFFFFF"/>
                 </a:solidFill>
-                <a:latin typeface="Open Sans"/>
-                <a:ea typeface="Open Sans"/>
-                <a:cs typeface="Open Sans"/>
-                <a:sym typeface="Open Sans"/>
+                <a:latin typeface="+mn-lt"/>
+                <a:ea typeface="+mn-ea"/>
+                <a:cs typeface="+mn-ea"/>
+                <a:sym typeface="+mn-lt"/>
               </a:rPr>
               <a:t>最高学历占最高比例的是哪个？</a:t>
             </a:r>
@@ -7175,10 +8885,10 @@
               <a:solidFill>
                 <a:srgbClr val="FFFFFF"/>
               </a:solidFill>
-              <a:latin typeface="Open Sans"/>
-              <a:ea typeface="Open Sans"/>
-              <a:cs typeface="Open Sans"/>
-              <a:sym typeface="Open Sans"/>
+              <a:latin typeface="+mn-lt"/>
+              <a:ea typeface="+mn-ea"/>
+              <a:cs typeface="+mn-ea"/>
+              <a:sym typeface="+mn-lt"/>
             </a:endParaRPr>
           </a:p>
         </p:txBody>
@@ -7198,7 +8908,7 @@
           <p:nvPr>
             <p:extLst>
               <p:ext uri="{D42A27DB-BD31-4B8C-83A1-F6EECF244321}">
-                <p14:modId xmlns:p14="http://schemas.microsoft.com/office/powerpoint/2010/main" val="3383364183"/>
+                <p14:modId xmlns:p14="http://schemas.microsoft.com/office/powerpoint/2010/main" val="3272138883"/>
               </p:ext>
             </p:extLst>
           </p:nvPr>
@@ -7242,6 +8952,10 @@
                             <a:schemeClr val="bg1"/>
                           </a:solidFill>
                           <a:effectLst/>
+                          <a:latin typeface="+mn-lt"/>
+                          <a:ea typeface="+mn-ea"/>
+                          <a:cs typeface="+mn-ea"/>
+                          <a:sym typeface="+mn-lt"/>
                         </a:rPr>
                         <a:t>Highest Level of Education</a:t>
                       </a:r>
@@ -7250,7 +8964,10 @@
                           <a:schemeClr val="bg1"/>
                         </a:solidFill>
                         <a:effectLst/>
-                        <a:latin typeface="Arial" panose="020B0604020202020204" pitchFamily="34" charset="0"/>
+                        <a:latin typeface="+mn-lt"/>
+                        <a:ea typeface="+mn-ea"/>
+                        <a:cs typeface="+mn-ea"/>
+                        <a:sym typeface="+mn-lt"/>
                       </a:endParaRPr>
                     </a:p>
                   </a:txBody>
@@ -7272,6 +8989,10 @@
                             <a:schemeClr val="bg1"/>
                           </a:solidFill>
                           <a:effectLst/>
+                          <a:latin typeface="+mn-lt"/>
+                          <a:ea typeface="+mn-ea"/>
+                          <a:cs typeface="+mn-ea"/>
+                          <a:sym typeface="+mn-lt"/>
                         </a:rPr>
                         <a:t>Total</a:t>
                       </a:r>
@@ -7280,7 +9001,10 @@
                           <a:schemeClr val="bg1"/>
                         </a:solidFill>
                         <a:effectLst/>
-                        <a:latin typeface="Arial" panose="020B0604020202020204" pitchFamily="34" charset="0"/>
+                        <a:latin typeface="+mn-lt"/>
+                        <a:ea typeface="+mn-ea"/>
+                        <a:cs typeface="+mn-ea"/>
+                        <a:sym typeface="+mn-lt"/>
                       </a:endParaRPr>
                     </a:p>
                   </a:txBody>
@@ -7306,6 +9030,10 @@
                       <a:r>
                         <a:rPr lang="en-US" sz="1200" u="none" strike="noStrike">
                           <a:effectLst/>
+                          <a:latin typeface="+mn-lt"/>
+                          <a:ea typeface="+mn-ea"/>
+                          <a:cs typeface="+mn-ea"/>
+                          <a:sym typeface="+mn-lt"/>
                         </a:rPr>
                         <a:t>Associates</a:t>
                       </a:r>
@@ -7314,7 +9042,10 @@
                           <a:srgbClr val="000000"/>
                         </a:solidFill>
                         <a:effectLst/>
-                        <a:latin typeface="Arial" panose="020B0604020202020204" pitchFamily="34" charset="0"/>
+                        <a:latin typeface="+mn-lt"/>
+                        <a:ea typeface="+mn-ea"/>
+                        <a:cs typeface="+mn-ea"/>
+                        <a:sym typeface="+mn-lt"/>
                       </a:endParaRPr>
                     </a:p>
                   </a:txBody>
@@ -7329,6 +9060,10 @@
                       <a:r>
                         <a:rPr lang="en-US" sz="1200" u="none" strike="noStrike" dirty="0">
                           <a:effectLst/>
+                          <a:latin typeface="+mn-lt"/>
+                          <a:ea typeface="+mn-ea"/>
+                          <a:cs typeface="+mn-ea"/>
+                          <a:sym typeface="+mn-lt"/>
                         </a:rPr>
                         <a:t>12</a:t>
                       </a:r>
@@ -7337,7 +9072,10 @@
                           <a:srgbClr val="000000"/>
                         </a:solidFill>
                         <a:effectLst/>
-                        <a:latin typeface="Arial" panose="020B0604020202020204" pitchFamily="34" charset="0"/>
+                        <a:latin typeface="+mn-lt"/>
+                        <a:ea typeface="+mn-ea"/>
+                        <a:cs typeface="+mn-ea"/>
+                        <a:sym typeface="+mn-lt"/>
                       </a:endParaRPr>
                     </a:p>
                   </a:txBody>
@@ -7359,6 +9097,10 @@
                       <a:r>
                         <a:rPr lang="en-US" sz="1200" u="none" strike="noStrike">
                           <a:effectLst/>
+                          <a:latin typeface="+mn-lt"/>
+                          <a:ea typeface="+mn-ea"/>
+                          <a:cs typeface="+mn-ea"/>
+                          <a:sym typeface="+mn-lt"/>
                         </a:rPr>
                         <a:t>High school or below</a:t>
                       </a:r>
@@ -7367,7 +9109,10 @@
                           <a:srgbClr val="000000"/>
                         </a:solidFill>
                         <a:effectLst/>
-                        <a:latin typeface="Arial" panose="020B0604020202020204" pitchFamily="34" charset="0"/>
+                        <a:latin typeface="+mn-lt"/>
+                        <a:ea typeface="+mn-ea"/>
+                        <a:cs typeface="+mn-ea"/>
+                        <a:sym typeface="+mn-lt"/>
                       </a:endParaRPr>
                     </a:p>
                   </a:txBody>
@@ -7382,6 +9127,10 @@
                       <a:r>
                         <a:rPr lang="en-US" sz="1200" u="none" strike="noStrike">
                           <a:effectLst/>
+                          <a:latin typeface="+mn-lt"/>
+                          <a:ea typeface="+mn-ea"/>
+                          <a:cs typeface="+mn-ea"/>
+                          <a:sym typeface="+mn-lt"/>
                         </a:rPr>
                         <a:t>24</a:t>
                       </a:r>
@@ -7390,7 +9139,10 @@
                           <a:srgbClr val="000000"/>
                         </a:solidFill>
                         <a:effectLst/>
-                        <a:latin typeface="Arial" panose="020B0604020202020204" pitchFamily="34" charset="0"/>
+                        <a:latin typeface="+mn-lt"/>
+                        <a:ea typeface="+mn-ea"/>
+                        <a:cs typeface="+mn-ea"/>
+                        <a:sym typeface="+mn-lt"/>
                       </a:endParaRPr>
                     </a:p>
                   </a:txBody>
@@ -7412,6 +9164,10 @@
                       <a:r>
                         <a:rPr lang="en-US" sz="1200" u="none" strike="noStrike">
                           <a:effectLst/>
+                          <a:latin typeface="+mn-lt"/>
+                          <a:ea typeface="+mn-ea"/>
+                          <a:cs typeface="+mn-ea"/>
+                          <a:sym typeface="+mn-lt"/>
                         </a:rPr>
                         <a:t>Nanodegree Program</a:t>
                       </a:r>
@@ -7420,7 +9176,10 @@
                           <a:srgbClr val="000000"/>
                         </a:solidFill>
                         <a:effectLst/>
-                        <a:latin typeface="Arial" panose="020B0604020202020204" pitchFamily="34" charset="0"/>
+                        <a:latin typeface="+mn-lt"/>
+                        <a:ea typeface="+mn-ea"/>
+                        <a:cs typeface="+mn-ea"/>
+                        <a:sym typeface="+mn-lt"/>
                       </a:endParaRPr>
                     </a:p>
                   </a:txBody>
@@ -7435,6 +9194,10 @@
                       <a:r>
                         <a:rPr lang="en-US" sz="1200" u="none" strike="noStrike" dirty="0">
                           <a:effectLst/>
+                          <a:latin typeface="+mn-lt"/>
+                          <a:ea typeface="+mn-ea"/>
+                          <a:cs typeface="+mn-ea"/>
+                          <a:sym typeface="+mn-lt"/>
                         </a:rPr>
                         <a:t>45</a:t>
                       </a:r>
@@ -7443,7 +9206,10 @@
                           <a:srgbClr val="000000"/>
                         </a:solidFill>
                         <a:effectLst/>
-                        <a:latin typeface="Arial" panose="020B0604020202020204" pitchFamily="34" charset="0"/>
+                        <a:latin typeface="+mn-lt"/>
+                        <a:ea typeface="+mn-ea"/>
+                        <a:cs typeface="+mn-ea"/>
+                        <a:sym typeface="+mn-lt"/>
                       </a:endParaRPr>
                     </a:p>
                   </a:txBody>
@@ -7463,17 +9229,24 @@
                     <a:p>
                       <a:pPr algn="ctr" fontAlgn="b"/>
                       <a:r>
-                        <a:rPr lang="en-US" sz="1200" u="none" strike="noStrike">
+                        <a:rPr lang="en-US" sz="1200" u="none" strike="noStrike" dirty="0">
                           <a:effectLst/>
+                          <a:latin typeface="+mn-lt"/>
+                          <a:ea typeface="+mn-ea"/>
+                          <a:cs typeface="+mn-ea"/>
+                          <a:sym typeface="+mn-lt"/>
                         </a:rPr>
                         <a:t>PhD</a:t>
                       </a:r>
-                      <a:endParaRPr lang="en-US" sz="1200" b="0" i="0" u="none" strike="noStrike">
+                      <a:endParaRPr lang="en-US" sz="1200" b="0" i="0" u="none" strike="noStrike" dirty="0">
                         <a:solidFill>
                           <a:srgbClr val="000000"/>
                         </a:solidFill>
                         <a:effectLst/>
-                        <a:latin typeface="Arial" panose="020B0604020202020204" pitchFamily="34" charset="0"/>
+                        <a:latin typeface="+mn-lt"/>
+                        <a:ea typeface="+mn-ea"/>
+                        <a:cs typeface="+mn-ea"/>
+                        <a:sym typeface="+mn-lt"/>
                       </a:endParaRPr>
                     </a:p>
                   </a:txBody>
@@ -7488,6 +9261,10 @@
                       <a:r>
                         <a:rPr lang="en-US" sz="1200" u="none" strike="noStrike">
                           <a:effectLst/>
+                          <a:latin typeface="+mn-lt"/>
+                          <a:ea typeface="+mn-ea"/>
+                          <a:cs typeface="+mn-ea"/>
+                          <a:sym typeface="+mn-lt"/>
                         </a:rPr>
                         <a:t>73</a:t>
                       </a:r>
@@ -7496,7 +9273,10 @@
                           <a:srgbClr val="000000"/>
                         </a:solidFill>
                         <a:effectLst/>
-                        <a:latin typeface="Arial" panose="020B0604020202020204" pitchFamily="34" charset="0"/>
+                        <a:latin typeface="+mn-lt"/>
+                        <a:ea typeface="+mn-ea"/>
+                        <a:cs typeface="+mn-ea"/>
+                        <a:sym typeface="+mn-lt"/>
                       </a:endParaRPr>
                     </a:p>
                   </a:txBody>
@@ -7518,6 +9298,10 @@
                       <a:r>
                         <a:rPr lang="en-US" sz="1200" u="none" strike="noStrike">
                           <a:effectLst/>
+                          <a:latin typeface="+mn-lt"/>
+                          <a:ea typeface="+mn-ea"/>
+                          <a:cs typeface="+mn-ea"/>
+                          <a:sym typeface="+mn-lt"/>
                         </a:rPr>
                         <a:t>Bachelors</a:t>
                       </a:r>
@@ -7526,7 +9310,10 @@
                           <a:srgbClr val="000000"/>
                         </a:solidFill>
                         <a:effectLst/>
-                        <a:latin typeface="Arial" panose="020B0604020202020204" pitchFamily="34" charset="0"/>
+                        <a:latin typeface="+mn-lt"/>
+                        <a:ea typeface="+mn-ea"/>
+                        <a:cs typeface="+mn-ea"/>
+                        <a:sym typeface="+mn-lt"/>
                       </a:endParaRPr>
                     </a:p>
                   </a:txBody>
@@ -7541,6 +9328,10 @@
                       <a:r>
                         <a:rPr lang="en-US" sz="1200" u="none" strike="noStrike">
                           <a:effectLst/>
+                          <a:latin typeface="+mn-lt"/>
+                          <a:ea typeface="+mn-ea"/>
+                          <a:cs typeface="+mn-ea"/>
+                          <a:sym typeface="+mn-lt"/>
                         </a:rPr>
                         <a:t>283</a:t>
                       </a:r>
@@ -7549,7 +9340,10 @@
                           <a:srgbClr val="000000"/>
                         </a:solidFill>
                         <a:effectLst/>
-                        <a:latin typeface="Arial" panose="020B0604020202020204" pitchFamily="34" charset="0"/>
+                        <a:latin typeface="+mn-lt"/>
+                        <a:ea typeface="+mn-ea"/>
+                        <a:cs typeface="+mn-ea"/>
+                        <a:sym typeface="+mn-lt"/>
                       </a:endParaRPr>
                     </a:p>
                   </a:txBody>
@@ -7571,6 +9365,10 @@
                       <a:r>
                         <a:rPr lang="en-US" sz="1200" u="none" strike="noStrike">
                           <a:effectLst/>
+                          <a:latin typeface="+mn-lt"/>
+                          <a:ea typeface="+mn-ea"/>
+                          <a:cs typeface="+mn-ea"/>
+                          <a:sym typeface="+mn-lt"/>
                         </a:rPr>
                         <a:t>Masters</a:t>
                       </a:r>
@@ -7579,7 +9377,10 @@
                           <a:srgbClr val="000000"/>
                         </a:solidFill>
                         <a:effectLst/>
-                        <a:latin typeface="Arial" panose="020B0604020202020204" pitchFamily="34" charset="0"/>
+                        <a:latin typeface="+mn-lt"/>
+                        <a:ea typeface="+mn-ea"/>
+                        <a:cs typeface="+mn-ea"/>
+                        <a:sym typeface="+mn-lt"/>
                       </a:endParaRPr>
                     </a:p>
                   </a:txBody>
@@ -7594,6 +9395,10 @@
                       <a:r>
                         <a:rPr lang="en-US" sz="1200" u="none" strike="noStrike">
                           <a:effectLst/>
+                          <a:latin typeface="+mn-lt"/>
+                          <a:ea typeface="+mn-ea"/>
+                          <a:cs typeface="+mn-ea"/>
+                          <a:sym typeface="+mn-lt"/>
                         </a:rPr>
                         <a:t>316</a:t>
                       </a:r>
@@ -7602,7 +9407,10 @@
                           <a:srgbClr val="000000"/>
                         </a:solidFill>
                         <a:effectLst/>
-                        <a:latin typeface="Arial" panose="020B0604020202020204" pitchFamily="34" charset="0"/>
+                        <a:latin typeface="+mn-lt"/>
+                        <a:ea typeface="+mn-ea"/>
+                        <a:cs typeface="+mn-ea"/>
+                        <a:sym typeface="+mn-lt"/>
                       </a:endParaRPr>
                     </a:p>
                   </a:txBody>
@@ -7627,6 +9435,10 @@
                             <a:schemeClr val="bg1"/>
                           </a:solidFill>
                           <a:effectLst/>
+                          <a:latin typeface="+mn-lt"/>
+                          <a:ea typeface="+mn-ea"/>
+                          <a:cs typeface="+mn-ea"/>
+                          <a:sym typeface="+mn-lt"/>
                         </a:rPr>
                         <a:t>Grand Total</a:t>
                       </a:r>
@@ -7635,7 +9447,10 @@
                           <a:schemeClr val="bg1"/>
                         </a:solidFill>
                         <a:effectLst/>
-                        <a:latin typeface="Arial" panose="020B0604020202020204" pitchFamily="34" charset="0"/>
+                        <a:latin typeface="+mn-lt"/>
+                        <a:ea typeface="+mn-ea"/>
+                        <a:cs typeface="+mn-ea"/>
+                        <a:sym typeface="+mn-lt"/>
                       </a:endParaRPr>
                     </a:p>
                   </a:txBody>
@@ -7657,6 +9472,10 @@
                             <a:schemeClr val="bg1"/>
                           </a:solidFill>
                           <a:effectLst/>
+                          <a:latin typeface="+mn-lt"/>
+                          <a:ea typeface="+mn-ea"/>
+                          <a:cs typeface="+mn-ea"/>
+                          <a:sym typeface="+mn-lt"/>
                         </a:rPr>
                         <a:t>753</a:t>
                       </a:r>
@@ -7665,7 +9484,10 @@
                           <a:schemeClr val="bg1"/>
                         </a:solidFill>
                         <a:effectLst/>
-                        <a:latin typeface="Arial" panose="020B0604020202020204" pitchFamily="34" charset="0"/>
+                        <a:latin typeface="+mn-lt"/>
+                        <a:ea typeface="+mn-ea"/>
+                        <a:cs typeface="+mn-ea"/>
+                        <a:sym typeface="+mn-lt"/>
                       </a:endParaRPr>
                     </a:p>
                   </a:txBody>
@@ -7711,7 +9533,7 @@
         </p:xfrm>
         <a:graphic>
           <a:graphicData uri="http://schemas.openxmlformats.org/drawingml/2006/chart">
-            <c:chart xmlns:c="http://schemas.openxmlformats.org/drawingml/2006/chart" xmlns:r="http://schemas.openxmlformats.org/officeDocument/2006/relationships" r:id="rId4"/>
+            <c:chart xmlns:c="http://schemas.openxmlformats.org/drawingml/2006/chart" xmlns:r="http://schemas.openxmlformats.org/officeDocument/2006/relationships" r:id="rId7"/>
           </a:graphicData>
         </a:graphic>
       </p:graphicFrame>
@@ -7740,6 +9562,66 @@
           <a:chExt cx="0" cy="0"/>
         </a:xfrm>
       </p:grpSpPr>
+      <p:graphicFrame>
+        <p:nvGraphicFramePr>
+          <p:cNvPr id="2" name="Object 1" hidden="1"/>
+          <p:cNvGraphicFramePr>
+            <a:graphicFrameLocks noChangeAspect="1"/>
+          </p:cNvGraphicFramePr>
+          <p:nvPr>
+            <p:custDataLst>
+              <p:tags r:id="rId2"/>
+            </p:custDataLst>
+            <p:extLst>
+              <p:ext uri="{D42A27DB-BD31-4B8C-83A1-F6EECF244321}">
+                <p14:modId xmlns:p14="http://schemas.microsoft.com/office/powerpoint/2010/main" val="3581492194"/>
+              </p:ext>
+            </p:extLst>
+          </p:nvPr>
+        </p:nvGraphicFramePr>
+        <p:xfrm>
+          <a:off x="1588" y="1588"/>
+          <a:ext cx="1588" cy="1588"/>
+        </p:xfrm>
+        <a:graphic>
+          <a:graphicData uri="http://schemas.openxmlformats.org/presentationml/2006/ole">
+            <mc:AlternateContent xmlns:mc="http://schemas.openxmlformats.org/markup-compatibility/2006">
+              <mc:Choice xmlns:v="urn:schemas-microsoft-com:vml" Requires="v">
+                <p:oleObj spid="_x0000_s4099" name="think-cell Slide" r:id="rId5" imgW="473" imgH="476" progId="TCLayout.ActiveDocument.1">
+                  <p:embed/>
+                </p:oleObj>
+              </mc:Choice>
+              <mc:Fallback>
+                <p:oleObj name="think-cell Slide" r:id="rId5" imgW="473" imgH="476" progId="TCLayout.ActiveDocument.1">
+                  <p:embed/>
+                  <p:pic>
+                    <p:nvPicPr>
+                      <p:cNvPr id="0" name=""/>
+                      <p:cNvPicPr/>
+                      <p:nvPr/>
+                    </p:nvPicPr>
+                    <p:blipFill>
+                      <a:blip r:embed="rId6"/>
+                      <a:stretch>
+                        <a:fillRect/>
+                      </a:stretch>
+                    </p:blipFill>
+                    <p:spPr>
+                      <a:xfrm>
+                        <a:off x="1588" y="1588"/>
+                        <a:ext cx="1588" cy="1588"/>
+                      </a:xfrm>
+                      <a:prstGeom prst="rect">
+                        <a:avLst/>
+                      </a:prstGeom>
+                    </p:spPr>
+                  </p:pic>
+                </p:oleObj>
+              </mc:Fallback>
+            </mc:AlternateContent>
+          </a:graphicData>
+        </a:graphic>
+      </p:graphicFrame>
       <p:sp>
         <p:nvSpPr>
           <p:cNvPr id="54" name="Shape 54"/>
@@ -7792,86 +9674,184 @@
               <a:buNone/>
             </a:pPr>
             <a:r>
-              <a:rPr lang="zh-CN" altLang="en-US" dirty="0"/>
+              <a:rPr lang="zh-CN" altLang="en-US" dirty="0">
+                <a:latin typeface="+mn-lt"/>
+                <a:ea typeface="+mn-ea"/>
+                <a:cs typeface="+mn-ea"/>
+                <a:sym typeface="+mn-lt"/>
+              </a:rPr>
               <a:t>该图表显示偏向左分布，这意味着均值小于中位数，这也表明大多数毕业生喜欢</a:t>
             </a:r>
             <a:r>
-              <a:rPr lang="en-US" altLang="zh-CN" dirty="0"/>
+              <a:rPr lang="en-US" altLang="zh-CN" dirty="0">
+                <a:latin typeface="+mn-lt"/>
+                <a:ea typeface="+mn-ea"/>
+                <a:cs typeface="+mn-ea"/>
+                <a:sym typeface="+mn-lt"/>
+              </a:rPr>
               <a:t>Udacity</a:t>
             </a:r>
             <a:r>
-              <a:rPr lang="zh-CN" altLang="en-US" dirty="0"/>
+              <a:rPr lang="zh-CN" altLang="en-US" dirty="0">
+                <a:latin typeface="+mn-lt"/>
+                <a:ea typeface="+mn-ea"/>
+                <a:cs typeface="+mn-ea"/>
+                <a:sym typeface="+mn-lt"/>
+              </a:rPr>
               <a:t>课程。 </a:t>
             </a:r>
             <a:r>
-              <a:rPr lang="en-US" altLang="zh-CN" dirty="0"/>
+              <a:rPr lang="en-US" altLang="zh-CN" dirty="0">
+                <a:latin typeface="+mn-lt"/>
+                <a:ea typeface="+mn-ea"/>
+                <a:cs typeface="+mn-ea"/>
+                <a:sym typeface="+mn-lt"/>
+              </a:rPr>
               <a:t>min</a:t>
             </a:r>
             <a:r>
-              <a:rPr lang="zh-CN" altLang="en-US" dirty="0"/>
+              <a:rPr lang="zh-CN" altLang="en-US" dirty="0">
+                <a:latin typeface="+mn-lt"/>
+                <a:ea typeface="+mn-ea"/>
+                <a:cs typeface="+mn-ea"/>
+                <a:sym typeface="+mn-lt"/>
+              </a:rPr>
               <a:t>为</a:t>
             </a:r>
             <a:r>
-              <a:rPr lang="en-US" altLang="zh-CN" dirty="0"/>
+              <a:rPr lang="en-US" altLang="zh-CN" dirty="0">
+                <a:latin typeface="+mn-lt"/>
+                <a:ea typeface="+mn-ea"/>
+                <a:cs typeface="+mn-ea"/>
+                <a:sym typeface="+mn-lt"/>
+              </a:rPr>
               <a:t>0</a:t>
             </a:r>
             <a:r>
-              <a:rPr lang="zh-CN" altLang="en-US" dirty="0"/>
+              <a:rPr lang="zh-CN" altLang="en-US" dirty="0">
+                <a:latin typeface="+mn-lt"/>
+                <a:ea typeface="+mn-ea"/>
+                <a:cs typeface="+mn-ea"/>
+                <a:sym typeface="+mn-lt"/>
+              </a:rPr>
               <a:t>，</a:t>
             </a:r>
             <a:r>
-              <a:rPr lang="en-US" altLang="zh-CN" dirty="0"/>
+              <a:rPr lang="en-US" altLang="zh-CN" dirty="0">
+                <a:latin typeface="+mn-lt"/>
+                <a:ea typeface="+mn-ea"/>
+                <a:cs typeface="+mn-ea"/>
+                <a:sym typeface="+mn-lt"/>
+              </a:rPr>
               <a:t>max</a:t>
             </a:r>
             <a:r>
-              <a:rPr lang="zh-CN" altLang="en-US" dirty="0"/>
+              <a:rPr lang="zh-CN" altLang="en-US" dirty="0">
+                <a:latin typeface="+mn-lt"/>
+                <a:ea typeface="+mn-ea"/>
+                <a:cs typeface="+mn-ea"/>
+                <a:sym typeface="+mn-lt"/>
+              </a:rPr>
               <a:t>为</a:t>
             </a:r>
             <a:r>
-              <a:rPr lang="en-US" altLang="zh-CN" dirty="0"/>
+              <a:rPr lang="en-US" altLang="zh-CN" dirty="0">
+                <a:latin typeface="+mn-lt"/>
+                <a:ea typeface="+mn-ea"/>
+                <a:cs typeface="+mn-ea"/>
+                <a:sym typeface="+mn-lt"/>
+              </a:rPr>
               <a:t>10</a:t>
             </a:r>
             <a:r>
-              <a:rPr lang="zh-CN" altLang="en-US" dirty="0"/>
+              <a:rPr lang="zh-CN" altLang="en-US" dirty="0">
+                <a:latin typeface="+mn-lt"/>
+                <a:ea typeface="+mn-ea"/>
+                <a:cs typeface="+mn-ea"/>
+                <a:sym typeface="+mn-lt"/>
+              </a:rPr>
               <a:t>，告诉我们对分布的极端观察有多广泛的分布。中位数和众数分别为</a:t>
             </a:r>
             <a:r>
-              <a:rPr lang="en-US" altLang="zh-CN" dirty="0"/>
+              <a:rPr lang="en-US" altLang="zh-CN" dirty="0">
+                <a:latin typeface="+mn-lt"/>
+                <a:ea typeface="+mn-ea"/>
+                <a:cs typeface="+mn-ea"/>
+                <a:sym typeface="+mn-lt"/>
+              </a:rPr>
               <a:t>8.98</a:t>
             </a:r>
             <a:r>
-              <a:rPr lang="zh-CN" altLang="en-US" dirty="0"/>
+              <a:rPr lang="zh-CN" altLang="en-US" dirty="0">
+                <a:latin typeface="+mn-lt"/>
+                <a:ea typeface="+mn-ea"/>
+                <a:cs typeface="+mn-ea"/>
+                <a:sym typeface="+mn-lt"/>
+              </a:rPr>
               <a:t>和</a:t>
             </a:r>
             <a:r>
-              <a:rPr lang="en-US" altLang="zh-CN" dirty="0"/>
+              <a:rPr lang="en-US" altLang="zh-CN" dirty="0">
+                <a:latin typeface="+mn-lt"/>
+                <a:ea typeface="+mn-ea"/>
+                <a:cs typeface="+mn-ea"/>
+                <a:sym typeface="+mn-lt"/>
+              </a:rPr>
               <a:t>10</a:t>
             </a:r>
             <a:r>
-              <a:rPr lang="zh-CN" altLang="en-US" dirty="0"/>
+              <a:rPr lang="zh-CN" altLang="en-US" dirty="0">
+                <a:latin typeface="+mn-lt"/>
+                <a:ea typeface="+mn-ea"/>
+                <a:cs typeface="+mn-ea"/>
+                <a:sym typeface="+mn-lt"/>
+              </a:rPr>
               <a:t>，这意味着大多数学生的最低评分为</a:t>
             </a:r>
             <a:r>
-              <a:rPr lang="en-US" altLang="zh-CN" dirty="0"/>
+              <a:rPr lang="en-US" altLang="zh-CN" dirty="0">
+                <a:latin typeface="+mn-lt"/>
+                <a:ea typeface="+mn-ea"/>
+                <a:cs typeface="+mn-ea"/>
+                <a:sym typeface="+mn-lt"/>
+              </a:rPr>
               <a:t>8</a:t>
             </a:r>
             <a:r>
-              <a:rPr lang="zh-CN" altLang="en-US" dirty="0"/>
+              <a:rPr lang="zh-CN" altLang="en-US" dirty="0">
+                <a:latin typeface="+mn-lt"/>
+                <a:ea typeface="+mn-ea"/>
+                <a:cs typeface="+mn-ea"/>
+                <a:sym typeface="+mn-lt"/>
+              </a:rPr>
               <a:t>。标准差为</a:t>
             </a:r>
             <a:r>
-              <a:rPr lang="en-US" altLang="zh-CN" dirty="0"/>
+              <a:rPr lang="en-US" altLang="zh-CN" dirty="0">
+                <a:latin typeface="+mn-lt"/>
+                <a:ea typeface="+mn-ea"/>
+                <a:cs typeface="+mn-ea"/>
+                <a:sym typeface="+mn-lt"/>
+              </a:rPr>
               <a:t>1.36</a:t>
             </a:r>
             <a:r>
-              <a:rPr lang="zh-CN" altLang="en-US" dirty="0"/>
+              <a:rPr lang="zh-CN" altLang="en-US" dirty="0">
+                <a:latin typeface="+mn-lt"/>
+                <a:ea typeface="+mn-ea"/>
+                <a:cs typeface="+mn-ea"/>
+                <a:sym typeface="+mn-lt"/>
+              </a:rPr>
               <a:t>，这表明大多数评分非常接近平均值。</a:t>
             </a:r>
             <a:endParaRPr lang="en-US" altLang="en-US" sz="1800" dirty="0">
               <a:solidFill>
                 <a:schemeClr val="tx1"/>
               </a:solidFill>
-              <a:latin typeface="Arial" panose="020B0604020202020204" pitchFamily="34" charset="0"/>
+              <a:latin typeface="+mn-lt"/>
+              <a:ea typeface="+mn-ea"/>
+              <a:cs typeface="+mn-ea"/>
+              <a:sym typeface="+mn-lt"/>
             </a:endParaRPr>
           </a:p>
         </p:txBody>
@@ -7915,10 +9895,10 @@
                 <a:solidFill>
                   <a:srgbClr val="FFFFFF"/>
                 </a:solidFill>
-                <a:latin typeface="Open Sans"/>
-                <a:ea typeface="Open Sans"/>
-                <a:cs typeface="Open Sans"/>
-                <a:sym typeface="Open Sans"/>
+                <a:latin typeface="+mn-lt"/>
+                <a:ea typeface="+mn-ea"/>
+                <a:cs typeface="+mn-ea"/>
+                <a:sym typeface="+mn-lt"/>
               </a:rPr>
               <a:t>学员</a:t>
             </a:r>
@@ -7927,10 +9907,10 @@
                 <a:solidFill>
                   <a:srgbClr val="FFFFFF"/>
                 </a:solidFill>
-                <a:latin typeface="Open Sans"/>
-                <a:ea typeface="Open Sans"/>
-                <a:cs typeface="Open Sans"/>
-                <a:sym typeface="Open Sans"/>
+                <a:latin typeface="+mn-lt"/>
+                <a:ea typeface="+mn-ea"/>
+                <a:cs typeface="+mn-ea"/>
+                <a:sym typeface="+mn-lt"/>
               </a:rPr>
               <a:t>对</a:t>
             </a:r>
@@ -7939,10 +9919,10 @@
                 <a:solidFill>
                   <a:srgbClr val="FFFFFF"/>
                 </a:solidFill>
-                <a:latin typeface="Open Sans"/>
-                <a:ea typeface="Open Sans"/>
-                <a:cs typeface="Open Sans"/>
-                <a:sym typeface="Open Sans"/>
+                <a:latin typeface="+mn-lt"/>
+                <a:ea typeface="+mn-ea"/>
+                <a:cs typeface="+mn-ea"/>
+                <a:sym typeface="+mn-lt"/>
               </a:rPr>
               <a:t>Udacity</a:t>
             </a:r>
@@ -7951,10 +9931,10 @@
                 <a:solidFill>
                   <a:srgbClr val="FFFFFF"/>
                 </a:solidFill>
-                <a:latin typeface="Open Sans"/>
-                <a:ea typeface="Open Sans"/>
-                <a:cs typeface="Open Sans"/>
-                <a:sym typeface="Open Sans"/>
+                <a:latin typeface="+mn-lt"/>
+                <a:ea typeface="+mn-ea"/>
+                <a:cs typeface="+mn-ea"/>
+                <a:sym typeface="+mn-lt"/>
               </a:rPr>
               <a:t>课程的满意度如何？</a:t>
             </a:r>
@@ -7962,10 +9942,10 @@
               <a:solidFill>
                 <a:srgbClr val="FFFFFF"/>
               </a:solidFill>
-              <a:latin typeface="Open Sans"/>
-              <a:ea typeface="Open Sans"/>
-              <a:cs typeface="Open Sans"/>
-              <a:sym typeface="Open Sans"/>
+              <a:latin typeface="+mn-lt"/>
+              <a:ea typeface="+mn-ea"/>
+              <a:cs typeface="+mn-ea"/>
+              <a:sym typeface="+mn-lt"/>
             </a:endParaRPr>
           </a:p>
         </p:txBody>
@@ -7996,7 +9976,7 @@
         </p:xfrm>
         <a:graphic>
           <a:graphicData uri="http://schemas.openxmlformats.org/drawingml/2006/chart">
-            <c:chart xmlns:c="http://schemas.openxmlformats.org/drawingml/2006/chart" xmlns:r="http://schemas.openxmlformats.org/officeDocument/2006/relationships" r:id="rId3"/>
+            <c:chart xmlns:c="http://schemas.openxmlformats.org/drawingml/2006/chart" xmlns:r="http://schemas.openxmlformats.org/officeDocument/2006/relationships" r:id="rId7"/>
           </a:graphicData>
         </a:graphic>
       </p:graphicFrame>
@@ -8015,7 +9995,7 @@
           <p:nvPr>
             <p:extLst>
               <p:ext uri="{D42A27DB-BD31-4B8C-83A1-F6EECF244321}">
-                <p14:modId xmlns:p14="http://schemas.microsoft.com/office/powerpoint/2010/main" val="3280234631"/>
+                <p14:modId xmlns:p14="http://schemas.microsoft.com/office/powerpoint/2010/main" val="1516782259"/>
               </p:ext>
             </p:extLst>
           </p:nvPr>
@@ -8059,6 +10039,10 @@
                             <a:schemeClr val="bg1"/>
                           </a:solidFill>
                           <a:effectLst/>
+                          <a:latin typeface="+mn-lt"/>
+                          <a:ea typeface="+mn-ea"/>
+                          <a:cs typeface="+mn-ea"/>
+                          <a:sym typeface="+mn-lt"/>
                         </a:rPr>
                         <a:t>Type</a:t>
                       </a:r>
@@ -8067,7 +10051,10 @@
                           <a:schemeClr val="bg1"/>
                         </a:solidFill>
                         <a:effectLst/>
-                        <a:latin typeface="Arial" panose="020B0604020202020204" pitchFamily="34" charset="0"/>
+                        <a:latin typeface="+mn-lt"/>
+                        <a:ea typeface="+mn-ea"/>
+                        <a:cs typeface="+mn-ea"/>
+                        <a:sym typeface="+mn-lt"/>
                       </a:endParaRPr>
                     </a:p>
                   </a:txBody>
@@ -8089,6 +10076,10 @@
                             <a:schemeClr val="bg1"/>
                           </a:solidFill>
                           <a:effectLst/>
+                          <a:latin typeface="+mn-lt"/>
+                          <a:ea typeface="+mn-ea"/>
+                          <a:cs typeface="+mn-ea"/>
+                          <a:sym typeface="+mn-lt"/>
                         </a:rPr>
                         <a:t>Value</a:t>
                       </a:r>
@@ -8097,7 +10088,10 @@
                           <a:schemeClr val="bg1"/>
                         </a:solidFill>
                         <a:effectLst/>
-                        <a:latin typeface="Arial" panose="020B0604020202020204" pitchFamily="34" charset="0"/>
+                        <a:latin typeface="+mn-lt"/>
+                        <a:ea typeface="+mn-ea"/>
+                        <a:cs typeface="+mn-ea"/>
+                        <a:sym typeface="+mn-lt"/>
                       </a:endParaRPr>
                     </a:p>
                   </a:txBody>
@@ -8123,12 +10117,19 @@
                       <a:r>
                         <a:rPr lang="en-US" sz="1400" dirty="0">
                           <a:effectLst/>
-                          <a:latin typeface="1" panose="020B0606030504020204" pitchFamily="34" charset="0"/>
+                          <a:latin typeface="+mn-lt"/>
+                          <a:ea typeface="+mn-ea"/>
+                          <a:cs typeface="+mn-ea"/>
+                          <a:sym typeface="+mn-lt"/>
                         </a:rPr>
                         <a:t>Min </a:t>
                       </a:r>
                       <a:endParaRPr lang="en-US" dirty="0">
                         <a:effectLst/>
+                        <a:latin typeface="+mn-lt"/>
+                        <a:ea typeface="+mn-ea"/>
+                        <a:cs typeface="+mn-ea"/>
+                        <a:sym typeface="+mn-lt"/>
                       </a:endParaRPr>
                     </a:p>
                   </a:txBody>
@@ -8143,12 +10144,19 @@
                       <a:r>
                         <a:rPr lang="en-US" sz="1400">
                           <a:effectLst/>
-                          <a:latin typeface="1" panose="020B0606030504020204" pitchFamily="34" charset="0"/>
+                          <a:latin typeface="+mn-lt"/>
+                          <a:ea typeface="+mn-ea"/>
+                          <a:cs typeface="+mn-ea"/>
+                          <a:sym typeface="+mn-lt"/>
                         </a:rPr>
                         <a:t>0 </a:t>
                       </a:r>
                       <a:endParaRPr lang="en-US">
                         <a:effectLst/>
+                        <a:latin typeface="+mn-lt"/>
+                        <a:ea typeface="+mn-ea"/>
+                        <a:cs typeface="+mn-ea"/>
+                        <a:sym typeface="+mn-lt"/>
                       </a:endParaRPr>
                     </a:p>
                   </a:txBody>
@@ -8170,12 +10178,19 @@
                       <a:r>
                         <a:rPr lang="en-US" sz="1400">
                           <a:effectLst/>
-                          <a:latin typeface="1" panose="020B0606030504020204" pitchFamily="34" charset="0"/>
+                          <a:latin typeface="+mn-lt"/>
+                          <a:ea typeface="+mn-ea"/>
+                          <a:cs typeface="+mn-ea"/>
+                          <a:sym typeface="+mn-lt"/>
                         </a:rPr>
                         <a:t>Max </a:t>
                       </a:r>
                       <a:endParaRPr lang="en-US">
                         <a:effectLst/>
+                        <a:latin typeface="+mn-lt"/>
+                        <a:ea typeface="+mn-ea"/>
+                        <a:cs typeface="+mn-ea"/>
+                        <a:sym typeface="+mn-lt"/>
                       </a:endParaRPr>
                     </a:p>
                   </a:txBody>
@@ -8190,12 +10205,19 @@
                       <a:r>
                         <a:rPr lang="en-US" sz="1400">
                           <a:effectLst/>
-                          <a:latin typeface="1" panose="020B0606030504020204" pitchFamily="34" charset="0"/>
+                          <a:latin typeface="+mn-lt"/>
+                          <a:ea typeface="+mn-ea"/>
+                          <a:cs typeface="+mn-ea"/>
+                          <a:sym typeface="+mn-lt"/>
                         </a:rPr>
                         <a:t>10 </a:t>
                       </a:r>
                       <a:endParaRPr lang="en-US">
                         <a:effectLst/>
+                        <a:latin typeface="+mn-lt"/>
+                        <a:ea typeface="+mn-ea"/>
+                        <a:cs typeface="+mn-ea"/>
+                        <a:sym typeface="+mn-lt"/>
                       </a:endParaRPr>
                     </a:p>
                   </a:txBody>
@@ -8215,14 +10237,21 @@
                     <a:p>
                       <a:pPr algn="ctr"/>
                       <a:r>
-                        <a:rPr lang="en-US" sz="1400">
+                        <a:rPr lang="en-US" sz="1400" dirty="0">
                           <a:effectLst/>
-                          <a:latin typeface="1" panose="020B0606030504020204" pitchFamily="34" charset="0"/>
+                          <a:latin typeface="+mn-lt"/>
+                          <a:ea typeface="+mn-ea"/>
+                          <a:cs typeface="+mn-ea"/>
+                          <a:sym typeface="+mn-lt"/>
                         </a:rPr>
                         <a:t>Mean </a:t>
                       </a:r>
-                      <a:endParaRPr lang="en-US">
+                      <a:endParaRPr lang="en-US" dirty="0">
                         <a:effectLst/>
+                        <a:latin typeface="+mn-lt"/>
+                        <a:ea typeface="+mn-ea"/>
+                        <a:cs typeface="+mn-ea"/>
+                        <a:sym typeface="+mn-lt"/>
                       </a:endParaRPr>
                     </a:p>
                   </a:txBody>
@@ -8237,12 +10266,19 @@
                       <a:r>
                         <a:rPr lang="en-US" sz="1400">
                           <a:effectLst/>
-                          <a:latin typeface="1" panose="020B0606030504020204" pitchFamily="34" charset="0"/>
+                          <a:latin typeface="+mn-lt"/>
+                          <a:ea typeface="+mn-ea"/>
+                          <a:cs typeface="+mn-ea"/>
+                          <a:sym typeface="+mn-lt"/>
                         </a:rPr>
                         <a:t>8.98 </a:t>
                       </a:r>
                       <a:endParaRPr lang="en-US">
                         <a:effectLst/>
+                        <a:latin typeface="+mn-lt"/>
+                        <a:ea typeface="+mn-ea"/>
+                        <a:cs typeface="+mn-ea"/>
+                        <a:sym typeface="+mn-lt"/>
                       </a:endParaRPr>
                     </a:p>
                   </a:txBody>
@@ -8264,12 +10300,19 @@
                       <a:r>
                         <a:rPr lang="en-US" sz="1400">
                           <a:effectLst/>
-                          <a:latin typeface="1" panose="020B0606030504020204" pitchFamily="34" charset="0"/>
+                          <a:latin typeface="+mn-lt"/>
+                          <a:ea typeface="+mn-ea"/>
+                          <a:cs typeface="+mn-ea"/>
+                          <a:sym typeface="+mn-lt"/>
                         </a:rPr>
                         <a:t>Median </a:t>
                       </a:r>
                       <a:endParaRPr lang="en-US">
                         <a:effectLst/>
+                        <a:latin typeface="+mn-lt"/>
+                        <a:ea typeface="+mn-ea"/>
+                        <a:cs typeface="+mn-ea"/>
+                        <a:sym typeface="+mn-lt"/>
                       </a:endParaRPr>
                     </a:p>
                   </a:txBody>
@@ -8282,14 +10325,21 @@
                     <a:p>
                       <a:pPr algn="ctr"/>
                       <a:r>
-                        <a:rPr lang="en-US" sz="1400">
+                        <a:rPr lang="en-US" sz="1400" dirty="0">
                           <a:effectLst/>
-                          <a:latin typeface="1" panose="020B0606030504020204" pitchFamily="34" charset="0"/>
+                          <a:latin typeface="+mn-lt"/>
+                          <a:ea typeface="+mn-ea"/>
+                          <a:cs typeface="+mn-ea"/>
+                          <a:sym typeface="+mn-lt"/>
                         </a:rPr>
                         <a:t>10 </a:t>
                       </a:r>
-                      <a:endParaRPr lang="en-US">
+                      <a:endParaRPr lang="en-US" dirty="0">
                         <a:effectLst/>
+                        <a:latin typeface="+mn-lt"/>
+                        <a:ea typeface="+mn-ea"/>
+                        <a:cs typeface="+mn-ea"/>
+                        <a:sym typeface="+mn-lt"/>
                       </a:endParaRPr>
                     </a:p>
                   </a:txBody>
@@ -8311,12 +10361,19 @@
                       <a:r>
                         <a:rPr lang="en-US" sz="1400">
                           <a:effectLst/>
-                          <a:latin typeface="1" panose="020B0606030504020204" pitchFamily="34" charset="0"/>
+                          <a:latin typeface="+mn-lt"/>
+                          <a:ea typeface="+mn-ea"/>
+                          <a:cs typeface="+mn-ea"/>
+                          <a:sym typeface="+mn-lt"/>
                         </a:rPr>
                         <a:t>Mode </a:t>
                       </a:r>
                       <a:endParaRPr lang="en-US">
                         <a:effectLst/>
+                        <a:latin typeface="+mn-lt"/>
+                        <a:ea typeface="+mn-ea"/>
+                        <a:cs typeface="+mn-ea"/>
+                        <a:sym typeface="+mn-lt"/>
                       </a:endParaRPr>
                     </a:p>
                   </a:txBody>
@@ -8331,12 +10388,19 @@
                       <a:r>
                         <a:rPr lang="en-US" sz="1400" dirty="0">
                           <a:effectLst/>
-                          <a:latin typeface="1" panose="020B0606030504020204" pitchFamily="34" charset="0"/>
+                          <a:latin typeface="+mn-lt"/>
+                          <a:ea typeface="+mn-ea"/>
+                          <a:cs typeface="+mn-ea"/>
+                          <a:sym typeface="+mn-lt"/>
                         </a:rPr>
                         <a:t>10 </a:t>
                       </a:r>
                       <a:endParaRPr lang="en-US" dirty="0">
                         <a:effectLst/>
+                        <a:latin typeface="+mn-lt"/>
+                        <a:ea typeface="+mn-ea"/>
+                        <a:cs typeface="+mn-ea"/>
+                        <a:sym typeface="+mn-lt"/>
                       </a:endParaRPr>
                     </a:p>
                   </a:txBody>
@@ -8358,12 +10422,19 @@
                       <a:r>
                         <a:rPr lang="en-US" sz="1400">
                           <a:effectLst/>
-                          <a:latin typeface="1" panose="020B0606030504020204" pitchFamily="34" charset="0"/>
+                          <a:latin typeface="+mn-lt"/>
+                          <a:ea typeface="+mn-ea"/>
+                          <a:cs typeface="+mn-ea"/>
+                          <a:sym typeface="+mn-lt"/>
                         </a:rPr>
                         <a:t>Standard Deviation </a:t>
                       </a:r>
                       <a:endParaRPr lang="en-US">
                         <a:effectLst/>
+                        <a:latin typeface="+mn-lt"/>
+                        <a:ea typeface="+mn-ea"/>
+                        <a:cs typeface="+mn-ea"/>
+                        <a:sym typeface="+mn-lt"/>
                       </a:endParaRPr>
                     </a:p>
                   </a:txBody>
@@ -8378,12 +10449,19 @@
                       <a:r>
                         <a:rPr lang="en-US" sz="1400" dirty="0">
                           <a:effectLst/>
-                          <a:latin typeface="1" panose="020B0606030504020204" pitchFamily="34" charset="0"/>
+                          <a:latin typeface="+mn-lt"/>
+                          <a:ea typeface="+mn-ea"/>
+                          <a:cs typeface="+mn-ea"/>
+                          <a:sym typeface="+mn-lt"/>
                         </a:rPr>
                         <a:t>1.36 </a:t>
                       </a:r>
                       <a:endParaRPr lang="en-US" dirty="0">
                         <a:effectLst/>
+                        <a:latin typeface="+mn-lt"/>
+                        <a:ea typeface="+mn-ea"/>
+                        <a:cs typeface="+mn-ea"/>
+                        <a:sym typeface="+mn-lt"/>
                       </a:endParaRPr>
                     </a:p>
                   </a:txBody>
@@ -8410,6 +10488,1186 @@
     <a:masterClrMapping/>
   </p:clrMapOvr>
 </p:sld>
+</file>
+
+<file path=ppt/slides/slide3.xml><?xml version="1.0" encoding="utf-8"?>
+<p:sld xmlns:a="http://schemas.openxmlformats.org/drawingml/2006/main" xmlns:r="http://schemas.openxmlformats.org/officeDocument/2006/relationships" xmlns:p="http://schemas.openxmlformats.org/presentationml/2006/main">
+  <p:cSld>
+    <p:spTree>
+      <p:nvGrpSpPr>
+        <p:cNvPr id="1" name="Shape 53"/>
+        <p:cNvGrpSpPr/>
+        <p:nvPr/>
+      </p:nvGrpSpPr>
+      <p:grpSpPr>
+        <a:xfrm>
+          <a:off x="0" y="0"/>
+          <a:ext cx="0" cy="0"/>
+          <a:chOff x="0" y="0"/>
+          <a:chExt cx="0" cy="0"/>
+        </a:xfrm>
+      </p:grpSpPr>
+      <p:graphicFrame>
+        <p:nvGraphicFramePr>
+          <p:cNvPr id="2" name="Object 1" hidden="1"/>
+          <p:cNvGraphicFramePr>
+            <a:graphicFrameLocks noChangeAspect="1"/>
+          </p:cNvGraphicFramePr>
+          <p:nvPr>
+            <p:custDataLst>
+              <p:tags r:id="rId2"/>
+            </p:custDataLst>
+            <p:extLst>
+              <p:ext uri="{D42A27DB-BD31-4B8C-83A1-F6EECF244321}">
+                <p14:modId xmlns:p14="http://schemas.microsoft.com/office/powerpoint/2010/main" val="857865459"/>
+              </p:ext>
+            </p:extLst>
+          </p:nvPr>
+        </p:nvGraphicFramePr>
+        <p:xfrm>
+          <a:off x="1588" y="1588"/>
+          <a:ext cx="1588" cy="1588"/>
+        </p:xfrm>
+        <a:graphic>
+          <a:graphicData uri="http://schemas.openxmlformats.org/presentationml/2006/ole">
+            <mc:AlternateContent xmlns:mc="http://schemas.openxmlformats.org/markup-compatibility/2006">
+              <mc:Choice xmlns:v="urn:schemas-microsoft-com:vml" Requires="v">
+                <p:oleObj spid="_x0000_s3079" name="think-cell Slide" r:id="rId5" imgW="473" imgH="476" progId="TCLayout.ActiveDocument.1">
+                  <p:embed/>
+                </p:oleObj>
+              </mc:Choice>
+              <mc:Fallback>
+                <p:oleObj name="think-cell Slide" r:id="rId5" imgW="473" imgH="476" progId="TCLayout.ActiveDocument.1">
+                  <p:embed/>
+                  <p:pic>
+                    <p:nvPicPr>
+                      <p:cNvPr id="0" name=""/>
+                      <p:cNvPicPr/>
+                      <p:nvPr/>
+                    </p:nvPicPr>
+                    <p:blipFill>
+                      <a:blip r:embed="rId6"/>
+                      <a:stretch>
+                        <a:fillRect/>
+                      </a:stretch>
+                    </p:blipFill>
+                    <p:spPr>
+                      <a:xfrm>
+                        <a:off x="1588" y="1588"/>
+                        <a:ext cx="1588" cy="1588"/>
+                      </a:xfrm>
+                      <a:prstGeom prst="rect">
+                        <a:avLst/>
+                      </a:prstGeom>
+                    </p:spPr>
+                  </p:pic>
+                </p:oleObj>
+              </mc:Fallback>
+            </mc:AlternateContent>
+          </a:graphicData>
+        </a:graphic>
+      </p:graphicFrame>
+      <p:sp>
+        <p:nvSpPr>
+          <p:cNvPr id="54" name="Shape 54"/>
+          <p:cNvSpPr txBox="1">
+            <a:spLocks noGrp="1"/>
+          </p:cNvSpPr>
+          <p:nvPr>
+            <p:ph type="body" idx="1"/>
+          </p:nvPr>
+        </p:nvSpPr>
+        <p:spPr>
+          <a:xfrm>
+            <a:off x="304024" y="3945575"/>
+            <a:ext cx="8410605" cy="1146930"/>
+          </a:xfrm>
+          <a:prstGeom prst="rect">
+            <a:avLst/>
+          </a:prstGeom>
+          <a:solidFill>
+            <a:srgbClr val="FFFFFF"/>
+          </a:solidFill>
+          <a:ln w="9525" cap="flat" cmpd="sng">
+            <a:solidFill>
+              <a:srgbClr val="FFFFFF"/>
+            </a:solidFill>
+            <a:prstDash val="solid"/>
+            <a:round/>
+            <a:headEnd type="none" w="med" len="med"/>
+            <a:tailEnd type="none" w="med" len="med"/>
+          </a:ln>
+        </p:spPr>
+        <p:txBody>
+          <a:bodyPr wrap="square" lIns="91425" tIns="91425" rIns="91425" bIns="91425" anchor="t" anchorCtr="0">
+            <a:noAutofit/>
+          </a:bodyPr>
+          <a:lstStyle/>
+          <a:p>
+            <a:pPr lvl="0" eaLnBrk="0" fontAlgn="base" hangingPunct="0">
+              <a:lnSpc>
+                <a:spcPct val="100000"/>
+              </a:lnSpc>
+              <a:spcBef>
+                <a:spcPct val="0"/>
+              </a:spcBef>
+              <a:spcAft>
+                <a:spcPct val="0"/>
+              </a:spcAft>
+              <a:buClrTx/>
+              <a:buSzTx/>
+              <a:buNone/>
+            </a:pPr>
+            <a:r>
+              <a:rPr lang="zh-CN" altLang="en-US" dirty="0" smtClean="0">
+                <a:latin typeface="+mn-lt"/>
+                <a:ea typeface="+mn-ea"/>
+                <a:cs typeface="+mn-ea"/>
+                <a:sym typeface="+mn-lt"/>
+              </a:rPr>
+              <a:t>通过查看图表以及相关数据点，可以看到有工作的学生平均睡眠时间少于没有工作的学生。还可以从图表和标准差中了解到没有工作的学生有更大范围的数据。由于没有工作的睡眠时间标准差较高，因此这些时间远离平均值，意味着睡眠时间更差。同时没有工作的学生有更大的数据范围，因为其</a:t>
+            </a:r>
+            <a:r>
+              <a:rPr lang="en-US" altLang="zh-CN" dirty="0" smtClean="0">
+                <a:latin typeface="+mn-lt"/>
+                <a:ea typeface="+mn-ea"/>
+                <a:cs typeface="+mn-ea"/>
+                <a:sym typeface="+mn-lt"/>
+              </a:rPr>
+              <a:t>IQR</a:t>
+            </a:r>
+            <a:r>
+              <a:rPr lang="zh-CN" altLang="en-US" dirty="0" smtClean="0">
+                <a:latin typeface="+mn-lt"/>
+                <a:ea typeface="+mn-ea"/>
+                <a:cs typeface="+mn-ea"/>
+                <a:sym typeface="+mn-lt"/>
+              </a:rPr>
+              <a:t>（</a:t>
+            </a:r>
+            <a:r>
+              <a:rPr lang="en-US" altLang="zh-CN" dirty="0" smtClean="0">
+                <a:latin typeface="+mn-lt"/>
+                <a:ea typeface="+mn-ea"/>
+                <a:cs typeface="+mn-ea"/>
+                <a:sym typeface="+mn-lt"/>
+              </a:rPr>
+              <a:t>2</a:t>
+            </a:r>
+            <a:r>
+              <a:rPr lang="zh-CN" altLang="en-US" dirty="0" smtClean="0">
+                <a:latin typeface="+mn-lt"/>
+                <a:ea typeface="+mn-ea"/>
+                <a:cs typeface="+mn-ea"/>
+                <a:sym typeface="+mn-lt"/>
+              </a:rPr>
+              <a:t>）大于有工作学生的</a:t>
+            </a:r>
+            <a:r>
+              <a:rPr lang="en-US" altLang="zh-CN" dirty="0" smtClean="0">
+                <a:latin typeface="+mn-lt"/>
+                <a:ea typeface="+mn-ea"/>
+                <a:cs typeface="+mn-ea"/>
+                <a:sym typeface="+mn-lt"/>
+              </a:rPr>
+              <a:t>IQR</a:t>
+            </a:r>
+            <a:r>
+              <a:rPr lang="zh-CN" altLang="en-US" dirty="0" smtClean="0">
+                <a:latin typeface="+mn-lt"/>
+                <a:ea typeface="+mn-ea"/>
+                <a:cs typeface="+mn-ea"/>
+                <a:sym typeface="+mn-lt"/>
+              </a:rPr>
+              <a:t>（</a:t>
+            </a:r>
+            <a:r>
+              <a:rPr lang="en-US" altLang="zh-CN" dirty="0" smtClean="0">
+                <a:latin typeface="+mn-lt"/>
+                <a:ea typeface="+mn-ea"/>
+                <a:cs typeface="+mn-ea"/>
+                <a:sym typeface="+mn-lt"/>
+              </a:rPr>
+              <a:t>1</a:t>
+            </a:r>
+            <a:r>
+              <a:rPr lang="zh-CN" altLang="en-US" dirty="0" smtClean="0">
+                <a:latin typeface="+mn-lt"/>
+                <a:ea typeface="+mn-ea"/>
+                <a:cs typeface="+mn-ea"/>
+                <a:sym typeface="+mn-lt"/>
+              </a:rPr>
+              <a:t>）。</a:t>
+            </a:r>
+            <a:endParaRPr lang="en-US" altLang="en-US" sz="1800" dirty="0">
+              <a:solidFill>
+                <a:schemeClr val="tx1"/>
+              </a:solidFill>
+              <a:latin typeface="+mn-lt"/>
+              <a:ea typeface="+mn-ea"/>
+              <a:cs typeface="+mn-ea"/>
+              <a:sym typeface="+mn-lt"/>
+            </a:endParaRPr>
+          </a:p>
+        </p:txBody>
+      </p:sp>
+      <p:sp>
+        <p:nvSpPr>
+          <p:cNvPr id="55" name="Shape 55"/>
+          <p:cNvSpPr txBox="1">
+            <a:spLocks noGrp="1"/>
+          </p:cNvSpPr>
+          <p:nvPr>
+            <p:ph type="title"/>
+          </p:nvPr>
+        </p:nvSpPr>
+        <p:spPr>
+          <a:xfrm>
+            <a:off x="0" y="0"/>
+            <a:ext cx="9144000" cy="795600"/>
+          </a:xfrm>
+          <a:prstGeom prst="rect">
+            <a:avLst/>
+          </a:prstGeom>
+          <a:solidFill>
+            <a:srgbClr val="073763"/>
+          </a:solidFill>
+        </p:spPr>
+        <p:txBody>
+          <a:bodyPr wrap="square" lIns="91425" tIns="91425" rIns="91425" bIns="91425" anchor="ctr" anchorCtr="0">
+            <a:noAutofit/>
+          </a:bodyPr>
+          <a:lstStyle/>
+          <a:p>
+            <a:pPr lvl="0" rtl="0">
+              <a:spcBef>
+                <a:spcPts val="0"/>
+              </a:spcBef>
+              <a:buNone/>
+            </a:pPr>
+            <a:r>
+              <a:rPr lang="zh-CN" altLang="en-US" dirty="0" smtClean="0">
+                <a:solidFill>
+                  <a:srgbClr val="FFFFFF"/>
+                </a:solidFill>
+                <a:latin typeface="+mn-lt"/>
+                <a:ea typeface="+mn-ea"/>
+                <a:cs typeface="+mn-ea"/>
+                <a:sym typeface="+mn-lt"/>
+              </a:rPr>
+              <a:t>学员就业情况是否对睡眠时间有影响？</a:t>
+            </a:r>
+            <a:endParaRPr lang="en" dirty="0">
+              <a:solidFill>
+                <a:srgbClr val="FFFFFF"/>
+              </a:solidFill>
+              <a:latin typeface="+mn-lt"/>
+              <a:ea typeface="+mn-ea"/>
+              <a:cs typeface="+mn-ea"/>
+              <a:sym typeface="+mn-lt"/>
+            </a:endParaRPr>
+          </a:p>
+        </p:txBody>
+      </p:sp>
+      <p:graphicFrame>
+        <p:nvGraphicFramePr>
+          <p:cNvPr id="10" name="Table 9">
+            <a:extLst>
+              <a:ext uri="{FF2B5EF4-FFF2-40B4-BE49-F238E27FC236}">
+                <a16:creationId xmlns:a16="http://schemas.microsoft.com/office/drawing/2014/main" id="{AAF7F0B1-1533-8E45-9471-6954136F82D6}"/>
+              </a:ext>
+            </a:extLst>
+          </p:cNvPr>
+          <p:cNvGraphicFramePr>
+            <a:graphicFrameLocks noGrp="1"/>
+          </p:cNvGraphicFramePr>
+          <p:nvPr>
+            <p:extLst>
+              <p:ext uri="{D42A27DB-BD31-4B8C-83A1-F6EECF244321}">
+                <p14:modId xmlns:p14="http://schemas.microsoft.com/office/powerpoint/2010/main" val="3053380692"/>
+              </p:ext>
+            </p:extLst>
+          </p:nvPr>
+        </p:nvGraphicFramePr>
+        <p:xfrm>
+          <a:off x="5212080" y="995744"/>
+          <a:ext cx="3734973" cy="2852136"/>
+        </p:xfrm>
+        <a:graphic>
+          <a:graphicData uri="http://schemas.openxmlformats.org/drawingml/2006/table">
+            <a:tbl>
+              <a:tblPr>
+                <a:tableStyleId>{EED877B6-9551-4359-846F-FAFF3EFF04A8}</a:tableStyleId>
+              </a:tblPr>
+              <a:tblGrid>
+                <a:gridCol w="1244991">
+                  <a:extLst>
+                    <a:ext uri="{9D8B030D-6E8A-4147-A177-3AD203B41FA5}">
+                      <a16:colId xmlns:a16="http://schemas.microsoft.com/office/drawing/2014/main" val="3484349832"/>
+                    </a:ext>
+                  </a:extLst>
+                </a:gridCol>
+                <a:gridCol w="1244991">
+                  <a:extLst>
+                    <a:ext uri="{9D8B030D-6E8A-4147-A177-3AD203B41FA5}">
+                      <a16:colId xmlns:a16="http://schemas.microsoft.com/office/drawing/2014/main" val="3162676370"/>
+                    </a:ext>
+                  </a:extLst>
+                </a:gridCol>
+                <a:gridCol w="1244991">
+                  <a:extLst>
+                    <a:ext uri="{9D8B030D-6E8A-4147-A177-3AD203B41FA5}">
+                      <a16:colId xmlns:a16="http://schemas.microsoft.com/office/drawing/2014/main" val="76784165"/>
+                    </a:ext>
+                  </a:extLst>
+                </a:gridCol>
+              </a:tblGrid>
+              <a:tr h="356517">
+                <a:tc>
+                  <a:txBody>
+                    <a:bodyPr/>
+                    <a:lstStyle/>
+                    <a:p>
+                      <a:pPr algn="ctr" fontAlgn="b"/>
+                      <a:r>
+                        <a:rPr lang="en-US" altLang="zh-CN" sz="1400" u="none" strike="noStrike" dirty="0">
+                          <a:solidFill>
+                            <a:schemeClr val="bg1"/>
+                          </a:solidFill>
+                          <a:effectLst/>
+                          <a:latin typeface="+mn-lt"/>
+                          <a:ea typeface="+mn-ea"/>
+                          <a:cs typeface="+mn-ea"/>
+                          <a:sym typeface="+mn-lt"/>
+                        </a:rPr>
+                        <a:t>Type</a:t>
+                      </a:r>
+                      <a:endParaRPr lang="en-US" sz="1400" b="1" i="0" u="none" strike="noStrike" dirty="0">
+                        <a:solidFill>
+                          <a:schemeClr val="bg1"/>
+                        </a:solidFill>
+                        <a:effectLst/>
+                        <a:latin typeface="+mn-lt"/>
+                        <a:ea typeface="+mn-ea"/>
+                        <a:cs typeface="+mn-ea"/>
+                        <a:sym typeface="+mn-lt"/>
+                      </a:endParaRPr>
+                    </a:p>
+                  </a:txBody>
+                  <a:tcPr marL="9525" marR="9525" marT="9525" marB="0" anchor="ctr">
+                    <a:solidFill>
+                      <a:srgbClr val="083763"/>
+                    </a:solidFill>
+                  </a:tcPr>
+                </a:tc>
+                <a:tc>
+                  <a:txBody>
+                    <a:bodyPr/>
+                    <a:lstStyle/>
+                    <a:p>
+                      <a:pPr algn="ctr" fontAlgn="b"/>
+                      <a:r>
+                        <a:rPr lang="en-US" altLang="zh-CN" sz="1400" u="none" strike="noStrike" dirty="0" smtClean="0">
+                          <a:solidFill>
+                            <a:schemeClr val="bg1"/>
+                          </a:solidFill>
+                          <a:effectLst/>
+                          <a:latin typeface="+mn-lt"/>
+                          <a:ea typeface="+mn-ea"/>
+                          <a:cs typeface="+mn-ea"/>
+                          <a:sym typeface="+mn-lt"/>
+                        </a:rPr>
+                        <a:t>Unemployment</a:t>
+                      </a:r>
+                      <a:endParaRPr lang="en-US" sz="1400" b="1" i="0" u="none" strike="noStrike" dirty="0">
+                        <a:solidFill>
+                          <a:schemeClr val="bg1"/>
+                        </a:solidFill>
+                        <a:effectLst/>
+                        <a:latin typeface="+mn-lt"/>
+                        <a:ea typeface="+mn-ea"/>
+                        <a:cs typeface="+mn-ea"/>
+                        <a:sym typeface="+mn-lt"/>
+                      </a:endParaRPr>
+                    </a:p>
+                  </a:txBody>
+                  <a:tcPr marL="9525" marR="9525" marT="9525" marB="0" anchor="ctr">
+                    <a:solidFill>
+                      <a:srgbClr val="083763"/>
+                    </a:solidFill>
+                  </a:tcPr>
+                </a:tc>
+                <a:tc>
+                  <a:txBody>
+                    <a:bodyPr/>
+                    <a:lstStyle/>
+                    <a:p>
+                      <a:pPr algn="ctr" fontAlgn="b"/>
+                      <a:r>
+                        <a:rPr lang="en-US" sz="1400" b="1" i="0" u="none" strike="noStrike" dirty="0" smtClean="0">
+                          <a:solidFill>
+                            <a:schemeClr val="bg1"/>
+                          </a:solidFill>
+                          <a:effectLst/>
+                          <a:latin typeface="+mn-lt"/>
+                          <a:ea typeface="+mn-ea"/>
+                          <a:cs typeface="+mn-ea"/>
+                          <a:sym typeface="+mn-lt"/>
+                        </a:rPr>
+                        <a:t>Employment</a:t>
+                      </a:r>
+                      <a:endParaRPr lang="en-US" sz="1400" b="1" i="0" u="none" strike="noStrike" dirty="0">
+                        <a:solidFill>
+                          <a:schemeClr val="bg1"/>
+                        </a:solidFill>
+                        <a:effectLst/>
+                        <a:latin typeface="+mn-lt"/>
+                        <a:ea typeface="+mn-ea"/>
+                        <a:cs typeface="+mn-ea"/>
+                        <a:sym typeface="+mn-lt"/>
+                      </a:endParaRPr>
+                    </a:p>
+                  </a:txBody>
+                  <a:tcPr marL="9525" marR="9525" marT="9525" marB="0" anchor="ctr">
+                    <a:solidFill>
+                      <a:srgbClr val="083763"/>
+                    </a:solidFill>
+                  </a:tcPr>
+                </a:tc>
+                <a:extLst>
+                  <a:ext uri="{0D108BD9-81ED-4DB2-BD59-A6C34878D82A}">
+                    <a16:rowId xmlns:a16="http://schemas.microsoft.com/office/drawing/2014/main" val="1483731418"/>
+                  </a:ext>
+                </a:extLst>
+              </a:tr>
+              <a:tr h="356517">
+                <a:tc>
+                  <a:txBody>
+                    <a:bodyPr/>
+                    <a:lstStyle/>
+                    <a:p>
+                      <a:pPr algn="ctr"/>
+                      <a:r>
+                        <a:rPr lang="en-US" sz="1200" dirty="0">
+                          <a:effectLst/>
+                          <a:latin typeface="+mn-lt"/>
+                          <a:ea typeface="+mn-ea"/>
+                          <a:cs typeface="+mn-ea"/>
+                          <a:sym typeface="+mn-lt"/>
+                        </a:rPr>
+                        <a:t>Min </a:t>
+                      </a:r>
+                    </a:p>
+                  </a:txBody>
+                  <a:tcPr anchor="ctr"/>
+                </a:tc>
+                <a:tc>
+                  <a:txBody>
+                    <a:bodyPr/>
+                    <a:lstStyle/>
+                    <a:p>
+                      <a:pPr algn="ctr"/>
+                      <a:r>
+                        <a:rPr lang="en-US" sz="1200" dirty="0" smtClean="0">
+                          <a:effectLst/>
+                          <a:latin typeface="+mn-lt"/>
+                          <a:ea typeface="+mn-ea"/>
+                          <a:cs typeface="+mn-ea"/>
+                          <a:sym typeface="+mn-lt"/>
+                        </a:rPr>
+                        <a:t>1</a:t>
+                      </a:r>
+                      <a:endParaRPr lang="en-US" sz="1200" dirty="0">
+                        <a:effectLst/>
+                        <a:latin typeface="+mn-lt"/>
+                        <a:ea typeface="+mn-ea"/>
+                        <a:cs typeface="+mn-ea"/>
+                        <a:sym typeface="+mn-lt"/>
+                      </a:endParaRPr>
+                    </a:p>
+                  </a:txBody>
+                  <a:tcPr anchor="ctr"/>
+                </a:tc>
+                <a:tc>
+                  <a:txBody>
+                    <a:bodyPr/>
+                    <a:lstStyle/>
+                    <a:p>
+                      <a:pPr algn="ctr"/>
+                      <a:r>
+                        <a:rPr lang="en-US" sz="1200" dirty="0" smtClean="0">
+                          <a:effectLst/>
+                          <a:latin typeface="+mn-lt"/>
+                          <a:ea typeface="+mn-ea"/>
+                          <a:cs typeface="+mn-ea"/>
+                          <a:sym typeface="+mn-lt"/>
+                        </a:rPr>
+                        <a:t>4</a:t>
+                      </a:r>
+                      <a:endParaRPr lang="en-US" sz="1200" dirty="0">
+                        <a:effectLst/>
+                        <a:latin typeface="+mn-lt"/>
+                        <a:ea typeface="+mn-ea"/>
+                        <a:cs typeface="+mn-ea"/>
+                        <a:sym typeface="+mn-lt"/>
+                      </a:endParaRPr>
+                    </a:p>
+                  </a:txBody>
+                  <a:tcPr anchor="ctr"/>
+                </a:tc>
+                <a:extLst>
+                  <a:ext uri="{0D108BD9-81ED-4DB2-BD59-A6C34878D82A}">
+                    <a16:rowId xmlns:a16="http://schemas.microsoft.com/office/drawing/2014/main" val="3389353129"/>
+                  </a:ext>
+                </a:extLst>
+              </a:tr>
+              <a:tr h="356517">
+                <a:tc>
+                  <a:txBody>
+                    <a:bodyPr/>
+                    <a:lstStyle/>
+                    <a:p>
+                      <a:pPr algn="ctr"/>
+                      <a:r>
+                        <a:rPr lang="en-US" sz="1200" dirty="0" smtClean="0">
+                          <a:effectLst/>
+                          <a:latin typeface="+mn-lt"/>
+                          <a:ea typeface="+mn-ea"/>
+                          <a:cs typeface="+mn-ea"/>
+                          <a:sym typeface="+mn-lt"/>
+                        </a:rPr>
+                        <a:t>Q1</a:t>
+                      </a:r>
+                      <a:endParaRPr lang="en-US" sz="1200" dirty="0">
+                        <a:effectLst/>
+                        <a:latin typeface="+mn-lt"/>
+                        <a:ea typeface="+mn-ea"/>
+                        <a:cs typeface="+mn-ea"/>
+                        <a:sym typeface="+mn-lt"/>
+                      </a:endParaRPr>
+                    </a:p>
+                  </a:txBody>
+                  <a:tcPr anchor="ctr"/>
+                </a:tc>
+                <a:tc>
+                  <a:txBody>
+                    <a:bodyPr/>
+                    <a:lstStyle/>
+                    <a:p>
+                      <a:pPr algn="ctr"/>
+                      <a:r>
+                        <a:rPr lang="en-US" sz="1200" dirty="0" smtClean="0">
+                          <a:effectLst/>
+                          <a:latin typeface="+mn-lt"/>
+                          <a:ea typeface="+mn-ea"/>
+                          <a:cs typeface="+mn-ea"/>
+                          <a:sym typeface="+mn-lt"/>
+                        </a:rPr>
+                        <a:t>7</a:t>
+                      </a:r>
+                      <a:endParaRPr lang="en-US" sz="1200" dirty="0">
+                        <a:effectLst/>
+                        <a:latin typeface="+mn-lt"/>
+                        <a:ea typeface="+mn-ea"/>
+                        <a:cs typeface="+mn-ea"/>
+                        <a:sym typeface="+mn-lt"/>
+                      </a:endParaRPr>
+                    </a:p>
+                  </a:txBody>
+                  <a:tcPr anchor="ctr"/>
+                </a:tc>
+                <a:tc>
+                  <a:txBody>
+                    <a:bodyPr/>
+                    <a:lstStyle/>
+                    <a:p>
+                      <a:pPr algn="ctr"/>
+                      <a:r>
+                        <a:rPr lang="en-US" sz="1200" dirty="0" smtClean="0">
+                          <a:effectLst/>
+                          <a:latin typeface="+mn-lt"/>
+                          <a:ea typeface="+mn-ea"/>
+                          <a:cs typeface="+mn-ea"/>
+                          <a:sym typeface="+mn-lt"/>
+                        </a:rPr>
+                        <a:t>6</a:t>
+                      </a:r>
+                      <a:endParaRPr lang="en-US" sz="1200" dirty="0">
+                        <a:effectLst/>
+                        <a:latin typeface="+mn-lt"/>
+                        <a:ea typeface="+mn-ea"/>
+                        <a:cs typeface="+mn-ea"/>
+                        <a:sym typeface="+mn-lt"/>
+                      </a:endParaRPr>
+                    </a:p>
+                  </a:txBody>
+                  <a:tcPr anchor="ctr"/>
+                </a:tc>
+                <a:extLst>
+                  <a:ext uri="{0D108BD9-81ED-4DB2-BD59-A6C34878D82A}">
+                    <a16:rowId xmlns:a16="http://schemas.microsoft.com/office/drawing/2014/main" val="667766579"/>
+                  </a:ext>
+                </a:extLst>
+              </a:tr>
+              <a:tr h="356517">
+                <a:tc>
+                  <a:txBody>
+                    <a:bodyPr/>
+                    <a:lstStyle/>
+                    <a:p>
+                      <a:pPr algn="ctr"/>
+                      <a:r>
+                        <a:rPr lang="en-US" sz="1200" dirty="0" smtClean="0">
+                          <a:effectLst/>
+                          <a:latin typeface="+mn-lt"/>
+                          <a:ea typeface="+mn-ea"/>
+                          <a:cs typeface="+mn-ea"/>
+                          <a:sym typeface="+mn-lt"/>
+                        </a:rPr>
+                        <a:t>Median</a:t>
+                      </a:r>
+                      <a:endParaRPr lang="en-US" sz="1200" dirty="0">
+                        <a:effectLst/>
+                        <a:latin typeface="+mn-lt"/>
+                        <a:ea typeface="+mn-ea"/>
+                        <a:cs typeface="+mn-ea"/>
+                        <a:sym typeface="+mn-lt"/>
+                      </a:endParaRPr>
+                    </a:p>
+                  </a:txBody>
+                  <a:tcPr anchor="ctr"/>
+                </a:tc>
+                <a:tc>
+                  <a:txBody>
+                    <a:bodyPr/>
+                    <a:lstStyle/>
+                    <a:p>
+                      <a:pPr algn="ctr"/>
+                      <a:r>
+                        <a:rPr lang="en-US" sz="1200" dirty="0" smtClean="0">
+                          <a:effectLst/>
+                          <a:latin typeface="+mn-lt"/>
+                          <a:ea typeface="+mn-ea"/>
+                          <a:cs typeface="+mn-ea"/>
+                          <a:sym typeface="+mn-lt"/>
+                        </a:rPr>
+                        <a:t>7</a:t>
+                      </a:r>
+                      <a:endParaRPr lang="en-US" sz="1200" dirty="0">
+                        <a:effectLst/>
+                        <a:latin typeface="+mn-lt"/>
+                        <a:ea typeface="+mn-ea"/>
+                        <a:cs typeface="+mn-ea"/>
+                        <a:sym typeface="+mn-lt"/>
+                      </a:endParaRPr>
+                    </a:p>
+                  </a:txBody>
+                  <a:tcPr anchor="ctr"/>
+                </a:tc>
+                <a:tc>
+                  <a:txBody>
+                    <a:bodyPr/>
+                    <a:lstStyle/>
+                    <a:p>
+                      <a:pPr algn="ctr"/>
+                      <a:r>
+                        <a:rPr lang="en-US" sz="1200" dirty="0" smtClean="0">
+                          <a:effectLst/>
+                          <a:latin typeface="+mn-lt"/>
+                          <a:ea typeface="+mn-ea"/>
+                          <a:cs typeface="+mn-ea"/>
+                          <a:sym typeface="+mn-lt"/>
+                        </a:rPr>
+                        <a:t>7</a:t>
+                      </a:r>
+                      <a:endParaRPr lang="en-US" sz="1200" dirty="0">
+                        <a:effectLst/>
+                        <a:latin typeface="+mn-lt"/>
+                        <a:ea typeface="+mn-ea"/>
+                        <a:cs typeface="+mn-ea"/>
+                        <a:sym typeface="+mn-lt"/>
+                      </a:endParaRPr>
+                    </a:p>
+                  </a:txBody>
+                  <a:tcPr anchor="ctr"/>
+                </a:tc>
+                <a:extLst>
+                  <a:ext uri="{0D108BD9-81ED-4DB2-BD59-A6C34878D82A}">
+                    <a16:rowId xmlns:a16="http://schemas.microsoft.com/office/drawing/2014/main" val="2539315151"/>
+                  </a:ext>
+                </a:extLst>
+              </a:tr>
+              <a:tr h="356517">
+                <a:tc>
+                  <a:txBody>
+                    <a:bodyPr/>
+                    <a:lstStyle/>
+                    <a:p>
+                      <a:pPr algn="ctr"/>
+                      <a:r>
+                        <a:rPr lang="en-US" altLang="zh-CN" sz="1200" dirty="0" smtClean="0">
+                          <a:effectLst/>
+                          <a:latin typeface="+mn-lt"/>
+                          <a:ea typeface="+mn-ea"/>
+                          <a:cs typeface="+mn-ea"/>
+                          <a:sym typeface="+mn-lt"/>
+                        </a:rPr>
+                        <a:t>Q3</a:t>
+                      </a:r>
+                      <a:endParaRPr lang="en-US" sz="1200" dirty="0">
+                        <a:effectLst/>
+                        <a:latin typeface="+mn-lt"/>
+                        <a:ea typeface="+mn-ea"/>
+                        <a:cs typeface="+mn-ea"/>
+                        <a:sym typeface="+mn-lt"/>
+                      </a:endParaRPr>
+                    </a:p>
+                  </a:txBody>
+                  <a:tcPr anchor="ctr"/>
+                </a:tc>
+                <a:tc>
+                  <a:txBody>
+                    <a:bodyPr/>
+                    <a:lstStyle/>
+                    <a:p>
+                      <a:pPr algn="ctr"/>
+                      <a:r>
+                        <a:rPr lang="en-US" altLang="zh-CN" sz="1200" dirty="0" smtClean="0">
+                          <a:effectLst/>
+                          <a:latin typeface="+mn-lt"/>
+                          <a:ea typeface="+mn-ea"/>
+                          <a:cs typeface="+mn-ea"/>
+                          <a:sym typeface="+mn-lt"/>
+                        </a:rPr>
+                        <a:t>8</a:t>
+                      </a:r>
+                      <a:endParaRPr lang="en-US" sz="1200" dirty="0">
+                        <a:effectLst/>
+                        <a:latin typeface="+mn-lt"/>
+                        <a:ea typeface="+mn-ea"/>
+                        <a:cs typeface="+mn-ea"/>
+                        <a:sym typeface="+mn-lt"/>
+                      </a:endParaRPr>
+                    </a:p>
+                  </a:txBody>
+                  <a:tcPr anchor="ctr"/>
+                </a:tc>
+                <a:tc>
+                  <a:txBody>
+                    <a:bodyPr/>
+                    <a:lstStyle/>
+                    <a:p>
+                      <a:pPr algn="ctr"/>
+                      <a:r>
+                        <a:rPr lang="en-US" altLang="zh-CN" sz="1200" dirty="0" smtClean="0">
+                          <a:effectLst/>
+                          <a:latin typeface="+mn-lt"/>
+                          <a:ea typeface="+mn-ea"/>
+                          <a:cs typeface="+mn-ea"/>
+                          <a:sym typeface="+mn-lt"/>
+                        </a:rPr>
+                        <a:t>8</a:t>
+                      </a:r>
+                      <a:endParaRPr lang="en-US" sz="1200" dirty="0">
+                        <a:effectLst/>
+                        <a:latin typeface="+mn-lt"/>
+                        <a:ea typeface="+mn-ea"/>
+                        <a:cs typeface="+mn-ea"/>
+                        <a:sym typeface="+mn-lt"/>
+                      </a:endParaRPr>
+                    </a:p>
+                  </a:txBody>
+                  <a:tcPr anchor="ctr"/>
+                </a:tc>
+                <a:extLst>
+                  <a:ext uri="{0D108BD9-81ED-4DB2-BD59-A6C34878D82A}">
+                    <a16:rowId xmlns:a16="http://schemas.microsoft.com/office/drawing/2014/main" val="2399035171"/>
+                  </a:ext>
+                </a:extLst>
+              </a:tr>
+              <a:tr h="356517">
+                <a:tc>
+                  <a:txBody>
+                    <a:bodyPr/>
+                    <a:lstStyle/>
+                    <a:p>
+                      <a:pPr algn="ctr"/>
+                      <a:r>
+                        <a:rPr lang="en-US" altLang="zh-CN" sz="1200" dirty="0" smtClean="0">
+                          <a:effectLst/>
+                          <a:latin typeface="+mn-lt"/>
+                          <a:ea typeface="+mn-ea"/>
+                          <a:cs typeface="+mn-ea"/>
+                          <a:sym typeface="+mn-lt"/>
+                        </a:rPr>
+                        <a:t>Max</a:t>
+                      </a:r>
+                      <a:endParaRPr lang="en-US" sz="1200" dirty="0">
+                        <a:effectLst/>
+                        <a:latin typeface="+mn-lt"/>
+                        <a:ea typeface="+mn-ea"/>
+                        <a:cs typeface="+mn-ea"/>
+                        <a:sym typeface="+mn-lt"/>
+                      </a:endParaRPr>
+                    </a:p>
+                  </a:txBody>
+                  <a:tcPr anchor="ctr"/>
+                </a:tc>
+                <a:tc>
+                  <a:txBody>
+                    <a:bodyPr/>
+                    <a:lstStyle/>
+                    <a:p>
+                      <a:pPr algn="ctr"/>
+                      <a:r>
+                        <a:rPr lang="en-US" sz="1200" dirty="0" smtClean="0">
+                          <a:effectLst/>
+                          <a:latin typeface="+mn-lt"/>
+                          <a:ea typeface="+mn-ea"/>
+                          <a:cs typeface="+mn-ea"/>
+                          <a:sym typeface="+mn-lt"/>
+                        </a:rPr>
+                        <a:t>10</a:t>
+                      </a:r>
+                      <a:endParaRPr lang="en-US" sz="1200" dirty="0">
+                        <a:effectLst/>
+                        <a:latin typeface="+mn-lt"/>
+                        <a:ea typeface="+mn-ea"/>
+                        <a:cs typeface="+mn-ea"/>
+                        <a:sym typeface="+mn-lt"/>
+                      </a:endParaRPr>
+                    </a:p>
+                  </a:txBody>
+                  <a:tcPr anchor="ctr"/>
+                </a:tc>
+                <a:tc>
+                  <a:txBody>
+                    <a:bodyPr/>
+                    <a:lstStyle/>
+                    <a:p>
+                      <a:pPr algn="ctr"/>
+                      <a:r>
+                        <a:rPr lang="en-US" sz="1200" dirty="0" smtClean="0">
+                          <a:effectLst/>
+                          <a:latin typeface="+mn-lt"/>
+                          <a:ea typeface="+mn-ea"/>
+                          <a:cs typeface="+mn-ea"/>
+                          <a:sym typeface="+mn-lt"/>
+                        </a:rPr>
+                        <a:t>10</a:t>
+                      </a:r>
+                      <a:endParaRPr lang="en-US" sz="1200" dirty="0">
+                        <a:effectLst/>
+                        <a:latin typeface="+mn-lt"/>
+                        <a:ea typeface="+mn-ea"/>
+                        <a:cs typeface="+mn-ea"/>
+                        <a:sym typeface="+mn-lt"/>
+                      </a:endParaRPr>
+                    </a:p>
+                  </a:txBody>
+                  <a:tcPr anchor="ctr"/>
+                </a:tc>
+                <a:extLst>
+                  <a:ext uri="{0D108BD9-81ED-4DB2-BD59-A6C34878D82A}">
+                    <a16:rowId xmlns:a16="http://schemas.microsoft.com/office/drawing/2014/main" val="1493389434"/>
+                  </a:ext>
+                </a:extLst>
+              </a:tr>
+              <a:tr h="356517">
+                <a:tc>
+                  <a:txBody>
+                    <a:bodyPr/>
+                    <a:lstStyle/>
+                    <a:p>
+                      <a:pPr algn="ctr"/>
+                      <a:r>
+                        <a:rPr lang="en-US" sz="1200" dirty="0" smtClean="0">
+                          <a:effectLst/>
+                          <a:latin typeface="+mn-lt"/>
+                          <a:ea typeface="+mn-ea"/>
+                          <a:cs typeface="+mn-ea"/>
+                          <a:sym typeface="+mn-lt"/>
+                        </a:rPr>
+                        <a:t>Mean</a:t>
+                      </a:r>
+                      <a:endParaRPr lang="en-US" sz="1200" dirty="0">
+                        <a:effectLst/>
+                        <a:latin typeface="+mn-lt"/>
+                        <a:ea typeface="+mn-ea"/>
+                        <a:cs typeface="+mn-ea"/>
+                        <a:sym typeface="+mn-lt"/>
+                      </a:endParaRPr>
+                    </a:p>
+                  </a:txBody>
+                  <a:tcPr anchor="ctr"/>
+                </a:tc>
+                <a:tc>
+                  <a:txBody>
+                    <a:bodyPr/>
+                    <a:lstStyle/>
+                    <a:p>
+                      <a:pPr algn="ctr"/>
+                      <a:r>
+                        <a:rPr lang="en-US" sz="1200" dirty="0" smtClean="0">
+                          <a:effectLst/>
+                          <a:latin typeface="+mn-lt"/>
+                          <a:ea typeface="+mn-ea"/>
+                          <a:cs typeface="+mn-ea"/>
+                          <a:sym typeface="+mn-lt"/>
+                        </a:rPr>
+                        <a:t>7.082707</a:t>
+                      </a:r>
+                      <a:endParaRPr lang="en-US" sz="1200" dirty="0">
+                        <a:effectLst/>
+                        <a:latin typeface="+mn-lt"/>
+                        <a:ea typeface="+mn-ea"/>
+                        <a:cs typeface="+mn-ea"/>
+                        <a:sym typeface="+mn-lt"/>
+                      </a:endParaRPr>
+                    </a:p>
+                  </a:txBody>
+                  <a:tcPr anchor="ctr"/>
+                </a:tc>
+                <a:tc>
+                  <a:txBody>
+                    <a:bodyPr/>
+                    <a:lstStyle/>
+                    <a:p>
+                      <a:pPr algn="ctr"/>
+                      <a:r>
+                        <a:rPr lang="en-US" sz="1200" dirty="0" smtClean="0">
+                          <a:effectLst/>
+                          <a:latin typeface="+mn-lt"/>
+                          <a:ea typeface="+mn-ea"/>
+                          <a:cs typeface="+mn-ea"/>
+                          <a:sym typeface="+mn-lt"/>
+                        </a:rPr>
+                        <a:t>6.882736</a:t>
+                      </a:r>
+                      <a:endParaRPr lang="en-US" sz="1200" dirty="0">
+                        <a:effectLst/>
+                        <a:latin typeface="+mn-lt"/>
+                        <a:ea typeface="+mn-ea"/>
+                        <a:cs typeface="+mn-ea"/>
+                        <a:sym typeface="+mn-lt"/>
+                      </a:endParaRPr>
+                    </a:p>
+                  </a:txBody>
+                  <a:tcPr anchor="ctr"/>
+                </a:tc>
+                <a:extLst>
+                  <a:ext uri="{0D108BD9-81ED-4DB2-BD59-A6C34878D82A}">
+                    <a16:rowId xmlns:a16="http://schemas.microsoft.com/office/drawing/2014/main" val="2987297157"/>
+                  </a:ext>
+                </a:extLst>
+              </a:tr>
+              <a:tr h="356517">
+                <a:tc>
+                  <a:txBody>
+                    <a:bodyPr/>
+                    <a:lstStyle/>
+                    <a:p>
+                      <a:pPr algn="ctr"/>
+                      <a:r>
+                        <a:rPr lang="en-US" sz="1200" dirty="0" err="1" smtClean="0">
+                          <a:effectLst/>
+                          <a:latin typeface="+mn-lt"/>
+                          <a:ea typeface="+mn-ea"/>
+                          <a:cs typeface="+mn-ea"/>
+                          <a:sym typeface="+mn-lt"/>
+                        </a:rPr>
+                        <a:t>Std</a:t>
+                      </a:r>
+                      <a:r>
+                        <a:rPr lang="en-US" sz="1200" dirty="0" smtClean="0">
+                          <a:effectLst/>
+                          <a:latin typeface="+mn-lt"/>
+                          <a:ea typeface="+mn-ea"/>
+                          <a:cs typeface="+mn-ea"/>
+                          <a:sym typeface="+mn-lt"/>
+                        </a:rPr>
+                        <a:t> Dev</a:t>
+                      </a:r>
+                      <a:endParaRPr lang="en-US" sz="1200" dirty="0">
+                        <a:effectLst/>
+                        <a:latin typeface="+mn-lt"/>
+                        <a:ea typeface="+mn-ea"/>
+                        <a:cs typeface="+mn-ea"/>
+                        <a:sym typeface="+mn-lt"/>
+                      </a:endParaRPr>
+                    </a:p>
+                  </a:txBody>
+                  <a:tcPr anchor="ctr"/>
+                </a:tc>
+                <a:tc>
+                  <a:txBody>
+                    <a:bodyPr/>
+                    <a:lstStyle/>
+                    <a:p>
+                      <a:pPr algn="ctr"/>
+                      <a:r>
+                        <a:rPr lang="en-US" sz="1200" dirty="0" smtClean="0">
+                          <a:effectLst/>
+                          <a:latin typeface="+mn-lt"/>
+                          <a:ea typeface="+mn-ea"/>
+                          <a:cs typeface="+mn-ea"/>
+                          <a:sym typeface="+mn-lt"/>
+                        </a:rPr>
+                        <a:t>1.23267</a:t>
+                      </a:r>
+                      <a:endParaRPr lang="en-US" sz="1200" dirty="0">
+                        <a:effectLst/>
+                        <a:latin typeface="+mn-lt"/>
+                        <a:ea typeface="+mn-ea"/>
+                        <a:cs typeface="+mn-ea"/>
+                        <a:sym typeface="+mn-lt"/>
+                      </a:endParaRPr>
+                    </a:p>
+                  </a:txBody>
+                  <a:tcPr anchor="ctr"/>
+                </a:tc>
+                <a:tc>
+                  <a:txBody>
+                    <a:bodyPr/>
+                    <a:lstStyle/>
+                    <a:p>
+                      <a:pPr algn="ctr"/>
+                      <a:r>
+                        <a:rPr lang="en-US" sz="1200" dirty="0" smtClean="0">
+                          <a:effectLst/>
+                          <a:latin typeface="+mn-lt"/>
+                          <a:ea typeface="+mn-ea"/>
+                          <a:cs typeface="+mn-ea"/>
+                          <a:sym typeface="+mn-lt"/>
+                        </a:rPr>
+                        <a:t>0.921651</a:t>
+                      </a:r>
+                      <a:endParaRPr lang="en-US" sz="1200" dirty="0">
+                        <a:effectLst/>
+                        <a:latin typeface="+mn-lt"/>
+                        <a:ea typeface="+mn-ea"/>
+                        <a:cs typeface="+mn-ea"/>
+                        <a:sym typeface="+mn-lt"/>
+                      </a:endParaRPr>
+                    </a:p>
+                  </a:txBody>
+                  <a:tcPr anchor="ctr"/>
+                </a:tc>
+                <a:extLst>
+                  <a:ext uri="{0D108BD9-81ED-4DB2-BD59-A6C34878D82A}">
+                    <a16:rowId xmlns:a16="http://schemas.microsoft.com/office/drawing/2014/main" val="2037262163"/>
+                  </a:ext>
+                </a:extLst>
+              </a:tr>
+            </a:tbl>
+          </a:graphicData>
+        </a:graphic>
+      </p:graphicFrame>
+      <mc:AlternateContent xmlns:mc="http://schemas.openxmlformats.org/markup-compatibility/2006">
+        <mc:Choice xmlns:cx1="http://schemas.microsoft.com/office/drawing/2015/9/8/chartex" Requires="cx1">
+          <p:graphicFrame>
+            <p:nvGraphicFramePr>
+              <p:cNvPr id="8" name="Chart 7">
+                <a:extLst>
+                  <a:ext uri="{FF2B5EF4-FFF2-40B4-BE49-F238E27FC236}">
+                    <a16:creationId xmlns:a16="http://schemas.microsoft.com/office/drawing/2014/main" id="{FABA6362-AEB1-F448-9E59-6CDC0102E3D1}"/>
+                  </a:ext>
+                </a:extLst>
+              </p:cNvPr>
+              <p:cNvGraphicFramePr/>
+              <p:nvPr>
+                <p:extLst>
+                  <p:ext uri="{D42A27DB-BD31-4B8C-83A1-F6EECF244321}">
+                    <p14:modId xmlns:p14="http://schemas.microsoft.com/office/powerpoint/2010/main" val="1028634564"/>
+                  </p:ext>
+                </p:extLst>
+              </p:nvPr>
+            </p:nvGraphicFramePr>
+            <p:xfrm>
+              <a:off x="112541" y="1120287"/>
+              <a:ext cx="4986997" cy="2621719"/>
+            </p:xfrm>
+            <a:graphic>
+              <a:graphicData uri="http://schemas.microsoft.com/office/drawing/2014/chartex">
+                <cx:chart xmlns:cx="http://schemas.microsoft.com/office/drawing/2014/chartex" xmlns:r="http://schemas.openxmlformats.org/officeDocument/2006/relationships" r:id="rId7"/>
+              </a:graphicData>
+            </a:graphic>
+          </p:graphicFrame>
+        </mc:Choice>
+        <mc:Fallback>
+          <p:pic>
+            <p:nvPicPr>
+              <p:cNvPr id="8" name="Chart 7">
+                <a:extLst>
+                  <a:ext uri="{FF2B5EF4-FFF2-40B4-BE49-F238E27FC236}">
+                    <a16:creationId xmlns:a16="http://schemas.microsoft.com/office/drawing/2014/main" id="{FABA6362-AEB1-F448-9E59-6CDC0102E3D1}"/>
+                  </a:ext>
+                </a:extLst>
+              </p:cNvPr>
+              <p:cNvPicPr>
+                <a:picLocks noGrp="1" noRot="1" noChangeAspect="1" noMove="1" noResize="1" noEditPoints="1" noAdjustHandles="1" noChangeArrowheads="1" noChangeShapeType="1"/>
+              </p:cNvPicPr>
+              <p:nvPr/>
+            </p:nvPicPr>
+            <p:blipFill>
+              <a:blip r:embed="rId8"/>
+              <a:stretch>
+                <a:fillRect/>
+              </a:stretch>
+            </p:blipFill>
+            <p:spPr>
+              <a:xfrm>
+                <a:off x="112541" y="1120287"/>
+                <a:ext cx="4986997" cy="2621719"/>
+              </a:xfrm>
+              <a:prstGeom prst="rect">
+                <a:avLst/>
+              </a:prstGeom>
+            </p:spPr>
+          </p:pic>
+        </mc:Fallback>
+      </mc:AlternateContent>
+    </p:spTree>
+    <p:extLst>
+      <p:ext uri="{BB962C8B-B14F-4D97-AF65-F5344CB8AC3E}">
+        <p14:creationId xmlns:p14="http://schemas.microsoft.com/office/powerpoint/2010/main" val="1775118508"/>
+      </p:ext>
+    </p:extLst>
+  </p:cSld>
+  <p:clrMapOvr>
+    <a:masterClrMapping/>
+  </p:clrMapOvr>
+</p:sld>
+</file>
+
+<file path=ppt/tags/tag1.xml><?xml version="1.0" encoding="utf-8"?>
+<p:tagLst xmlns:a="http://schemas.openxmlformats.org/drawingml/2006/main" xmlns:r="http://schemas.openxmlformats.org/officeDocument/2006/relationships" xmlns:p="http://schemas.openxmlformats.org/presentationml/2006/main">
+  <p:tag name="THINKCELLUNDODONOTDELETE" val="0"/>
+</p:tagLst>
+</file>
+
+<file path=ppt/tags/tag2.xml><?xml version="1.0" encoding="utf-8"?>
+<p:tagLst xmlns:a="http://schemas.openxmlformats.org/drawingml/2006/main" xmlns:r="http://schemas.openxmlformats.org/officeDocument/2006/relationships" xmlns:p="http://schemas.openxmlformats.org/presentationml/2006/main">
+  <p:tag name="THINKCELLSHAPEDONOTDELETE" val="thinkcellActiveDocDoNotDelete"/>
+</p:tagLst>
+</file>
+
+<file path=ppt/tags/tag3.xml><?xml version="1.0" encoding="utf-8"?>
+<p:tagLst xmlns:a="http://schemas.openxmlformats.org/drawingml/2006/main" xmlns:r="http://schemas.openxmlformats.org/officeDocument/2006/relationships" xmlns:p="http://schemas.openxmlformats.org/presentationml/2006/main">
+  <p:tag name="THINKCELLSHAPEDONOTDELETE" val="thinkcellActiveDocDoNotDelete"/>
+</p:tagLst>
+</file>
+
+<file path=ppt/tags/tag4.xml><?xml version="1.0" encoding="utf-8"?>
+<p:tagLst xmlns:a="http://schemas.openxmlformats.org/drawingml/2006/main" xmlns:r="http://schemas.openxmlformats.org/officeDocument/2006/relationships" xmlns:p="http://schemas.openxmlformats.org/presentationml/2006/main">
+  <p:tag name="THINKCELLSHAPEDONOTDELETE" val="thinkcellActiveDocDoNotDelete"/>
+</p:tagLst>
+</file>
+
+<file path=ppt/tags/tag5.xml><?xml version="1.0" encoding="utf-8"?>
+<p:tagLst xmlns:a="http://schemas.openxmlformats.org/drawingml/2006/main" xmlns:r="http://schemas.openxmlformats.org/officeDocument/2006/relationships" xmlns:p="http://schemas.openxmlformats.org/presentationml/2006/main">
+  <p:tag name="THINKCELLSHAPEDONOTDELETE" val="thinkcellActiveDocDoNotDelete"/>
+</p:tagLst>
 </file>
 
 <file path=ppt/theme/theme1.xml><?xml version="1.0" encoding="utf-8"?>
@@ -8453,76 +11711,16 @@
         <a:srgbClr val="0097A7"/>
       </a:folHlink>
     </a:clrScheme>
-    <a:fontScheme name="Office">
+    <a:fontScheme name="pgjhirdv">
       <a:majorFont>
         <a:latin typeface="Arial"/>
-        <a:ea typeface=""/>
+        <a:ea typeface="Arial"/>
         <a:cs typeface=""/>
-        <a:font script="Jpan" typeface="ＭＳ Ｐゴシック"/>
-        <a:font script="Hang" typeface="맑은 고딕"/>
-        <a:font script="Hans" typeface="宋体"/>
-        <a:font script="Hant" typeface="新細明體"/>
-        <a:font script="Arab" typeface="Times New Roman"/>
-        <a:font script="Hebr" typeface="Times New Roman"/>
-        <a:font script="Thai" typeface="Angsana New"/>
-        <a:font script="Ethi" typeface="Nyala"/>
-        <a:font script="Beng" typeface="Vrinda"/>
-        <a:font script="Gujr" typeface="Shruti"/>
-        <a:font script="Khmr" typeface="MoolBoran"/>
-        <a:font script="Knda" typeface="Tunga"/>
-        <a:font script="Guru" typeface="Raavi"/>
-        <a:font script="Cans" typeface="Euphemia"/>
-        <a:font script="Cher" typeface="Plantagenet Cherokee"/>
-        <a:font script="Yiii" typeface="Microsoft Yi Baiti"/>
-        <a:font script="Tibt" typeface="Microsoft Himalaya"/>
-        <a:font script="Thaa" typeface="MV Boli"/>
-        <a:font script="Deva" typeface="Mangal"/>
-        <a:font script="Telu" typeface="Gautami"/>
-        <a:font script="Taml" typeface="Latha"/>
-        <a:font script="Syrc" typeface="Estrangelo Edessa"/>
-        <a:font script="Orya" typeface="Kalinga"/>
-        <a:font script="Mlym" typeface="Kartika"/>
-        <a:font script="Laoo" typeface="DokChampa"/>
-        <a:font script="Sinh" typeface="Iskoola Pota"/>
-        <a:font script="Mong" typeface="Mongolian Baiti"/>
-        <a:font script="Viet" typeface="Times New Roman"/>
-        <a:font script="Uigh" typeface="Microsoft Uighur"/>
-        <a:font script="Geor" typeface="Sylfaen"/>
       </a:majorFont>
       <a:minorFont>
         <a:latin typeface="Arial"/>
-        <a:ea typeface=""/>
+        <a:ea typeface="Arial"/>
         <a:cs typeface=""/>
-        <a:font script="Jpan" typeface="ＭＳ Ｐゴシック"/>
-        <a:font script="Hang" typeface="맑은 고딕"/>
-        <a:font script="Hans" typeface="宋体"/>
-        <a:font script="Hant" typeface="新細明體"/>
-        <a:font script="Arab" typeface="Arial"/>
-        <a:font script="Hebr" typeface="Arial"/>
-        <a:font script="Thai" typeface="Cordia New"/>
-        <a:font script="Ethi" typeface="Nyala"/>
-        <a:font script="Beng" typeface="Vrinda"/>
-        <a:font script="Gujr" typeface="Shruti"/>
-        <a:font script="Khmr" typeface="DaunPenh"/>
-        <a:font script="Knda" typeface="Tunga"/>
-        <a:font script="Guru" typeface="Raavi"/>
-        <a:font script="Cans" typeface="Euphemia"/>
-        <a:font script="Cher" typeface="Plantagenet Cherokee"/>
-        <a:font script="Yiii" typeface="Microsoft Yi Baiti"/>
-        <a:font script="Tibt" typeface="Microsoft Himalaya"/>
-        <a:font script="Thaa" typeface="MV Boli"/>
-        <a:font script="Deva" typeface="Mangal"/>
-        <a:font script="Telu" typeface="Gautami"/>
-        <a:font script="Taml" typeface="Latha"/>
-        <a:font script="Syrc" typeface="Estrangelo Edessa"/>
-        <a:font script="Orya" typeface="Kalinga"/>
-        <a:font script="Mlym" typeface="Kartika"/>
-        <a:font script="Laoo" typeface="DokChampa"/>
-        <a:font script="Sinh" typeface="Iskoola Pota"/>
-        <a:font script="Mong" typeface="Mongolian Baiti"/>
-        <a:font script="Viet" typeface="Arial"/>
-        <a:font script="Uigh" typeface="Microsoft Uighur"/>
-        <a:font script="Geor" typeface="Sylfaen"/>
       </a:minorFont>
     </a:fontScheme>
     <a:fmtScheme name="Office">

--- a/BAND-survey-project-submission.pptx
+++ b/BAND-survey-project-submission.pptx
@@ -5,17 +5,27 @@
     <p:sldMasterId id="2147483659" r:id="rId1"/>
   </p:sldMasterIdLst>
   <p:notesMasterIdLst>
-    <p:notesMasterId r:id="rId5"/>
+    <p:notesMasterId r:id="rId6"/>
   </p:notesMasterIdLst>
   <p:sldIdLst>
-    <p:sldId id="256" r:id="rId2"/>
-    <p:sldId id="257" r:id="rId3"/>
-    <p:sldId id="258" r:id="rId4"/>
+    <p:sldId id="259" r:id="rId2"/>
+    <p:sldId id="256" r:id="rId3"/>
+    <p:sldId id="257" r:id="rId4"/>
+    <p:sldId id="258" r:id="rId5"/>
   </p:sldIdLst>
   <p:sldSz cx="9144000" cy="5143500" type="screen16x9"/>
   <p:notesSz cx="6858000" cy="9144000"/>
+  <p:embeddedFontLst>
+    <p:embeddedFont>
+      <p:font typeface="Calibri" panose="020F0502020204030204" pitchFamily="34" charset="0"/>
+      <p:regular r:id="rId7"/>
+      <p:bold r:id="rId8"/>
+      <p:italic r:id="rId9"/>
+      <p:boldItalic r:id="rId10"/>
+    </p:embeddedFont>
+  </p:embeddedFontLst>
   <p:custDataLst>
-    <p:tags r:id="rId6"/>
+    <p:tags r:id="rId11"/>
   </p:custDataLst>
   <p:defaultTextStyle>
     <a:defPPr marR="0" lvl="0" algn="l" rtl="0">
@@ -241,6 +251,1053 @@
     </mc:Fallback>
   </mc:AlternateContent>
   <c:pivotSource>
+    <c:name>[surveydata.xlsx]nanodegree programs!PivotTable1</c:name>
+    <c:fmtId val="3"/>
+  </c:pivotSource>
+  <c:chart>
+    <c:title>
+      <c:tx>
+        <c:rich>
+          <a:bodyPr rot="0" spcFirstLastPara="1" vertOverflow="ellipsis" vert="horz" wrap="square" anchor="ctr" anchorCtr="1"/>
+          <a:lstStyle/>
+          <a:p>
+            <a:pPr>
+              <a:defRPr sz="1400" b="0" i="0" u="none" strike="noStrike" kern="1200" spc="0" baseline="0">
+                <a:solidFill>
+                  <a:schemeClr val="tx1">
+                    <a:lumMod val="65000"/>
+                    <a:lumOff val="35000"/>
+                  </a:schemeClr>
+                </a:solidFill>
+                <a:latin typeface="+mn-lt"/>
+                <a:ea typeface="+mn-ea"/>
+                <a:cs typeface="+mn-cs"/>
+              </a:defRPr>
+            </a:pPr>
+            <a:r>
+              <a:rPr lang="en-US" altLang="zh-CN" dirty="0"/>
+              <a:t>Counts</a:t>
+            </a:r>
+            <a:r>
+              <a:rPr lang="zh-CN" altLang="en-US" dirty="0"/>
+              <a:t> </a:t>
+            </a:r>
+            <a:r>
+              <a:rPr lang="en-US" altLang="zh-CN" dirty="0"/>
+              <a:t>of</a:t>
+            </a:r>
+            <a:r>
+              <a:rPr lang="zh-CN" altLang="en-US" dirty="0"/>
+              <a:t> </a:t>
+            </a:r>
+            <a:r>
+              <a:rPr lang="en-US" altLang="zh-CN" dirty="0"/>
+              <a:t>Each</a:t>
+            </a:r>
+            <a:r>
+              <a:rPr lang="zh-CN" altLang="en-US" dirty="0"/>
+              <a:t> </a:t>
+            </a:r>
+            <a:r>
+              <a:rPr lang="en-US" altLang="zh-CN" dirty="0"/>
+              <a:t>Nanodegree</a:t>
+            </a:r>
+            <a:endParaRPr lang="en-US" dirty="0"/>
+          </a:p>
+        </c:rich>
+      </c:tx>
+      <c:overlay val="0"/>
+      <c:spPr>
+        <a:noFill/>
+        <a:ln>
+          <a:noFill/>
+        </a:ln>
+        <a:effectLst/>
+      </c:spPr>
+      <c:txPr>
+        <a:bodyPr rot="0" spcFirstLastPara="1" vertOverflow="ellipsis" vert="horz" wrap="square" anchor="ctr" anchorCtr="1"/>
+        <a:lstStyle/>
+        <a:p>
+          <a:pPr>
+            <a:defRPr sz="1400" b="0" i="0" u="none" strike="noStrike" kern="1200" spc="0" baseline="0">
+              <a:solidFill>
+                <a:schemeClr val="tx1">
+                  <a:lumMod val="65000"/>
+                  <a:lumOff val="35000"/>
+                </a:schemeClr>
+              </a:solidFill>
+              <a:latin typeface="+mn-lt"/>
+              <a:ea typeface="+mn-ea"/>
+              <a:cs typeface="+mn-cs"/>
+            </a:defRPr>
+          </a:pPr>
+          <a:endParaRPr lang="en-US"/>
+        </a:p>
+      </c:txPr>
+    </c:title>
+    <c:autoTitleDeleted val="0"/>
+    <c:pivotFmts>
+      <c:pivotFmt>
+        <c:idx val="0"/>
+        <c:spPr>
+          <a:solidFill>
+            <a:schemeClr val="accent1"/>
+          </a:solidFill>
+          <a:ln w="19050">
+            <a:solidFill>
+              <a:schemeClr val="lt1"/>
+            </a:solidFill>
+          </a:ln>
+          <a:effectLst/>
+        </c:spPr>
+        <c:marker>
+          <c:symbol val="none"/>
+        </c:marker>
+      </c:pivotFmt>
+      <c:pivotFmt>
+        <c:idx val="1"/>
+        <c:spPr>
+          <a:solidFill>
+            <a:schemeClr val="accent1"/>
+          </a:solidFill>
+          <a:ln w="19050">
+            <a:solidFill>
+              <a:schemeClr val="lt1"/>
+            </a:solidFill>
+          </a:ln>
+          <a:effectLst/>
+        </c:spPr>
+        <c:marker>
+          <c:symbol val="none"/>
+        </c:marker>
+      </c:pivotFmt>
+      <c:pivotFmt>
+        <c:idx val="2"/>
+        <c:dLbl>
+          <c:idx val="0"/>
+          <c:spPr>
+            <a:noFill/>
+            <a:ln>
+              <a:noFill/>
+            </a:ln>
+            <a:effectLst/>
+          </c:spPr>
+          <c:txPr>
+            <a:bodyPr rot="0" spcFirstLastPara="1" vertOverflow="ellipsis" vert="horz" wrap="square" lIns="38100" tIns="19050" rIns="38100" bIns="19050" anchor="ctr" anchorCtr="1">
+              <a:spAutoFit/>
+            </a:bodyPr>
+            <a:lstStyle/>
+            <a:p>
+              <a:pPr>
+                <a:defRPr sz="900" b="0" i="0" u="none" strike="noStrike" kern="1200" baseline="0">
+                  <a:solidFill>
+                    <a:schemeClr val="tx1">
+                      <a:lumMod val="75000"/>
+                      <a:lumOff val="25000"/>
+                    </a:schemeClr>
+                  </a:solidFill>
+                  <a:latin typeface="+mn-lt"/>
+                  <a:ea typeface="+mn-ea"/>
+                  <a:cs typeface="+mn-cs"/>
+                </a:defRPr>
+              </a:pPr>
+              <a:endParaRPr lang="en-US"/>
+            </a:p>
+          </c:txPr>
+          <c:dLblPos val="bestFit"/>
+          <c:showLegendKey val="0"/>
+          <c:showVal val="1"/>
+          <c:showCatName val="0"/>
+          <c:showSerName val="0"/>
+          <c:showPercent val="0"/>
+          <c:showBubbleSize val="0"/>
+          <c:extLst>
+            <c:ext xmlns:c15="http://schemas.microsoft.com/office/drawing/2012/chart" uri="{CE6537A1-D6FC-4f65-9D91-7224C49458BB}"/>
+          </c:extLst>
+        </c:dLbl>
+      </c:pivotFmt>
+      <c:pivotFmt>
+        <c:idx val="3"/>
+        <c:spPr>
+          <a:solidFill>
+            <a:schemeClr val="accent1"/>
+          </a:solidFill>
+          <a:ln w="19050">
+            <a:solidFill>
+              <a:schemeClr val="lt1"/>
+            </a:solidFill>
+          </a:ln>
+          <a:effectLst/>
+        </c:spPr>
+        <c:marker>
+          <c:symbol val="none"/>
+        </c:marker>
+        <c:dLbl>
+          <c:idx val="0"/>
+          <c:spPr>
+            <a:noFill/>
+            <a:ln>
+              <a:noFill/>
+            </a:ln>
+            <a:effectLst/>
+          </c:spPr>
+          <c:txPr>
+            <a:bodyPr rot="0" spcFirstLastPara="1" vertOverflow="ellipsis" vert="horz" wrap="square" lIns="38100" tIns="19050" rIns="38100" bIns="19050" anchor="ctr" anchorCtr="1">
+              <a:spAutoFit/>
+            </a:bodyPr>
+            <a:lstStyle/>
+            <a:p>
+              <a:pPr>
+                <a:defRPr sz="900" b="0" i="0" u="none" strike="noStrike" kern="1200" baseline="0">
+                  <a:solidFill>
+                    <a:schemeClr val="tx1">
+                      <a:lumMod val="75000"/>
+                      <a:lumOff val="25000"/>
+                    </a:schemeClr>
+                  </a:solidFill>
+                  <a:latin typeface="+mn-lt"/>
+                  <a:ea typeface="+mn-ea"/>
+                  <a:cs typeface="+mn-cs"/>
+                </a:defRPr>
+              </a:pPr>
+              <a:endParaRPr lang="en-US"/>
+            </a:p>
+          </c:txPr>
+          <c:showLegendKey val="0"/>
+          <c:showVal val="1"/>
+          <c:showCatName val="0"/>
+          <c:showSerName val="0"/>
+          <c:showPercent val="0"/>
+          <c:showBubbleSize val="0"/>
+          <c:extLst>
+            <c:ext xmlns:c15="http://schemas.microsoft.com/office/drawing/2012/chart" uri="{CE6537A1-D6FC-4f65-9D91-7224C49458BB}"/>
+          </c:extLst>
+        </c:dLbl>
+      </c:pivotFmt>
+      <c:pivotFmt>
+        <c:idx val="4"/>
+        <c:spPr>
+          <a:solidFill>
+            <a:schemeClr val="accent1"/>
+          </a:solidFill>
+          <a:ln w="19050">
+            <a:solidFill>
+              <a:schemeClr val="lt1"/>
+            </a:solidFill>
+          </a:ln>
+          <a:effectLst/>
+        </c:spPr>
+      </c:pivotFmt>
+      <c:pivotFmt>
+        <c:idx val="5"/>
+        <c:spPr>
+          <a:solidFill>
+            <a:schemeClr val="accent1"/>
+          </a:solidFill>
+          <a:ln w="19050">
+            <a:solidFill>
+              <a:schemeClr val="lt1"/>
+            </a:solidFill>
+          </a:ln>
+          <a:effectLst/>
+        </c:spPr>
+      </c:pivotFmt>
+      <c:pivotFmt>
+        <c:idx val="6"/>
+        <c:spPr>
+          <a:solidFill>
+            <a:schemeClr val="accent1"/>
+          </a:solidFill>
+          <a:ln w="19050">
+            <a:solidFill>
+              <a:schemeClr val="lt1"/>
+            </a:solidFill>
+          </a:ln>
+          <a:effectLst/>
+        </c:spPr>
+      </c:pivotFmt>
+      <c:pivotFmt>
+        <c:idx val="7"/>
+        <c:spPr>
+          <a:solidFill>
+            <a:schemeClr val="accent1"/>
+          </a:solidFill>
+          <a:ln w="19050">
+            <a:solidFill>
+              <a:schemeClr val="lt1"/>
+            </a:solidFill>
+          </a:ln>
+          <a:effectLst/>
+        </c:spPr>
+      </c:pivotFmt>
+      <c:pivotFmt>
+        <c:idx val="8"/>
+        <c:spPr>
+          <a:solidFill>
+            <a:schemeClr val="accent1"/>
+          </a:solidFill>
+          <a:ln w="19050">
+            <a:solidFill>
+              <a:schemeClr val="lt1"/>
+            </a:solidFill>
+          </a:ln>
+          <a:effectLst/>
+        </c:spPr>
+      </c:pivotFmt>
+      <c:pivotFmt>
+        <c:idx val="9"/>
+        <c:spPr>
+          <a:solidFill>
+            <a:schemeClr val="accent1"/>
+          </a:solidFill>
+          <a:ln w="19050">
+            <a:solidFill>
+              <a:schemeClr val="lt1"/>
+            </a:solidFill>
+          </a:ln>
+          <a:effectLst/>
+        </c:spPr>
+      </c:pivotFmt>
+      <c:pivotFmt>
+        <c:idx val="10"/>
+        <c:spPr>
+          <a:solidFill>
+            <a:schemeClr val="accent1"/>
+          </a:solidFill>
+          <a:ln w="19050">
+            <a:solidFill>
+              <a:schemeClr val="lt1"/>
+            </a:solidFill>
+          </a:ln>
+          <a:effectLst/>
+        </c:spPr>
+      </c:pivotFmt>
+      <c:pivotFmt>
+        <c:idx val="11"/>
+        <c:spPr>
+          <a:solidFill>
+            <a:schemeClr val="accent1"/>
+          </a:solidFill>
+          <a:ln w="19050">
+            <a:solidFill>
+              <a:schemeClr val="lt1"/>
+            </a:solidFill>
+          </a:ln>
+          <a:effectLst/>
+        </c:spPr>
+      </c:pivotFmt>
+      <c:pivotFmt>
+        <c:idx val="12"/>
+        <c:spPr>
+          <a:solidFill>
+            <a:schemeClr val="accent1"/>
+          </a:solidFill>
+          <a:ln w="19050">
+            <a:solidFill>
+              <a:schemeClr val="lt1"/>
+            </a:solidFill>
+          </a:ln>
+          <a:effectLst/>
+        </c:spPr>
+      </c:pivotFmt>
+      <c:pivotFmt>
+        <c:idx val="13"/>
+        <c:spPr>
+          <a:solidFill>
+            <a:schemeClr val="accent1"/>
+          </a:solidFill>
+          <a:ln w="19050">
+            <a:solidFill>
+              <a:schemeClr val="lt1"/>
+            </a:solidFill>
+          </a:ln>
+          <a:effectLst/>
+        </c:spPr>
+        <c:marker>
+          <c:symbol val="none"/>
+        </c:marker>
+        <c:dLbl>
+          <c:idx val="0"/>
+          <c:spPr>
+            <a:noFill/>
+            <a:ln>
+              <a:noFill/>
+            </a:ln>
+            <a:effectLst/>
+          </c:spPr>
+          <c:txPr>
+            <a:bodyPr rot="0" spcFirstLastPara="1" vertOverflow="ellipsis" vert="horz" wrap="square" lIns="38100" tIns="19050" rIns="38100" bIns="19050" anchor="ctr" anchorCtr="1">
+              <a:spAutoFit/>
+            </a:bodyPr>
+            <a:lstStyle/>
+            <a:p>
+              <a:pPr>
+                <a:defRPr sz="900" b="0" i="0" u="none" strike="noStrike" kern="1200" baseline="0">
+                  <a:solidFill>
+                    <a:schemeClr val="tx1">
+                      <a:lumMod val="75000"/>
+                      <a:lumOff val="25000"/>
+                    </a:schemeClr>
+                  </a:solidFill>
+                  <a:latin typeface="+mn-lt"/>
+                  <a:ea typeface="+mn-ea"/>
+                  <a:cs typeface="+mn-cs"/>
+                </a:defRPr>
+              </a:pPr>
+              <a:endParaRPr lang="en-US"/>
+            </a:p>
+          </c:txPr>
+          <c:showLegendKey val="0"/>
+          <c:showVal val="0"/>
+          <c:showCatName val="0"/>
+          <c:showSerName val="0"/>
+          <c:showPercent val="0"/>
+          <c:showBubbleSize val="0"/>
+          <c:extLst>
+            <c:ext xmlns:c15="http://schemas.microsoft.com/office/drawing/2012/chart" uri="{CE6537A1-D6FC-4f65-9D91-7224C49458BB}"/>
+          </c:extLst>
+        </c:dLbl>
+      </c:pivotFmt>
+      <c:pivotFmt>
+        <c:idx val="14"/>
+        <c:spPr>
+          <a:solidFill>
+            <a:schemeClr val="accent1"/>
+          </a:solidFill>
+          <a:ln w="19050">
+            <a:solidFill>
+              <a:schemeClr val="lt1"/>
+            </a:solidFill>
+          </a:ln>
+          <a:effectLst/>
+        </c:spPr>
+        <c:marker>
+          <c:symbol val="none"/>
+        </c:marker>
+        <c:dLbl>
+          <c:idx val="0"/>
+          <c:spPr>
+            <a:noFill/>
+            <a:ln>
+              <a:noFill/>
+            </a:ln>
+            <a:effectLst/>
+          </c:spPr>
+          <c:txPr>
+            <a:bodyPr rot="0" spcFirstLastPara="1" vertOverflow="ellipsis" vert="horz" wrap="square" lIns="38100" tIns="19050" rIns="38100" bIns="19050" anchor="ctr" anchorCtr="1">
+              <a:spAutoFit/>
+            </a:bodyPr>
+            <a:lstStyle/>
+            <a:p>
+              <a:pPr>
+                <a:defRPr sz="900" b="0" i="0" u="none" strike="noStrike" kern="1200" baseline="0">
+                  <a:solidFill>
+                    <a:schemeClr val="tx1">
+                      <a:lumMod val="75000"/>
+                      <a:lumOff val="25000"/>
+                    </a:schemeClr>
+                  </a:solidFill>
+                  <a:latin typeface="+mn-lt"/>
+                  <a:ea typeface="+mn-ea"/>
+                  <a:cs typeface="+mn-cs"/>
+                </a:defRPr>
+              </a:pPr>
+              <a:endParaRPr lang="en-US"/>
+            </a:p>
+          </c:txPr>
+          <c:showLegendKey val="0"/>
+          <c:showVal val="0"/>
+          <c:showCatName val="0"/>
+          <c:showSerName val="0"/>
+          <c:showPercent val="0"/>
+          <c:showBubbleSize val="0"/>
+          <c:extLst>
+            <c:ext xmlns:c15="http://schemas.microsoft.com/office/drawing/2012/chart" uri="{CE6537A1-D6FC-4f65-9D91-7224C49458BB}"/>
+          </c:extLst>
+        </c:dLbl>
+      </c:pivotFmt>
+      <c:pivotFmt>
+        <c:idx val="15"/>
+        <c:spPr>
+          <a:solidFill>
+            <a:schemeClr val="accent1"/>
+          </a:solidFill>
+          <a:ln w="19050">
+            <a:solidFill>
+              <a:schemeClr val="lt1"/>
+            </a:solidFill>
+          </a:ln>
+          <a:effectLst/>
+        </c:spPr>
+        <c:marker>
+          <c:symbol val="none"/>
+        </c:marker>
+        <c:dLbl>
+          <c:idx val="0"/>
+          <c:spPr>
+            <a:noFill/>
+            <a:ln>
+              <a:noFill/>
+            </a:ln>
+            <a:effectLst/>
+          </c:spPr>
+          <c:txPr>
+            <a:bodyPr rot="0" spcFirstLastPara="1" vertOverflow="ellipsis" vert="horz" wrap="square" lIns="38100" tIns="19050" rIns="38100" bIns="19050" anchor="ctr" anchorCtr="1">
+              <a:spAutoFit/>
+            </a:bodyPr>
+            <a:lstStyle/>
+            <a:p>
+              <a:pPr>
+                <a:defRPr sz="900" b="0" i="0" u="none" strike="noStrike" kern="1200" baseline="0">
+                  <a:solidFill>
+                    <a:schemeClr val="tx1">
+                      <a:lumMod val="75000"/>
+                      <a:lumOff val="25000"/>
+                    </a:schemeClr>
+                  </a:solidFill>
+                  <a:latin typeface="+mn-lt"/>
+                  <a:ea typeface="+mn-ea"/>
+                  <a:cs typeface="+mn-cs"/>
+                </a:defRPr>
+              </a:pPr>
+              <a:endParaRPr lang="en-US"/>
+            </a:p>
+          </c:txPr>
+          <c:showLegendKey val="0"/>
+          <c:showVal val="0"/>
+          <c:showCatName val="0"/>
+          <c:showSerName val="0"/>
+          <c:showPercent val="0"/>
+          <c:showBubbleSize val="0"/>
+          <c:extLst>
+            <c:ext xmlns:c15="http://schemas.microsoft.com/office/drawing/2012/chart" uri="{CE6537A1-D6FC-4f65-9D91-7224C49458BB}"/>
+          </c:extLst>
+        </c:dLbl>
+      </c:pivotFmt>
+      <c:pivotFmt>
+        <c:idx val="16"/>
+        <c:spPr>
+          <a:solidFill>
+            <a:schemeClr val="accent1"/>
+          </a:solidFill>
+          <a:ln w="19050">
+            <a:solidFill>
+              <a:schemeClr val="lt1"/>
+            </a:solidFill>
+          </a:ln>
+          <a:effectLst/>
+        </c:spPr>
+        <c:marker>
+          <c:symbol val="none"/>
+        </c:marker>
+        <c:dLbl>
+          <c:idx val="0"/>
+          <c:spPr>
+            <a:noFill/>
+            <a:ln>
+              <a:noFill/>
+            </a:ln>
+            <a:effectLst/>
+          </c:spPr>
+          <c:txPr>
+            <a:bodyPr rot="0" spcFirstLastPara="1" vertOverflow="ellipsis" vert="horz" wrap="square" lIns="38100" tIns="19050" rIns="38100" bIns="19050" anchor="ctr" anchorCtr="1">
+              <a:spAutoFit/>
+            </a:bodyPr>
+            <a:lstStyle/>
+            <a:p>
+              <a:pPr>
+                <a:defRPr sz="900" b="0" i="0" u="none" strike="noStrike" kern="1200" baseline="0">
+                  <a:solidFill>
+                    <a:schemeClr val="tx1">
+                      <a:lumMod val="75000"/>
+                      <a:lumOff val="25000"/>
+                    </a:schemeClr>
+                  </a:solidFill>
+                  <a:latin typeface="+mn-lt"/>
+                  <a:ea typeface="+mn-ea"/>
+                  <a:cs typeface="+mn-cs"/>
+                </a:defRPr>
+              </a:pPr>
+              <a:endParaRPr lang="en-US"/>
+            </a:p>
+          </c:txPr>
+          <c:showLegendKey val="0"/>
+          <c:showVal val="0"/>
+          <c:showCatName val="0"/>
+          <c:showSerName val="0"/>
+          <c:showPercent val="0"/>
+          <c:showBubbleSize val="0"/>
+          <c:extLst>
+            <c:ext xmlns:c15="http://schemas.microsoft.com/office/drawing/2012/chart" uri="{CE6537A1-D6FC-4f65-9D91-7224C49458BB}"/>
+          </c:extLst>
+        </c:dLbl>
+      </c:pivotFmt>
+      <c:pivotFmt>
+        <c:idx val="17"/>
+        <c:spPr>
+          <a:solidFill>
+            <a:schemeClr val="accent1"/>
+          </a:solidFill>
+          <a:ln w="19050">
+            <a:solidFill>
+              <a:schemeClr val="lt1"/>
+            </a:solidFill>
+          </a:ln>
+          <a:effectLst/>
+        </c:spPr>
+        <c:marker>
+          <c:symbol val="none"/>
+        </c:marker>
+        <c:dLbl>
+          <c:idx val="0"/>
+          <c:spPr>
+            <a:noFill/>
+            <a:ln>
+              <a:noFill/>
+            </a:ln>
+            <a:effectLst/>
+          </c:spPr>
+          <c:txPr>
+            <a:bodyPr rot="0" spcFirstLastPara="1" vertOverflow="ellipsis" vert="horz" wrap="square" lIns="38100" tIns="19050" rIns="38100" bIns="19050" anchor="ctr" anchorCtr="1">
+              <a:spAutoFit/>
+            </a:bodyPr>
+            <a:lstStyle/>
+            <a:p>
+              <a:pPr>
+                <a:defRPr sz="900" b="0" i="0" u="none" strike="noStrike" kern="1200" baseline="0">
+                  <a:solidFill>
+                    <a:schemeClr val="tx1">
+                      <a:lumMod val="75000"/>
+                      <a:lumOff val="25000"/>
+                    </a:schemeClr>
+                  </a:solidFill>
+                  <a:latin typeface="+mn-lt"/>
+                  <a:ea typeface="+mn-ea"/>
+                  <a:cs typeface="+mn-cs"/>
+                </a:defRPr>
+              </a:pPr>
+              <a:endParaRPr lang="en-US"/>
+            </a:p>
+          </c:txPr>
+          <c:showLegendKey val="0"/>
+          <c:showVal val="0"/>
+          <c:showCatName val="0"/>
+          <c:showSerName val="0"/>
+          <c:showPercent val="0"/>
+          <c:showBubbleSize val="0"/>
+          <c:extLst>
+            <c:ext xmlns:c15="http://schemas.microsoft.com/office/drawing/2012/chart" uri="{CE6537A1-D6FC-4f65-9D91-7224C49458BB}"/>
+          </c:extLst>
+        </c:dLbl>
+      </c:pivotFmt>
+    </c:pivotFmts>
+    <c:plotArea>
+      <c:layout/>
+      <c:barChart>
+        <c:barDir val="bar"/>
+        <c:grouping val="clustered"/>
+        <c:varyColors val="0"/>
+        <c:ser>
+          <c:idx val="0"/>
+          <c:order val="0"/>
+          <c:tx>
+            <c:strRef>
+              <c:f>'nanodegree programs'!$B$3</c:f>
+              <c:strCache>
+                <c:ptCount val="1"/>
+                <c:pt idx="0">
+                  <c:v>Total</c:v>
+                </c:pt>
+              </c:strCache>
+            </c:strRef>
+          </c:tx>
+          <c:spPr>
+            <a:solidFill>
+              <a:schemeClr val="accent1"/>
+            </a:solidFill>
+            <a:ln w="19050">
+              <a:solidFill>
+                <a:schemeClr val="lt1"/>
+              </a:solidFill>
+            </a:ln>
+            <a:effectLst/>
+          </c:spPr>
+          <c:invertIfNegative val="0"/>
+          <c:dLbls>
+            <c:spPr>
+              <a:noFill/>
+              <a:ln>
+                <a:noFill/>
+              </a:ln>
+              <a:effectLst/>
+            </c:spPr>
+            <c:txPr>
+              <a:bodyPr rot="0" spcFirstLastPara="1" vertOverflow="ellipsis" vert="horz" wrap="square" lIns="38100" tIns="19050" rIns="38100" bIns="19050" anchor="ctr" anchorCtr="1">
+                <a:spAutoFit/>
+              </a:bodyPr>
+              <a:lstStyle/>
+              <a:p>
+                <a:pPr>
+                  <a:defRPr sz="900" b="0" i="0" u="none" strike="noStrike" kern="1200" baseline="0">
+                    <a:solidFill>
+                      <a:schemeClr val="tx1">
+                        <a:lumMod val="75000"/>
+                        <a:lumOff val="25000"/>
+                      </a:schemeClr>
+                    </a:solidFill>
+                    <a:latin typeface="+mn-lt"/>
+                    <a:ea typeface="+mn-ea"/>
+                    <a:cs typeface="+mn-cs"/>
+                  </a:defRPr>
+                </a:pPr>
+                <a:endParaRPr lang="en-US"/>
+              </a:p>
+            </c:txPr>
+            <c:dLblPos val="outEnd"/>
+            <c:showLegendKey val="0"/>
+            <c:showVal val="1"/>
+            <c:showCatName val="0"/>
+            <c:showSerName val="0"/>
+            <c:showPercent val="0"/>
+            <c:showBubbleSize val="0"/>
+            <c:showLeaderLines val="0"/>
+            <c:extLst>
+              <c:ext xmlns:c15="http://schemas.microsoft.com/office/drawing/2012/chart" uri="{CE6537A1-D6FC-4f65-9D91-7224C49458BB}">
+                <c15:showLeaderLines val="1"/>
+                <c15:leaderLines>
+                  <c:spPr>
+                    <a:ln w="9525" cap="flat" cmpd="sng" algn="ctr">
+                      <a:solidFill>
+                        <a:schemeClr val="tx1">
+                          <a:lumMod val="35000"/>
+                          <a:lumOff val="65000"/>
+                        </a:schemeClr>
+                      </a:solidFill>
+                      <a:round/>
+                    </a:ln>
+                    <a:effectLst/>
+                  </c:spPr>
+                </c15:leaderLines>
+              </c:ext>
+            </c:extLst>
+          </c:dLbls>
+          <c:cat>
+            <c:strRef>
+              <c:f>'nanodegree programs'!$A$4:$A$12</c:f>
+              <c:strCache>
+                <c:ptCount val="9"/>
+                <c:pt idx="0">
+                  <c:v>Count of Robotics</c:v>
+                </c:pt>
+                <c:pt idx="1">
+                  <c:v>Count of Self-Driving Car Engineer</c:v>
+                </c:pt>
+                <c:pt idx="2">
+                  <c:v>Count of Business Analyst</c:v>
+                </c:pt>
+                <c:pt idx="3">
+                  <c:v>Count of Intro to Programming</c:v>
+                </c:pt>
+                <c:pt idx="4">
+                  <c:v>Count of Other.6</c:v>
+                </c:pt>
+                <c:pt idx="5">
+                  <c:v>Count of Artificial Intelligence</c:v>
+                </c:pt>
+                <c:pt idx="6">
+                  <c:v>Count of Data Analyst</c:v>
+                </c:pt>
+                <c:pt idx="7">
+                  <c:v>Count of Machine Learning Engineer</c:v>
+                </c:pt>
+                <c:pt idx="8">
+                  <c:v>Count of Deep Learning Foundations</c:v>
+                </c:pt>
+              </c:strCache>
+            </c:strRef>
+          </c:cat>
+          <c:val>
+            <c:numRef>
+              <c:f>'nanodegree programs'!$B$4:$B$12</c:f>
+              <c:numCache>
+                <c:formatCode>General</c:formatCode>
+                <c:ptCount val="9"/>
+                <c:pt idx="0">
+                  <c:v>8</c:v>
+                </c:pt>
+                <c:pt idx="1">
+                  <c:v>15</c:v>
+                </c:pt>
+                <c:pt idx="2">
+                  <c:v>19</c:v>
+                </c:pt>
+                <c:pt idx="3">
+                  <c:v>23</c:v>
+                </c:pt>
+                <c:pt idx="4">
+                  <c:v>43</c:v>
+                </c:pt>
+                <c:pt idx="5">
+                  <c:v>111</c:v>
+                </c:pt>
+                <c:pt idx="6">
+                  <c:v>157</c:v>
+                </c:pt>
+                <c:pt idx="7">
+                  <c:v>235</c:v>
+                </c:pt>
+                <c:pt idx="8">
+                  <c:v>291</c:v>
+                </c:pt>
+              </c:numCache>
+            </c:numRef>
+          </c:val>
+          <c:extLst>
+            <c:ext xmlns:c16="http://schemas.microsoft.com/office/drawing/2014/chart" uri="{C3380CC4-5D6E-409C-BE32-E72D297353CC}">
+              <c16:uniqueId val="{00000000-C495-334E-9701-5199D8639429}"/>
+            </c:ext>
+          </c:extLst>
+        </c:ser>
+        <c:dLbls>
+          <c:dLblPos val="outEnd"/>
+          <c:showLegendKey val="0"/>
+          <c:showVal val="1"/>
+          <c:showCatName val="0"/>
+          <c:showSerName val="0"/>
+          <c:showPercent val="0"/>
+          <c:showBubbleSize val="0"/>
+        </c:dLbls>
+        <c:gapWidth val="100"/>
+        <c:axId val="1292442464"/>
+        <c:axId val="1292446896"/>
+      </c:barChart>
+      <c:catAx>
+        <c:axId val="1292442464"/>
+        <c:scaling>
+          <c:orientation val="minMax"/>
+        </c:scaling>
+        <c:delete val="0"/>
+        <c:axPos val="l"/>
+        <c:numFmt formatCode="General" sourceLinked="1"/>
+        <c:majorTickMark val="out"/>
+        <c:minorTickMark val="none"/>
+        <c:tickLblPos val="nextTo"/>
+        <c:spPr>
+          <a:noFill/>
+          <a:ln w="9525" cap="flat" cmpd="sng" algn="ctr">
+            <a:solidFill>
+              <a:schemeClr val="tx1">
+                <a:lumMod val="15000"/>
+                <a:lumOff val="85000"/>
+              </a:schemeClr>
+            </a:solidFill>
+            <a:round/>
+          </a:ln>
+          <a:effectLst/>
+        </c:spPr>
+        <c:txPr>
+          <a:bodyPr rot="-60000000" spcFirstLastPara="1" vertOverflow="ellipsis" vert="horz" wrap="square" anchor="ctr" anchorCtr="1"/>
+          <a:lstStyle/>
+          <a:p>
+            <a:pPr>
+              <a:defRPr sz="900" b="0" i="0" u="none" strike="noStrike" kern="1200" baseline="0">
+                <a:solidFill>
+                  <a:schemeClr val="tx1">
+                    <a:lumMod val="65000"/>
+                    <a:lumOff val="35000"/>
+                  </a:schemeClr>
+                </a:solidFill>
+                <a:latin typeface="+mn-lt"/>
+                <a:ea typeface="+mn-ea"/>
+                <a:cs typeface="+mn-cs"/>
+              </a:defRPr>
+            </a:pPr>
+            <a:endParaRPr lang="en-US"/>
+          </a:p>
+        </c:txPr>
+        <c:crossAx val="1292446896"/>
+        <c:crosses val="autoZero"/>
+        <c:auto val="1"/>
+        <c:lblAlgn val="ctr"/>
+        <c:lblOffset val="100"/>
+        <c:noMultiLvlLbl val="0"/>
+      </c:catAx>
+      <c:valAx>
+        <c:axId val="1292446896"/>
+        <c:scaling>
+          <c:orientation val="minMax"/>
+        </c:scaling>
+        <c:delete val="0"/>
+        <c:axPos val="b"/>
+        <c:majorGridlines>
+          <c:spPr>
+            <a:ln w="9525" cap="flat" cmpd="sng" algn="ctr">
+              <a:solidFill>
+                <a:schemeClr val="tx1">
+                  <a:lumMod val="15000"/>
+                  <a:lumOff val="85000"/>
+                </a:schemeClr>
+              </a:solidFill>
+              <a:round/>
+            </a:ln>
+            <a:effectLst/>
+          </c:spPr>
+        </c:majorGridlines>
+        <c:title>
+          <c:tx>
+            <c:rich>
+              <a:bodyPr rot="0" spcFirstLastPara="1" vertOverflow="ellipsis" vert="horz" wrap="square" anchor="ctr" anchorCtr="1"/>
+              <a:lstStyle/>
+              <a:p>
+                <a:pPr>
+                  <a:defRPr sz="1000" b="0" i="0" u="none" strike="noStrike" kern="1200" baseline="0">
+                    <a:solidFill>
+                      <a:schemeClr val="tx1">
+                        <a:lumMod val="65000"/>
+                        <a:lumOff val="35000"/>
+                      </a:schemeClr>
+                    </a:solidFill>
+                    <a:latin typeface="+mn-lt"/>
+                    <a:ea typeface="+mn-ea"/>
+                    <a:cs typeface="+mn-cs"/>
+                  </a:defRPr>
+                </a:pPr>
+                <a:r>
+                  <a:rPr lang="en-US" altLang="zh-CN" dirty="0"/>
+                  <a:t>Students</a:t>
+                </a:r>
+                <a:endParaRPr lang="en-US" dirty="0"/>
+              </a:p>
+            </c:rich>
+          </c:tx>
+          <c:overlay val="0"/>
+          <c:spPr>
+            <a:noFill/>
+            <a:ln>
+              <a:noFill/>
+            </a:ln>
+            <a:effectLst/>
+          </c:spPr>
+          <c:txPr>
+            <a:bodyPr rot="0" spcFirstLastPara="1" vertOverflow="ellipsis" vert="horz" wrap="square" anchor="ctr" anchorCtr="1"/>
+            <a:lstStyle/>
+            <a:p>
+              <a:pPr>
+                <a:defRPr sz="1000" b="0" i="0" u="none" strike="noStrike" kern="1200" baseline="0">
+                  <a:solidFill>
+                    <a:schemeClr val="tx1">
+                      <a:lumMod val="65000"/>
+                      <a:lumOff val="35000"/>
+                    </a:schemeClr>
+                  </a:solidFill>
+                  <a:latin typeface="+mn-lt"/>
+                  <a:ea typeface="+mn-ea"/>
+                  <a:cs typeface="+mn-cs"/>
+                </a:defRPr>
+              </a:pPr>
+              <a:endParaRPr lang="en-US"/>
+            </a:p>
+          </c:txPr>
+        </c:title>
+        <c:numFmt formatCode="General" sourceLinked="1"/>
+        <c:majorTickMark val="out"/>
+        <c:minorTickMark val="none"/>
+        <c:tickLblPos val="nextTo"/>
+        <c:spPr>
+          <a:noFill/>
+          <a:ln>
+            <a:noFill/>
+          </a:ln>
+          <a:effectLst/>
+        </c:spPr>
+        <c:txPr>
+          <a:bodyPr rot="-60000000" spcFirstLastPara="1" vertOverflow="ellipsis" vert="horz" wrap="square" anchor="ctr" anchorCtr="1"/>
+          <a:lstStyle/>
+          <a:p>
+            <a:pPr>
+              <a:defRPr sz="900" b="0" i="0" u="none" strike="noStrike" kern="1200" baseline="0">
+                <a:solidFill>
+                  <a:schemeClr val="tx1">
+                    <a:lumMod val="65000"/>
+                    <a:lumOff val="35000"/>
+                  </a:schemeClr>
+                </a:solidFill>
+                <a:latin typeface="+mn-lt"/>
+                <a:ea typeface="+mn-ea"/>
+                <a:cs typeface="+mn-cs"/>
+              </a:defRPr>
+            </a:pPr>
+            <a:endParaRPr lang="en-US"/>
+          </a:p>
+        </c:txPr>
+        <c:crossAx val="1292442464"/>
+        <c:crosses val="autoZero"/>
+        <c:crossBetween val="between"/>
+      </c:valAx>
+      <c:spPr>
+        <a:noFill/>
+        <a:ln>
+          <a:noFill/>
+        </a:ln>
+        <a:effectLst/>
+      </c:spPr>
+    </c:plotArea>
+    <c:plotVisOnly val="1"/>
+    <c:dispBlanksAs val="gap"/>
+    <c:showDLblsOverMax val="0"/>
+  </c:chart>
+  <c:spPr>
+    <a:noFill/>
+    <a:ln>
+      <a:noFill/>
+    </a:ln>
+    <a:effectLst/>
+  </c:spPr>
+  <c:txPr>
+    <a:bodyPr/>
+    <a:lstStyle/>
+    <a:p>
+      <a:pPr>
+        <a:defRPr/>
+      </a:pPr>
+      <a:endParaRPr lang="en-US"/>
+    </a:p>
+  </c:txPr>
+  <c:externalData r:id="rId3">
+    <c:autoUpdate val="0"/>
+  </c:externalData>
+  <c:extLst>
+    <c:ext xmlns:c14="http://schemas.microsoft.com/office/drawing/2007/8/2/chart" uri="{781A3756-C4B2-4CAC-9D66-4F8BD8637D16}">
+      <c14:pivotOptions>
+        <c14:dropZoneFilter val="1"/>
+        <c14:dropZoneCategories val="1"/>
+        <c14:dropZoneData val="1"/>
+        <c14:dropZonesVisible val="1"/>
+      </c14:pivotOptions>
+    </c:ext>
+    <c:ext xmlns:c16="http://schemas.microsoft.com/office/drawing/2014/chart" uri="{E28EC0CA-F0BB-4C9C-879D-F8772B89E7AC}">
+      <c16:pivotOptions16>
+        <c16:showExpandCollapseFieldButtons val="1"/>
+      </c16:pivotOptions16>
+    </c:ext>
+  </c:extLst>
+</c:chartSpace>
+</file>
+
+<file path=ppt/charts/chart2.xml><?xml version="1.0" encoding="utf-8"?>
+<c:chartSpace xmlns:c="http://schemas.openxmlformats.org/drawingml/2006/chart" xmlns:a="http://schemas.openxmlformats.org/drawingml/2006/main" xmlns:r="http://schemas.openxmlformats.org/officeDocument/2006/relationships" xmlns:c16r2="http://schemas.microsoft.com/office/drawing/2015/06/chart">
+  <c:date1904 val="0"/>
+  <c:lang val="en-US"/>
+  <c:roundedCorners val="0"/>
+  <mc:AlternateContent xmlns:mc="http://schemas.openxmlformats.org/markup-compatibility/2006">
+    <mc:Choice xmlns:c14="http://schemas.microsoft.com/office/drawing/2007/8/2/chart" Requires="c14">
+      <c14:style val="102"/>
+    </mc:Choice>
+    <mc:Fallback>
+      <c:style val="2"/>
+    </mc:Fallback>
+  </mc:AlternateContent>
+  <c:pivotSource>
     <c:name>[surveydata.xlsx]degree!PivotTable6</c:name>
     <c:fmtId val="11"/>
   </c:pivotSource>
@@ -288,7 +1345,6 @@
           </a:p>
         </c:rich>
       </c:tx>
-      <c:layout/>
       <c:overlay val="0"/>
       <c:spPr>
         <a:noFill/>
@@ -961,9 +2017,7 @@
               </c:spPr>
             </c:leaderLines>
             <c:extLst>
-              <c:ext xmlns:c15="http://schemas.microsoft.com/office/drawing/2012/chart" uri="{CE6537A1-D6FC-4f65-9D91-7224C49458BB}">
-                <c15:layout/>
-              </c:ext>
+              <c:ext xmlns:c15="http://schemas.microsoft.com/office/drawing/2012/chart" uri="{CE6537A1-D6FC-4f65-9D91-7224C49458BB}"/>
             </c:extLst>
           </c:dLbls>
           <c:cat>
@@ -1046,7 +2100,6 @@
     </c:plotArea>
     <c:legend>
       <c:legendPos val="r"/>
-      <c:layout/>
       <c:overlay val="0"/>
       <c:spPr>
         <a:noFill/>
@@ -1125,7 +2178,7 @@
 </c:chartSpace>
 </file>
 
-<file path=ppt/charts/chart2.xml><?xml version="1.0" encoding="utf-8"?>
+<file path=ppt/charts/chart3.xml><?xml version="1.0" encoding="utf-8"?>
 <c:chartSpace xmlns:c="http://schemas.openxmlformats.org/drawingml/2006/chart" xmlns:a="http://schemas.openxmlformats.org/drawingml/2006/main" xmlns:r="http://schemas.openxmlformats.org/officeDocument/2006/relationships" xmlns:c16r2="http://schemas.microsoft.com/office/drawing/2015/06/chart">
   <c:date1904 val="0"/>
   <c:lang val="en-US"/>
@@ -1202,7 +2255,6 @@
           </a:p>
         </c:rich>
       </c:tx>
-      <c:layout/>
       <c:overlay val="0"/>
       <c:spPr>
         <a:noFill/>
@@ -1476,7 +2528,6 @@
             <c:showLeaderLines val="0"/>
             <c:extLst>
               <c:ext xmlns:c15="http://schemas.microsoft.com/office/drawing/2012/chart" uri="{CE6537A1-D6FC-4f65-9D91-7224C49458BB}">
-                <c15:layout/>
                 <c15:showLeaderLines val="1"/>
                 <c15:leaderLines>
                   <c:spPr>
@@ -1620,7 +2671,6 @@
               </a:p>
             </c:rich>
           </c:tx>
-          <c:layout/>
           <c:overlay val="0"/>
           <c:spPr>
             <a:noFill/>
@@ -1760,7 +2810,6 @@
               </a:p>
             </c:rich>
           </c:tx>
-          <c:layout/>
           <c:overlay val="0"/>
           <c:spPr>
             <a:noFill/>
@@ -1837,7 +2886,6 @@
     </c:plotArea>
     <c:plotVisOnly val="1"/>
     <c:dispBlanksAs val="gap"/>
-    <c:showDLblsOverMax val="0"/>
     <c:extLst>
       <c:ext xmlns:c16r3="http://schemas.microsoft.com/office/drawing/2017/03/chart" uri="{56B9EC1D-385E-4148-901F-78D8002777C0}">
         <c16r3:dataDisplayOptions16>
@@ -1845,6 +2893,7 @@
         </c16r3:dataDisplayOptions16>
       </c:ext>
     </c:extLst>
+    <c:showDLblsOverMax val="0"/>
   </c:chart>
   <c:spPr>
     <a:noFill/>
@@ -2666,10 +3715,9 @@
               <a:defRPr/>
             </a:pPr>
             <a:r>
-              <a:rPr lang="en-US" dirty="0" smtClean="0"/>
+              <a:rPr lang="en-US" dirty="0"/>
               <a:t>Employment vs Sleeping Hours</a:t>
             </a:r>
-            <a:endParaRPr lang="en-US" dirty="0"/>
           </a:p>
         </cx:rich>
       </cx:tx>
@@ -2887,6 +3935,46 @@
 </file>
 
 <file path=ppt/charts/colors3.xml><?xml version="1.0" encoding="utf-8"?>
+<cs:colorStyle xmlns:cs="http://schemas.microsoft.com/office/drawing/2012/chartStyle" xmlns:a="http://schemas.openxmlformats.org/drawingml/2006/main" meth="cycle" id="10">
+  <a:schemeClr val="accent1"/>
+  <a:schemeClr val="accent2"/>
+  <a:schemeClr val="accent3"/>
+  <a:schemeClr val="accent4"/>
+  <a:schemeClr val="accent5"/>
+  <a:schemeClr val="accent6"/>
+  <cs:variation/>
+  <cs:variation>
+    <a:lumMod val="60000"/>
+  </cs:variation>
+  <cs:variation>
+    <a:lumMod val="80000"/>
+    <a:lumOff val="20000"/>
+  </cs:variation>
+  <cs:variation>
+    <a:lumMod val="80000"/>
+  </cs:variation>
+  <cs:variation>
+    <a:lumMod val="60000"/>
+    <a:lumOff val="40000"/>
+  </cs:variation>
+  <cs:variation>
+    <a:lumMod val="50000"/>
+  </cs:variation>
+  <cs:variation>
+    <a:lumMod val="70000"/>
+    <a:lumOff val="30000"/>
+  </cs:variation>
+  <cs:variation>
+    <a:lumMod val="70000"/>
+  </cs:variation>
+  <cs:variation>
+    <a:lumMod val="50000"/>
+    <a:lumOff val="50000"/>
+  </cs:variation>
+</cs:colorStyle>
+</file>
+
+<file path=ppt/charts/colors4.xml><?xml version="1.0" encoding="utf-8"?>
 <cs:colorStyle xmlns:cs="http://schemas.microsoft.com/office/drawing/2012/chartStyle" xmlns:a="http://schemas.openxmlformats.org/drawingml/2006/main" meth="cycle" id="10">
   <a:schemeClr val="accent1"/>
   <a:schemeClr val="accent2"/>
@@ -3446,6 +4534,525 @@
 </file>
 
 <file path=ppt/charts/style2.xml><?xml version="1.0" encoding="utf-8"?>
+<cs:chartStyle xmlns:cs="http://schemas.microsoft.com/office/drawing/2012/chartStyle" xmlns:a="http://schemas.openxmlformats.org/drawingml/2006/main" id="251">
+  <cs:axisTitle>
+    <cs:lnRef idx="0"/>
+    <cs:fillRef idx="0"/>
+    <cs:effectRef idx="0"/>
+    <cs:fontRef idx="minor">
+      <a:schemeClr val="tx1">
+        <a:lumMod val="65000"/>
+        <a:lumOff val="35000"/>
+      </a:schemeClr>
+    </cs:fontRef>
+    <cs:defRPr sz="1000" kern="1200"/>
+  </cs:axisTitle>
+  <cs:categoryAxis>
+    <cs:lnRef idx="0"/>
+    <cs:fillRef idx="0"/>
+    <cs:effectRef idx="0"/>
+    <cs:fontRef idx="minor">
+      <a:schemeClr val="tx1">
+        <a:lumMod val="65000"/>
+        <a:lumOff val="35000"/>
+      </a:schemeClr>
+    </cs:fontRef>
+    <cs:spPr>
+      <a:ln w="9525" cap="flat" cmpd="sng" algn="ctr">
+        <a:solidFill>
+          <a:schemeClr val="tx1">
+            <a:lumMod val="15000"/>
+            <a:lumOff val="85000"/>
+          </a:schemeClr>
+        </a:solidFill>
+        <a:round/>
+      </a:ln>
+    </cs:spPr>
+    <cs:defRPr sz="900" kern="1200"/>
+  </cs:categoryAxis>
+  <cs:chartArea mods="allowNoFillOverride allowNoLineOverride">
+    <cs:lnRef idx="0"/>
+    <cs:fillRef idx="0"/>
+    <cs:effectRef idx="0"/>
+    <cs:fontRef idx="minor">
+      <a:schemeClr val="tx1"/>
+    </cs:fontRef>
+    <cs:spPr>
+      <a:solidFill>
+        <a:schemeClr val="bg1"/>
+      </a:solidFill>
+      <a:ln w="9525" cap="flat" cmpd="sng" algn="ctr">
+        <a:solidFill>
+          <a:schemeClr val="tx1">
+            <a:lumMod val="15000"/>
+            <a:lumOff val="85000"/>
+          </a:schemeClr>
+        </a:solidFill>
+        <a:round/>
+      </a:ln>
+    </cs:spPr>
+    <cs:defRPr sz="900" kern="1200"/>
+  </cs:chartArea>
+  <cs:dataLabel>
+    <cs:lnRef idx="0"/>
+    <cs:fillRef idx="0"/>
+    <cs:effectRef idx="0"/>
+    <cs:fontRef idx="minor">
+      <a:schemeClr val="tx1">
+        <a:lumMod val="75000"/>
+        <a:lumOff val="25000"/>
+      </a:schemeClr>
+    </cs:fontRef>
+    <cs:defRPr sz="900" kern="1200"/>
+  </cs:dataLabel>
+  <cs:dataLabelCallout>
+    <cs:lnRef idx="0"/>
+    <cs:fillRef idx="0"/>
+    <cs:effectRef idx="0"/>
+    <cs:fontRef idx="minor">
+      <a:schemeClr val="dk1">
+        <a:lumMod val="65000"/>
+        <a:lumOff val="35000"/>
+      </a:schemeClr>
+    </cs:fontRef>
+    <cs:spPr>
+      <a:solidFill>
+        <a:schemeClr val="lt1"/>
+      </a:solidFill>
+      <a:ln>
+        <a:solidFill>
+          <a:schemeClr val="dk1">
+            <a:lumMod val="25000"/>
+            <a:lumOff val="75000"/>
+          </a:schemeClr>
+        </a:solidFill>
+      </a:ln>
+    </cs:spPr>
+    <cs:defRPr sz="900" kern="1200"/>
+    <cs:bodyPr rot="0" spcFirstLastPara="1" vertOverflow="clip" horzOverflow="clip" vert="horz" wrap="square" lIns="36576" tIns="18288" rIns="36576" bIns="18288" anchor="ctr" anchorCtr="1">
+      <a:spAutoFit/>
+    </cs:bodyPr>
+  </cs:dataLabelCallout>
+  <cs:dataPoint>
+    <cs:lnRef idx="0"/>
+    <cs:fillRef idx="1">
+      <cs:styleClr val="auto"/>
+    </cs:fillRef>
+    <cs:effectRef idx="0"/>
+    <cs:fontRef idx="minor">
+      <a:schemeClr val="tx1"/>
+    </cs:fontRef>
+    <cs:spPr>
+      <a:ln w="19050">
+        <a:solidFill>
+          <a:schemeClr val="lt1"/>
+        </a:solidFill>
+      </a:ln>
+    </cs:spPr>
+  </cs:dataPoint>
+  <cs:dataPoint3D>
+    <cs:lnRef idx="0"/>
+    <cs:fillRef idx="1">
+      <cs:styleClr val="auto"/>
+    </cs:fillRef>
+    <cs:effectRef idx="0"/>
+    <cs:fontRef idx="minor">
+      <a:schemeClr val="tx1"/>
+    </cs:fontRef>
+    <cs:spPr>
+      <a:ln w="25400">
+        <a:solidFill>
+          <a:schemeClr val="lt1"/>
+        </a:solidFill>
+      </a:ln>
+    </cs:spPr>
+  </cs:dataPoint3D>
+  <cs:dataPointLine>
+    <cs:lnRef idx="0">
+      <cs:styleClr val="auto"/>
+    </cs:lnRef>
+    <cs:fillRef idx="0"/>
+    <cs:effectRef idx="0"/>
+    <cs:fontRef idx="minor">
+      <a:schemeClr val="tx1"/>
+    </cs:fontRef>
+    <cs:spPr>
+      <a:ln w="28575" cap="rnd">
+        <a:solidFill>
+          <a:schemeClr val="phClr"/>
+        </a:solidFill>
+        <a:round/>
+      </a:ln>
+    </cs:spPr>
+  </cs:dataPointLine>
+  <cs:dataPointMarker>
+    <cs:lnRef idx="0">
+      <cs:styleClr val="auto"/>
+    </cs:lnRef>
+    <cs:fillRef idx="1">
+      <cs:styleClr val="auto"/>
+    </cs:fillRef>
+    <cs:effectRef idx="0"/>
+    <cs:fontRef idx="minor">
+      <a:schemeClr val="tx1"/>
+    </cs:fontRef>
+    <cs:spPr>
+      <a:ln w="9525">
+        <a:solidFill>
+          <a:schemeClr val="phClr"/>
+        </a:solidFill>
+      </a:ln>
+    </cs:spPr>
+  </cs:dataPointMarker>
+  <cs:dataPointMarkerLayout symbol="circle" size="5"/>
+  <cs:dataPointWireframe>
+    <cs:lnRef idx="0">
+      <cs:styleClr val="auto"/>
+    </cs:lnRef>
+    <cs:fillRef idx="0"/>
+    <cs:effectRef idx="0"/>
+    <cs:fontRef idx="minor">
+      <a:schemeClr val="tx1"/>
+    </cs:fontRef>
+    <cs:spPr>
+      <a:ln w="9525" cap="rnd">
+        <a:solidFill>
+          <a:schemeClr val="phClr"/>
+        </a:solidFill>
+        <a:round/>
+      </a:ln>
+    </cs:spPr>
+  </cs:dataPointWireframe>
+  <cs:dataTable>
+    <cs:lnRef idx="0"/>
+    <cs:fillRef idx="0"/>
+    <cs:effectRef idx="0"/>
+    <cs:fontRef idx="minor">
+      <a:schemeClr val="tx1">
+        <a:lumMod val="65000"/>
+        <a:lumOff val="35000"/>
+      </a:schemeClr>
+    </cs:fontRef>
+    <cs:spPr>
+      <a:noFill/>
+      <a:ln w="9525" cap="flat" cmpd="sng" algn="ctr">
+        <a:solidFill>
+          <a:schemeClr val="tx1">
+            <a:lumMod val="15000"/>
+            <a:lumOff val="85000"/>
+          </a:schemeClr>
+        </a:solidFill>
+        <a:round/>
+      </a:ln>
+    </cs:spPr>
+    <cs:defRPr sz="900" kern="1200"/>
+  </cs:dataTable>
+  <cs:downBar>
+    <cs:lnRef idx="0"/>
+    <cs:fillRef idx="0"/>
+    <cs:effectRef idx="0"/>
+    <cs:fontRef idx="minor">
+      <a:schemeClr val="tx1"/>
+    </cs:fontRef>
+    <cs:spPr>
+      <a:solidFill>
+        <a:schemeClr val="dk1">
+          <a:lumMod val="75000"/>
+          <a:lumOff val="25000"/>
+        </a:schemeClr>
+      </a:solidFill>
+      <a:ln w="9525" cap="flat" cmpd="sng" algn="ctr">
+        <a:solidFill>
+          <a:schemeClr val="tx1">
+            <a:lumMod val="65000"/>
+            <a:lumOff val="35000"/>
+          </a:schemeClr>
+        </a:solidFill>
+        <a:round/>
+      </a:ln>
+    </cs:spPr>
+  </cs:downBar>
+  <cs:dropLine>
+    <cs:lnRef idx="0"/>
+    <cs:fillRef idx="0"/>
+    <cs:effectRef idx="0"/>
+    <cs:fontRef idx="minor">
+      <a:schemeClr val="tx1"/>
+    </cs:fontRef>
+    <cs:spPr>
+      <a:ln w="9525" cap="flat" cmpd="sng" algn="ctr">
+        <a:solidFill>
+          <a:schemeClr val="tx1">
+            <a:lumMod val="35000"/>
+            <a:lumOff val="65000"/>
+          </a:schemeClr>
+        </a:solidFill>
+        <a:round/>
+      </a:ln>
+    </cs:spPr>
+  </cs:dropLine>
+  <cs:errorBar>
+    <cs:lnRef idx="0"/>
+    <cs:fillRef idx="0"/>
+    <cs:effectRef idx="0"/>
+    <cs:fontRef idx="minor">
+      <a:schemeClr val="tx1"/>
+    </cs:fontRef>
+    <cs:spPr>
+      <a:ln w="9525" cap="flat" cmpd="sng" algn="ctr">
+        <a:solidFill>
+          <a:schemeClr val="tx1">
+            <a:lumMod val="65000"/>
+            <a:lumOff val="35000"/>
+          </a:schemeClr>
+        </a:solidFill>
+        <a:round/>
+      </a:ln>
+    </cs:spPr>
+  </cs:errorBar>
+  <cs:floor>
+    <cs:lnRef idx="0"/>
+    <cs:fillRef idx="0"/>
+    <cs:effectRef idx="0"/>
+    <cs:fontRef idx="minor">
+      <a:schemeClr val="tx1"/>
+    </cs:fontRef>
+    <cs:spPr>
+      <a:noFill/>
+      <a:ln>
+        <a:noFill/>
+      </a:ln>
+    </cs:spPr>
+  </cs:floor>
+  <cs:gridlineMajor>
+    <cs:lnRef idx="0"/>
+    <cs:fillRef idx="0"/>
+    <cs:effectRef idx="0"/>
+    <cs:fontRef idx="minor">
+      <a:schemeClr val="tx1"/>
+    </cs:fontRef>
+    <cs:spPr>
+      <a:ln w="9525" cap="flat" cmpd="sng" algn="ctr">
+        <a:solidFill>
+          <a:schemeClr val="tx1">
+            <a:lumMod val="15000"/>
+            <a:lumOff val="85000"/>
+          </a:schemeClr>
+        </a:solidFill>
+        <a:round/>
+      </a:ln>
+    </cs:spPr>
+  </cs:gridlineMajor>
+  <cs:gridlineMinor>
+    <cs:lnRef idx="0"/>
+    <cs:fillRef idx="0"/>
+    <cs:effectRef idx="0"/>
+    <cs:fontRef idx="minor">
+      <a:schemeClr val="tx1"/>
+    </cs:fontRef>
+    <cs:spPr>
+      <a:ln w="9525" cap="flat" cmpd="sng" algn="ctr">
+        <a:solidFill>
+          <a:schemeClr val="tx1">
+            <a:lumMod val="5000"/>
+            <a:lumOff val="95000"/>
+          </a:schemeClr>
+        </a:solidFill>
+        <a:round/>
+      </a:ln>
+    </cs:spPr>
+  </cs:gridlineMinor>
+  <cs:hiLoLine>
+    <cs:lnRef idx="0"/>
+    <cs:fillRef idx="0"/>
+    <cs:effectRef idx="0"/>
+    <cs:fontRef idx="minor">
+      <a:schemeClr val="tx1"/>
+    </cs:fontRef>
+    <cs:spPr>
+      <a:ln w="9525" cap="flat" cmpd="sng" algn="ctr">
+        <a:solidFill>
+          <a:schemeClr val="tx1">
+            <a:lumMod val="50000"/>
+            <a:lumOff val="50000"/>
+          </a:schemeClr>
+        </a:solidFill>
+        <a:round/>
+      </a:ln>
+    </cs:spPr>
+  </cs:hiLoLine>
+  <cs:leaderLine>
+    <cs:lnRef idx="0"/>
+    <cs:fillRef idx="0"/>
+    <cs:effectRef idx="0"/>
+    <cs:fontRef idx="minor">
+      <a:schemeClr val="tx1"/>
+    </cs:fontRef>
+    <cs:spPr>
+      <a:ln w="9525" cap="flat" cmpd="sng" algn="ctr">
+        <a:solidFill>
+          <a:schemeClr val="tx1">
+            <a:lumMod val="35000"/>
+            <a:lumOff val="65000"/>
+          </a:schemeClr>
+        </a:solidFill>
+        <a:round/>
+      </a:ln>
+    </cs:spPr>
+  </cs:leaderLine>
+  <cs:legend>
+    <cs:lnRef idx="0"/>
+    <cs:fillRef idx="0"/>
+    <cs:effectRef idx="0"/>
+    <cs:fontRef idx="minor">
+      <a:schemeClr val="tx1">
+        <a:lumMod val="65000"/>
+        <a:lumOff val="35000"/>
+      </a:schemeClr>
+    </cs:fontRef>
+    <cs:defRPr sz="900" kern="1200"/>
+  </cs:legend>
+  <cs:plotArea mods="allowNoFillOverride allowNoLineOverride">
+    <cs:lnRef idx="0"/>
+    <cs:fillRef idx="0"/>
+    <cs:effectRef idx="0"/>
+    <cs:fontRef idx="minor">
+      <a:schemeClr val="tx1"/>
+    </cs:fontRef>
+  </cs:plotArea>
+  <cs:plotArea3D mods="allowNoFillOverride allowNoLineOverride">
+    <cs:lnRef idx="0"/>
+    <cs:fillRef idx="0"/>
+    <cs:effectRef idx="0"/>
+    <cs:fontRef idx="minor">
+      <a:schemeClr val="tx1"/>
+    </cs:fontRef>
+  </cs:plotArea3D>
+  <cs:seriesAxis>
+    <cs:lnRef idx="0"/>
+    <cs:fillRef idx="0"/>
+    <cs:effectRef idx="0"/>
+    <cs:fontRef idx="minor">
+      <a:schemeClr val="tx1">
+        <a:lumMod val="65000"/>
+        <a:lumOff val="35000"/>
+      </a:schemeClr>
+    </cs:fontRef>
+    <cs:defRPr sz="900" kern="1200"/>
+  </cs:seriesAxis>
+  <cs:seriesLine>
+    <cs:lnRef idx="0"/>
+    <cs:fillRef idx="0"/>
+    <cs:effectRef idx="0"/>
+    <cs:fontRef idx="minor">
+      <a:schemeClr val="tx1"/>
+    </cs:fontRef>
+    <cs:spPr>
+      <a:ln w="9525" cap="flat" cmpd="sng" algn="ctr">
+        <a:solidFill>
+          <a:schemeClr val="tx1">
+            <a:lumMod val="35000"/>
+            <a:lumOff val="65000"/>
+          </a:schemeClr>
+        </a:solidFill>
+        <a:round/>
+      </a:ln>
+    </cs:spPr>
+  </cs:seriesLine>
+  <cs:title>
+    <cs:lnRef idx="0"/>
+    <cs:fillRef idx="0"/>
+    <cs:effectRef idx="0"/>
+    <cs:fontRef idx="minor">
+      <a:schemeClr val="tx1">
+        <a:lumMod val="65000"/>
+        <a:lumOff val="35000"/>
+      </a:schemeClr>
+    </cs:fontRef>
+    <cs:defRPr sz="1400" b="0" kern="1200" spc="0" baseline="0"/>
+  </cs:title>
+  <cs:trendline>
+    <cs:lnRef idx="0">
+      <cs:styleClr val="auto"/>
+    </cs:lnRef>
+    <cs:fillRef idx="0"/>
+    <cs:effectRef idx="0"/>
+    <cs:fontRef idx="minor">
+      <a:schemeClr val="tx1"/>
+    </cs:fontRef>
+    <cs:spPr>
+      <a:ln w="19050" cap="rnd">
+        <a:solidFill>
+          <a:schemeClr val="phClr"/>
+        </a:solidFill>
+        <a:prstDash val="sysDot"/>
+      </a:ln>
+    </cs:spPr>
+  </cs:trendline>
+  <cs:trendlineLabel>
+    <cs:lnRef idx="0"/>
+    <cs:fillRef idx="0"/>
+    <cs:effectRef idx="0"/>
+    <cs:fontRef idx="minor">
+      <a:schemeClr val="tx1">
+        <a:lumMod val="65000"/>
+        <a:lumOff val="35000"/>
+      </a:schemeClr>
+    </cs:fontRef>
+    <cs:defRPr sz="900" kern="1200"/>
+  </cs:trendlineLabel>
+  <cs:upBar>
+    <cs:lnRef idx="0"/>
+    <cs:fillRef idx="0"/>
+    <cs:effectRef idx="0"/>
+    <cs:fontRef idx="minor">
+      <a:schemeClr val="tx1"/>
+    </cs:fontRef>
+    <cs:spPr>
+      <a:solidFill>
+        <a:schemeClr val="lt1"/>
+      </a:solidFill>
+      <a:ln w="9525" cap="flat" cmpd="sng" algn="ctr">
+        <a:solidFill>
+          <a:schemeClr val="tx1">
+            <a:lumMod val="65000"/>
+            <a:lumOff val="35000"/>
+          </a:schemeClr>
+        </a:solidFill>
+        <a:round/>
+      </a:ln>
+    </cs:spPr>
+  </cs:upBar>
+  <cs:valueAxis>
+    <cs:lnRef idx="0"/>
+    <cs:fillRef idx="0"/>
+    <cs:effectRef idx="0"/>
+    <cs:fontRef idx="minor">
+      <a:schemeClr val="tx1">
+        <a:lumMod val="65000"/>
+        <a:lumOff val="35000"/>
+      </a:schemeClr>
+    </cs:fontRef>
+    <cs:defRPr sz="900" kern="1200"/>
+  </cs:valueAxis>
+  <cs:wall>
+    <cs:lnRef idx="0"/>
+    <cs:fillRef idx="0"/>
+    <cs:effectRef idx="0"/>
+    <cs:fontRef idx="minor">
+      <a:schemeClr val="tx1"/>
+    </cs:fontRef>
+    <cs:spPr>
+      <a:noFill/>
+      <a:ln>
+        <a:noFill/>
+      </a:ln>
+    </cs:spPr>
+  </cs:wall>
+</cs:chartStyle>
+</file>
+
+<file path=ppt/charts/style3.xml><?xml version="1.0" encoding="utf-8"?>
 <cs:chartStyle xmlns:cs="http://schemas.microsoft.com/office/drawing/2012/chartStyle" xmlns:a="http://schemas.openxmlformats.org/drawingml/2006/main" id="201">
   <cs:axisTitle>
     <cs:lnRef idx="0"/>
@@ -3948,7 +5555,7 @@
 </cs:chartStyle>
 </file>
 
-<file path=ppt/charts/style3.xml><?xml version="1.0" encoding="utf-8"?>
+<file path=ppt/charts/style4.xml><?xml version="1.0" encoding="utf-8"?>
 <cs:chartStyle xmlns:cs="http://schemas.microsoft.com/office/drawing/2012/chartStyle" xmlns:a="http://schemas.openxmlformats.org/drawingml/2006/main" id="406">
   <cs:axisTitle>
     <cs:lnRef idx="0"/>
@@ -4823,6 +6430,11 @@
         </p:txBody>
       </p:sp>
     </p:spTree>
+    <p:extLst>
+      <p:ext uri="{BB962C8B-B14F-4D97-AF65-F5344CB8AC3E}">
+        <p14:creationId xmlns:p14="http://schemas.microsoft.com/office/powerpoint/2010/main" val="3780655179"/>
+      </p:ext>
+    </p:extLst>
   </p:cSld>
   <p:clrMapOvr>
     <a:masterClrMapping/>
@@ -4924,11 +6536,6 @@
         </p:txBody>
       </p:sp>
     </p:spTree>
-    <p:extLst>
-      <p:ext uri="{BB962C8B-B14F-4D97-AF65-F5344CB8AC3E}">
-        <p14:creationId xmlns:p14="http://schemas.microsoft.com/office/powerpoint/2010/main" val="924042900"/>
-      </p:ext>
-    </p:extLst>
   </p:cSld>
   <p:clrMapOvr>
     <a:masterClrMapping/>
@@ -5032,6 +6639,112 @@
     </p:spTree>
     <p:extLst>
       <p:ext uri="{BB962C8B-B14F-4D97-AF65-F5344CB8AC3E}">
+        <p14:creationId xmlns:p14="http://schemas.microsoft.com/office/powerpoint/2010/main" val="924042900"/>
+      </p:ext>
+    </p:extLst>
+  </p:cSld>
+  <p:clrMapOvr>
+    <a:masterClrMapping/>
+  </p:clrMapOvr>
+</p:notes>
+</file>
+
+<file path=ppt/notesSlides/notesSlide4.xml><?xml version="1.0" encoding="utf-8"?>
+<p:notes xmlns:a="http://schemas.openxmlformats.org/drawingml/2006/main" xmlns:r="http://schemas.openxmlformats.org/officeDocument/2006/relationships" xmlns:p="http://schemas.openxmlformats.org/presentationml/2006/main" showMasterSp="0" showMasterPhAnim="0">
+  <p:cSld>
+    <p:spTree>
+      <p:nvGrpSpPr>
+        <p:cNvPr id="1" name="Shape 50"/>
+        <p:cNvGrpSpPr/>
+        <p:nvPr/>
+      </p:nvGrpSpPr>
+      <p:grpSpPr>
+        <a:xfrm>
+          <a:off x="0" y="0"/>
+          <a:ext cx="0" cy="0"/>
+          <a:chOff x="0" y="0"/>
+          <a:chExt cx="0" cy="0"/>
+        </a:xfrm>
+      </p:grpSpPr>
+      <p:sp>
+        <p:nvSpPr>
+          <p:cNvPr id="51" name="Shape 51"/>
+          <p:cNvSpPr>
+            <a:spLocks noGrp="1" noRot="1" noChangeAspect="1"/>
+          </p:cNvSpPr>
+          <p:nvPr>
+            <p:ph type="sldImg" idx="2"/>
+          </p:nvPr>
+        </p:nvSpPr>
+        <p:spPr>
+          <a:xfrm>
+            <a:off x="381000" y="685800"/>
+            <a:ext cx="6096000" cy="3429000"/>
+          </a:xfrm>
+          <a:custGeom>
+            <a:avLst/>
+            <a:gdLst/>
+            <a:ahLst/>
+            <a:cxnLst/>
+            <a:rect l="0" t="0" r="0" b="0"/>
+            <a:pathLst>
+              <a:path w="120000" h="120000" extrusionOk="0">
+                <a:moveTo>
+                  <a:pt x="0" y="0"/>
+                </a:moveTo>
+                <a:lnTo>
+                  <a:pt x="120000" y="0"/>
+                </a:lnTo>
+                <a:lnTo>
+                  <a:pt x="120000" y="120000"/>
+                </a:lnTo>
+                <a:lnTo>
+                  <a:pt x="0" y="120000"/>
+                </a:lnTo>
+                <a:close/>
+              </a:path>
+            </a:pathLst>
+          </a:custGeom>
+        </p:spPr>
+      </p:sp>
+      <p:sp>
+        <p:nvSpPr>
+          <p:cNvPr id="52" name="Shape 52"/>
+          <p:cNvSpPr txBox="1">
+            <a:spLocks noGrp="1"/>
+          </p:cNvSpPr>
+          <p:nvPr>
+            <p:ph type="body" idx="1"/>
+          </p:nvPr>
+        </p:nvSpPr>
+        <p:spPr>
+          <a:xfrm>
+            <a:off x="685800" y="4343400"/>
+            <a:ext cx="5486400" cy="4114800"/>
+          </a:xfrm>
+          <a:prstGeom prst="rect">
+            <a:avLst/>
+          </a:prstGeom>
+        </p:spPr>
+        <p:txBody>
+          <a:bodyPr wrap="square" lIns="91425" tIns="91425" rIns="91425" bIns="91425" anchor="t" anchorCtr="0">
+            <a:noAutofit/>
+          </a:bodyPr>
+          <a:lstStyle/>
+          <a:p>
+            <a:pPr lvl="0" rtl="0">
+              <a:spcBef>
+                <a:spcPts val="0"/>
+              </a:spcBef>
+              <a:buNone/>
+            </a:pPr>
+            <a:endParaRPr/>
+          </a:p>
+        </p:txBody>
+      </p:sp>
+    </p:spTree>
+    <p:extLst>
+      <p:ext uri="{BB962C8B-B14F-4D97-AF65-F5344CB8AC3E}">
         <p14:creationId xmlns:p14="http://schemas.microsoft.com/office/powerpoint/2010/main" val="2815267317"/>
       </p:ext>
     </p:extLst>
@@ -7493,7 +9206,7 @@
           <a:graphicData uri="http://schemas.openxmlformats.org/presentationml/2006/ole">
             <mc:AlternateContent xmlns:mc="http://schemas.openxmlformats.org/markup-compatibility/2006">
               <mc:Choice xmlns:v="urn:schemas-microsoft-com:vml" Requires="v">
-                <p:oleObj spid="_x0000_s2055" name="think-cell Slide" r:id="rId15" imgW="473" imgH="476" progId="TCLayout.ActiveDocument.1">
+                <p:oleObj spid="_x0000_s2059" name="think-cell Slide" r:id="rId15" imgW="473" imgH="476" progId="TCLayout.ActiveDocument.1">
                   <p:embed/>
                 </p:oleObj>
               </mc:Choice>
@@ -8438,6 +10151,275 @@
       </p:grpSpPr>
       <p:graphicFrame>
         <p:nvGraphicFramePr>
+          <p:cNvPr id="2" name="Object 1" hidden="1"/>
+          <p:cNvGraphicFramePr>
+            <a:graphicFrameLocks noChangeAspect="1"/>
+          </p:cNvGraphicFramePr>
+          <p:nvPr>
+            <p:custDataLst>
+              <p:tags r:id="rId2"/>
+            </p:custDataLst>
+          </p:nvPr>
+        </p:nvGraphicFramePr>
+        <p:xfrm>
+          <a:off x="1588" y="1588"/>
+          <a:ext cx="1588" cy="1588"/>
+        </p:xfrm>
+        <a:graphic>
+          <a:graphicData uri="http://schemas.openxmlformats.org/presentationml/2006/ole">
+            <mc:AlternateContent xmlns:mc="http://schemas.openxmlformats.org/markup-compatibility/2006">
+              <mc:Choice xmlns:v="urn:schemas-microsoft-com:vml" Requires="v">
+                <p:oleObj spid="_x0000_s6148" name="think-cell Slide" r:id="rId5" imgW="473" imgH="476" progId="TCLayout.ActiveDocument.1">
+                  <p:embed/>
+                </p:oleObj>
+              </mc:Choice>
+              <mc:Fallback>
+                <p:oleObj name="think-cell Slide" r:id="rId5" imgW="473" imgH="476" progId="TCLayout.ActiveDocument.1">
+                  <p:embed/>
+                  <p:pic>
+                    <p:nvPicPr>
+                      <p:cNvPr id="2" name="Object 1" hidden="1"/>
+                      <p:cNvPicPr/>
+                      <p:nvPr/>
+                    </p:nvPicPr>
+                    <p:blipFill>
+                      <a:blip r:embed="rId6"/>
+                      <a:stretch>
+                        <a:fillRect/>
+                      </a:stretch>
+                    </p:blipFill>
+                    <p:spPr>
+                      <a:xfrm>
+                        <a:off x="1588" y="1588"/>
+                        <a:ext cx="1588" cy="1588"/>
+                      </a:xfrm>
+                      <a:prstGeom prst="rect">
+                        <a:avLst/>
+                      </a:prstGeom>
+                    </p:spPr>
+                  </p:pic>
+                </p:oleObj>
+              </mc:Fallback>
+            </mc:AlternateContent>
+          </a:graphicData>
+        </a:graphic>
+      </p:graphicFrame>
+      <p:sp>
+        <p:nvSpPr>
+          <p:cNvPr id="54" name="Shape 54"/>
+          <p:cNvSpPr txBox="1">
+            <a:spLocks noGrp="1"/>
+          </p:cNvSpPr>
+          <p:nvPr>
+            <p:ph type="body" idx="1"/>
+          </p:nvPr>
+        </p:nvSpPr>
+        <p:spPr>
+          <a:xfrm>
+            <a:off x="1176861" y="4291938"/>
+            <a:ext cx="6637103" cy="411680"/>
+          </a:xfrm>
+          <a:prstGeom prst="rect">
+            <a:avLst/>
+          </a:prstGeom>
+          <a:solidFill>
+            <a:srgbClr val="FFFFFF"/>
+          </a:solidFill>
+          <a:ln w="9525" cap="flat" cmpd="sng">
+            <a:solidFill>
+              <a:srgbClr val="FFFFFF"/>
+            </a:solidFill>
+            <a:prstDash val="solid"/>
+            <a:round/>
+            <a:headEnd type="none" w="med" len="med"/>
+            <a:tailEnd type="none" w="med" len="med"/>
+          </a:ln>
+        </p:spPr>
+        <p:txBody>
+          <a:bodyPr wrap="square" lIns="91425" tIns="91425" rIns="91425" bIns="91425" anchor="t" anchorCtr="0">
+            <a:noAutofit/>
+          </a:bodyPr>
+          <a:lstStyle/>
+          <a:p>
+            <a:pPr lvl="0" eaLnBrk="0" fontAlgn="base" hangingPunct="0">
+              <a:lnSpc>
+                <a:spcPct val="100000"/>
+              </a:lnSpc>
+              <a:spcBef>
+                <a:spcPct val="0"/>
+              </a:spcBef>
+              <a:spcAft>
+                <a:spcPct val="0"/>
+              </a:spcAft>
+              <a:buClrTx/>
+              <a:buSzTx/>
+              <a:buNone/>
+            </a:pPr>
+            <a:r>
+              <a:rPr lang="zh-CN" altLang="en-US" dirty="0">
+                <a:latin typeface="+mn-lt"/>
+                <a:ea typeface="+mn-ea"/>
+                <a:cs typeface="+mn-ea"/>
+                <a:sym typeface="+mn-lt"/>
+              </a:rPr>
+              <a:t>对学员纳米学位进行调查统计，发现在深度学习、机器学习方面的学员数量最多。</a:t>
+            </a:r>
+            <a:endParaRPr lang="en-US" altLang="en-US" sz="1800" dirty="0">
+              <a:solidFill>
+                <a:schemeClr val="tx1"/>
+              </a:solidFill>
+              <a:latin typeface="+mn-lt"/>
+              <a:ea typeface="+mn-ea"/>
+              <a:cs typeface="+mn-ea"/>
+              <a:sym typeface="+mn-lt"/>
+            </a:endParaRPr>
+          </a:p>
+        </p:txBody>
+      </p:sp>
+      <p:sp>
+        <p:nvSpPr>
+          <p:cNvPr id="55" name="Shape 55"/>
+          <p:cNvSpPr txBox="1">
+            <a:spLocks noGrp="1"/>
+          </p:cNvSpPr>
+          <p:nvPr>
+            <p:ph type="title"/>
+          </p:nvPr>
+        </p:nvSpPr>
+        <p:spPr>
+          <a:xfrm>
+            <a:off x="0" y="0"/>
+            <a:ext cx="9144000" cy="795600"/>
+          </a:xfrm>
+          <a:prstGeom prst="rect">
+            <a:avLst/>
+          </a:prstGeom>
+          <a:solidFill>
+            <a:srgbClr val="073763"/>
+          </a:solidFill>
+        </p:spPr>
+        <p:txBody>
+          <a:bodyPr wrap="square" lIns="91425" tIns="91425" rIns="91425" bIns="91425" anchor="ctr" anchorCtr="0">
+            <a:noAutofit/>
+          </a:bodyPr>
+          <a:lstStyle/>
+          <a:p>
+            <a:pPr lvl="0" rtl="0">
+              <a:spcBef>
+                <a:spcPts val="0"/>
+              </a:spcBef>
+              <a:buNone/>
+            </a:pPr>
+            <a:r>
+              <a:rPr lang="zh-CN" altLang="en-US" dirty="0">
+                <a:solidFill>
+                  <a:srgbClr val="FFFFFF"/>
+                </a:solidFill>
+                <a:latin typeface="+mn-lt"/>
+                <a:ea typeface="+mn-ea"/>
+                <a:cs typeface="+mn-ea"/>
+                <a:sym typeface="+mn-lt"/>
+              </a:rPr>
+              <a:t>最受欢迎的</a:t>
+            </a:r>
+            <a:r>
+              <a:rPr lang="en-US" altLang="zh-CN" dirty="0">
+                <a:solidFill>
+                  <a:srgbClr val="FFFFFF"/>
+                </a:solidFill>
+                <a:latin typeface="+mn-lt"/>
+                <a:ea typeface="+mn-ea"/>
+                <a:cs typeface="+mn-ea"/>
+                <a:sym typeface="+mn-lt"/>
+              </a:rPr>
+              <a:t>Udacity</a:t>
+            </a:r>
+            <a:r>
+              <a:rPr lang="zh-CN" altLang="en-US" dirty="0">
+                <a:solidFill>
+                  <a:srgbClr val="FFFFFF"/>
+                </a:solidFill>
+                <a:latin typeface="+mn-lt"/>
+                <a:ea typeface="+mn-ea"/>
+                <a:cs typeface="+mn-ea"/>
+                <a:sym typeface="+mn-lt"/>
+              </a:rPr>
+              <a:t>课程是哪门？</a:t>
+            </a:r>
+            <a:endParaRPr lang="en" dirty="0">
+              <a:solidFill>
+                <a:srgbClr val="FFFFFF"/>
+              </a:solidFill>
+              <a:latin typeface="+mn-lt"/>
+              <a:ea typeface="+mn-ea"/>
+              <a:cs typeface="+mn-ea"/>
+              <a:sym typeface="+mn-lt"/>
+            </a:endParaRPr>
+          </a:p>
+        </p:txBody>
+      </p:sp>
+      <p:graphicFrame>
+        <p:nvGraphicFramePr>
+          <p:cNvPr id="7" name="Chart 6">
+            <a:extLst>
+              <a:ext uri="{FF2B5EF4-FFF2-40B4-BE49-F238E27FC236}">
+                <a16:creationId xmlns:a16="http://schemas.microsoft.com/office/drawing/2014/main" id="{00000000-0008-0000-0300-000002000000}"/>
+              </a:ext>
+            </a:extLst>
+          </p:cNvPr>
+          <p:cNvGraphicFramePr>
+            <a:graphicFrameLocks/>
+          </p:cNvGraphicFramePr>
+          <p:nvPr>
+            <p:extLst>
+              <p:ext uri="{D42A27DB-BD31-4B8C-83A1-F6EECF244321}">
+                <p14:modId xmlns:p14="http://schemas.microsoft.com/office/powerpoint/2010/main" val="1280378648"/>
+              </p:ext>
+            </p:extLst>
+          </p:nvPr>
+        </p:nvGraphicFramePr>
+        <p:xfrm>
+          <a:off x="1482090" y="1031776"/>
+          <a:ext cx="6179820" cy="3075940"/>
+        </p:xfrm>
+        <a:graphic>
+          <a:graphicData uri="http://schemas.openxmlformats.org/drawingml/2006/chart">
+            <c:chart xmlns:c="http://schemas.openxmlformats.org/drawingml/2006/chart" xmlns:r="http://schemas.openxmlformats.org/officeDocument/2006/relationships" r:id="rId7"/>
+          </a:graphicData>
+        </a:graphic>
+      </p:graphicFrame>
+    </p:spTree>
+    <p:extLst>
+      <p:ext uri="{BB962C8B-B14F-4D97-AF65-F5344CB8AC3E}">
+        <p14:creationId xmlns:p14="http://schemas.microsoft.com/office/powerpoint/2010/main" val="2856016681"/>
+      </p:ext>
+    </p:extLst>
+  </p:cSld>
+  <p:clrMapOvr>
+    <a:masterClrMapping/>
+  </p:clrMapOvr>
+</p:sld>
+</file>
+
+<file path=ppt/slides/slide2.xml><?xml version="1.0" encoding="utf-8"?>
+<p:sld xmlns:a="http://schemas.openxmlformats.org/drawingml/2006/main" xmlns:r="http://schemas.openxmlformats.org/officeDocument/2006/relationships" xmlns:p="http://schemas.openxmlformats.org/presentationml/2006/main">
+  <p:cSld>
+    <p:spTree>
+      <p:nvGrpSpPr>
+        <p:cNvPr id="1" name="Shape 53"/>
+        <p:cNvGrpSpPr/>
+        <p:nvPr/>
+      </p:nvGrpSpPr>
+      <p:grpSpPr>
+        <a:xfrm>
+          <a:off x="0" y="0"/>
+          <a:ext cx="0" cy="0"/>
+          <a:chOff x="0" y="0"/>
+          <a:chExt cx="0" cy="0"/>
+        </a:xfrm>
+      </p:grpSpPr>
+      <p:graphicFrame>
+        <p:nvGraphicFramePr>
           <p:cNvPr id="3" name="Object 2" hidden="1"/>
           <p:cNvGraphicFramePr>
             <a:graphicFrameLocks noChangeAspect="1"/>
@@ -8461,7 +10443,7 @@
           <a:graphicData uri="http://schemas.openxmlformats.org/presentationml/2006/ole">
             <mc:AlternateContent xmlns:mc="http://schemas.openxmlformats.org/markup-compatibility/2006">
               <mc:Choice xmlns:v="urn:schemas-microsoft-com:vml" Requires="v">
-                <p:oleObj spid="_x0000_s1027" name="think-cell Slide" r:id="rId5" imgW="473" imgH="476" progId="TCLayout.ActiveDocument.1">
+                <p:oleObj spid="_x0000_s1031" name="think-cell Slide" r:id="rId5" imgW="473" imgH="476" progId="TCLayout.ActiveDocument.1">
                   <p:embed/>
                 </p:oleObj>
               </mc:Choice>
@@ -9545,7 +11527,7 @@
 </p:sld>
 </file>
 
-<file path=ppt/slides/slide2.xml><?xml version="1.0" encoding="utf-8"?>
+<file path=ppt/slides/slide3.xml><?xml version="1.0" encoding="utf-8"?>
 <p:sld xmlns:a="http://schemas.openxmlformats.org/drawingml/2006/main" xmlns:r="http://schemas.openxmlformats.org/officeDocument/2006/relationships" xmlns:p="http://schemas.openxmlformats.org/presentationml/2006/main">
   <p:cSld>
     <p:spTree>
@@ -9587,7 +11569,7 @@
           <a:graphicData uri="http://schemas.openxmlformats.org/presentationml/2006/ole">
             <mc:AlternateContent xmlns:mc="http://schemas.openxmlformats.org/markup-compatibility/2006">
               <mc:Choice xmlns:v="urn:schemas-microsoft-com:vml" Requires="v">
-                <p:oleObj spid="_x0000_s4099" name="think-cell Slide" r:id="rId5" imgW="473" imgH="476" progId="TCLayout.ActiveDocument.1">
+                <p:oleObj spid="_x0000_s4103" name="think-cell Slide" r:id="rId5" imgW="473" imgH="476" progId="TCLayout.ActiveDocument.1">
                   <p:embed/>
                 </p:oleObj>
               </mc:Choice>
@@ -10490,7 +12472,7 @@
 </p:sld>
 </file>
 
-<file path=ppt/slides/slide3.xml><?xml version="1.0" encoding="utf-8"?>
+<file path=ppt/slides/slide4.xml><?xml version="1.0" encoding="utf-8"?>
 <p:sld xmlns:a="http://schemas.openxmlformats.org/drawingml/2006/main" xmlns:r="http://schemas.openxmlformats.org/officeDocument/2006/relationships" xmlns:p="http://schemas.openxmlformats.org/presentationml/2006/main">
   <p:cSld>
     <p:spTree>
@@ -10532,7 +12514,7 @@
           <a:graphicData uri="http://schemas.openxmlformats.org/presentationml/2006/ole">
             <mc:AlternateContent xmlns:mc="http://schemas.openxmlformats.org/markup-compatibility/2006">
               <mc:Choice xmlns:v="urn:schemas-microsoft-com:vml" Requires="v">
-                <p:oleObj spid="_x0000_s3079" name="think-cell Slide" r:id="rId5" imgW="473" imgH="476" progId="TCLayout.ActiveDocument.1">
+                <p:oleObj spid="_x0000_s3083" name="think-cell Slide" r:id="rId5" imgW="473" imgH="476" progId="TCLayout.ActiveDocument.1">
                   <p:embed/>
                 </p:oleObj>
               </mc:Choice>
@@ -10619,7 +12601,7 @@
               <a:buNone/>
             </a:pPr>
             <a:r>
-              <a:rPr lang="zh-CN" altLang="en-US" dirty="0" smtClean="0">
+              <a:rPr lang="zh-CN" altLang="en-US" dirty="0">
                 <a:latin typeface="+mn-lt"/>
                 <a:ea typeface="+mn-ea"/>
                 <a:cs typeface="+mn-ea"/>
@@ -10628,7 +12610,7 @@
               <a:t>通过查看图表以及相关数据点，可以看到有工作的学生平均睡眠时间少于没有工作的学生。还可以从图表和标准差中了解到没有工作的学生有更大范围的数据。由于没有工作的睡眠时间标准差较高，因此这些时间远离平均值，意味着睡眠时间更差。同时没有工作的学生有更大的数据范围，因为其</a:t>
             </a:r>
             <a:r>
-              <a:rPr lang="en-US" altLang="zh-CN" dirty="0" smtClean="0">
+              <a:rPr lang="en-US" altLang="zh-CN" dirty="0">
                 <a:latin typeface="+mn-lt"/>
                 <a:ea typeface="+mn-ea"/>
                 <a:cs typeface="+mn-ea"/>
@@ -10637,7 +12619,7 @@
               <a:t>IQR</a:t>
             </a:r>
             <a:r>
-              <a:rPr lang="zh-CN" altLang="en-US" dirty="0" smtClean="0">
+              <a:rPr lang="zh-CN" altLang="en-US" dirty="0">
                 <a:latin typeface="+mn-lt"/>
                 <a:ea typeface="+mn-ea"/>
                 <a:cs typeface="+mn-ea"/>
@@ -10646,7 +12628,7 @@
               <a:t>（</a:t>
             </a:r>
             <a:r>
-              <a:rPr lang="en-US" altLang="zh-CN" dirty="0" smtClean="0">
+              <a:rPr lang="en-US" altLang="zh-CN" dirty="0">
                 <a:latin typeface="+mn-lt"/>
                 <a:ea typeface="+mn-ea"/>
                 <a:cs typeface="+mn-ea"/>
@@ -10655,7 +12637,7 @@
               <a:t>2</a:t>
             </a:r>
             <a:r>
-              <a:rPr lang="zh-CN" altLang="en-US" dirty="0" smtClean="0">
+              <a:rPr lang="zh-CN" altLang="en-US" dirty="0">
                 <a:latin typeface="+mn-lt"/>
                 <a:ea typeface="+mn-ea"/>
                 <a:cs typeface="+mn-ea"/>
@@ -10664,7 +12646,7 @@
               <a:t>）大于有工作学生的</a:t>
             </a:r>
             <a:r>
-              <a:rPr lang="en-US" altLang="zh-CN" dirty="0" smtClean="0">
+              <a:rPr lang="en-US" altLang="zh-CN" dirty="0">
                 <a:latin typeface="+mn-lt"/>
                 <a:ea typeface="+mn-ea"/>
                 <a:cs typeface="+mn-ea"/>
@@ -10673,7 +12655,7 @@
               <a:t>IQR</a:t>
             </a:r>
             <a:r>
-              <a:rPr lang="zh-CN" altLang="en-US" dirty="0" smtClean="0">
+              <a:rPr lang="zh-CN" altLang="en-US" dirty="0">
                 <a:latin typeface="+mn-lt"/>
                 <a:ea typeface="+mn-ea"/>
                 <a:cs typeface="+mn-ea"/>
@@ -10682,7 +12664,7 @@
               <a:t>（</a:t>
             </a:r>
             <a:r>
-              <a:rPr lang="en-US" altLang="zh-CN" dirty="0" smtClean="0">
+              <a:rPr lang="en-US" altLang="zh-CN" dirty="0">
                 <a:latin typeface="+mn-lt"/>
                 <a:ea typeface="+mn-ea"/>
                 <a:cs typeface="+mn-ea"/>
@@ -10691,7 +12673,7 @@
               <a:t>1</a:t>
             </a:r>
             <a:r>
-              <a:rPr lang="zh-CN" altLang="en-US" dirty="0" smtClean="0">
+              <a:rPr lang="zh-CN" altLang="en-US" dirty="0">
                 <a:latin typeface="+mn-lt"/>
                 <a:ea typeface="+mn-ea"/>
                 <a:cs typeface="+mn-ea"/>
@@ -10746,7 +12728,7 @@
               <a:buNone/>
             </a:pPr>
             <a:r>
-              <a:rPr lang="zh-CN" altLang="en-US" dirty="0" smtClean="0">
+              <a:rPr lang="zh-CN" altLang="en-US" dirty="0">
                 <a:solidFill>
                   <a:srgbClr val="FFFFFF"/>
                 </a:solidFill>
@@ -10867,7 +12849,7 @@
                     <a:p>
                       <a:pPr algn="ctr" fontAlgn="b"/>
                       <a:r>
-                        <a:rPr lang="en-US" altLang="zh-CN" sz="1400" u="none" strike="noStrike" dirty="0" smtClean="0">
+                        <a:rPr lang="en-US" altLang="zh-CN" sz="1400" u="none" strike="noStrike" dirty="0">
                           <a:solidFill>
                             <a:schemeClr val="bg1"/>
                           </a:solidFill>
@@ -10904,7 +12886,7 @@
                     <a:p>
                       <a:pPr algn="ctr" fontAlgn="b"/>
                       <a:r>
-                        <a:rPr lang="en-US" sz="1400" b="1" i="0" u="none" strike="noStrike" dirty="0" smtClean="0">
+                        <a:rPr lang="en-US" sz="1400" b="1" i="0" u="none" strike="noStrike" dirty="0">
                           <a:solidFill>
                             <a:schemeClr val="bg1"/>
                           </a:solidFill>
@@ -10916,16 +12898,6 @@
                         </a:rPr>
                         <a:t>Employment</a:t>
                       </a:r>
-                      <a:endParaRPr lang="en-US" sz="1400" b="1" i="0" u="none" strike="noStrike" dirty="0">
-                        <a:solidFill>
-                          <a:schemeClr val="bg1"/>
-                        </a:solidFill>
-                        <a:effectLst/>
-                        <a:latin typeface="+mn-lt"/>
-                        <a:ea typeface="+mn-ea"/>
-                        <a:cs typeface="+mn-ea"/>
-                        <a:sym typeface="+mn-lt"/>
-                      </a:endParaRPr>
                     </a:p>
                   </a:txBody>
                   <a:tcPr marL="9525" marR="9525" marT="9525" marB="0" anchor="ctr">
@@ -10968,7 +12940,7 @@
                     <a:p>
                       <a:pPr algn="ctr"/>
                       <a:r>
-                        <a:rPr lang="en-US" sz="1200" dirty="0" smtClean="0">
+                        <a:rPr lang="en-US" sz="1200" dirty="0">
                           <a:effectLst/>
                           <a:latin typeface="+mn-lt"/>
                           <a:ea typeface="+mn-ea"/>
@@ -10977,13 +12949,6 @@
                         </a:rPr>
                         <a:t>1</a:t>
                       </a:r>
-                      <a:endParaRPr lang="en-US" sz="1200" dirty="0">
-                        <a:effectLst/>
-                        <a:latin typeface="+mn-lt"/>
-                        <a:ea typeface="+mn-ea"/>
-                        <a:cs typeface="+mn-ea"/>
-                        <a:sym typeface="+mn-lt"/>
-                      </a:endParaRPr>
                     </a:p>
                   </a:txBody>
                   <a:tcPr anchor="ctr"/>
@@ -10995,7 +12960,7 @@
                     <a:p>
                       <a:pPr algn="ctr"/>
                       <a:r>
-                        <a:rPr lang="en-US" sz="1200" dirty="0" smtClean="0">
+                        <a:rPr lang="en-US" sz="1200" dirty="0">
                           <a:effectLst/>
                           <a:latin typeface="+mn-lt"/>
                           <a:ea typeface="+mn-ea"/>
@@ -11004,13 +12969,6 @@
                         </a:rPr>
                         <a:t>4</a:t>
                       </a:r>
-                      <a:endParaRPr lang="en-US" sz="1200" dirty="0">
-                        <a:effectLst/>
-                        <a:latin typeface="+mn-lt"/>
-                        <a:ea typeface="+mn-ea"/>
-                        <a:cs typeface="+mn-ea"/>
-                        <a:sym typeface="+mn-lt"/>
-                      </a:endParaRPr>
                     </a:p>
                   </a:txBody>
                   <a:tcPr anchor="ctr"/>
@@ -11029,7 +12987,7 @@
                     <a:p>
                       <a:pPr algn="ctr"/>
                       <a:r>
-                        <a:rPr lang="en-US" sz="1200" dirty="0" smtClean="0">
+                        <a:rPr lang="en-US" sz="1200" dirty="0">
                           <a:effectLst/>
                           <a:latin typeface="+mn-lt"/>
                           <a:ea typeface="+mn-ea"/>
@@ -11038,13 +12996,6 @@
                         </a:rPr>
                         <a:t>Q1</a:t>
                       </a:r>
-                      <a:endParaRPr lang="en-US" sz="1200" dirty="0">
-                        <a:effectLst/>
-                        <a:latin typeface="+mn-lt"/>
-                        <a:ea typeface="+mn-ea"/>
-                        <a:cs typeface="+mn-ea"/>
-                        <a:sym typeface="+mn-lt"/>
-                      </a:endParaRPr>
                     </a:p>
                   </a:txBody>
                   <a:tcPr anchor="ctr"/>
@@ -11056,7 +13007,7 @@
                     <a:p>
                       <a:pPr algn="ctr"/>
                       <a:r>
-                        <a:rPr lang="en-US" sz="1200" dirty="0" smtClean="0">
+                        <a:rPr lang="en-US" sz="1200" dirty="0">
                           <a:effectLst/>
                           <a:latin typeface="+mn-lt"/>
                           <a:ea typeface="+mn-ea"/>
@@ -11065,13 +13016,6 @@
                         </a:rPr>
                         <a:t>7</a:t>
                       </a:r>
-                      <a:endParaRPr lang="en-US" sz="1200" dirty="0">
-                        <a:effectLst/>
-                        <a:latin typeface="+mn-lt"/>
-                        <a:ea typeface="+mn-ea"/>
-                        <a:cs typeface="+mn-ea"/>
-                        <a:sym typeface="+mn-lt"/>
-                      </a:endParaRPr>
                     </a:p>
                   </a:txBody>
                   <a:tcPr anchor="ctr"/>
@@ -11083,7 +13027,7 @@
                     <a:p>
                       <a:pPr algn="ctr"/>
                       <a:r>
-                        <a:rPr lang="en-US" sz="1200" dirty="0" smtClean="0">
+                        <a:rPr lang="en-US" sz="1200" dirty="0">
                           <a:effectLst/>
                           <a:latin typeface="+mn-lt"/>
                           <a:ea typeface="+mn-ea"/>
@@ -11092,13 +13036,6 @@
                         </a:rPr>
                         <a:t>6</a:t>
                       </a:r>
-                      <a:endParaRPr lang="en-US" sz="1200" dirty="0">
-                        <a:effectLst/>
-                        <a:latin typeface="+mn-lt"/>
-                        <a:ea typeface="+mn-ea"/>
-                        <a:cs typeface="+mn-ea"/>
-                        <a:sym typeface="+mn-lt"/>
-                      </a:endParaRPr>
                     </a:p>
                   </a:txBody>
                   <a:tcPr anchor="ctr"/>
@@ -11117,7 +13054,7 @@
                     <a:p>
                       <a:pPr algn="ctr"/>
                       <a:r>
-                        <a:rPr lang="en-US" sz="1200" dirty="0" smtClean="0">
+                        <a:rPr lang="en-US" sz="1200" dirty="0">
                           <a:effectLst/>
                           <a:latin typeface="+mn-lt"/>
                           <a:ea typeface="+mn-ea"/>
@@ -11126,13 +13063,6 @@
                         </a:rPr>
                         <a:t>Median</a:t>
                       </a:r>
-                      <a:endParaRPr lang="en-US" sz="1200" dirty="0">
-                        <a:effectLst/>
-                        <a:latin typeface="+mn-lt"/>
-                        <a:ea typeface="+mn-ea"/>
-                        <a:cs typeface="+mn-ea"/>
-                        <a:sym typeface="+mn-lt"/>
-                      </a:endParaRPr>
                     </a:p>
                   </a:txBody>
                   <a:tcPr anchor="ctr"/>
@@ -11144,7 +13074,7 @@
                     <a:p>
                       <a:pPr algn="ctr"/>
                       <a:r>
-                        <a:rPr lang="en-US" sz="1200" dirty="0" smtClean="0">
+                        <a:rPr lang="en-US" sz="1200" dirty="0">
                           <a:effectLst/>
                           <a:latin typeface="+mn-lt"/>
                           <a:ea typeface="+mn-ea"/>
@@ -11153,13 +13083,6 @@
                         </a:rPr>
                         <a:t>7</a:t>
                       </a:r>
-                      <a:endParaRPr lang="en-US" sz="1200" dirty="0">
-                        <a:effectLst/>
-                        <a:latin typeface="+mn-lt"/>
-                        <a:ea typeface="+mn-ea"/>
-                        <a:cs typeface="+mn-ea"/>
-                        <a:sym typeface="+mn-lt"/>
-                      </a:endParaRPr>
                     </a:p>
                   </a:txBody>
                   <a:tcPr anchor="ctr"/>
@@ -11171,7 +13094,7 @@
                     <a:p>
                       <a:pPr algn="ctr"/>
                       <a:r>
-                        <a:rPr lang="en-US" sz="1200" dirty="0" smtClean="0">
+                        <a:rPr lang="en-US" sz="1200" dirty="0">
                           <a:effectLst/>
                           <a:latin typeface="+mn-lt"/>
                           <a:ea typeface="+mn-ea"/>
@@ -11180,13 +13103,6 @@
                         </a:rPr>
                         <a:t>7</a:t>
                       </a:r>
-                      <a:endParaRPr lang="en-US" sz="1200" dirty="0">
-                        <a:effectLst/>
-                        <a:latin typeface="+mn-lt"/>
-                        <a:ea typeface="+mn-ea"/>
-                        <a:cs typeface="+mn-ea"/>
-                        <a:sym typeface="+mn-lt"/>
-                      </a:endParaRPr>
                     </a:p>
                   </a:txBody>
                   <a:tcPr anchor="ctr"/>
@@ -11205,7 +13121,7 @@
                     <a:p>
                       <a:pPr algn="ctr"/>
                       <a:r>
-                        <a:rPr lang="en-US" altLang="zh-CN" sz="1200" dirty="0" smtClean="0">
+                        <a:rPr lang="en-US" altLang="zh-CN" sz="1200" dirty="0">
                           <a:effectLst/>
                           <a:latin typeface="+mn-lt"/>
                           <a:ea typeface="+mn-ea"/>
@@ -11232,7 +13148,7 @@
                     <a:p>
                       <a:pPr algn="ctr"/>
                       <a:r>
-                        <a:rPr lang="en-US" altLang="zh-CN" sz="1200" dirty="0" smtClean="0">
+                        <a:rPr lang="en-US" altLang="zh-CN" sz="1200" dirty="0">
                           <a:effectLst/>
                           <a:latin typeface="+mn-lt"/>
                           <a:ea typeface="+mn-ea"/>
@@ -11259,7 +13175,7 @@
                     <a:p>
                       <a:pPr algn="ctr"/>
                       <a:r>
-                        <a:rPr lang="en-US" altLang="zh-CN" sz="1200" dirty="0" smtClean="0">
+                        <a:rPr lang="en-US" altLang="zh-CN" sz="1200" dirty="0">
                           <a:effectLst/>
                           <a:latin typeface="+mn-lt"/>
                           <a:ea typeface="+mn-ea"/>
@@ -11293,7 +13209,7 @@
                     <a:p>
                       <a:pPr algn="ctr"/>
                       <a:r>
-                        <a:rPr lang="en-US" altLang="zh-CN" sz="1200" dirty="0" smtClean="0">
+                        <a:rPr lang="en-US" altLang="zh-CN" sz="1200" dirty="0">
                           <a:effectLst/>
                           <a:latin typeface="+mn-lt"/>
                           <a:ea typeface="+mn-ea"/>
@@ -11320,7 +13236,7 @@
                     <a:p>
                       <a:pPr algn="ctr"/>
                       <a:r>
-                        <a:rPr lang="en-US" sz="1200" dirty="0" smtClean="0">
+                        <a:rPr lang="en-US" sz="1200" dirty="0">
                           <a:effectLst/>
                           <a:latin typeface="+mn-lt"/>
                           <a:ea typeface="+mn-ea"/>
@@ -11329,13 +13245,6 @@
                         </a:rPr>
                         <a:t>10</a:t>
                       </a:r>
-                      <a:endParaRPr lang="en-US" sz="1200" dirty="0">
-                        <a:effectLst/>
-                        <a:latin typeface="+mn-lt"/>
-                        <a:ea typeface="+mn-ea"/>
-                        <a:cs typeface="+mn-ea"/>
-                        <a:sym typeface="+mn-lt"/>
-                      </a:endParaRPr>
                     </a:p>
                   </a:txBody>
                   <a:tcPr anchor="ctr"/>
@@ -11347,7 +13256,7 @@
                     <a:p>
                       <a:pPr algn="ctr"/>
                       <a:r>
-                        <a:rPr lang="en-US" sz="1200" dirty="0" smtClean="0">
+                        <a:rPr lang="en-US" sz="1200" dirty="0">
                           <a:effectLst/>
                           <a:latin typeface="+mn-lt"/>
                           <a:ea typeface="+mn-ea"/>
@@ -11356,13 +13265,6 @@
                         </a:rPr>
                         <a:t>10</a:t>
                       </a:r>
-                      <a:endParaRPr lang="en-US" sz="1200" dirty="0">
-                        <a:effectLst/>
-                        <a:latin typeface="+mn-lt"/>
-                        <a:ea typeface="+mn-ea"/>
-                        <a:cs typeface="+mn-ea"/>
-                        <a:sym typeface="+mn-lt"/>
-                      </a:endParaRPr>
                     </a:p>
                   </a:txBody>
                   <a:tcPr anchor="ctr"/>
@@ -11381,7 +13283,7 @@
                     <a:p>
                       <a:pPr algn="ctr"/>
                       <a:r>
-                        <a:rPr lang="en-US" sz="1200" dirty="0" smtClean="0">
+                        <a:rPr lang="en-US" sz="1200" dirty="0">
                           <a:effectLst/>
                           <a:latin typeface="+mn-lt"/>
                           <a:ea typeface="+mn-ea"/>
@@ -11390,13 +13292,6 @@
                         </a:rPr>
                         <a:t>Mean</a:t>
                       </a:r>
-                      <a:endParaRPr lang="en-US" sz="1200" dirty="0">
-                        <a:effectLst/>
-                        <a:latin typeface="+mn-lt"/>
-                        <a:ea typeface="+mn-ea"/>
-                        <a:cs typeface="+mn-ea"/>
-                        <a:sym typeface="+mn-lt"/>
-                      </a:endParaRPr>
                     </a:p>
                   </a:txBody>
                   <a:tcPr anchor="ctr"/>
@@ -11408,7 +13303,7 @@
                     <a:p>
                       <a:pPr algn="ctr"/>
                       <a:r>
-                        <a:rPr lang="en-US" sz="1200" dirty="0" smtClean="0">
+                        <a:rPr lang="en-US" sz="1200" dirty="0">
                           <a:effectLst/>
                           <a:latin typeface="+mn-lt"/>
                           <a:ea typeface="+mn-ea"/>
@@ -11417,13 +13312,6 @@
                         </a:rPr>
                         <a:t>7.082707</a:t>
                       </a:r>
-                      <a:endParaRPr lang="en-US" sz="1200" dirty="0">
-                        <a:effectLst/>
-                        <a:latin typeface="+mn-lt"/>
-                        <a:ea typeface="+mn-ea"/>
-                        <a:cs typeface="+mn-ea"/>
-                        <a:sym typeface="+mn-lt"/>
-                      </a:endParaRPr>
                     </a:p>
                   </a:txBody>
                   <a:tcPr anchor="ctr"/>
@@ -11435,7 +13323,7 @@
                     <a:p>
                       <a:pPr algn="ctr"/>
                       <a:r>
-                        <a:rPr lang="en-US" sz="1200" dirty="0" smtClean="0">
+                        <a:rPr lang="en-US" sz="1200" dirty="0">
                           <a:effectLst/>
                           <a:latin typeface="+mn-lt"/>
                           <a:ea typeface="+mn-ea"/>
@@ -11444,13 +13332,6 @@
                         </a:rPr>
                         <a:t>6.882736</a:t>
                       </a:r>
-                      <a:endParaRPr lang="en-US" sz="1200" dirty="0">
-                        <a:effectLst/>
-                        <a:latin typeface="+mn-lt"/>
-                        <a:ea typeface="+mn-ea"/>
-                        <a:cs typeface="+mn-ea"/>
-                        <a:sym typeface="+mn-lt"/>
-                      </a:endParaRPr>
                     </a:p>
                   </a:txBody>
                   <a:tcPr anchor="ctr"/>
@@ -11469,7 +13350,7 @@
                     <a:p>
                       <a:pPr algn="ctr"/>
                       <a:r>
-                        <a:rPr lang="en-US" sz="1200" dirty="0" err="1" smtClean="0">
+                        <a:rPr lang="en-US" sz="1200" dirty="0" err="1">
                           <a:effectLst/>
                           <a:latin typeface="+mn-lt"/>
                           <a:ea typeface="+mn-ea"/>
@@ -11479,7 +13360,7 @@
                         <a:t>Std</a:t>
                       </a:r>
                       <a:r>
-                        <a:rPr lang="en-US" sz="1200" dirty="0" smtClean="0">
+                        <a:rPr lang="en-US" sz="1200" dirty="0">
                           <a:effectLst/>
                           <a:latin typeface="+mn-lt"/>
                           <a:ea typeface="+mn-ea"/>
@@ -11488,13 +13369,6 @@
                         </a:rPr>
                         <a:t> Dev</a:t>
                       </a:r>
-                      <a:endParaRPr lang="en-US" sz="1200" dirty="0">
-                        <a:effectLst/>
-                        <a:latin typeface="+mn-lt"/>
-                        <a:ea typeface="+mn-ea"/>
-                        <a:cs typeface="+mn-ea"/>
-                        <a:sym typeface="+mn-lt"/>
-                      </a:endParaRPr>
                     </a:p>
                   </a:txBody>
                   <a:tcPr anchor="ctr"/>
@@ -11506,7 +13380,7 @@
                     <a:p>
                       <a:pPr algn="ctr"/>
                       <a:r>
-                        <a:rPr lang="en-US" sz="1200" dirty="0" smtClean="0">
+                        <a:rPr lang="en-US" sz="1200" dirty="0">
                           <a:effectLst/>
                           <a:latin typeface="+mn-lt"/>
                           <a:ea typeface="+mn-ea"/>
@@ -11515,13 +13389,6 @@
                         </a:rPr>
                         <a:t>1.23267</a:t>
                       </a:r>
-                      <a:endParaRPr lang="en-US" sz="1200" dirty="0">
-                        <a:effectLst/>
-                        <a:latin typeface="+mn-lt"/>
-                        <a:ea typeface="+mn-ea"/>
-                        <a:cs typeface="+mn-ea"/>
-                        <a:sym typeface="+mn-lt"/>
-                      </a:endParaRPr>
                     </a:p>
                   </a:txBody>
                   <a:tcPr anchor="ctr"/>
@@ -11533,7 +13400,7 @@
                     <a:p>
                       <a:pPr algn="ctr"/>
                       <a:r>
-                        <a:rPr lang="en-US" sz="1200" dirty="0" smtClean="0">
+                        <a:rPr lang="en-US" sz="1200" dirty="0">
                           <a:effectLst/>
                           <a:latin typeface="+mn-lt"/>
                           <a:ea typeface="+mn-ea"/>
@@ -11542,13 +13409,6 @@
                         </a:rPr>
                         <a:t>0.921651</a:t>
                       </a:r>
-                      <a:endParaRPr lang="en-US" sz="1200" dirty="0">
-                        <a:effectLst/>
-                        <a:latin typeface="+mn-lt"/>
-                        <a:ea typeface="+mn-ea"/>
-                        <a:cs typeface="+mn-ea"/>
-                        <a:sym typeface="+mn-lt"/>
-                      </a:endParaRPr>
                     </a:p>
                   </a:txBody>
                   <a:tcPr anchor="ctr"/>
@@ -11563,8 +13423,8 @@
           </a:graphicData>
         </a:graphic>
       </p:graphicFrame>
-      <mc:AlternateContent xmlns:mc="http://schemas.openxmlformats.org/markup-compatibility/2006">
-        <mc:Choice xmlns:cx1="http://schemas.microsoft.com/office/drawing/2015/9/8/chartex" Requires="cx1">
+      <mc:AlternateContent xmlns:mc="http://schemas.openxmlformats.org/markup-compatibility/2006" xmlns:cx1="http://schemas.microsoft.com/office/drawing/2015/9/8/chartex">
+        <mc:Choice Requires="cx1">
           <p:graphicFrame>
             <p:nvGraphicFramePr>
               <p:cNvPr id="8" name="Chart 7">
@@ -11594,7 +13454,7 @@
             </a:graphic>
           </p:graphicFrame>
         </mc:Choice>
-        <mc:Fallback>
+        <mc:Fallback xmlns="">
           <p:pic>
             <p:nvPicPr>
               <p:cNvPr id="8" name="Chart 7">
@@ -11665,6 +13525,12 @@
 </file>
 
 <file path=ppt/tags/tag5.xml><?xml version="1.0" encoding="utf-8"?>
+<p:tagLst xmlns:a="http://schemas.openxmlformats.org/drawingml/2006/main" xmlns:r="http://schemas.openxmlformats.org/officeDocument/2006/relationships" xmlns:p="http://schemas.openxmlformats.org/presentationml/2006/main">
+  <p:tag name="THINKCELLSHAPEDONOTDELETE" val="thinkcellActiveDocDoNotDelete"/>
+</p:tagLst>
+</file>
+
+<file path=ppt/tags/tag6.xml><?xml version="1.0" encoding="utf-8"?>
 <p:tagLst xmlns:a="http://schemas.openxmlformats.org/drawingml/2006/main" xmlns:r="http://schemas.openxmlformats.org/officeDocument/2006/relationships" xmlns:p="http://schemas.openxmlformats.org/presentationml/2006/main">
   <p:tag name="THINKCELLSHAPEDONOTDELETE" val="thinkcellActiveDocDoNotDelete"/>
 </p:tagLst>
